--- a/Lecture Slides/VideoLectureSlides/15.2.pptx
+++ b/Lecture Slides/VideoLectureSlides/15.2.pptx
@@ -5,20 +5,24 @@
     <p:sldMasterId id="2147483660" r:id="rId4"/>
   </p:sldMasterIdLst>
   <p:notesMasterIdLst>
-    <p:notesMasterId r:id="rId16"/>
+    <p:notesMasterId r:id="rId20"/>
   </p:notesMasterIdLst>
   <p:sldIdLst>
     <p:sldId id="256" r:id="rId5"/>
-    <p:sldId id="274" r:id="rId6"/>
-    <p:sldId id="289" r:id="rId7"/>
-    <p:sldId id="288" r:id="rId8"/>
-    <p:sldId id="291" r:id="rId9"/>
-    <p:sldId id="292" r:id="rId10"/>
-    <p:sldId id="294" r:id="rId11"/>
-    <p:sldId id="295" r:id="rId12"/>
-    <p:sldId id="268" r:id="rId13"/>
-    <p:sldId id="287" r:id="rId14"/>
-    <p:sldId id="263" r:id="rId15"/>
+    <p:sldId id="289" r:id="rId6"/>
+    <p:sldId id="258" r:id="rId7"/>
+    <p:sldId id="259" r:id="rId8"/>
+    <p:sldId id="288" r:id="rId9"/>
+    <p:sldId id="291" r:id="rId10"/>
+    <p:sldId id="292" r:id="rId11"/>
+    <p:sldId id="268" r:id="rId12"/>
+    <p:sldId id="287" r:id="rId13"/>
+    <p:sldId id="263" r:id="rId14"/>
+    <p:sldId id="290" r:id="rId15"/>
+    <p:sldId id="293" r:id="rId16"/>
+    <p:sldId id="294" r:id="rId17"/>
+    <p:sldId id="295" r:id="rId18"/>
+    <p:sldId id="296" r:id="rId19"/>
   </p:sldIdLst>
   <p:sldSz cx="9144000" cy="6858000" type="screen4x3"/>
   <p:notesSz cx="6858000" cy="9144000"/>
@@ -232,7 +236,7 @@
           <a:p>
             <a:fld id="{1AA1AB63-216F-4D5B-8811-CCB935E98D4A}" type="datetimeFigureOut">
               <a:rPr lang="en-US" smtClean="0"/>
-              <a:t>4/19/2021</a:t>
+              <a:t>1/13/2022</a:t>
             </a:fld>
             <a:endParaRPr lang="en-US" dirty="0"/>
           </a:p>
@@ -497,6 +501,90 @@
     </a:lvl9pPr>
   </p:notesStyle>
 </p:notesMaster>
+</file>
+
+<file path=ppt/notesSlides/notesSlide1.xml><?xml version="1.0" encoding="utf-8"?>
+<p:notes xmlns:a="http://schemas.openxmlformats.org/drawingml/2006/main" xmlns:r="http://schemas.openxmlformats.org/officeDocument/2006/relationships" xmlns:p="http://schemas.openxmlformats.org/presentationml/2006/main">
+  <p:cSld>
+    <p:spTree>
+      <p:nvGrpSpPr>
+        <p:cNvPr id="1" name=""/>
+        <p:cNvGrpSpPr/>
+        <p:nvPr/>
+      </p:nvGrpSpPr>
+      <p:grpSpPr>
+        <a:xfrm>
+          <a:off x="0" y="0"/>
+          <a:ext cx="0" cy="0"/>
+          <a:chOff x="0" y="0"/>
+          <a:chExt cx="0" cy="0"/>
+        </a:xfrm>
+      </p:grpSpPr>
+      <p:sp>
+        <p:nvSpPr>
+          <p:cNvPr id="2" name="Slide Image Placeholder 1"/>
+          <p:cNvSpPr>
+            <a:spLocks noGrp="1" noRot="1" noChangeAspect="1"/>
+          </p:cNvSpPr>
+          <p:nvPr>
+            <p:ph type="sldImg"/>
+          </p:nvPr>
+        </p:nvSpPr>
+        <p:spPr/>
+      </p:sp>
+      <p:sp>
+        <p:nvSpPr>
+          <p:cNvPr id="3" name="Notes Placeholder 2"/>
+          <p:cNvSpPr>
+            <a:spLocks noGrp="1"/>
+          </p:cNvSpPr>
+          <p:nvPr>
+            <p:ph type="body" idx="1"/>
+          </p:nvPr>
+        </p:nvSpPr>
+        <p:spPr/>
+        <p:txBody>
+          <a:bodyPr/>
+          <a:lstStyle/>
+          <a:p>
+            <a:endParaRPr lang="en-US" dirty="0"/>
+          </a:p>
+        </p:txBody>
+      </p:sp>
+      <p:sp>
+        <p:nvSpPr>
+          <p:cNvPr id="4" name="Slide Number Placeholder 3"/>
+          <p:cNvSpPr>
+            <a:spLocks noGrp="1"/>
+          </p:cNvSpPr>
+          <p:nvPr>
+            <p:ph type="sldNum" sz="quarter" idx="10"/>
+          </p:nvPr>
+        </p:nvSpPr>
+        <p:spPr/>
+        <p:txBody>
+          <a:bodyPr/>
+          <a:lstStyle/>
+          <a:p>
+            <a:fld id="{D071503E-B3EF-424C-B3CC-B319B8E34A61}" type="slidenum">
+              <a:rPr lang="en-US" smtClean="0"/>
+              <a:t>3</a:t>
+            </a:fld>
+            <a:endParaRPr lang="en-US"/>
+          </a:p>
+        </p:txBody>
+      </p:sp>
+    </p:spTree>
+    <p:extLst>
+      <p:ext uri="{BB962C8B-B14F-4D97-AF65-F5344CB8AC3E}">
+        <p14:creationId xmlns:p14="http://schemas.microsoft.com/office/powerpoint/2010/main" val="2595769041"/>
+      </p:ext>
+    </p:extLst>
+  </p:cSld>
+  <p:clrMapOvr>
+    <a:masterClrMapping/>
+  </p:clrMapOvr>
+</p:notes>
 </file>
 
 <file path=ppt/slideLayouts/slideLayout1.xml><?xml version="1.0" encoding="utf-8"?>
@@ -3682,7 +3770,7 @@
           <a:p>
             <a:r>
               <a:rPr lang="en-US" dirty="0"/>
-              <a:t>Rigid Body Surface Impact</a:t>
+              <a:t>Impulse and Momentum in a Rigid Body</a:t>
             </a:r>
           </a:p>
         </p:txBody>
@@ -3760,7 +3848,74 @@
             <a:spLocks noGrp="1"/>
           </p:cNvSpPr>
           <p:nvPr>
-            <p:ph type="ctrTitle"/>
+            <p:ph type="title"/>
+          </p:nvPr>
+        </p:nvSpPr>
+        <p:spPr/>
+        <p:txBody>
+          <a:bodyPr>
+            <a:normAutofit/>
+          </a:bodyPr>
+          <a:lstStyle/>
+          <a:p>
+            <a:r>
+              <a:rPr lang="en-US" dirty="0"/>
+              <a:t>Worked Example</a:t>
+            </a:r>
+          </a:p>
+        </p:txBody>
+      </p:sp>
+      <p:sp>
+        <p:nvSpPr>
+          <p:cNvPr id="3" name="Content Placeholder 2"/>
+          <p:cNvSpPr>
+            <a:spLocks noGrp="1"/>
+          </p:cNvSpPr>
+          <p:nvPr>
+            <p:ph idx="1"/>
+          </p:nvPr>
+        </p:nvSpPr>
+        <p:spPr>
+          <a:xfrm>
+            <a:off x="457200" y="1600201"/>
+            <a:ext cx="8229600" cy="2286000"/>
+          </a:xfrm>
+        </p:spPr>
+        <p:txBody>
+          <a:bodyPr>
+            <a:normAutofit fontScale="77500" lnSpcReduction="20000"/>
+          </a:bodyPr>
+          <a:lstStyle/>
+          <a:p>
+            <a:r>
+              <a:rPr lang="en-US" dirty="0"/>
+              <a:t>A miter saw has an operating speed of 1500 rpm. The blade and motor armature have a combined weight of 3 lbs and a radius of gyration of 1 inch.</a:t>
+            </a:r>
+          </a:p>
+          <a:p>
+            <a:pPr lvl="1"/>
+            <a:r>
+              <a:rPr lang="en-US" dirty="0"/>
+              <a:t>What is the time required for the bearing friction alone (T=.015 in lbs) to stop the blade?</a:t>
+            </a:r>
+          </a:p>
+          <a:p>
+            <a:pPr lvl="1"/>
+            <a:r>
+              <a:rPr lang="en-US" dirty="0"/>
+              <a:t>What is the torque a braking system would need to apply to stop the blade in just .25 seconds?</a:t>
+            </a:r>
+          </a:p>
+        </p:txBody>
+      </p:sp>
+      <p:sp>
+        <p:nvSpPr>
+          <p:cNvPr id="4" name="Slide Number Placeholder 3"/>
+          <p:cNvSpPr>
+            <a:spLocks noGrp="1"/>
+          </p:cNvSpPr>
+          <p:nvPr>
+            <p:ph type="sldNum" sz="quarter" idx="12"/>
           </p:nvPr>
         </p:nvSpPr>
         <p:spPr/>
@@ -3768,31 +3923,92 @@
           <a:bodyPr/>
           <a:lstStyle/>
           <a:p>
-            <a:r>
-              <a:rPr lang="en-US" dirty="0"/>
-              <a:t>Thanks for Watching</a:t>
-            </a:r>
+            <a:fld id="{929262FE-7F58-4A1E-8AF3-5A510A86DEBD}" type="slidenum">
+              <a:rPr lang="en-US" smtClean="0"/>
+              <a:t>10</a:t>
+            </a:fld>
+            <a:endParaRPr lang="en-US"/>
           </a:p>
         </p:txBody>
       </p:sp>
+      <p:pic>
+        <p:nvPicPr>
+          <p:cNvPr id="1026" name="Picture 2" descr="Problem 1 Diagram">
+            <a:extLst>
+              <a:ext uri="{FF2B5EF4-FFF2-40B4-BE49-F238E27FC236}">
+                <a16:creationId xmlns:a16="http://schemas.microsoft.com/office/drawing/2014/main" id="{9D7FE223-6E5B-4C4D-9E0E-5277C66E0B37}"/>
+              </a:ext>
+            </a:extLst>
+          </p:cNvPr>
+          <p:cNvPicPr>
+            <a:picLocks noChangeAspect="1" noChangeArrowheads="1"/>
+          </p:cNvPicPr>
+          <p:nvPr/>
+        </p:nvPicPr>
+        <p:blipFill>
+          <a:blip r:embed="rId2">
+            <a:extLst>
+              <a:ext uri="{28A0092B-C50C-407E-A947-70E740481C1C}">
+                <a14:useLocalDpi xmlns:a14="http://schemas.microsoft.com/office/drawing/2010/main" val="0"/>
+              </a:ext>
+            </a:extLst>
+          </a:blip>
+          <a:srcRect/>
+          <a:stretch>
+            <a:fillRect/>
+          </a:stretch>
+        </p:blipFill>
+        <p:spPr bwMode="auto">
+          <a:xfrm>
+            <a:off x="2743200" y="3886200"/>
+            <a:ext cx="3657600" cy="2606040"/>
+          </a:xfrm>
+          <a:prstGeom prst="rect">
+            <a:avLst/>
+          </a:prstGeom>
+          <a:noFill/>
+          <a:extLst>
+            <a:ext uri="{909E8E84-426E-40DD-AFC4-6F175D3DCCD1}">
+              <a14:hiddenFill xmlns:a14="http://schemas.microsoft.com/office/drawing/2010/main">
+                <a:solidFill>
+                  <a:srgbClr val="FFFFFF"/>
+                </a:solidFill>
+              </a14:hiddenFill>
+            </a:ext>
+          </a:extLst>
+        </p:spPr>
+      </p:pic>
       <p:sp>
         <p:nvSpPr>
-          <p:cNvPr id="3" name="Subtitle 2"/>
-          <p:cNvSpPr>
-            <a:spLocks noGrp="1"/>
-          </p:cNvSpPr>
-          <p:nvPr>
-            <p:ph type="subTitle" idx="1"/>
-          </p:nvPr>
+          <p:cNvPr id="5" name="TextBox 4">
+            <a:extLst>
+              <a:ext uri="{FF2B5EF4-FFF2-40B4-BE49-F238E27FC236}">
+                <a16:creationId xmlns:a16="http://schemas.microsoft.com/office/drawing/2014/main" id="{E93B5F3A-81EC-45E7-A0F7-12976FFBF334}"/>
+              </a:ext>
+            </a:extLst>
+          </p:cNvPr>
+          <p:cNvSpPr txBox="1"/>
+          <p:nvPr/>
         </p:nvSpPr>
-        <p:spPr/>
+        <p:spPr>
+          <a:xfrm>
+            <a:off x="2590800" y="6477000"/>
+            <a:ext cx="3886200" cy="369332"/>
+          </a:xfrm>
+          <a:prstGeom prst="rect">
+            <a:avLst/>
+          </a:prstGeom>
+          <a:noFill/>
+        </p:spPr>
         <p:txBody>
-          <a:bodyPr/>
+          <a:bodyPr wrap="square" rtlCol="0">
+            <a:spAutoFit/>
+          </a:bodyPr>
           <a:lstStyle/>
           <a:p>
             <a:r>
               <a:rPr lang="en-US" dirty="0"/>
-              <a:t>See other engineering mechanics videos and access the full tool at…</a:t>
+              <a:t>Public domain image by John F. Looney</a:t>
             </a:r>
           </a:p>
         </p:txBody>
@@ -3800,7 +4016,7 @@
     </p:spTree>
     <p:extLst>
       <p:ext uri="{BB962C8B-B14F-4D97-AF65-F5344CB8AC3E}">
-        <p14:creationId xmlns:p14="http://schemas.microsoft.com/office/powerpoint/2010/main" val="3129637585"/>
+        <p14:creationId xmlns:p14="http://schemas.microsoft.com/office/powerpoint/2010/main" val="510980581"/>
       </p:ext>
     </p:extLst>
   </p:cSld>
@@ -3827,12 +4043,299 @@
           <a:chExt cx="0" cy="0"/>
         </a:xfrm>
       </p:grpSpPr>
+      <p:sp>
+        <p:nvSpPr>
+          <p:cNvPr id="2" name="Title 1"/>
+          <p:cNvSpPr>
+            <a:spLocks noGrp="1"/>
+          </p:cNvSpPr>
+          <p:nvPr>
+            <p:ph type="title"/>
+          </p:nvPr>
+        </p:nvSpPr>
+        <p:spPr/>
+        <p:txBody>
+          <a:bodyPr>
+            <a:normAutofit/>
+          </a:bodyPr>
+          <a:lstStyle/>
+          <a:p>
+            <a:r>
+              <a:rPr lang="en-US" dirty="0"/>
+              <a:t>Worked Example</a:t>
+            </a:r>
+          </a:p>
+        </p:txBody>
+      </p:sp>
+      <p:sp>
+        <p:nvSpPr>
+          <p:cNvPr id="3" name="Content Placeholder 2"/>
+          <p:cNvSpPr>
+            <a:spLocks noGrp="1"/>
+          </p:cNvSpPr>
+          <p:nvPr>
+            <p:ph idx="1"/>
+          </p:nvPr>
+        </p:nvSpPr>
+        <p:spPr>
+          <a:xfrm>
+            <a:off x="457200" y="1600201"/>
+            <a:ext cx="8229600" cy="2286000"/>
+          </a:xfrm>
+        </p:spPr>
+        <p:txBody>
+          <a:bodyPr>
+            <a:normAutofit fontScale="77500" lnSpcReduction="20000"/>
+          </a:bodyPr>
+          <a:lstStyle/>
+          <a:p>
+            <a:r>
+              <a:rPr lang="en-US" dirty="0"/>
+              <a:t>A bowling ball is modeled as a 7 kg uniform sphere 300 mm in diameter. The ball is released with an initial velocity of 6m/s on a horizontal wooden floor (𝜇</a:t>
+            </a:r>
+            <a:r>
+              <a:rPr lang="en-US" baseline="-25000" dirty="0"/>
+              <a:t>k</a:t>
+            </a:r>
+            <a:r>
+              <a:rPr lang="en-US" dirty="0"/>
+              <a:t>=.1) with zero angular velocity.</a:t>
+            </a:r>
+          </a:p>
+          <a:p>
+            <a:pPr lvl="1"/>
+            <a:r>
+              <a:rPr lang="en-US" dirty="0"/>
+              <a:t>How long does it take before the ball begins to roll without slipping?</a:t>
+            </a:r>
+          </a:p>
+          <a:p>
+            <a:pPr lvl="1"/>
+            <a:r>
+              <a:rPr lang="en-US" dirty="0"/>
+              <a:t>What is linear velocity of the ball at this time?</a:t>
+            </a:r>
+          </a:p>
+        </p:txBody>
+      </p:sp>
+      <p:sp>
+        <p:nvSpPr>
+          <p:cNvPr id="4" name="Slide Number Placeholder 3"/>
+          <p:cNvSpPr>
+            <a:spLocks noGrp="1"/>
+          </p:cNvSpPr>
+          <p:nvPr>
+            <p:ph type="sldNum" sz="quarter" idx="12"/>
+          </p:nvPr>
+        </p:nvSpPr>
+        <p:spPr/>
+        <p:txBody>
+          <a:bodyPr/>
+          <a:lstStyle/>
+          <a:p>
+            <a:fld id="{929262FE-7F58-4A1E-8AF3-5A510A86DEBD}" type="slidenum">
+              <a:rPr lang="en-US" smtClean="0"/>
+              <a:t>11</a:t>
+            </a:fld>
+            <a:endParaRPr lang="en-US"/>
+          </a:p>
+        </p:txBody>
+      </p:sp>
       <p:pic>
         <p:nvPicPr>
-          <p:cNvPr id="6" name="Picture 2" descr="Problem 1 Diagram">
+          <p:cNvPr id="7" name="Picture 6" descr="A picture containing indoor, ceiling, floor, sport&#10;&#10;Description automatically generated">
             <a:extLst>
               <a:ext uri="{FF2B5EF4-FFF2-40B4-BE49-F238E27FC236}">
-                <a16:creationId xmlns:a16="http://schemas.microsoft.com/office/drawing/2014/main" id="{214E94F3-502E-41FC-9069-12A8023B4A2F}"/>
+                <a16:creationId xmlns:a16="http://schemas.microsoft.com/office/drawing/2014/main" id="{30657587-9EE8-4F12-AC0C-8302EFE04111}"/>
+              </a:ext>
+            </a:extLst>
+          </p:cNvPr>
+          <p:cNvPicPr>
+            <a:picLocks noChangeAspect="1"/>
+          </p:cNvPicPr>
+          <p:nvPr/>
+        </p:nvPicPr>
+        <p:blipFill>
+          <a:blip r:embed="rId2">
+            <a:extLst>
+              <a:ext uri="{28A0092B-C50C-407E-A947-70E740481C1C}">
+                <a14:useLocalDpi xmlns:a14="http://schemas.microsoft.com/office/drawing/2010/main" val="0"/>
+              </a:ext>
+            </a:extLst>
+          </a:blip>
+          <a:stretch>
+            <a:fillRect/>
+          </a:stretch>
+        </p:blipFill>
+        <p:spPr>
+          <a:xfrm>
+            <a:off x="2590801" y="3872443"/>
+            <a:ext cx="3776644" cy="2514599"/>
+          </a:xfrm>
+          <a:prstGeom prst="rect">
+            <a:avLst/>
+          </a:prstGeom>
+        </p:spPr>
+      </p:pic>
+      <p:sp>
+        <p:nvSpPr>
+          <p:cNvPr id="9" name="TextBox 8">
+            <a:extLst>
+              <a:ext uri="{FF2B5EF4-FFF2-40B4-BE49-F238E27FC236}">
+                <a16:creationId xmlns:a16="http://schemas.microsoft.com/office/drawing/2014/main" id="{BB60E4BC-BB42-46DA-8DFE-281787794763}"/>
+              </a:ext>
+            </a:extLst>
+          </p:cNvPr>
+          <p:cNvSpPr txBox="1"/>
+          <p:nvPr/>
+        </p:nvSpPr>
+        <p:spPr>
+          <a:xfrm>
+            <a:off x="2667000" y="6415876"/>
+            <a:ext cx="3886200" cy="369332"/>
+          </a:xfrm>
+          <a:prstGeom prst="rect">
+            <a:avLst/>
+          </a:prstGeom>
+          <a:noFill/>
+        </p:spPr>
+        <p:txBody>
+          <a:bodyPr wrap="square" rtlCol="0">
+            <a:spAutoFit/>
+          </a:bodyPr>
+          <a:lstStyle/>
+          <a:p>
+            <a:r>
+              <a:rPr lang="en-US" dirty="0"/>
+              <a:t>Public domain image by Jerry </a:t>
+            </a:r>
+            <a:r>
+              <a:rPr lang="en-US" dirty="0" err="1"/>
+              <a:t>Saslav</a:t>
+            </a:r>
+            <a:endParaRPr lang="en-US" dirty="0"/>
+          </a:p>
+        </p:txBody>
+      </p:sp>
+    </p:spTree>
+    <p:extLst>
+      <p:ext uri="{BB962C8B-B14F-4D97-AF65-F5344CB8AC3E}">
+        <p14:creationId xmlns:p14="http://schemas.microsoft.com/office/powerpoint/2010/main" val="1278683075"/>
+      </p:ext>
+    </p:extLst>
+  </p:cSld>
+  <p:clrMapOvr>
+    <a:masterClrMapping/>
+  </p:clrMapOvr>
+</p:sld>
+</file>
+
+<file path=ppt/slides/slide12.xml><?xml version="1.0" encoding="utf-8"?>
+<p:sld xmlns:a="http://schemas.openxmlformats.org/drawingml/2006/main" xmlns:r="http://schemas.openxmlformats.org/officeDocument/2006/relationships" xmlns:p="http://schemas.openxmlformats.org/presentationml/2006/main">
+  <p:cSld>
+    <p:spTree>
+      <p:nvGrpSpPr>
+        <p:cNvPr id="1" name=""/>
+        <p:cNvGrpSpPr/>
+        <p:nvPr/>
+      </p:nvGrpSpPr>
+      <p:grpSpPr>
+        <a:xfrm>
+          <a:off x="0" y="0"/>
+          <a:ext cx="0" cy="0"/>
+          <a:chOff x="0" y="0"/>
+          <a:chExt cx="0" cy="0"/>
+        </a:xfrm>
+      </p:grpSpPr>
+      <p:sp>
+        <p:nvSpPr>
+          <p:cNvPr id="2" name="Title 1"/>
+          <p:cNvSpPr>
+            <a:spLocks noGrp="1"/>
+          </p:cNvSpPr>
+          <p:nvPr>
+            <p:ph type="title"/>
+          </p:nvPr>
+        </p:nvSpPr>
+        <p:spPr/>
+        <p:txBody>
+          <a:bodyPr>
+            <a:normAutofit/>
+          </a:bodyPr>
+          <a:lstStyle/>
+          <a:p>
+            <a:r>
+              <a:rPr lang="en-US" dirty="0"/>
+              <a:t>Worked Example</a:t>
+            </a:r>
+          </a:p>
+        </p:txBody>
+      </p:sp>
+      <p:sp>
+        <p:nvSpPr>
+          <p:cNvPr id="3" name="Content Placeholder 2"/>
+          <p:cNvSpPr>
+            <a:spLocks noGrp="1"/>
+          </p:cNvSpPr>
+          <p:nvPr>
+            <p:ph idx="1"/>
+          </p:nvPr>
+        </p:nvSpPr>
+        <p:spPr>
+          <a:xfrm>
+            <a:off x="457200" y="1600200"/>
+            <a:ext cx="4648200" cy="4876800"/>
+          </a:xfrm>
+        </p:spPr>
+        <p:txBody>
+          <a:bodyPr>
+            <a:normAutofit fontScale="85000" lnSpcReduction="10000"/>
+          </a:bodyPr>
+          <a:lstStyle/>
+          <a:p>
+            <a:r>
+              <a:rPr lang="en-US" b="0" i="0" dirty="0">
+                <a:solidFill>
+                  <a:srgbClr val="000000"/>
+                </a:solidFill>
+                <a:effectLst/>
+                <a:latin typeface="Arial" panose="020B0604020202020204" pitchFamily="34" charset="0"/>
+              </a:rPr>
+              <a:t>A windchime consists of several slender rods, each suspended on one end by a rope and each with mass m. Consider a singular rod for this problem. As the wind blows, the rod is subjected to an impulse I at its bottom. Determine the vertical location of point O in which the rod appears to rotate.</a:t>
+            </a:r>
+            <a:endParaRPr lang="en-US" dirty="0"/>
+          </a:p>
+        </p:txBody>
+      </p:sp>
+      <p:sp>
+        <p:nvSpPr>
+          <p:cNvPr id="4" name="Slide Number Placeholder 3"/>
+          <p:cNvSpPr>
+            <a:spLocks noGrp="1"/>
+          </p:cNvSpPr>
+          <p:nvPr>
+            <p:ph type="sldNum" sz="quarter" idx="12"/>
+          </p:nvPr>
+        </p:nvSpPr>
+        <p:spPr/>
+        <p:txBody>
+          <a:bodyPr/>
+          <a:lstStyle/>
+          <a:p>
+            <a:fld id="{929262FE-7F58-4A1E-8AF3-5A510A86DEBD}" type="slidenum">
+              <a:rPr lang="en-US" smtClean="0"/>
+              <a:t>12</a:t>
+            </a:fld>
+            <a:endParaRPr lang="en-US"/>
+          </a:p>
+        </p:txBody>
+      </p:sp>
+      <p:pic>
+        <p:nvPicPr>
+          <p:cNvPr id="1026" name="Picture 2" descr="Problem 3 Diagram">
+            <a:extLst>
+              <a:ext uri="{FF2B5EF4-FFF2-40B4-BE49-F238E27FC236}">
+                <a16:creationId xmlns:a16="http://schemas.microsoft.com/office/drawing/2014/main" id="{232FD335-C865-4FCC-88A0-A9561DA1B7BC}"/>
               </a:ext>
             </a:extLst>
           </p:cNvPr>
@@ -3842,7 +4345,7 @@
           <p:nvPr/>
         </p:nvPicPr>
         <p:blipFill>
-          <a:blip r:embed="rId2">
+          <a:blip r:embed="rId2" cstate="print">
             <a:extLst>
               <a:ext uri="{28A0092B-C50C-407E-A947-70E740481C1C}">
                 <a14:useLocalDpi xmlns:a14="http://schemas.microsoft.com/office/drawing/2010/main" val="0"/>
@@ -3856,8 +4359,8 @@
         </p:blipFill>
         <p:spPr bwMode="auto">
           <a:xfrm>
-            <a:off x="2590801" y="3429000"/>
-            <a:ext cx="4400550" cy="3388424"/>
+            <a:off x="5943600" y="1716087"/>
+            <a:ext cx="2344702" cy="4876800"/>
           </a:xfrm>
           <a:prstGeom prst="rect">
             <a:avLst/>
@@ -3874,6 +4377,36 @@
           </a:extLst>
         </p:spPr>
       </p:pic>
+    </p:spTree>
+    <p:extLst>
+      <p:ext uri="{BB962C8B-B14F-4D97-AF65-F5344CB8AC3E}">
+        <p14:creationId xmlns:p14="http://schemas.microsoft.com/office/powerpoint/2010/main" val="2002025556"/>
+      </p:ext>
+    </p:extLst>
+  </p:cSld>
+  <p:clrMapOvr>
+    <a:masterClrMapping/>
+  </p:clrMapOvr>
+</p:sld>
+</file>
+
+<file path=ppt/slides/slide13.xml><?xml version="1.0" encoding="utf-8"?>
+<p:sld xmlns:a="http://schemas.openxmlformats.org/drawingml/2006/main" xmlns:r="http://schemas.openxmlformats.org/officeDocument/2006/relationships" xmlns:p="http://schemas.openxmlformats.org/presentationml/2006/main">
+  <p:cSld>
+    <p:spTree>
+      <p:nvGrpSpPr>
+        <p:cNvPr id="1" name=""/>
+        <p:cNvGrpSpPr/>
+        <p:nvPr/>
+      </p:nvGrpSpPr>
+      <p:grpSpPr>
+        <a:xfrm>
+          <a:off x="0" y="0"/>
+          <a:ext cx="0" cy="0"/>
+          <a:chOff x="0" y="0"/>
+          <a:chExt cx="0" cy="0"/>
+        </a:xfrm>
+      </p:grpSpPr>
       <p:sp>
         <p:nvSpPr>
           <p:cNvPr id="2" name="Title 1"/>
@@ -3911,19 +4444,86 @@
         <p:spPr>
           <a:xfrm>
             <a:off x="457200" y="1600201"/>
-            <a:ext cx="8534400" cy="2362200"/>
+            <a:ext cx="8229600" cy="2344738"/>
           </a:xfrm>
         </p:spPr>
         <p:txBody>
           <a:bodyPr>
-            <a:normAutofit fontScale="92500" lnSpcReduction="10000"/>
+            <a:normAutofit fontScale="47500" lnSpcReduction="20000"/>
           </a:bodyPr>
           <a:lstStyle/>
           <a:p>
             <a:r>
-              <a:rPr lang="en-US" dirty="0"/>
-              <a:t>An 80 centimeter long 1 kilogram metal bar falling at 2 meters per second strikes the edge of a table as shown below. Assuming a coefficient of restitution of .9, what is the expected velocity and angular velocity of the bar after impact?</a:t>
-            </a:r>
+              <a:rPr lang="en-US" b="0" i="0" dirty="0">
+                <a:solidFill>
+                  <a:srgbClr val="000000"/>
+                </a:solidFill>
+                <a:effectLst/>
+                <a:latin typeface="Arial" panose="020B0604020202020204" pitchFamily="34" charset="0"/>
+              </a:rPr>
+              <a:t>A salmon hatchery has a gate to release water whenever water levels get too high. The gate is normally locked into place, but when the water reaches. The top of the gate, the lock is instantly removed. While the water would flow out of the gate by itself, there is a pump located upstream from the gate to push water forward. The pump is old, so its power slowly ramps up with time. The gate consists of a slender rod in which a 20 kg thin plate is attached. The plate has dimensions a=1.5 </a:t>
+            </a:r>
+            <a:r>
+              <a:rPr lang="en-US" b="0" i="0" dirty="0" err="1">
+                <a:solidFill>
+                  <a:srgbClr val="000000"/>
+                </a:solidFill>
+                <a:effectLst/>
+                <a:latin typeface="Arial" panose="020B0604020202020204" pitchFamily="34" charset="0"/>
+              </a:rPr>
+              <a:t>m,b</a:t>
+            </a:r>
+            <a:r>
+              <a:rPr lang="en-US" b="0" i="0" dirty="0">
+                <a:solidFill>
+                  <a:srgbClr val="000000"/>
+                </a:solidFill>
+                <a:effectLst/>
+                <a:latin typeface="Arial" panose="020B0604020202020204" pitchFamily="34" charset="0"/>
+              </a:rPr>
+              <a:t>=2 m and rotates about the slender rod as if it were a pin. Although there is a seal such that water may not get out, assume the contact between the plate and other surfaces is frictionless. If the gate is subject to water from the pump that applies a force distribution with a magnitude that is related to both the y-coordinate and time </a:t>
+            </a:r>
+            <a:r>
+              <a:rPr lang="en-US" b="0" i="0" dirty="0" err="1">
+                <a:solidFill>
+                  <a:srgbClr val="000000"/>
+                </a:solidFill>
+                <a:effectLst/>
+                <a:latin typeface="Arial" panose="020B0604020202020204" pitchFamily="34" charset="0"/>
+              </a:rPr>
+              <a:t>dF</a:t>
+            </a:r>
+            <a:r>
+              <a:rPr lang="en-US" b="0" i="0" dirty="0">
+                <a:solidFill>
+                  <a:srgbClr val="000000"/>
+                </a:solidFill>
+                <a:effectLst/>
+                <a:latin typeface="Arial" panose="020B0604020202020204" pitchFamily="34" charset="0"/>
+              </a:rPr>
+              <a:t>=(-t(y-2)^2+8t) </a:t>
+            </a:r>
+            <a:r>
+              <a:rPr lang="en-US" b="0" i="0" dirty="0" err="1">
+                <a:solidFill>
+                  <a:srgbClr val="000000"/>
+                </a:solidFill>
+                <a:effectLst/>
+                <a:latin typeface="Arial" panose="020B0604020202020204" pitchFamily="34" charset="0"/>
+              </a:rPr>
+              <a:t>dy</a:t>
+            </a:r>
+            <a:r>
+              <a:rPr lang="en-US" b="0" i="0" dirty="0">
+                <a:solidFill>
+                  <a:srgbClr val="000000"/>
+                </a:solidFill>
+                <a:effectLst/>
+                <a:latin typeface="Arial" panose="020B0604020202020204" pitchFamily="34" charset="0"/>
+              </a:rPr>
+              <a:t> N, determine the angular velocity of the gate after t=2 seconds if the gate initially starts at rest.</a:t>
+            </a:r>
+            <a:endParaRPr lang="en-US" dirty="0"/>
           </a:p>
         </p:txBody>
       </p:sp>
@@ -3944,16 +4544,464 @@
           <a:p>
             <a:fld id="{929262FE-7F58-4A1E-8AF3-5A510A86DEBD}" type="slidenum">
               <a:rPr lang="en-US" smtClean="0"/>
-              <a:t>11</a:t>
+              <a:t>13</a:t>
             </a:fld>
             <a:endParaRPr lang="en-US"/>
           </a:p>
         </p:txBody>
       </p:sp>
+      <p:pic>
+        <p:nvPicPr>
+          <p:cNvPr id="2050" name="Picture 2" descr="Problem 4 Diagram">
+            <a:extLst>
+              <a:ext uri="{FF2B5EF4-FFF2-40B4-BE49-F238E27FC236}">
+                <a16:creationId xmlns:a16="http://schemas.microsoft.com/office/drawing/2014/main" id="{60560397-F390-4743-ACA0-1A496F2C8596}"/>
+              </a:ext>
+            </a:extLst>
+          </p:cNvPr>
+          <p:cNvPicPr>
+            <a:picLocks noChangeAspect="1" noChangeArrowheads="1"/>
+          </p:cNvPicPr>
+          <p:nvPr/>
+        </p:nvPicPr>
+        <p:blipFill>
+          <a:blip r:embed="rId2" cstate="print">
+            <a:extLst>
+              <a:ext uri="{28A0092B-C50C-407E-A947-70E740481C1C}">
+                <a14:useLocalDpi xmlns:a14="http://schemas.microsoft.com/office/drawing/2010/main" val="0"/>
+              </a:ext>
+            </a:extLst>
+          </a:blip>
+          <a:srcRect/>
+          <a:stretch>
+            <a:fillRect/>
+          </a:stretch>
+        </p:blipFill>
+        <p:spPr bwMode="auto">
+          <a:xfrm>
+            <a:off x="2082390" y="3944938"/>
+            <a:ext cx="5537610" cy="2849562"/>
+          </a:xfrm>
+          <a:prstGeom prst="rect">
+            <a:avLst/>
+          </a:prstGeom>
+          <a:noFill/>
+          <a:extLst>
+            <a:ext uri="{909E8E84-426E-40DD-AFC4-6F175D3DCCD1}">
+              <a14:hiddenFill xmlns:a14="http://schemas.microsoft.com/office/drawing/2010/main">
+                <a:solidFill>
+                  <a:srgbClr val="FFFFFF"/>
+                </a:solidFill>
+              </a14:hiddenFill>
+            </a:ext>
+          </a:extLst>
+        </p:spPr>
+      </p:pic>
     </p:spTree>
     <p:extLst>
       <p:ext uri="{BB962C8B-B14F-4D97-AF65-F5344CB8AC3E}">
-        <p14:creationId xmlns:p14="http://schemas.microsoft.com/office/powerpoint/2010/main" val="510980581"/>
+        <p14:creationId xmlns:p14="http://schemas.microsoft.com/office/powerpoint/2010/main" val="736760375"/>
+      </p:ext>
+    </p:extLst>
+  </p:cSld>
+  <p:clrMapOvr>
+    <a:masterClrMapping/>
+  </p:clrMapOvr>
+</p:sld>
+</file>
+
+<file path=ppt/slides/slide14.xml><?xml version="1.0" encoding="utf-8"?>
+<p:sld xmlns:a="http://schemas.openxmlformats.org/drawingml/2006/main" xmlns:r="http://schemas.openxmlformats.org/officeDocument/2006/relationships" xmlns:p="http://schemas.openxmlformats.org/presentationml/2006/main">
+  <p:cSld>
+    <p:spTree>
+      <p:nvGrpSpPr>
+        <p:cNvPr id="1" name=""/>
+        <p:cNvGrpSpPr/>
+        <p:nvPr/>
+      </p:nvGrpSpPr>
+      <p:grpSpPr>
+        <a:xfrm>
+          <a:off x="0" y="0"/>
+          <a:ext cx="0" cy="0"/>
+          <a:chOff x="0" y="0"/>
+          <a:chExt cx="0" cy="0"/>
+        </a:xfrm>
+      </p:grpSpPr>
+      <p:sp>
+        <p:nvSpPr>
+          <p:cNvPr id="2" name="Title 1"/>
+          <p:cNvSpPr>
+            <a:spLocks noGrp="1"/>
+          </p:cNvSpPr>
+          <p:nvPr>
+            <p:ph type="title"/>
+          </p:nvPr>
+        </p:nvSpPr>
+        <p:spPr/>
+        <p:txBody>
+          <a:bodyPr>
+            <a:normAutofit/>
+          </a:bodyPr>
+          <a:lstStyle/>
+          <a:p>
+            <a:r>
+              <a:rPr lang="en-US" dirty="0"/>
+              <a:t>Worked Example</a:t>
+            </a:r>
+          </a:p>
+        </p:txBody>
+      </p:sp>
+      <p:sp>
+        <p:nvSpPr>
+          <p:cNvPr id="3" name="Content Placeholder 2"/>
+          <p:cNvSpPr>
+            <a:spLocks noGrp="1"/>
+          </p:cNvSpPr>
+          <p:nvPr>
+            <p:ph idx="1"/>
+          </p:nvPr>
+        </p:nvSpPr>
+        <p:spPr>
+          <a:xfrm>
+            <a:off x="457200" y="1600201"/>
+            <a:ext cx="8229600" cy="2344738"/>
+          </a:xfrm>
+        </p:spPr>
+        <p:txBody>
+          <a:bodyPr>
+            <a:normAutofit fontScale="70000" lnSpcReduction="20000"/>
+          </a:bodyPr>
+          <a:lstStyle/>
+          <a:p>
+            <a:r>
+              <a:rPr lang="en-US" b="0" i="0" dirty="0">
+                <a:solidFill>
+                  <a:srgbClr val="000000"/>
+                </a:solidFill>
+                <a:effectLst/>
+                <a:latin typeface="Arial" panose="020B0604020202020204" pitchFamily="34" charset="0"/>
+              </a:rPr>
+              <a:t>A city engineer is working on a cargo transport system utilizing gears and racks. She is considering a 30 kg gear with a radius of gyration of </a:t>
+            </a:r>
+            <a:r>
+              <a:rPr lang="en-US" b="0" i="0" dirty="0" err="1">
+                <a:solidFill>
+                  <a:srgbClr val="000000"/>
+                </a:solidFill>
+                <a:effectLst/>
+                <a:latin typeface="Arial" panose="020B0604020202020204" pitchFamily="34" charset="0"/>
+              </a:rPr>
+              <a:t>k</a:t>
+            </a:r>
+            <a:r>
+              <a:rPr lang="en-US" b="0" i="0" baseline="-25000" dirty="0" err="1">
+                <a:solidFill>
+                  <a:srgbClr val="000000"/>
+                </a:solidFill>
+                <a:effectLst/>
+                <a:latin typeface="Arial" panose="020B0604020202020204" pitchFamily="34" charset="0"/>
+              </a:rPr>
+              <a:t>G</a:t>
+            </a:r>
+            <a:r>
+              <a:rPr lang="en-US" b="0" i="0" dirty="0">
+                <a:solidFill>
+                  <a:srgbClr val="000000"/>
+                </a:solidFill>
+                <a:effectLst/>
+                <a:latin typeface="Arial" panose="020B0604020202020204" pitchFamily="34" charset="0"/>
+              </a:rPr>
+              <a:t> = 125 mm and a radius of r = 0.15 m. The gear is in contact with a 20 kg rack. If it takes the gear 0.6125 s to reach an angular velocity of ω = 20 rad/s, starting from rest, determine the moment that the gear is subjected to. Assume there is no friction between the rack and the ground.</a:t>
+            </a:r>
+            <a:endParaRPr lang="en-US" dirty="0"/>
+          </a:p>
+        </p:txBody>
+      </p:sp>
+      <p:sp>
+        <p:nvSpPr>
+          <p:cNvPr id="4" name="Slide Number Placeholder 3"/>
+          <p:cNvSpPr>
+            <a:spLocks noGrp="1"/>
+          </p:cNvSpPr>
+          <p:nvPr>
+            <p:ph type="sldNum" sz="quarter" idx="12"/>
+          </p:nvPr>
+        </p:nvSpPr>
+        <p:spPr/>
+        <p:txBody>
+          <a:bodyPr/>
+          <a:lstStyle/>
+          <a:p>
+            <a:fld id="{929262FE-7F58-4A1E-8AF3-5A510A86DEBD}" type="slidenum">
+              <a:rPr lang="en-US" smtClean="0"/>
+              <a:t>14</a:t>
+            </a:fld>
+            <a:endParaRPr lang="en-US"/>
+          </a:p>
+        </p:txBody>
+      </p:sp>
+      <p:pic>
+        <p:nvPicPr>
+          <p:cNvPr id="3074" name="Picture 2" descr="Problem 5 Diagram">
+            <a:extLst>
+              <a:ext uri="{FF2B5EF4-FFF2-40B4-BE49-F238E27FC236}">
+                <a16:creationId xmlns:a16="http://schemas.microsoft.com/office/drawing/2014/main" id="{9E48F345-2A3E-4B5F-9141-E75D46B297F1}"/>
+              </a:ext>
+            </a:extLst>
+          </p:cNvPr>
+          <p:cNvPicPr>
+            <a:picLocks noChangeAspect="1" noChangeArrowheads="1"/>
+          </p:cNvPicPr>
+          <p:nvPr/>
+        </p:nvPicPr>
+        <p:blipFill>
+          <a:blip r:embed="rId2" cstate="print">
+            <a:extLst>
+              <a:ext uri="{28A0092B-C50C-407E-A947-70E740481C1C}">
+                <a14:useLocalDpi xmlns:a14="http://schemas.microsoft.com/office/drawing/2010/main" val="0"/>
+              </a:ext>
+            </a:extLst>
+          </a:blip>
+          <a:srcRect/>
+          <a:stretch>
+            <a:fillRect/>
+          </a:stretch>
+        </p:blipFill>
+        <p:spPr bwMode="auto">
+          <a:xfrm>
+            <a:off x="2590801" y="3952249"/>
+            <a:ext cx="4191000" cy="2799093"/>
+          </a:xfrm>
+          <a:prstGeom prst="rect">
+            <a:avLst/>
+          </a:prstGeom>
+          <a:noFill/>
+          <a:extLst>
+            <a:ext uri="{909E8E84-426E-40DD-AFC4-6F175D3DCCD1}">
+              <a14:hiddenFill xmlns:a14="http://schemas.microsoft.com/office/drawing/2010/main">
+                <a:solidFill>
+                  <a:srgbClr val="FFFFFF"/>
+                </a:solidFill>
+              </a14:hiddenFill>
+            </a:ext>
+          </a:extLst>
+        </p:spPr>
+      </p:pic>
+    </p:spTree>
+    <p:extLst>
+      <p:ext uri="{BB962C8B-B14F-4D97-AF65-F5344CB8AC3E}">
+        <p14:creationId xmlns:p14="http://schemas.microsoft.com/office/powerpoint/2010/main" val="771326373"/>
+      </p:ext>
+    </p:extLst>
+  </p:cSld>
+  <p:clrMapOvr>
+    <a:masterClrMapping/>
+  </p:clrMapOvr>
+</p:sld>
+</file>
+
+<file path=ppt/slides/slide15.xml><?xml version="1.0" encoding="utf-8"?>
+<p:sld xmlns:a="http://schemas.openxmlformats.org/drawingml/2006/main" xmlns:r="http://schemas.openxmlformats.org/officeDocument/2006/relationships" xmlns:p="http://schemas.openxmlformats.org/presentationml/2006/main">
+  <p:cSld>
+    <p:spTree>
+      <p:nvGrpSpPr>
+        <p:cNvPr id="1" name=""/>
+        <p:cNvGrpSpPr/>
+        <p:nvPr/>
+      </p:nvGrpSpPr>
+      <p:grpSpPr>
+        <a:xfrm>
+          <a:off x="0" y="0"/>
+          <a:ext cx="0" cy="0"/>
+          <a:chOff x="0" y="0"/>
+          <a:chExt cx="0" cy="0"/>
+        </a:xfrm>
+      </p:grpSpPr>
+      <p:sp>
+        <p:nvSpPr>
+          <p:cNvPr id="2" name="Title 1"/>
+          <p:cNvSpPr>
+            <a:spLocks noGrp="1"/>
+          </p:cNvSpPr>
+          <p:nvPr>
+            <p:ph type="title"/>
+          </p:nvPr>
+        </p:nvSpPr>
+        <p:spPr/>
+        <p:txBody>
+          <a:bodyPr>
+            <a:normAutofit/>
+          </a:bodyPr>
+          <a:lstStyle/>
+          <a:p>
+            <a:r>
+              <a:rPr lang="en-US" dirty="0"/>
+              <a:t>Worked Example</a:t>
+            </a:r>
+          </a:p>
+        </p:txBody>
+      </p:sp>
+      <p:sp>
+        <p:nvSpPr>
+          <p:cNvPr id="3" name="Content Placeholder 2"/>
+          <p:cNvSpPr>
+            <a:spLocks noGrp="1"/>
+          </p:cNvSpPr>
+          <p:nvPr>
+            <p:ph idx="1"/>
+          </p:nvPr>
+        </p:nvSpPr>
+        <p:spPr>
+          <a:xfrm>
+            <a:off x="457200" y="1600200"/>
+            <a:ext cx="4724400" cy="4876800"/>
+          </a:xfrm>
+        </p:spPr>
+        <p:txBody>
+          <a:bodyPr>
+            <a:normAutofit fontScale="47500" lnSpcReduction="20000"/>
+          </a:bodyPr>
+          <a:lstStyle/>
+          <a:p>
+            <a:r>
+              <a:rPr lang="en-US" b="0" i="0" dirty="0">
+                <a:solidFill>
+                  <a:srgbClr val="000000"/>
+                </a:solidFill>
+                <a:effectLst/>
+                <a:latin typeface="Arial" panose="020B0604020202020204" pitchFamily="34" charset="0"/>
+              </a:rPr>
+              <a:t>A helicopter tail rotor is used to prevent unwanted rotation of the body of the helicopter when the main rotor changes speed. Assume that the four main rotor blades are each long thin rods with length of 5 m and mass of 30 kg. Assume that the helicopter body has a mass of 750 kg and a mass moment of inertia of 1300 kg-m</a:t>
+            </a:r>
+            <a:r>
+              <a:rPr lang="en-US" b="0" i="0" baseline="30000" dirty="0">
+                <a:solidFill>
+                  <a:srgbClr val="000000"/>
+                </a:solidFill>
+                <a:effectLst/>
+                <a:latin typeface="Arial" panose="020B0604020202020204" pitchFamily="34" charset="0"/>
+              </a:rPr>
+              <a:t>2</a:t>
+            </a:r>
+            <a:r>
+              <a:rPr lang="en-US" b="0" i="0" dirty="0">
+                <a:solidFill>
+                  <a:srgbClr val="000000"/>
+                </a:solidFill>
+                <a:effectLst/>
+                <a:latin typeface="Arial" panose="020B0604020202020204" pitchFamily="34" charset="0"/>
+              </a:rPr>
+              <a:t> at its center of gravity, located vertically in line with the main rotor. The distance between the main and tail rotors is 6 m.</a:t>
+            </a:r>
+          </a:p>
+          <a:p>
+            <a:pPr>
+              <a:buFont typeface="+mj-lt"/>
+              <a:buAutoNum type="alphaLcPeriod"/>
+            </a:pPr>
+            <a:r>
+              <a:rPr lang="en-US" b="0" i="0" dirty="0">
+                <a:solidFill>
+                  <a:srgbClr val="000000"/>
+                </a:solidFill>
+                <a:effectLst/>
+                <a:latin typeface="Arial" panose="020B0604020202020204" pitchFamily="34" charset="0"/>
+              </a:rPr>
+              <a:t>If the tail rotor is functioning, and the angular velocity of the helicopter body remains at zero before and after the main rotor changes speed from 200 rpm to 300 rpm, find the final horizonal velocity of the helicopter body (starts from rest).</a:t>
+            </a:r>
+          </a:p>
+          <a:p>
+            <a:pPr>
+              <a:buFont typeface="+mj-lt"/>
+              <a:buAutoNum type="alphaLcPeriod"/>
+            </a:pPr>
+            <a:r>
+              <a:rPr lang="en-US" b="0" i="0" dirty="0">
+                <a:solidFill>
+                  <a:srgbClr val="000000"/>
+                </a:solidFill>
+                <a:effectLst/>
+                <a:latin typeface="Arial" panose="020B0604020202020204" pitchFamily="34" charset="0"/>
+              </a:rPr>
+              <a:t>Assuming the main rotor change in speed from 200 rpm to 300 rpm occurs in uniformly over 8 s, find the force exerted by the tail rotor to keep the helicopter body from turning.</a:t>
+            </a:r>
+          </a:p>
+        </p:txBody>
+      </p:sp>
+      <p:sp>
+        <p:nvSpPr>
+          <p:cNvPr id="4" name="Slide Number Placeholder 3"/>
+          <p:cNvSpPr>
+            <a:spLocks noGrp="1"/>
+          </p:cNvSpPr>
+          <p:nvPr>
+            <p:ph type="sldNum" sz="quarter" idx="12"/>
+          </p:nvPr>
+        </p:nvSpPr>
+        <p:spPr/>
+        <p:txBody>
+          <a:bodyPr/>
+          <a:lstStyle/>
+          <a:p>
+            <a:fld id="{929262FE-7F58-4A1E-8AF3-5A510A86DEBD}" type="slidenum">
+              <a:rPr lang="en-US" smtClean="0"/>
+              <a:t>15</a:t>
+            </a:fld>
+            <a:endParaRPr lang="en-US"/>
+          </a:p>
+        </p:txBody>
+      </p:sp>
+      <p:pic>
+        <p:nvPicPr>
+          <p:cNvPr id="4098" name="Picture 2" descr="Problem 5 Diagram">
+            <a:extLst>
+              <a:ext uri="{FF2B5EF4-FFF2-40B4-BE49-F238E27FC236}">
+                <a16:creationId xmlns:a16="http://schemas.microsoft.com/office/drawing/2014/main" id="{207AD66E-A984-4946-8B21-30AEF5255D9E}"/>
+              </a:ext>
+            </a:extLst>
+          </p:cNvPr>
+          <p:cNvPicPr>
+            <a:picLocks noChangeAspect="1" noChangeArrowheads="1"/>
+          </p:cNvPicPr>
+          <p:nvPr/>
+        </p:nvPicPr>
+        <p:blipFill>
+          <a:blip r:embed="rId2" cstate="print">
+            <a:extLst>
+              <a:ext uri="{28A0092B-C50C-407E-A947-70E740481C1C}">
+                <a14:useLocalDpi xmlns:a14="http://schemas.microsoft.com/office/drawing/2010/main" val="0"/>
+              </a:ext>
+            </a:extLst>
+          </a:blip>
+          <a:srcRect/>
+          <a:stretch>
+            <a:fillRect/>
+          </a:stretch>
+        </p:blipFill>
+        <p:spPr bwMode="auto">
+          <a:xfrm>
+            <a:off x="4981575" y="2810669"/>
+            <a:ext cx="3791897" cy="2133600"/>
+          </a:xfrm>
+          <a:prstGeom prst="rect">
+            <a:avLst/>
+          </a:prstGeom>
+          <a:noFill/>
+          <a:extLst>
+            <a:ext uri="{909E8E84-426E-40DD-AFC4-6F175D3DCCD1}">
+              <a14:hiddenFill xmlns:a14="http://schemas.microsoft.com/office/drawing/2010/main">
+                <a:solidFill>
+                  <a:srgbClr val="FFFFFF"/>
+                </a:solidFill>
+              </a14:hiddenFill>
+            </a:ext>
+          </a:extLst>
+        </p:spPr>
+      </p:pic>
+    </p:spTree>
+    <p:extLst>
+      <p:ext uri="{BB962C8B-B14F-4D97-AF65-F5344CB8AC3E}">
+        <p14:creationId xmlns:p14="http://schemas.microsoft.com/office/powerpoint/2010/main" val="2195585250"/>
       </p:ext>
     </p:extLst>
   </p:cSld>
@@ -3985,7 +5033,7 @@
           <p:cNvPr id="2" name="Title 1">
             <a:extLst>
               <a:ext uri="{FF2B5EF4-FFF2-40B4-BE49-F238E27FC236}">
-                <a16:creationId xmlns:a16="http://schemas.microsoft.com/office/drawing/2014/main" id="{7F9ECAB2-9562-45AA-885D-9CEF60812D74}"/>
+                <a16:creationId xmlns:a16="http://schemas.microsoft.com/office/drawing/2014/main" id="{C3A7749E-9DE0-44FD-92FB-45568F6696AA}"/>
               </a:ext>
             </a:extLst>
           </p:cNvPr>
@@ -3998,12 +5046,14 @@
         </p:nvSpPr>
         <p:spPr/>
         <p:txBody>
-          <a:bodyPr/>
+          <a:bodyPr>
+            <a:normAutofit fontScale="90000"/>
+          </a:bodyPr>
           <a:lstStyle/>
           <a:p>
             <a:r>
               <a:rPr lang="en-US" dirty="0"/>
-              <a:t>Rigid Body Surface Collisions</a:t>
+              <a:t>Impulse and Momentum in Rigid Bodies</a:t>
             </a:r>
           </a:p>
         </p:txBody>
@@ -4013,7 +5063,7 @@
           <p:cNvPr id="3" name="Content Placeholder 2">
             <a:extLst>
               <a:ext uri="{FF2B5EF4-FFF2-40B4-BE49-F238E27FC236}">
-                <a16:creationId xmlns:a16="http://schemas.microsoft.com/office/drawing/2014/main" id="{120F6935-B3E7-4667-962E-F14B737B5EDB}"/>
+                <a16:creationId xmlns:a16="http://schemas.microsoft.com/office/drawing/2014/main" id="{308F3357-B50C-4F83-9527-D0342C786E36}"/>
               </a:ext>
             </a:extLst>
           </p:cNvPr>
@@ -4024,92 +5074,91 @@
             <p:ph idx="1"/>
           </p:nvPr>
         </p:nvSpPr>
-        <p:spPr>
-          <a:xfrm>
-            <a:off x="457200" y="1600200"/>
-            <a:ext cx="4114800" cy="4800600"/>
-          </a:xfrm>
-        </p:spPr>
+        <p:spPr/>
         <p:txBody>
           <a:bodyPr>
-            <a:normAutofit fontScale="92500"/>
+            <a:normAutofit fontScale="92500" lnSpcReduction="10000"/>
           </a:bodyPr>
           <a:lstStyle/>
           <a:p>
             <a:r>
               <a:rPr lang="en-US" dirty="0"/>
-              <a:t>When a </a:t>
+              <a:t>As we have seen before, when we move from particle systems to rigid body systems, we will need to not only deal with forces, positions, velocities, and accelerations, but we will also need to deal with </a:t>
             </a:r>
             <a:r>
               <a:rPr lang="en-US" b="1" dirty="0"/>
-              <a:t>rigid body </a:t>
+              <a:t>moments</a:t>
             </a:r>
             <a:r>
               <a:rPr lang="en-US" dirty="0"/>
-              <a:t>impacts a surface, it has the potential to bounce off the surface just like a particle, but there is also the </a:t>
+              <a:t>, </a:t>
             </a:r>
             <a:r>
               <a:rPr lang="en-US" b="1" dirty="0"/>
-              <a:t>potential for rotation</a:t>
+              <a:t>orientations</a:t>
             </a:r>
             <a:r>
               <a:rPr lang="en-US" dirty="0"/>
-              <a:t> before or after impact, complicating the situation.</a:t>
+              <a:t>, </a:t>
+            </a:r>
+            <a:r>
+              <a:rPr lang="en-US" b="1" dirty="0"/>
+              <a:t>angular velocities</a:t>
+            </a:r>
+            <a:r>
+              <a:rPr lang="en-US" dirty="0"/>
+              <a:t>, and </a:t>
+            </a:r>
+            <a:r>
+              <a:rPr lang="en-US" b="1" dirty="0"/>
+              <a:t>angular accelerations</a:t>
+            </a:r>
+            <a:r>
+              <a:rPr lang="en-US" dirty="0"/>
+              <a:t>.</a:t>
+            </a:r>
+          </a:p>
+          <a:p>
+            <a:r>
+              <a:rPr lang="en-US" dirty="0"/>
+              <a:t>This remains the case with impulse-momentum methods, where we will add a rotational counterpart to the translational impulse-momentum equation.</a:t>
             </a:r>
           </a:p>
         </p:txBody>
       </p:sp>
-      <p:pic>
-        <p:nvPicPr>
-          <p:cNvPr id="2050" name="Picture 2" descr="A wrench dropped on a rigid floor">
+      <p:sp>
+        <p:nvSpPr>
+          <p:cNvPr id="4" name="Slide Number Placeholder 3">
             <a:extLst>
               <a:ext uri="{FF2B5EF4-FFF2-40B4-BE49-F238E27FC236}">
-                <a16:creationId xmlns:a16="http://schemas.microsoft.com/office/drawing/2014/main" id="{BD0F55E3-F3AA-40A5-8037-E20CD0260E9D}"/>
+                <a16:creationId xmlns:a16="http://schemas.microsoft.com/office/drawing/2014/main" id="{B3AC83B9-9030-4DAF-AF20-9C7D7F2EE7EF}"/>
               </a:ext>
             </a:extLst>
           </p:cNvPr>
-          <p:cNvPicPr>
-            <a:picLocks noChangeAspect="1" noChangeArrowheads="1"/>
-          </p:cNvPicPr>
-          <p:nvPr/>
-        </p:nvPicPr>
-        <p:blipFill>
-          <a:blip r:embed="rId2">
-            <a:extLst>
-              <a:ext uri="{28A0092B-C50C-407E-A947-70E740481C1C}">
-                <a14:useLocalDpi xmlns:a14="http://schemas.microsoft.com/office/drawing/2010/main" val="0"/>
-              </a:ext>
-            </a:extLst>
-          </a:blip>
-          <a:srcRect/>
-          <a:stretch>
-            <a:fillRect/>
-          </a:stretch>
-        </p:blipFill>
-        <p:spPr bwMode="auto">
-          <a:xfrm>
-            <a:off x="4933950" y="2285999"/>
-            <a:ext cx="3714750" cy="2790825"/>
-          </a:xfrm>
-          <a:prstGeom prst="rect">
-            <a:avLst/>
-          </a:prstGeom>
-          <a:noFill/>
-          <a:extLst>
-            <a:ext uri="{909E8E84-426E-40DD-AFC4-6F175D3DCCD1}">
-              <a14:hiddenFill xmlns:a14="http://schemas.microsoft.com/office/drawing/2010/main">
-                <a:solidFill>
-                  <a:srgbClr val="FFFFFF"/>
-                </a:solidFill>
-              </a14:hiddenFill>
-            </a:ext>
-          </a:extLst>
-        </p:spPr>
-      </p:pic>
+          <p:cNvSpPr>
+            <a:spLocks noGrp="1"/>
+          </p:cNvSpPr>
+          <p:nvPr>
+            <p:ph type="sldNum" sz="quarter" idx="12"/>
+          </p:nvPr>
+        </p:nvSpPr>
+        <p:spPr/>
+        <p:txBody>
+          <a:bodyPr/>
+          <a:lstStyle/>
+          <a:p>
+            <a:fld id="{929262FE-7F58-4A1E-8AF3-5A510A86DEBD}" type="slidenum">
+              <a:rPr lang="en-US" smtClean="0"/>
+              <a:t>2</a:t>
+            </a:fld>
+            <a:endParaRPr lang="en-US" dirty="0"/>
+          </a:p>
+        </p:txBody>
+      </p:sp>
     </p:spTree>
     <p:extLst>
       <p:ext uri="{BB962C8B-B14F-4D97-AF65-F5344CB8AC3E}">
-        <p14:creationId xmlns:p14="http://schemas.microsoft.com/office/powerpoint/2010/main" val="458503082"/>
+        <p14:creationId xmlns:p14="http://schemas.microsoft.com/office/powerpoint/2010/main" val="1487882374"/>
       </p:ext>
     </p:extLst>
   </p:cSld>
@@ -4186,7 +5235,7 @@
                             </p:stCondLst>
                             <p:childTnLst>
                               <p:par>
-                                <p:cTn id="9" presetID="10" presetClass="entr" presetSubtype="0" fill="hold" nodeType="clickEffect">
+                                <p:cTn id="9" presetID="1" presetClass="entr" presetSubtype="0" fill="hold" grpId="0" nodeType="clickEffect">
                                   <p:stCondLst>
                                     <p:cond delay="0"/>
                                   </p:stCondLst>
@@ -4199,7 +5248,11 @@
                                           </p:stCondLst>
                                         </p:cTn>
                                         <p:tgtEl>
-                                          <p:spTgt spid="2050"/>
+                                          <p:spTgt spid="3">
+                                            <p:txEl>
+                                              <p:pRg st="1" end="1"/>
+                                            </p:txEl>
+                                          </p:spTgt>
                                         </p:tgtEl>
                                         <p:attrNameLst>
                                           <p:attrName>style.visibility</p:attrName>
@@ -4209,14 +5262,1502 @@
                                         <p:strVal val="visible"/>
                                       </p:to>
                                     </p:set>
-                                    <p:animEffect transition="in" filter="fade">
+                                  </p:childTnLst>
+                                </p:cTn>
+                              </p:par>
+                            </p:childTnLst>
+                          </p:cTn>
+                        </p:par>
+                      </p:childTnLst>
+                    </p:cTn>
+                  </p:par>
+                </p:childTnLst>
+              </p:cTn>
+              <p:prevCondLst>
+                <p:cond evt="onPrev" delay="0">
+                  <p:tgtEl>
+                    <p:sldTgt/>
+                  </p:tgtEl>
+                </p:cond>
+              </p:prevCondLst>
+              <p:nextCondLst>
+                <p:cond evt="onNext" delay="0">
+                  <p:tgtEl>
+                    <p:sldTgt/>
+                  </p:tgtEl>
+                </p:cond>
+              </p:nextCondLst>
+            </p:seq>
+          </p:childTnLst>
+        </p:cTn>
+      </p:par>
+    </p:tnLst>
+    <p:bldLst>
+      <p:bldP spid="3" grpId="0" build="p"/>
+    </p:bldLst>
+  </p:timing>
+</p:sld>
+</file>
+
+<file path=ppt/slides/slide3.xml><?xml version="1.0" encoding="utf-8"?>
+<p:sld xmlns:a="http://schemas.openxmlformats.org/drawingml/2006/main" xmlns:r="http://schemas.openxmlformats.org/officeDocument/2006/relationships" xmlns:p="http://schemas.openxmlformats.org/presentationml/2006/main">
+  <p:cSld>
+    <p:spTree>
+      <p:nvGrpSpPr>
+        <p:cNvPr id="1" name=""/>
+        <p:cNvGrpSpPr/>
+        <p:nvPr/>
+      </p:nvGrpSpPr>
+      <p:grpSpPr>
+        <a:xfrm>
+          <a:off x="0" y="0"/>
+          <a:ext cx="0" cy="0"/>
+          <a:chOff x="0" y="0"/>
+          <a:chExt cx="0" cy="0"/>
+        </a:xfrm>
+      </p:grpSpPr>
+      <p:sp>
+        <p:nvSpPr>
+          <p:cNvPr id="2" name="Title 1"/>
+          <p:cNvSpPr>
+            <a:spLocks noGrp="1"/>
+          </p:cNvSpPr>
+          <p:nvPr>
+            <p:ph type="title"/>
+          </p:nvPr>
+        </p:nvSpPr>
+        <p:spPr/>
+        <p:txBody>
+          <a:bodyPr>
+            <a:normAutofit fontScale="90000"/>
+          </a:bodyPr>
+          <a:lstStyle/>
+          <a:p>
+            <a:r>
+              <a:rPr lang="en-US" dirty="0"/>
+              <a:t>Impulse and Momentum in a Rigid Body</a:t>
+            </a:r>
+          </a:p>
+        </p:txBody>
+      </p:sp>
+      <mc:AlternateContent xmlns:mc="http://schemas.openxmlformats.org/markup-compatibility/2006" xmlns:a14="http://schemas.microsoft.com/office/drawing/2010/main">
+        <mc:Choice Requires="a14">
+          <p:sp>
+            <p:nvSpPr>
+              <p:cNvPr id="3" name="Content Placeholder 2"/>
+              <p:cNvSpPr>
+                <a:spLocks noGrp="1"/>
+              </p:cNvSpPr>
+              <p:nvPr>
+                <p:ph idx="1"/>
+              </p:nvPr>
+            </p:nvSpPr>
+            <p:spPr/>
+            <p:txBody>
+              <a:bodyPr/>
+              <a:lstStyle/>
+              <a:p>
+                <a:r>
+                  <a:rPr lang="en-US" dirty="0"/>
+                  <a:t>Moving from a particle to a rigid body, we can expand our impulse-momentum equations.</a:t>
+                </a:r>
+              </a:p>
+              <a:p>
+                <a:pPr marL="0" indent="0">
+                  <a:buNone/>
+                </a:pPr>
+                <a14:m>
+                  <m:oMathPara xmlns:m="http://schemas.openxmlformats.org/officeDocument/2006/math">
+                    <m:oMathParaPr>
+                      <m:jc m:val="centerGroup"/>
+                    </m:oMathParaPr>
+                    <m:oMath xmlns:m="http://schemas.openxmlformats.org/officeDocument/2006/math">
+                      <m:acc>
+                        <m:accPr>
+                          <m:chr m:val="⃑"/>
+                          <m:ctrlPr>
+                            <a:rPr lang="en-US" b="0" i="1" smtClean="0">
+                              <a:latin typeface="Cambria Math" panose="02040503050406030204" pitchFamily="18" charset="0"/>
+                            </a:rPr>
+                          </m:ctrlPr>
+                        </m:accPr>
+                        <m:e>
+                          <m:r>
+                            <m:rPr>
+                              <m:sty m:val="p"/>
+                            </m:rPr>
+                            <a:rPr lang="en-US" b="0" i="0" smtClean="0">
+                              <a:latin typeface="Cambria Math" panose="02040503050406030204" pitchFamily="18" charset="0"/>
+                            </a:rPr>
+                            <m:t>J</m:t>
+                          </m:r>
+                        </m:e>
+                      </m:acc>
+                      <m:r>
+                        <a:rPr lang="en-US" b="0" i="1" smtClean="0">
+                          <a:latin typeface="Cambria Math"/>
+                        </a:rPr>
+                        <m:t>=</m:t>
+                      </m:r>
+                      <m:r>
+                        <a:rPr lang="en-US" b="0" i="1" smtClean="0">
+                          <a:latin typeface="Cambria Math"/>
+                        </a:rPr>
+                        <m:t>𝑚</m:t>
+                      </m:r>
+                      <m:acc>
+                        <m:accPr>
+                          <m:chr m:val="⃑"/>
+                          <m:ctrlPr>
+                            <a:rPr lang="en-US" b="0" i="1" smtClean="0">
+                              <a:latin typeface="Cambria Math" panose="02040503050406030204" pitchFamily="18" charset="0"/>
+                            </a:rPr>
+                          </m:ctrlPr>
+                        </m:accPr>
+                        <m:e>
+                          <m:sSub>
+                            <m:sSubPr>
+                              <m:ctrlPr>
+                                <a:rPr lang="en-US" i="1">
+                                  <a:latin typeface="Cambria Math" panose="02040503050406030204" pitchFamily="18" charset="0"/>
+                                </a:rPr>
+                              </m:ctrlPr>
+                            </m:sSubPr>
+                            <m:e>
+                              <m:r>
+                                <m:rPr>
+                                  <m:sty m:val="p"/>
+                                </m:rPr>
+                                <a:rPr lang="en-US" b="0" i="0">
+                                  <a:latin typeface="Cambria Math"/>
+                                </a:rPr>
+                                <m:t>v</m:t>
+                              </m:r>
+                            </m:e>
+                            <m:sub>
+                              <m:r>
+                                <m:rPr>
+                                  <m:sty m:val="p"/>
+                                </m:rPr>
+                                <a:rPr lang="en-US" b="0" i="0">
+                                  <a:latin typeface="Cambria Math"/>
+                                </a:rPr>
+                                <m:t>f</m:t>
+                              </m:r>
+                            </m:sub>
+                          </m:sSub>
+                        </m:e>
+                      </m:acc>
+                      <m:r>
+                        <a:rPr lang="en-US" b="0" i="1" smtClean="0">
+                          <a:latin typeface="Cambria Math"/>
+                        </a:rPr>
+                        <m:t>−</m:t>
+                      </m:r>
+                      <m:r>
+                        <a:rPr lang="en-US" i="1">
+                          <a:latin typeface="Cambria Math"/>
+                        </a:rPr>
+                        <m:t>𝑚</m:t>
+                      </m:r>
+                      <m:acc>
+                        <m:accPr>
+                          <m:chr m:val="⃑"/>
+                          <m:ctrlPr>
+                            <a:rPr lang="en-US" i="1">
+                              <a:latin typeface="Cambria Math" panose="02040503050406030204" pitchFamily="18" charset="0"/>
+                            </a:rPr>
+                          </m:ctrlPr>
+                        </m:accPr>
+                        <m:e>
+                          <m:sSub>
+                            <m:sSubPr>
+                              <m:ctrlPr>
+                                <a:rPr lang="en-US" i="1">
+                                  <a:latin typeface="Cambria Math" panose="02040503050406030204" pitchFamily="18" charset="0"/>
+                                </a:rPr>
+                              </m:ctrlPr>
+                            </m:sSubPr>
+                            <m:e>
+                              <m:r>
+                                <m:rPr>
+                                  <m:sty m:val="p"/>
+                                </m:rPr>
+                                <a:rPr lang="en-US">
+                                  <a:latin typeface="Cambria Math"/>
+                                </a:rPr>
+                                <m:t>v</m:t>
+                              </m:r>
+                            </m:e>
+                            <m:sub>
+                              <m:r>
+                                <m:rPr>
+                                  <m:sty m:val="p"/>
+                                </m:rPr>
+                                <a:rPr lang="en-US" b="0" i="0" smtClean="0">
+                                  <a:latin typeface="Cambria Math" panose="02040503050406030204" pitchFamily="18" charset="0"/>
+                                </a:rPr>
+                                <m:t>i</m:t>
+                              </m:r>
+                            </m:sub>
+                          </m:sSub>
+                        </m:e>
+                      </m:acc>
+                    </m:oMath>
+                  </m:oMathPara>
+                </a14:m>
+                <a:endParaRPr lang="en-US" dirty="0"/>
+              </a:p>
+              <a:p>
+                <a:pPr marL="0" indent="0">
+                  <a:buNone/>
+                </a:pPr>
+                <a:endParaRPr lang="en-US" dirty="0"/>
+              </a:p>
+              <a:p>
+                <a:pPr marL="0" indent="0">
+                  <a:buNone/>
+                </a:pPr>
+                <a:endParaRPr lang="en-US" dirty="0"/>
+              </a:p>
+              <a:p>
+                <a:pPr marL="0" indent="0">
+                  <a:buNone/>
+                </a:pPr>
+                <a:endParaRPr lang="en-US" dirty="0"/>
+              </a:p>
+              <a:p>
+                <a:pPr marL="0" indent="0">
+                  <a:buNone/>
+                </a:pPr>
+                <a14:m>
+                  <m:oMathPara xmlns:m="http://schemas.openxmlformats.org/officeDocument/2006/math">
+                    <m:oMathParaPr>
+                      <m:jc m:val="centerGroup"/>
+                    </m:oMathParaPr>
+                    <m:oMath xmlns:m="http://schemas.openxmlformats.org/officeDocument/2006/math">
+                      <m:acc>
+                        <m:accPr>
+                          <m:chr m:val="⃑"/>
+                          <m:ctrlPr>
+                            <a:rPr lang="en-US" i="1">
+                              <a:latin typeface="Cambria Math" panose="02040503050406030204" pitchFamily="18" charset="0"/>
+                            </a:rPr>
+                          </m:ctrlPr>
+                        </m:accPr>
+                        <m:e>
+                          <m:r>
+                            <m:rPr>
+                              <m:sty m:val="p"/>
+                            </m:rPr>
+                            <a:rPr lang="en-US" b="0" i="0" smtClean="0">
+                              <a:latin typeface="Cambria Math" panose="02040503050406030204" pitchFamily="18" charset="0"/>
+                            </a:rPr>
+                            <m:t>K</m:t>
+                          </m:r>
+                        </m:e>
+                      </m:acc>
+                      <m:r>
+                        <a:rPr lang="en-US" i="1">
+                          <a:latin typeface="Cambria Math"/>
+                        </a:rPr>
+                        <m:t>=</m:t>
+                      </m:r>
+                      <m:r>
+                        <a:rPr lang="en-US" b="0" i="1" smtClean="0">
+                          <a:latin typeface="Cambria Math" panose="02040503050406030204" pitchFamily="18" charset="0"/>
+                        </a:rPr>
+                        <m:t>𝐼</m:t>
+                      </m:r>
+                      <m:acc>
+                        <m:accPr>
+                          <m:chr m:val="⃑"/>
+                          <m:ctrlPr>
+                            <a:rPr lang="en-US" i="1">
+                              <a:latin typeface="Cambria Math" panose="02040503050406030204" pitchFamily="18" charset="0"/>
+                            </a:rPr>
+                          </m:ctrlPr>
+                        </m:accPr>
+                        <m:e>
+                          <m:sSub>
+                            <m:sSubPr>
+                              <m:ctrlPr>
+                                <a:rPr lang="en-US" i="1">
+                                  <a:latin typeface="Cambria Math" panose="02040503050406030204" pitchFamily="18" charset="0"/>
+                                </a:rPr>
+                              </m:ctrlPr>
+                            </m:sSubPr>
+                            <m:e>
+                              <m:r>
+                                <m:rPr>
+                                  <m:sty m:val="p"/>
+                                </m:rPr>
+                                <a:rPr lang="en-US">
+                                  <a:latin typeface="Cambria Math"/>
+                                  <a:ea typeface="Cambria Math" panose="02040503050406030204" pitchFamily="18" charset="0"/>
+                                </a:rPr>
+                                <m:t>ω</m:t>
+                              </m:r>
+                            </m:e>
+                            <m:sub>
+                              <m:r>
+                                <m:rPr>
+                                  <m:sty m:val="p"/>
+                                </m:rPr>
+                                <a:rPr lang="en-US">
+                                  <a:latin typeface="Cambria Math"/>
+                                </a:rPr>
+                                <m:t>f</m:t>
+                              </m:r>
+                            </m:sub>
+                          </m:sSub>
+                        </m:e>
+                      </m:acc>
+                      <m:r>
+                        <a:rPr lang="en-US" i="1">
+                          <a:latin typeface="Cambria Math"/>
+                        </a:rPr>
+                        <m:t>−</m:t>
+                      </m:r>
+                      <m:r>
+                        <a:rPr lang="en-US" b="0" i="1" smtClean="0">
+                          <a:latin typeface="Cambria Math" panose="02040503050406030204" pitchFamily="18" charset="0"/>
+                        </a:rPr>
+                        <m:t>𝐼</m:t>
+                      </m:r>
+                      <m:acc>
+                        <m:accPr>
+                          <m:chr m:val="⃑"/>
+                          <m:ctrlPr>
+                            <a:rPr lang="en-US" i="1">
+                              <a:latin typeface="Cambria Math" panose="02040503050406030204" pitchFamily="18" charset="0"/>
+                            </a:rPr>
+                          </m:ctrlPr>
+                        </m:accPr>
+                        <m:e>
+                          <m:sSub>
+                            <m:sSubPr>
+                              <m:ctrlPr>
+                                <a:rPr lang="en-US" i="1">
+                                  <a:latin typeface="Cambria Math" panose="02040503050406030204" pitchFamily="18" charset="0"/>
+                                </a:rPr>
+                              </m:ctrlPr>
+                            </m:sSubPr>
+                            <m:e>
+                              <m:r>
+                                <m:rPr>
+                                  <m:sty m:val="p"/>
+                                </m:rPr>
+                                <a:rPr lang="en-US">
+                                  <a:latin typeface="Cambria Math"/>
+                                  <a:ea typeface="Cambria Math" panose="02040503050406030204" pitchFamily="18" charset="0"/>
+                                </a:rPr>
+                                <m:t>ω</m:t>
+                              </m:r>
+                            </m:e>
+                            <m:sub>
+                              <m:r>
+                                <m:rPr>
+                                  <m:sty m:val="p"/>
+                                </m:rPr>
+                                <a:rPr lang="en-US">
+                                  <a:latin typeface="Cambria Math" panose="02040503050406030204" pitchFamily="18" charset="0"/>
+                                </a:rPr>
+                                <m:t>i</m:t>
+                              </m:r>
+                            </m:sub>
+                          </m:sSub>
+                        </m:e>
+                      </m:acc>
+                    </m:oMath>
+                  </m:oMathPara>
+                </a14:m>
+                <a:endParaRPr lang="en-US" dirty="0"/>
+              </a:p>
+              <a:p>
+                <a:pPr marL="0" indent="0">
+                  <a:buNone/>
+                </a:pPr>
+                <a:endParaRPr lang="en-US" dirty="0"/>
+              </a:p>
+            </p:txBody>
+          </p:sp>
+        </mc:Choice>
+        <mc:Fallback xmlns="">
+          <p:sp>
+            <p:nvSpPr>
+              <p:cNvPr id="3" name="Content Placeholder 2"/>
+              <p:cNvSpPr>
+                <a:spLocks noGrp="1" noRot="1" noChangeAspect="1" noMove="1" noResize="1" noEditPoints="1" noAdjustHandles="1" noChangeArrowheads="1" noChangeShapeType="1" noTextEdit="1"/>
+              </p:cNvSpPr>
+              <p:nvPr>
+                <p:ph idx="1"/>
+              </p:nvPr>
+            </p:nvSpPr>
+            <p:spPr>
+              <a:blipFill>
+                <a:blip r:embed="rId3"/>
+                <a:stretch>
+                  <a:fillRect l="-1704" t="-1752" r="-1185"/>
+                </a:stretch>
+              </a:blipFill>
+            </p:spPr>
+            <p:txBody>
+              <a:bodyPr/>
+              <a:lstStyle/>
+              <a:p>
+                <a:r>
+                  <a:rPr lang="en-US">
+                    <a:noFill/>
+                  </a:rPr>
+                  <a:t> </a:t>
+                </a:r>
+              </a:p>
+            </p:txBody>
+          </p:sp>
+        </mc:Fallback>
+      </mc:AlternateContent>
+      <p:sp>
+        <p:nvSpPr>
+          <p:cNvPr id="4" name="Slide Number Placeholder 3"/>
+          <p:cNvSpPr>
+            <a:spLocks noGrp="1"/>
+          </p:cNvSpPr>
+          <p:nvPr>
+            <p:ph type="sldNum" sz="quarter" idx="12"/>
+          </p:nvPr>
+        </p:nvSpPr>
+        <p:spPr/>
+        <p:txBody>
+          <a:bodyPr/>
+          <a:lstStyle/>
+          <a:p>
+            <a:fld id="{929262FE-7F58-4A1E-8AF3-5A510A86DEBD}" type="slidenum">
+              <a:rPr lang="en-US" smtClean="0"/>
+              <a:t>3</a:t>
+            </a:fld>
+            <a:endParaRPr lang="en-US"/>
+          </a:p>
+        </p:txBody>
+      </p:sp>
+      <p:sp>
+        <p:nvSpPr>
+          <p:cNvPr id="5" name="TextBox 4"/>
+          <p:cNvSpPr txBox="1"/>
+          <p:nvPr/>
+        </p:nvSpPr>
+        <p:spPr>
+          <a:xfrm>
+            <a:off x="2590800" y="3657600"/>
+            <a:ext cx="928459" cy="369332"/>
+          </a:xfrm>
+          <a:prstGeom prst="rect">
+            <a:avLst/>
+          </a:prstGeom>
+          <a:noFill/>
+        </p:spPr>
+        <p:txBody>
+          <a:bodyPr wrap="none" rtlCol="0">
+            <a:spAutoFit/>
+          </a:bodyPr>
+          <a:lstStyle/>
+          <a:p>
+            <a:r>
+              <a:rPr lang="en-US" dirty="0"/>
+              <a:t>Impulse</a:t>
+            </a:r>
+          </a:p>
+        </p:txBody>
+      </p:sp>
+      <p:sp>
+        <p:nvSpPr>
+          <p:cNvPr id="6" name="TextBox 5"/>
+          <p:cNvSpPr txBox="1"/>
+          <p:nvPr/>
+        </p:nvSpPr>
+        <p:spPr>
+          <a:xfrm>
+            <a:off x="5229225" y="3697069"/>
+            <a:ext cx="1371600" cy="646331"/>
+          </a:xfrm>
+          <a:prstGeom prst="rect">
+            <a:avLst/>
+          </a:prstGeom>
+          <a:noFill/>
+        </p:spPr>
+        <p:txBody>
+          <a:bodyPr wrap="square" rtlCol="0">
+            <a:spAutoFit/>
+          </a:bodyPr>
+          <a:lstStyle/>
+          <a:p>
+            <a:pPr algn="ctr"/>
+            <a:r>
+              <a:rPr lang="en-US" dirty="0"/>
+              <a:t>Initial Momentum</a:t>
+            </a:r>
+          </a:p>
+        </p:txBody>
+      </p:sp>
+      <p:sp>
+        <p:nvSpPr>
+          <p:cNvPr id="7" name="TextBox 6"/>
+          <p:cNvSpPr txBox="1"/>
+          <p:nvPr/>
+        </p:nvSpPr>
+        <p:spPr>
+          <a:xfrm>
+            <a:off x="3638550" y="3849469"/>
+            <a:ext cx="1371600" cy="646331"/>
+          </a:xfrm>
+          <a:prstGeom prst="rect">
+            <a:avLst/>
+          </a:prstGeom>
+          <a:noFill/>
+        </p:spPr>
+        <p:txBody>
+          <a:bodyPr wrap="square" rtlCol="0">
+            <a:spAutoFit/>
+          </a:bodyPr>
+          <a:lstStyle/>
+          <a:p>
+            <a:pPr algn="ctr"/>
+            <a:r>
+              <a:rPr lang="en-US" dirty="0"/>
+              <a:t>Final  Momentum</a:t>
+            </a:r>
+          </a:p>
+        </p:txBody>
+      </p:sp>
+      <p:cxnSp>
+        <p:nvCxnSpPr>
+          <p:cNvPr id="9" name="Straight Arrow Connector 8"/>
+          <p:cNvCxnSpPr>
+            <a:cxnSpLocks/>
+          </p:cNvCxnSpPr>
+          <p:nvPr/>
+        </p:nvCxnSpPr>
+        <p:spPr>
+          <a:xfrm flipV="1">
+            <a:off x="3200400" y="3276600"/>
+            <a:ext cx="152400" cy="228600"/>
+          </a:xfrm>
+          <a:prstGeom prst="straightConnector1">
+            <a:avLst/>
+          </a:prstGeom>
+          <a:ln>
+            <a:tailEnd type="arrow"/>
+          </a:ln>
+        </p:spPr>
+        <p:style>
+          <a:lnRef idx="2">
+            <a:schemeClr val="dk1"/>
+          </a:lnRef>
+          <a:fillRef idx="0">
+            <a:schemeClr val="dk1"/>
+          </a:fillRef>
+          <a:effectRef idx="1">
+            <a:schemeClr val="dk1"/>
+          </a:effectRef>
+          <a:fontRef idx="minor">
+            <a:schemeClr val="tx1"/>
+          </a:fontRef>
+        </p:style>
+      </p:cxnSp>
+      <p:cxnSp>
+        <p:nvCxnSpPr>
+          <p:cNvPr id="10" name="Straight Arrow Connector 9"/>
+          <p:cNvCxnSpPr>
+            <a:cxnSpLocks/>
+          </p:cNvCxnSpPr>
+          <p:nvPr/>
+        </p:nvCxnSpPr>
+        <p:spPr>
+          <a:xfrm flipV="1">
+            <a:off x="4324350" y="3321883"/>
+            <a:ext cx="0" cy="480553"/>
+          </a:xfrm>
+          <a:prstGeom prst="straightConnector1">
+            <a:avLst/>
+          </a:prstGeom>
+          <a:ln>
+            <a:tailEnd type="arrow"/>
+          </a:ln>
+        </p:spPr>
+        <p:style>
+          <a:lnRef idx="2">
+            <a:schemeClr val="dk1"/>
+          </a:lnRef>
+          <a:fillRef idx="0">
+            <a:schemeClr val="dk1"/>
+          </a:fillRef>
+          <a:effectRef idx="1">
+            <a:schemeClr val="dk1"/>
+          </a:effectRef>
+          <a:fontRef idx="minor">
+            <a:schemeClr val="tx1"/>
+          </a:fontRef>
+        </p:style>
+      </p:cxnSp>
+      <p:cxnSp>
+        <p:nvCxnSpPr>
+          <p:cNvPr id="12" name="Straight Arrow Connector 11"/>
+          <p:cNvCxnSpPr>
+            <a:cxnSpLocks/>
+          </p:cNvCxnSpPr>
+          <p:nvPr/>
+        </p:nvCxnSpPr>
+        <p:spPr>
+          <a:xfrm flipH="1" flipV="1">
+            <a:off x="5610225" y="3312358"/>
+            <a:ext cx="180977" cy="345242"/>
+          </a:xfrm>
+          <a:prstGeom prst="straightConnector1">
+            <a:avLst/>
+          </a:prstGeom>
+          <a:ln>
+            <a:tailEnd type="arrow"/>
+          </a:ln>
+        </p:spPr>
+        <p:style>
+          <a:lnRef idx="2">
+            <a:schemeClr val="dk1"/>
+          </a:lnRef>
+          <a:fillRef idx="0">
+            <a:schemeClr val="dk1"/>
+          </a:fillRef>
+          <a:effectRef idx="1">
+            <a:schemeClr val="dk1"/>
+          </a:effectRef>
+          <a:fontRef idx="minor">
+            <a:schemeClr val="tx1"/>
+          </a:fontRef>
+        </p:style>
+      </p:cxnSp>
+      <p:sp>
+        <p:nvSpPr>
+          <p:cNvPr id="21" name="TextBox 20">
+            <a:extLst>
+              <a:ext uri="{FF2B5EF4-FFF2-40B4-BE49-F238E27FC236}">
+                <a16:creationId xmlns:a16="http://schemas.microsoft.com/office/drawing/2014/main" id="{32DE4948-1981-417E-A8AE-3738B1FF3FDD}"/>
+              </a:ext>
+            </a:extLst>
+          </p:cNvPr>
+          <p:cNvSpPr txBox="1"/>
+          <p:nvPr/>
+        </p:nvSpPr>
+        <p:spPr>
+          <a:xfrm>
+            <a:off x="2590800" y="5867400"/>
+            <a:ext cx="928459" cy="646331"/>
+          </a:xfrm>
+          <a:prstGeom prst="rect">
+            <a:avLst/>
+          </a:prstGeom>
+          <a:noFill/>
+        </p:spPr>
+        <p:txBody>
+          <a:bodyPr wrap="none" rtlCol="0">
+            <a:spAutoFit/>
+          </a:bodyPr>
+          <a:lstStyle/>
+          <a:p>
+            <a:r>
+              <a:rPr lang="en-US" dirty="0"/>
+              <a:t>Angular</a:t>
+            </a:r>
+          </a:p>
+          <a:p>
+            <a:r>
+              <a:rPr lang="en-US" dirty="0"/>
+              <a:t>Impulse</a:t>
+            </a:r>
+          </a:p>
+        </p:txBody>
+      </p:sp>
+      <p:sp>
+        <p:nvSpPr>
+          <p:cNvPr id="22" name="TextBox 21">
+            <a:extLst>
+              <a:ext uri="{FF2B5EF4-FFF2-40B4-BE49-F238E27FC236}">
+                <a16:creationId xmlns:a16="http://schemas.microsoft.com/office/drawing/2014/main" id="{70367FF2-E55D-48FC-A81B-7AC65E8909F1}"/>
+              </a:ext>
+            </a:extLst>
+          </p:cNvPr>
+          <p:cNvSpPr txBox="1"/>
+          <p:nvPr/>
+        </p:nvSpPr>
+        <p:spPr>
+          <a:xfrm>
+            <a:off x="5229224" y="5906869"/>
+            <a:ext cx="1552563" cy="646331"/>
+          </a:xfrm>
+          <a:prstGeom prst="rect">
+            <a:avLst/>
+          </a:prstGeom>
+          <a:noFill/>
+        </p:spPr>
+        <p:txBody>
+          <a:bodyPr wrap="square" rtlCol="0">
+            <a:spAutoFit/>
+          </a:bodyPr>
+          <a:lstStyle/>
+          <a:p>
+            <a:pPr algn="ctr"/>
+            <a:r>
+              <a:rPr lang="en-US" dirty="0"/>
+              <a:t>Initial Angular Momentum</a:t>
+            </a:r>
+          </a:p>
+        </p:txBody>
+      </p:sp>
+      <p:sp>
+        <p:nvSpPr>
+          <p:cNvPr id="23" name="TextBox 22">
+            <a:extLst>
+              <a:ext uri="{FF2B5EF4-FFF2-40B4-BE49-F238E27FC236}">
+                <a16:creationId xmlns:a16="http://schemas.microsoft.com/office/drawing/2014/main" id="{FC8C7F8D-879D-4ED7-A92E-D076AAC03809}"/>
+              </a:ext>
+            </a:extLst>
+          </p:cNvPr>
+          <p:cNvSpPr txBox="1"/>
+          <p:nvPr/>
+        </p:nvSpPr>
+        <p:spPr>
+          <a:xfrm>
+            <a:off x="3638549" y="6059269"/>
+            <a:ext cx="1466845" cy="646331"/>
+          </a:xfrm>
+          <a:prstGeom prst="rect">
+            <a:avLst/>
+          </a:prstGeom>
+          <a:noFill/>
+        </p:spPr>
+        <p:txBody>
+          <a:bodyPr wrap="square" rtlCol="0">
+            <a:spAutoFit/>
+          </a:bodyPr>
+          <a:lstStyle/>
+          <a:p>
+            <a:pPr algn="ctr"/>
+            <a:r>
+              <a:rPr lang="en-US" dirty="0"/>
+              <a:t>Final  Angular Momentum</a:t>
+            </a:r>
+          </a:p>
+        </p:txBody>
+      </p:sp>
+      <p:cxnSp>
+        <p:nvCxnSpPr>
+          <p:cNvPr id="24" name="Straight Arrow Connector 23">
+            <a:extLst>
+              <a:ext uri="{FF2B5EF4-FFF2-40B4-BE49-F238E27FC236}">
+                <a16:creationId xmlns:a16="http://schemas.microsoft.com/office/drawing/2014/main" id="{C021560B-5E23-4595-9335-B75614A5DB90}"/>
+              </a:ext>
+            </a:extLst>
+          </p:cNvPr>
+          <p:cNvCxnSpPr>
+            <a:cxnSpLocks/>
+          </p:cNvCxnSpPr>
+          <p:nvPr/>
+        </p:nvCxnSpPr>
+        <p:spPr>
+          <a:xfrm flipV="1">
+            <a:off x="3200400" y="5486400"/>
+            <a:ext cx="152400" cy="228600"/>
+          </a:xfrm>
+          <a:prstGeom prst="straightConnector1">
+            <a:avLst/>
+          </a:prstGeom>
+          <a:ln>
+            <a:tailEnd type="arrow"/>
+          </a:ln>
+        </p:spPr>
+        <p:style>
+          <a:lnRef idx="2">
+            <a:schemeClr val="dk1"/>
+          </a:lnRef>
+          <a:fillRef idx="0">
+            <a:schemeClr val="dk1"/>
+          </a:fillRef>
+          <a:effectRef idx="1">
+            <a:schemeClr val="dk1"/>
+          </a:effectRef>
+          <a:fontRef idx="minor">
+            <a:schemeClr val="tx1"/>
+          </a:fontRef>
+        </p:style>
+      </p:cxnSp>
+      <p:cxnSp>
+        <p:nvCxnSpPr>
+          <p:cNvPr id="25" name="Straight Arrow Connector 24">
+            <a:extLst>
+              <a:ext uri="{FF2B5EF4-FFF2-40B4-BE49-F238E27FC236}">
+                <a16:creationId xmlns:a16="http://schemas.microsoft.com/office/drawing/2014/main" id="{DB5591E7-A30C-4D65-9367-483D5393AC2E}"/>
+              </a:ext>
+            </a:extLst>
+          </p:cNvPr>
+          <p:cNvCxnSpPr>
+            <a:cxnSpLocks/>
+          </p:cNvCxnSpPr>
+          <p:nvPr/>
+        </p:nvCxnSpPr>
+        <p:spPr>
+          <a:xfrm flipV="1">
+            <a:off x="4324350" y="5531683"/>
+            <a:ext cx="0" cy="480553"/>
+          </a:xfrm>
+          <a:prstGeom prst="straightConnector1">
+            <a:avLst/>
+          </a:prstGeom>
+          <a:ln>
+            <a:tailEnd type="arrow"/>
+          </a:ln>
+        </p:spPr>
+        <p:style>
+          <a:lnRef idx="2">
+            <a:schemeClr val="dk1"/>
+          </a:lnRef>
+          <a:fillRef idx="0">
+            <a:schemeClr val="dk1"/>
+          </a:fillRef>
+          <a:effectRef idx="1">
+            <a:schemeClr val="dk1"/>
+          </a:effectRef>
+          <a:fontRef idx="minor">
+            <a:schemeClr val="tx1"/>
+          </a:fontRef>
+        </p:style>
+      </p:cxnSp>
+      <p:cxnSp>
+        <p:nvCxnSpPr>
+          <p:cNvPr id="26" name="Straight Arrow Connector 25">
+            <a:extLst>
+              <a:ext uri="{FF2B5EF4-FFF2-40B4-BE49-F238E27FC236}">
+                <a16:creationId xmlns:a16="http://schemas.microsoft.com/office/drawing/2014/main" id="{58C909CA-ECD1-4419-B58F-99AF8630317C}"/>
+              </a:ext>
+            </a:extLst>
+          </p:cNvPr>
+          <p:cNvCxnSpPr>
+            <a:cxnSpLocks/>
+          </p:cNvCxnSpPr>
+          <p:nvPr/>
+        </p:nvCxnSpPr>
+        <p:spPr>
+          <a:xfrm flipH="1" flipV="1">
+            <a:off x="5610225" y="5522158"/>
+            <a:ext cx="180977" cy="345242"/>
+          </a:xfrm>
+          <a:prstGeom prst="straightConnector1">
+            <a:avLst/>
+          </a:prstGeom>
+          <a:ln>
+            <a:tailEnd type="arrow"/>
+          </a:ln>
+        </p:spPr>
+        <p:style>
+          <a:lnRef idx="2">
+            <a:schemeClr val="dk1"/>
+          </a:lnRef>
+          <a:fillRef idx="0">
+            <a:schemeClr val="dk1"/>
+          </a:fillRef>
+          <a:effectRef idx="1">
+            <a:schemeClr val="dk1"/>
+          </a:effectRef>
+          <a:fontRef idx="minor">
+            <a:schemeClr val="tx1"/>
+          </a:fontRef>
+        </p:style>
+      </p:cxnSp>
+    </p:spTree>
+    <p:extLst>
+      <p:ext uri="{BB962C8B-B14F-4D97-AF65-F5344CB8AC3E}">
+        <p14:creationId xmlns:p14="http://schemas.microsoft.com/office/powerpoint/2010/main" val="1891480324"/>
+      </p:ext>
+    </p:extLst>
+  </p:cSld>
+  <p:clrMapOvr>
+    <a:masterClrMapping/>
+  </p:clrMapOvr>
+  <p:timing>
+    <p:tnLst>
+      <p:par>
+        <p:cTn id="1" dur="indefinite" restart="never" nodeType="tmRoot">
+          <p:childTnLst>
+            <p:seq concurrent="1" nextAc="seek">
+              <p:cTn id="2" dur="indefinite" nodeType="mainSeq">
+                <p:childTnLst>
+                  <p:par>
+                    <p:cTn id="3" fill="hold">
+                      <p:stCondLst>
+                        <p:cond delay="indefinite"/>
+                      </p:stCondLst>
+                      <p:childTnLst>
+                        <p:par>
+                          <p:cTn id="4" fill="hold">
+                            <p:stCondLst>
+                              <p:cond delay="0"/>
+                            </p:stCondLst>
+                            <p:childTnLst>
+                              <p:par>
+                                <p:cTn id="5" presetID="1" presetClass="entr" presetSubtype="0" fill="hold" grpId="0" nodeType="clickEffect">
+                                  <p:stCondLst>
+                                    <p:cond delay="0"/>
+                                  </p:stCondLst>
+                                  <p:childTnLst>
+                                    <p:set>
                                       <p:cBhvr>
-                                        <p:cTn id="11" dur="500"/>
+                                        <p:cTn id="6" dur="1" fill="hold">
+                                          <p:stCondLst>
+                                            <p:cond delay="0"/>
+                                          </p:stCondLst>
+                                        </p:cTn>
                                         <p:tgtEl>
-                                          <p:spTgt spid="2050"/>
+                                          <p:spTgt spid="3">
+                                            <p:txEl>
+                                              <p:pRg st="0" end="0"/>
+                                            </p:txEl>
+                                          </p:spTgt>
                                         </p:tgtEl>
+                                        <p:attrNameLst>
+                                          <p:attrName>style.visibility</p:attrName>
+                                        </p:attrNameLst>
                                       </p:cBhvr>
-                                    </p:animEffect>
+                                      <p:to>
+                                        <p:strVal val="visible"/>
+                                      </p:to>
+                                    </p:set>
+                                  </p:childTnLst>
+                                </p:cTn>
+                              </p:par>
+                            </p:childTnLst>
+                          </p:cTn>
+                        </p:par>
+                      </p:childTnLst>
+                    </p:cTn>
+                  </p:par>
+                  <p:par>
+                    <p:cTn id="7" fill="hold">
+                      <p:stCondLst>
+                        <p:cond delay="indefinite"/>
+                      </p:stCondLst>
+                      <p:childTnLst>
+                        <p:par>
+                          <p:cTn id="8" fill="hold">
+                            <p:stCondLst>
+                              <p:cond delay="0"/>
+                            </p:stCondLst>
+                            <p:childTnLst>
+                              <p:par>
+                                <p:cTn id="9" presetID="1" presetClass="entr" presetSubtype="0" fill="hold" grpId="0" nodeType="clickEffect">
+                                  <p:stCondLst>
+                                    <p:cond delay="0"/>
+                                  </p:stCondLst>
+                                  <p:childTnLst>
+                                    <p:set>
+                                      <p:cBhvr>
+                                        <p:cTn id="10" dur="1" fill="hold">
+                                          <p:stCondLst>
+                                            <p:cond delay="0"/>
+                                          </p:stCondLst>
+                                        </p:cTn>
+                                        <p:tgtEl>
+                                          <p:spTgt spid="3">
+                                            <p:txEl>
+                                              <p:pRg st="1" end="1"/>
+                                            </p:txEl>
+                                          </p:spTgt>
+                                        </p:tgtEl>
+                                        <p:attrNameLst>
+                                          <p:attrName>style.visibility</p:attrName>
+                                        </p:attrNameLst>
+                                      </p:cBhvr>
+                                      <p:to>
+                                        <p:strVal val="visible"/>
+                                      </p:to>
+                                    </p:set>
+                                  </p:childTnLst>
+                                </p:cTn>
+                              </p:par>
+                            </p:childTnLst>
+                          </p:cTn>
+                        </p:par>
+                      </p:childTnLst>
+                    </p:cTn>
+                  </p:par>
+                  <p:par>
+                    <p:cTn id="11" fill="hold">
+                      <p:stCondLst>
+                        <p:cond delay="indefinite"/>
+                      </p:stCondLst>
+                      <p:childTnLst>
+                        <p:par>
+                          <p:cTn id="12" fill="hold">
+                            <p:stCondLst>
+                              <p:cond delay="0"/>
+                            </p:stCondLst>
+                            <p:childTnLst>
+                              <p:par>
+                                <p:cTn id="13" presetID="1" presetClass="entr" presetSubtype="0" fill="hold" nodeType="clickEffect">
+                                  <p:stCondLst>
+                                    <p:cond delay="0"/>
+                                  </p:stCondLst>
+                                  <p:childTnLst>
+                                    <p:set>
+                                      <p:cBhvr>
+                                        <p:cTn id="14" dur="1" fill="hold">
+                                          <p:stCondLst>
+                                            <p:cond delay="0"/>
+                                          </p:stCondLst>
+                                        </p:cTn>
+                                        <p:tgtEl>
+                                          <p:spTgt spid="9"/>
+                                        </p:tgtEl>
+                                        <p:attrNameLst>
+                                          <p:attrName>style.visibility</p:attrName>
+                                        </p:attrNameLst>
+                                      </p:cBhvr>
+                                      <p:to>
+                                        <p:strVal val="visible"/>
+                                      </p:to>
+                                    </p:set>
+                                  </p:childTnLst>
+                                </p:cTn>
+                              </p:par>
+                              <p:par>
+                                <p:cTn id="15" presetID="1" presetClass="entr" presetSubtype="0" fill="hold" grpId="0" nodeType="withEffect">
+                                  <p:stCondLst>
+                                    <p:cond delay="0"/>
+                                  </p:stCondLst>
+                                  <p:childTnLst>
+                                    <p:set>
+                                      <p:cBhvr>
+                                        <p:cTn id="16" dur="1" fill="hold">
+                                          <p:stCondLst>
+                                            <p:cond delay="0"/>
+                                          </p:stCondLst>
+                                        </p:cTn>
+                                        <p:tgtEl>
+                                          <p:spTgt spid="5"/>
+                                        </p:tgtEl>
+                                        <p:attrNameLst>
+                                          <p:attrName>style.visibility</p:attrName>
+                                        </p:attrNameLst>
+                                      </p:cBhvr>
+                                      <p:to>
+                                        <p:strVal val="visible"/>
+                                      </p:to>
+                                    </p:set>
+                                  </p:childTnLst>
+                                </p:cTn>
+                              </p:par>
+                            </p:childTnLst>
+                          </p:cTn>
+                        </p:par>
+                      </p:childTnLst>
+                    </p:cTn>
+                  </p:par>
+                  <p:par>
+                    <p:cTn id="17" fill="hold">
+                      <p:stCondLst>
+                        <p:cond delay="indefinite"/>
+                      </p:stCondLst>
+                      <p:childTnLst>
+                        <p:par>
+                          <p:cTn id="18" fill="hold">
+                            <p:stCondLst>
+                              <p:cond delay="0"/>
+                            </p:stCondLst>
+                            <p:childTnLst>
+                              <p:par>
+                                <p:cTn id="19" presetID="1" presetClass="entr" presetSubtype="0" fill="hold" nodeType="clickEffect">
+                                  <p:stCondLst>
+                                    <p:cond delay="0"/>
+                                  </p:stCondLst>
+                                  <p:childTnLst>
+                                    <p:set>
+                                      <p:cBhvr>
+                                        <p:cTn id="20" dur="1" fill="hold">
+                                          <p:stCondLst>
+                                            <p:cond delay="0"/>
+                                          </p:stCondLst>
+                                        </p:cTn>
+                                        <p:tgtEl>
+                                          <p:spTgt spid="10"/>
+                                        </p:tgtEl>
+                                        <p:attrNameLst>
+                                          <p:attrName>style.visibility</p:attrName>
+                                        </p:attrNameLst>
+                                      </p:cBhvr>
+                                      <p:to>
+                                        <p:strVal val="visible"/>
+                                      </p:to>
+                                    </p:set>
+                                  </p:childTnLst>
+                                </p:cTn>
+                              </p:par>
+                              <p:par>
+                                <p:cTn id="21" presetID="1" presetClass="entr" presetSubtype="0" fill="hold" grpId="0" nodeType="withEffect">
+                                  <p:stCondLst>
+                                    <p:cond delay="0"/>
+                                  </p:stCondLst>
+                                  <p:childTnLst>
+                                    <p:set>
+                                      <p:cBhvr>
+                                        <p:cTn id="22" dur="1" fill="hold">
+                                          <p:stCondLst>
+                                            <p:cond delay="0"/>
+                                          </p:stCondLst>
+                                        </p:cTn>
+                                        <p:tgtEl>
+                                          <p:spTgt spid="7"/>
+                                        </p:tgtEl>
+                                        <p:attrNameLst>
+                                          <p:attrName>style.visibility</p:attrName>
+                                        </p:attrNameLst>
+                                      </p:cBhvr>
+                                      <p:to>
+                                        <p:strVal val="visible"/>
+                                      </p:to>
+                                    </p:set>
+                                  </p:childTnLst>
+                                </p:cTn>
+                              </p:par>
+                            </p:childTnLst>
+                          </p:cTn>
+                        </p:par>
+                      </p:childTnLst>
+                    </p:cTn>
+                  </p:par>
+                  <p:par>
+                    <p:cTn id="23" fill="hold">
+                      <p:stCondLst>
+                        <p:cond delay="indefinite"/>
+                      </p:stCondLst>
+                      <p:childTnLst>
+                        <p:par>
+                          <p:cTn id="24" fill="hold">
+                            <p:stCondLst>
+                              <p:cond delay="0"/>
+                            </p:stCondLst>
+                            <p:childTnLst>
+                              <p:par>
+                                <p:cTn id="25" presetID="1" presetClass="entr" presetSubtype="0" fill="hold" nodeType="clickEffect">
+                                  <p:stCondLst>
+                                    <p:cond delay="0"/>
+                                  </p:stCondLst>
+                                  <p:childTnLst>
+                                    <p:set>
+                                      <p:cBhvr>
+                                        <p:cTn id="26" dur="1" fill="hold">
+                                          <p:stCondLst>
+                                            <p:cond delay="0"/>
+                                          </p:stCondLst>
+                                        </p:cTn>
+                                        <p:tgtEl>
+                                          <p:spTgt spid="12"/>
+                                        </p:tgtEl>
+                                        <p:attrNameLst>
+                                          <p:attrName>style.visibility</p:attrName>
+                                        </p:attrNameLst>
+                                      </p:cBhvr>
+                                      <p:to>
+                                        <p:strVal val="visible"/>
+                                      </p:to>
+                                    </p:set>
+                                  </p:childTnLst>
+                                </p:cTn>
+                              </p:par>
+                              <p:par>
+                                <p:cTn id="27" presetID="1" presetClass="entr" presetSubtype="0" fill="hold" grpId="0" nodeType="withEffect">
+                                  <p:stCondLst>
+                                    <p:cond delay="0"/>
+                                  </p:stCondLst>
+                                  <p:childTnLst>
+                                    <p:set>
+                                      <p:cBhvr>
+                                        <p:cTn id="28" dur="1" fill="hold">
+                                          <p:stCondLst>
+                                            <p:cond delay="0"/>
+                                          </p:stCondLst>
+                                        </p:cTn>
+                                        <p:tgtEl>
+                                          <p:spTgt spid="6"/>
+                                        </p:tgtEl>
+                                        <p:attrNameLst>
+                                          <p:attrName>style.visibility</p:attrName>
+                                        </p:attrNameLst>
+                                      </p:cBhvr>
+                                      <p:to>
+                                        <p:strVal val="visible"/>
+                                      </p:to>
+                                    </p:set>
+                                  </p:childTnLst>
+                                </p:cTn>
+                              </p:par>
+                            </p:childTnLst>
+                          </p:cTn>
+                        </p:par>
+                      </p:childTnLst>
+                    </p:cTn>
+                  </p:par>
+                  <p:par>
+                    <p:cTn id="29" fill="hold">
+                      <p:stCondLst>
+                        <p:cond delay="indefinite"/>
+                      </p:stCondLst>
+                      <p:childTnLst>
+                        <p:par>
+                          <p:cTn id="30" fill="hold">
+                            <p:stCondLst>
+                              <p:cond delay="0"/>
+                            </p:stCondLst>
+                            <p:childTnLst>
+                              <p:par>
+                                <p:cTn id="31" presetID="1" presetClass="entr" presetSubtype="0" fill="hold" grpId="0" nodeType="clickEffect">
+                                  <p:stCondLst>
+                                    <p:cond delay="0"/>
+                                  </p:stCondLst>
+                                  <p:childTnLst>
+                                    <p:set>
+                                      <p:cBhvr>
+                                        <p:cTn id="32" dur="1" fill="hold">
+                                          <p:stCondLst>
+                                            <p:cond delay="0"/>
+                                          </p:stCondLst>
+                                        </p:cTn>
+                                        <p:tgtEl>
+                                          <p:spTgt spid="3">
+                                            <p:txEl>
+                                              <p:pRg st="5" end="5"/>
+                                            </p:txEl>
+                                          </p:spTgt>
+                                        </p:tgtEl>
+                                        <p:attrNameLst>
+                                          <p:attrName>style.visibility</p:attrName>
+                                        </p:attrNameLst>
+                                      </p:cBhvr>
+                                      <p:to>
+                                        <p:strVal val="visible"/>
+                                      </p:to>
+                                    </p:set>
+                                  </p:childTnLst>
+                                </p:cTn>
+                              </p:par>
+                            </p:childTnLst>
+                          </p:cTn>
+                        </p:par>
+                      </p:childTnLst>
+                    </p:cTn>
+                  </p:par>
+                  <p:par>
+                    <p:cTn id="33" fill="hold">
+                      <p:stCondLst>
+                        <p:cond delay="indefinite"/>
+                      </p:stCondLst>
+                      <p:childTnLst>
+                        <p:par>
+                          <p:cTn id="34" fill="hold">
+                            <p:stCondLst>
+                              <p:cond delay="0"/>
+                            </p:stCondLst>
+                            <p:childTnLst>
+                              <p:par>
+                                <p:cTn id="35" presetID="1" presetClass="entr" presetSubtype="0" fill="hold" nodeType="clickEffect">
+                                  <p:stCondLst>
+                                    <p:cond delay="0"/>
+                                  </p:stCondLst>
+                                  <p:childTnLst>
+                                    <p:set>
+                                      <p:cBhvr>
+                                        <p:cTn id="36" dur="1" fill="hold">
+                                          <p:stCondLst>
+                                            <p:cond delay="0"/>
+                                          </p:stCondLst>
+                                        </p:cTn>
+                                        <p:tgtEl>
+                                          <p:spTgt spid="24"/>
+                                        </p:tgtEl>
+                                        <p:attrNameLst>
+                                          <p:attrName>style.visibility</p:attrName>
+                                        </p:attrNameLst>
+                                      </p:cBhvr>
+                                      <p:to>
+                                        <p:strVal val="visible"/>
+                                      </p:to>
+                                    </p:set>
+                                  </p:childTnLst>
+                                </p:cTn>
+                              </p:par>
+                              <p:par>
+                                <p:cTn id="37" presetID="1" presetClass="entr" presetSubtype="0" fill="hold" grpId="0" nodeType="withEffect">
+                                  <p:stCondLst>
+                                    <p:cond delay="0"/>
+                                  </p:stCondLst>
+                                  <p:childTnLst>
+                                    <p:set>
+                                      <p:cBhvr>
+                                        <p:cTn id="38" dur="1" fill="hold">
+                                          <p:stCondLst>
+                                            <p:cond delay="0"/>
+                                          </p:stCondLst>
+                                        </p:cTn>
+                                        <p:tgtEl>
+                                          <p:spTgt spid="21"/>
+                                        </p:tgtEl>
+                                        <p:attrNameLst>
+                                          <p:attrName>style.visibility</p:attrName>
+                                        </p:attrNameLst>
+                                      </p:cBhvr>
+                                      <p:to>
+                                        <p:strVal val="visible"/>
+                                      </p:to>
+                                    </p:set>
+                                  </p:childTnLst>
+                                </p:cTn>
+                              </p:par>
+                            </p:childTnLst>
+                          </p:cTn>
+                        </p:par>
+                      </p:childTnLst>
+                    </p:cTn>
+                  </p:par>
+                  <p:par>
+                    <p:cTn id="39" fill="hold">
+                      <p:stCondLst>
+                        <p:cond delay="indefinite"/>
+                      </p:stCondLst>
+                      <p:childTnLst>
+                        <p:par>
+                          <p:cTn id="40" fill="hold">
+                            <p:stCondLst>
+                              <p:cond delay="0"/>
+                            </p:stCondLst>
+                            <p:childTnLst>
+                              <p:par>
+                                <p:cTn id="41" presetID="1" presetClass="entr" presetSubtype="0" fill="hold" nodeType="clickEffect">
+                                  <p:stCondLst>
+                                    <p:cond delay="0"/>
+                                  </p:stCondLst>
+                                  <p:childTnLst>
+                                    <p:set>
+                                      <p:cBhvr>
+                                        <p:cTn id="42" dur="1" fill="hold">
+                                          <p:stCondLst>
+                                            <p:cond delay="0"/>
+                                          </p:stCondLst>
+                                        </p:cTn>
+                                        <p:tgtEl>
+                                          <p:spTgt spid="25"/>
+                                        </p:tgtEl>
+                                        <p:attrNameLst>
+                                          <p:attrName>style.visibility</p:attrName>
+                                        </p:attrNameLst>
+                                      </p:cBhvr>
+                                      <p:to>
+                                        <p:strVal val="visible"/>
+                                      </p:to>
+                                    </p:set>
+                                  </p:childTnLst>
+                                </p:cTn>
+                              </p:par>
+                              <p:par>
+                                <p:cTn id="43" presetID="1" presetClass="entr" presetSubtype="0" fill="hold" grpId="0" nodeType="withEffect">
+                                  <p:stCondLst>
+                                    <p:cond delay="0"/>
+                                  </p:stCondLst>
+                                  <p:childTnLst>
+                                    <p:set>
+                                      <p:cBhvr>
+                                        <p:cTn id="44" dur="1" fill="hold">
+                                          <p:stCondLst>
+                                            <p:cond delay="0"/>
+                                          </p:stCondLst>
+                                        </p:cTn>
+                                        <p:tgtEl>
+                                          <p:spTgt spid="23"/>
+                                        </p:tgtEl>
+                                        <p:attrNameLst>
+                                          <p:attrName>style.visibility</p:attrName>
+                                        </p:attrNameLst>
+                                      </p:cBhvr>
+                                      <p:to>
+                                        <p:strVal val="visible"/>
+                                      </p:to>
+                                    </p:set>
+                                  </p:childTnLst>
+                                </p:cTn>
+                              </p:par>
+                            </p:childTnLst>
+                          </p:cTn>
+                        </p:par>
+                      </p:childTnLst>
+                    </p:cTn>
+                  </p:par>
+                  <p:par>
+                    <p:cTn id="45" fill="hold">
+                      <p:stCondLst>
+                        <p:cond delay="indefinite"/>
+                      </p:stCondLst>
+                      <p:childTnLst>
+                        <p:par>
+                          <p:cTn id="46" fill="hold">
+                            <p:stCondLst>
+                              <p:cond delay="0"/>
+                            </p:stCondLst>
+                            <p:childTnLst>
+                              <p:par>
+                                <p:cTn id="47" presetID="1" presetClass="entr" presetSubtype="0" fill="hold" nodeType="clickEffect">
+                                  <p:stCondLst>
+                                    <p:cond delay="0"/>
+                                  </p:stCondLst>
+                                  <p:childTnLst>
+                                    <p:set>
+                                      <p:cBhvr>
+                                        <p:cTn id="48" dur="1" fill="hold">
+                                          <p:stCondLst>
+                                            <p:cond delay="0"/>
+                                          </p:stCondLst>
+                                        </p:cTn>
+                                        <p:tgtEl>
+                                          <p:spTgt spid="26"/>
+                                        </p:tgtEl>
+                                        <p:attrNameLst>
+                                          <p:attrName>style.visibility</p:attrName>
+                                        </p:attrNameLst>
+                                      </p:cBhvr>
+                                      <p:to>
+                                        <p:strVal val="visible"/>
+                                      </p:to>
+                                    </p:set>
+                                  </p:childTnLst>
+                                </p:cTn>
+                              </p:par>
+                              <p:par>
+                                <p:cTn id="49" presetID="1" presetClass="entr" presetSubtype="0" fill="hold" grpId="0" nodeType="withEffect">
+                                  <p:stCondLst>
+                                    <p:cond delay="0"/>
+                                  </p:stCondLst>
+                                  <p:childTnLst>
+                                    <p:set>
+                                      <p:cBhvr>
+                                        <p:cTn id="50" dur="1" fill="hold">
+                                          <p:stCondLst>
+                                            <p:cond delay="0"/>
+                                          </p:stCondLst>
+                                        </p:cTn>
+                                        <p:tgtEl>
+                                          <p:spTgt spid="22"/>
+                                        </p:tgtEl>
+                                        <p:attrNameLst>
+                                          <p:attrName>style.visibility</p:attrName>
+                                        </p:attrNameLst>
+                                      </p:cBhvr>
+                                      <p:to>
+                                        <p:strVal val="visible"/>
+                                      </p:to>
+                                    </p:set>
                                   </p:childTnLst>
                                 </p:cTn>
                               </p:par>
@@ -4249,12 +6790,18 @@
     </p:tnLst>
     <p:bldLst>
       <p:bldP spid="3" grpId="0" uiExpand="1" build="p"/>
+      <p:bldP spid="5" grpId="0"/>
+      <p:bldP spid="6" grpId="0"/>
+      <p:bldP spid="7" grpId="0"/>
+      <p:bldP spid="21" grpId="0"/>
+      <p:bldP spid="22" grpId="0"/>
+      <p:bldP spid="23" grpId="0"/>
     </p:bldLst>
   </p:timing>
 </p:sld>
 </file>
 
-<file path=ppt/slides/slide3.xml><?xml version="1.0" encoding="utf-8"?>
+<file path=ppt/slides/slide4.xml><?xml version="1.0" encoding="utf-8"?>
 <p:sld xmlns:a="http://schemas.openxmlformats.org/drawingml/2006/main" xmlns:r="http://schemas.openxmlformats.org/officeDocument/2006/relationships" xmlns:p="http://schemas.openxmlformats.org/presentationml/2006/main">
   <p:cSld>
     <p:spTree>
@@ -4273,13 +6820,7 @@
       </p:grpSpPr>
       <p:sp>
         <p:nvSpPr>
-          <p:cNvPr id="2" name="Title 1">
-            <a:extLst>
-              <a:ext uri="{FF2B5EF4-FFF2-40B4-BE49-F238E27FC236}">
-                <a16:creationId xmlns:a16="http://schemas.microsoft.com/office/drawing/2014/main" id="{7C8D3478-5F96-47D5-92DE-4D32E54569DF}"/>
-              </a:ext>
-            </a:extLst>
-          </p:cNvPr>
+          <p:cNvPr id="2" name="Title 1"/>
           <p:cNvSpPr>
             <a:spLocks noGrp="1"/>
           </p:cNvSpPr>
@@ -4294,81 +6835,297 @@
           <a:p>
             <a:r>
               <a:rPr lang="en-US" dirty="0"/>
-              <a:t>Rigid Body Surface Collisions</a:t>
+              <a:t>Impulse of a Moment</a:t>
             </a:r>
           </a:p>
         </p:txBody>
       </p:sp>
+      <mc:AlternateContent xmlns:mc="http://schemas.openxmlformats.org/markup-compatibility/2006" xmlns:a14="http://schemas.microsoft.com/office/drawing/2010/main">
+        <mc:Choice Requires="a14">
+          <p:sp>
+            <p:nvSpPr>
+              <p:cNvPr id="3" name="Content Placeholder 2"/>
+              <p:cNvSpPr>
+                <a:spLocks noGrp="1"/>
+              </p:cNvSpPr>
+              <p:nvPr>
+                <p:ph idx="1"/>
+              </p:nvPr>
+            </p:nvSpPr>
+            <p:spPr>
+              <a:xfrm>
+                <a:off x="457200" y="1600200"/>
+                <a:ext cx="8229600" cy="4648200"/>
+              </a:xfrm>
+            </p:spPr>
+            <p:txBody>
+              <a:bodyPr>
+                <a:normAutofit fontScale="77500" lnSpcReduction="20000"/>
+              </a:bodyPr>
+              <a:lstStyle/>
+              <a:p>
+                <a:r>
+                  <a:rPr lang="en-US" dirty="0"/>
+                  <a:t>The impulse of a constant moment over a set time will be equal to the magnitude of the force time the duration of the time.</a:t>
+                </a:r>
+              </a:p>
+              <a:p>
+                <a:pPr marL="0" indent="0">
+                  <a:buNone/>
+                </a:pPr>
+                <a14:m>
+                  <m:oMathPara xmlns:m="http://schemas.openxmlformats.org/officeDocument/2006/math">
+                    <m:oMathParaPr>
+                      <m:jc m:val="centerGroup"/>
+                    </m:oMathParaPr>
+                    <m:oMath xmlns:m="http://schemas.openxmlformats.org/officeDocument/2006/math">
+                      <m:acc>
+                        <m:accPr>
+                          <m:chr m:val="⃑"/>
+                          <m:ctrlPr>
+                            <a:rPr lang="en-US" i="1">
+                              <a:latin typeface="Cambria Math" panose="02040503050406030204" pitchFamily="18" charset="0"/>
+                            </a:rPr>
+                          </m:ctrlPr>
+                        </m:accPr>
+                        <m:e>
+                          <m:r>
+                            <m:rPr>
+                              <m:sty m:val="p"/>
+                            </m:rPr>
+                            <a:rPr lang="en-US" b="0" i="0" smtClean="0">
+                              <a:latin typeface="Cambria Math" panose="02040503050406030204" pitchFamily="18" charset="0"/>
+                            </a:rPr>
+                            <m:t>K</m:t>
+                          </m:r>
+                        </m:e>
+                      </m:acc>
+                      <m:r>
+                        <a:rPr lang="en-US" b="0" i="1" smtClean="0">
+                          <a:latin typeface="Cambria Math"/>
+                        </a:rPr>
+                        <m:t>=</m:t>
+                      </m:r>
+                      <m:d>
+                        <m:dPr>
+                          <m:ctrlPr>
+                            <a:rPr lang="en-US" b="0" i="1" smtClean="0">
+                              <a:latin typeface="Cambria Math" panose="02040503050406030204" pitchFamily="18" charset="0"/>
+                            </a:rPr>
+                          </m:ctrlPr>
+                        </m:dPr>
+                        <m:e>
+                          <m:acc>
+                            <m:accPr>
+                              <m:chr m:val="⃑"/>
+                              <m:ctrlPr>
+                                <a:rPr lang="en-US" b="0" i="1" smtClean="0">
+                                  <a:latin typeface="Cambria Math" panose="02040503050406030204" pitchFamily="18" charset="0"/>
+                                </a:rPr>
+                              </m:ctrlPr>
+                            </m:accPr>
+                            <m:e>
+                              <m:r>
+                                <a:rPr lang="en-US" b="0" i="1" smtClean="0">
+                                  <a:latin typeface="Cambria Math" panose="02040503050406030204" pitchFamily="18" charset="0"/>
+                                </a:rPr>
+                                <m:t>𝑀</m:t>
+                              </m:r>
+                            </m:e>
+                          </m:acc>
+                        </m:e>
+                      </m:d>
+                      <m:d>
+                        <m:dPr>
+                          <m:ctrlPr>
+                            <a:rPr lang="en-US" b="0" i="1" smtClean="0">
+                              <a:latin typeface="Cambria Math" panose="02040503050406030204" pitchFamily="18" charset="0"/>
+                            </a:rPr>
+                          </m:ctrlPr>
+                        </m:dPr>
+                        <m:e>
+                          <m:r>
+                            <a:rPr lang="en-US" b="0" i="1" smtClean="0">
+                              <a:latin typeface="Cambria Math"/>
+                            </a:rPr>
+                            <m:t>𝑡</m:t>
+                          </m:r>
+                        </m:e>
+                      </m:d>
+                    </m:oMath>
+                  </m:oMathPara>
+                </a14:m>
+                <a:endParaRPr lang="en-US" b="0" dirty="0"/>
+              </a:p>
+              <a:p>
+                <a:r>
+                  <a:rPr lang="en-US" dirty="0"/>
+                  <a:t>More generally, the impulse by any moment (which may change over time) is equal to the integral of the moment over some set time period.</a:t>
+                </a:r>
+              </a:p>
+              <a:p>
+                <a:pPr marL="0" indent="0">
+                  <a:buNone/>
+                </a:pPr>
+                <a14:m>
+                  <m:oMathPara xmlns:m="http://schemas.openxmlformats.org/officeDocument/2006/math">
+                    <m:oMathParaPr>
+                      <m:jc m:val="centerGroup"/>
+                    </m:oMathParaPr>
+                    <m:oMath xmlns:m="http://schemas.openxmlformats.org/officeDocument/2006/math">
+                      <m:acc>
+                        <m:accPr>
+                          <m:chr m:val="⃑"/>
+                          <m:ctrlPr>
+                            <a:rPr lang="en-US" i="1">
+                              <a:latin typeface="Cambria Math" panose="02040503050406030204" pitchFamily="18" charset="0"/>
+                            </a:rPr>
+                          </m:ctrlPr>
+                        </m:accPr>
+                        <m:e>
+                          <m:r>
+                            <m:rPr>
+                              <m:sty m:val="p"/>
+                            </m:rPr>
+                            <a:rPr lang="en-US" b="0" i="0" smtClean="0">
+                              <a:latin typeface="Cambria Math" panose="02040503050406030204" pitchFamily="18" charset="0"/>
+                            </a:rPr>
+                            <m:t>K</m:t>
+                          </m:r>
+                        </m:e>
+                      </m:acc>
+                      <m:r>
+                        <a:rPr lang="en-US" i="1">
+                          <a:latin typeface="Cambria Math"/>
+                        </a:rPr>
+                        <m:t>=</m:t>
+                      </m:r>
+                      <m:nary>
+                        <m:naryPr>
+                          <m:ctrlPr>
+                            <a:rPr lang="en-US" i="1" smtClean="0">
+                              <a:latin typeface="Cambria Math" panose="02040503050406030204" pitchFamily="18" charset="0"/>
+                            </a:rPr>
+                          </m:ctrlPr>
+                        </m:naryPr>
+                        <m:sub>
+                          <m:r>
+                            <m:rPr>
+                              <m:brk m:alnAt="23"/>
+                            </m:rPr>
+                            <a:rPr lang="en-US" b="0" i="1" smtClean="0">
+                              <a:latin typeface="Cambria Math"/>
+                            </a:rPr>
+                            <m:t>𝑡</m:t>
+                          </m:r>
+                          <m:r>
+                            <a:rPr lang="en-US" b="0" i="1" smtClean="0">
+                              <a:latin typeface="Cambria Math"/>
+                            </a:rPr>
+                            <m:t>1</m:t>
+                          </m:r>
+                        </m:sub>
+                        <m:sup>
+                          <m:r>
+                            <a:rPr lang="en-US" b="0" i="1" smtClean="0">
+                              <a:latin typeface="Cambria Math"/>
+                            </a:rPr>
+                            <m:t>𝑡</m:t>
+                          </m:r>
+                          <m:r>
+                            <a:rPr lang="en-US" b="0" i="1" smtClean="0">
+                              <a:latin typeface="Cambria Math"/>
+                            </a:rPr>
+                            <m:t>2</m:t>
+                          </m:r>
+                        </m:sup>
+                        <m:e>
+                          <m:r>
+                            <a:rPr lang="en-US" b="0" i="1" smtClean="0">
+                              <a:latin typeface="Cambria Math" panose="02040503050406030204" pitchFamily="18" charset="0"/>
+                            </a:rPr>
+                            <m:t>𝑀</m:t>
+                          </m:r>
+                          <m:d>
+                            <m:dPr>
+                              <m:ctrlPr>
+                                <a:rPr lang="en-US" b="0" i="1" smtClean="0">
+                                  <a:latin typeface="Cambria Math" panose="02040503050406030204" pitchFamily="18" charset="0"/>
+                                </a:rPr>
+                              </m:ctrlPr>
+                            </m:dPr>
+                            <m:e>
+                              <m:r>
+                                <a:rPr lang="en-US" b="0" i="1" smtClean="0">
+                                  <a:latin typeface="Cambria Math"/>
+                                </a:rPr>
+                                <m:t>𝑡</m:t>
+                              </m:r>
+                            </m:e>
+                          </m:d>
+                          <m:r>
+                            <a:rPr lang="en-US" b="0" i="1" smtClean="0">
+                              <a:latin typeface="Cambria Math"/>
+                            </a:rPr>
+                            <m:t>𝑑𝑡</m:t>
+                          </m:r>
+                        </m:e>
+                      </m:nary>
+                    </m:oMath>
+                  </m:oMathPara>
+                </a14:m>
+                <a:endParaRPr lang="en-US" dirty="0"/>
+              </a:p>
+              <a:p>
+                <a:r>
+                  <a:rPr lang="en-US" dirty="0"/>
+                  <a:t>In addition to a magnitude, an impulse will also have a direction.  Assuming the moment has a constant direction, the direction of the moment will be the direction of the impulse.</a:t>
+                </a:r>
+              </a:p>
+            </p:txBody>
+          </p:sp>
+        </mc:Choice>
+        <mc:Fallback xmlns="">
+          <p:sp>
+            <p:nvSpPr>
+              <p:cNvPr id="3" name="Content Placeholder 2"/>
+              <p:cNvSpPr>
+                <a:spLocks noGrp="1" noRot="1" noChangeAspect="1" noMove="1" noResize="1" noEditPoints="1" noAdjustHandles="1" noChangeArrowheads="1" noChangeShapeType="1" noTextEdit="1"/>
+              </p:cNvSpPr>
+              <p:nvPr>
+                <p:ph idx="1"/>
+              </p:nvPr>
+            </p:nvSpPr>
+            <p:spPr>
+              <a:xfrm>
+                <a:off x="457200" y="1600200"/>
+                <a:ext cx="8229600" cy="4648200"/>
+              </a:xfrm>
+              <a:blipFill>
+                <a:blip r:embed="rId2"/>
+                <a:stretch>
+                  <a:fillRect l="-1037" t="-2493" b="-2362"/>
+                </a:stretch>
+              </a:blipFill>
+            </p:spPr>
+            <p:txBody>
+              <a:bodyPr/>
+              <a:lstStyle/>
+              <a:p>
+                <a:r>
+                  <a:rPr lang="en-US">
+                    <a:noFill/>
+                  </a:rPr>
+                  <a:t> </a:t>
+                </a:r>
+              </a:p>
+            </p:txBody>
+          </p:sp>
+        </mc:Fallback>
+      </mc:AlternateContent>
       <p:sp>
         <p:nvSpPr>
-          <p:cNvPr id="3" name="Content Placeholder 2">
-            <a:extLst>
-              <a:ext uri="{FF2B5EF4-FFF2-40B4-BE49-F238E27FC236}">
-                <a16:creationId xmlns:a16="http://schemas.microsoft.com/office/drawing/2014/main" id="{2A920D22-918F-4088-AC90-B17B66623CCB}"/>
-              </a:ext>
-            </a:extLst>
-          </p:cNvPr>
-          <p:cNvSpPr>
-            <a:spLocks noGrp="1"/>
-          </p:cNvSpPr>
-          <p:nvPr>
-            <p:ph idx="1"/>
-          </p:nvPr>
-        </p:nvSpPr>
-        <p:spPr/>
-        <p:txBody>
-          <a:bodyPr>
-            <a:normAutofit fontScale="92500" lnSpcReduction="10000"/>
-          </a:bodyPr>
-          <a:lstStyle/>
-          <a:p>
-            <a:r>
-              <a:rPr lang="en-US" dirty="0"/>
-              <a:t>With a rigid body surface collision, we will often be given a set of velocities before an impact and will need to solve for…</a:t>
-            </a:r>
-          </a:p>
-          <a:p>
-            <a:pPr lvl="1"/>
-            <a:r>
-              <a:rPr lang="en-US" dirty="0"/>
-              <a:t>The velocity of the center of mass of the body after impact.</a:t>
-            </a:r>
-          </a:p>
-          <a:p>
-            <a:pPr lvl="2"/>
-            <a:r>
-              <a:rPr lang="en-US" dirty="0"/>
-              <a:t>Usually in terms of normal and tangential components</a:t>
-            </a:r>
-          </a:p>
-          <a:p>
-            <a:pPr lvl="1"/>
-            <a:r>
-              <a:rPr lang="en-US" dirty="0"/>
-              <a:t>The angular velocity of the body after impact.</a:t>
-            </a:r>
-          </a:p>
-          <a:p>
-            <a:pPr lvl="1"/>
-            <a:endParaRPr lang="en-US" dirty="0"/>
-          </a:p>
-          <a:p>
-            <a:r>
-              <a:rPr lang="en-US" dirty="0"/>
-              <a:t>Three unknowns, means we will need three equations to work with.</a:t>
-            </a:r>
-          </a:p>
-        </p:txBody>
-      </p:sp>
-      <p:sp>
-        <p:nvSpPr>
-          <p:cNvPr id="4" name="Slide Number Placeholder 3">
-            <a:extLst>
-              <a:ext uri="{FF2B5EF4-FFF2-40B4-BE49-F238E27FC236}">
-                <a16:creationId xmlns:a16="http://schemas.microsoft.com/office/drawing/2014/main" id="{15EC7D60-E362-422D-B594-FB68F9B2D6E8}"/>
-              </a:ext>
-            </a:extLst>
-          </p:cNvPr>
+          <p:cNvPr id="4" name="Slide Number Placeholder 3"/>
           <p:cNvSpPr>
             <a:spLocks noGrp="1"/>
           </p:cNvSpPr>
@@ -4383,16 +7140,16 @@
           <a:p>
             <a:fld id="{929262FE-7F58-4A1E-8AF3-5A510A86DEBD}" type="slidenum">
               <a:rPr lang="en-US" smtClean="0"/>
-              <a:t>3</a:t>
+              <a:t>4</a:t>
             </a:fld>
-            <a:endParaRPr lang="en-US" dirty="0"/>
+            <a:endParaRPr lang="en-US"/>
           </a:p>
         </p:txBody>
       </p:sp>
     </p:spTree>
     <p:extLst>
       <p:ext uri="{BB962C8B-B14F-4D97-AF65-F5344CB8AC3E}">
-        <p14:creationId xmlns:p14="http://schemas.microsoft.com/office/powerpoint/2010/main" val="3782184083"/>
+        <p14:creationId xmlns:p14="http://schemas.microsoft.com/office/powerpoint/2010/main" val="3054484034"/>
       </p:ext>
     </p:extLst>
   </p:cSld>
@@ -4631,7 +7388,7 @@
                                         <p:tgtEl>
                                           <p:spTgt spid="3">
                                             <p:txEl>
-                                              <p:pRg st="5" end="5"/>
+                                              <p:pRg st="4" end="4"/>
                                             </p:txEl>
                                           </p:spTgt>
                                         </p:tgtEl>
@@ -4680,7 +7437,7 @@
 </p:sld>
 </file>
 
-<file path=ppt/slides/slide4.xml><?xml version="1.0" encoding="utf-8"?>
+<file path=ppt/slides/slide5.xml><?xml version="1.0" encoding="utf-8"?>
 <p:sld xmlns:a="http://schemas.openxmlformats.org/drawingml/2006/main" xmlns:r="http://schemas.openxmlformats.org/officeDocument/2006/relationships" xmlns:p="http://schemas.openxmlformats.org/presentationml/2006/main">
   <p:cSld>
     <p:spTree>
@@ -4699,13 +7456,7 @@
       </p:grpSpPr>
       <p:sp>
         <p:nvSpPr>
-          <p:cNvPr id="2" name="Title 1">
-            <a:extLst>
-              <a:ext uri="{FF2B5EF4-FFF2-40B4-BE49-F238E27FC236}">
-                <a16:creationId xmlns:a16="http://schemas.microsoft.com/office/drawing/2014/main" id="{4B7AD62A-3DBD-4452-8625-6F2CFEAA90EA}"/>
-              </a:ext>
-            </a:extLst>
-          </p:cNvPr>
+          <p:cNvPr id="2" name="Title 1"/>
           <p:cNvSpPr>
             <a:spLocks noGrp="1"/>
           </p:cNvSpPr>
@@ -4720,69 +7471,143 @@
           <a:p>
             <a:r>
               <a:rPr lang="en-US" dirty="0"/>
-              <a:t>Rigid Body Surface Collisions</a:t>
+              <a:t>Angular Momentum</a:t>
             </a:r>
           </a:p>
         </p:txBody>
       </p:sp>
+      <mc:AlternateContent xmlns:mc="http://schemas.openxmlformats.org/markup-compatibility/2006" xmlns:a14="http://schemas.microsoft.com/office/drawing/2010/main">
+        <mc:Choice Requires="a14">
+          <p:sp>
+            <p:nvSpPr>
+              <p:cNvPr id="3" name="Content Placeholder 2"/>
+              <p:cNvSpPr>
+                <a:spLocks noGrp="1"/>
+              </p:cNvSpPr>
+              <p:nvPr>
+                <p:ph idx="1"/>
+              </p:nvPr>
+            </p:nvSpPr>
+            <p:spPr/>
+            <p:txBody>
+              <a:bodyPr>
+                <a:normAutofit fontScale="92500" lnSpcReduction="20000"/>
+              </a:bodyPr>
+              <a:lstStyle/>
+              <a:p>
+                <a:r>
+                  <a:rPr lang="en-US" dirty="0"/>
+                  <a:t>The angular momentum of a body at any given instant will be the mass moment of inertia of the body times the angular  velocity of that body.</a:t>
+                </a:r>
+              </a:p>
+              <a:p>
+                <a:pPr marL="0" indent="0">
+                  <a:buNone/>
+                </a:pPr>
+                <a14:m>
+                  <m:oMathPara xmlns:m="http://schemas.openxmlformats.org/officeDocument/2006/math">
+                    <m:oMathParaPr>
+                      <m:jc m:val="centerGroup"/>
+                    </m:oMathParaPr>
+                    <m:oMath xmlns:m="http://schemas.openxmlformats.org/officeDocument/2006/math">
+                      <m:r>
+                        <a:rPr lang="en-US" b="0" i="1" smtClean="0">
+                          <a:latin typeface="Cambria Math" panose="02040503050406030204" pitchFamily="18" charset="0"/>
+                        </a:rPr>
+                        <m:t>𝐼</m:t>
+                      </m:r>
+                      <m:r>
+                        <a:rPr lang="en-US" b="0" i="1" smtClean="0">
+                          <a:latin typeface="Cambria Math" panose="02040503050406030204" pitchFamily="18" charset="0"/>
+                        </a:rPr>
+                        <m:t>∗</m:t>
+                      </m:r>
+                      <m:acc>
+                        <m:accPr>
+                          <m:chr m:val="⃑"/>
+                          <m:ctrlPr>
+                            <a:rPr lang="en-US" i="1">
+                              <a:latin typeface="Cambria Math" panose="02040503050406030204" pitchFamily="18" charset="0"/>
+                            </a:rPr>
+                          </m:ctrlPr>
+                        </m:accPr>
+                        <m:e>
+                          <m:r>
+                            <m:rPr>
+                              <m:sty m:val="p"/>
+                            </m:rPr>
+                            <a:rPr lang="en-US">
+                              <a:latin typeface="Cambria Math" panose="02040503050406030204" pitchFamily="18" charset="0"/>
+                              <a:ea typeface="Cambria Math" panose="02040503050406030204" pitchFamily="18" charset="0"/>
+                            </a:rPr>
+                            <m:t>ω</m:t>
+                          </m:r>
+                        </m:e>
+                      </m:acc>
+                    </m:oMath>
+                  </m:oMathPara>
+                </a14:m>
+                <a:endParaRPr lang="en-US" b="0" dirty="0"/>
+              </a:p>
+              <a:p>
+                <a:r>
+                  <a:rPr lang="en-US" dirty="0"/>
+                  <a:t>This can be taken about a fixed axis of rotation, or about the center of mass of a body.</a:t>
+                </a:r>
+              </a:p>
+              <a:p>
+                <a:pPr lvl="1"/>
+                <a:r>
+                  <a:rPr lang="en-US" dirty="0"/>
+                  <a:t>Be sure to take moments and the mass moment of inertia about the same point.</a:t>
+                </a:r>
+              </a:p>
+              <a:p>
+                <a:r>
+                  <a:rPr lang="en-US" dirty="0"/>
+                  <a:t>The angular momentum has a direction as well.  The direction of the momentum will be the instantaneous direction of the angular velocity.</a:t>
+                </a:r>
+              </a:p>
+            </p:txBody>
+          </p:sp>
+        </mc:Choice>
+        <mc:Fallback xmlns="">
+          <p:sp>
+            <p:nvSpPr>
+              <p:cNvPr id="3" name="Content Placeholder 2"/>
+              <p:cNvSpPr>
+                <a:spLocks noGrp="1" noRot="1" noChangeAspect="1" noMove="1" noResize="1" noEditPoints="1" noAdjustHandles="1" noChangeArrowheads="1" noChangeShapeType="1" noTextEdit="1"/>
+              </p:cNvSpPr>
+              <p:nvPr>
+                <p:ph idx="1"/>
+              </p:nvPr>
+            </p:nvSpPr>
+            <p:spPr>
+              <a:blipFill>
+                <a:blip r:embed="rId2"/>
+                <a:stretch>
+                  <a:fillRect l="-1481" t="-3504" r="-2444" b="-943"/>
+                </a:stretch>
+              </a:blipFill>
+            </p:spPr>
+            <p:txBody>
+              <a:bodyPr/>
+              <a:lstStyle/>
+              <a:p>
+                <a:r>
+                  <a:rPr lang="en-US">
+                    <a:noFill/>
+                  </a:rPr>
+                  <a:t> </a:t>
+                </a:r>
+              </a:p>
+            </p:txBody>
+          </p:sp>
+        </mc:Fallback>
+      </mc:AlternateContent>
       <p:sp>
         <p:nvSpPr>
-          <p:cNvPr id="3" name="Content Placeholder 2">
-            <a:extLst>
-              <a:ext uri="{FF2B5EF4-FFF2-40B4-BE49-F238E27FC236}">
-                <a16:creationId xmlns:a16="http://schemas.microsoft.com/office/drawing/2014/main" id="{0733E3D0-D68F-440F-BA6F-B73521BC8944}"/>
-              </a:ext>
-            </a:extLst>
-          </p:cNvPr>
-          <p:cNvSpPr>
-            <a:spLocks noGrp="1"/>
-          </p:cNvSpPr>
-          <p:nvPr>
-            <p:ph idx="1"/>
-          </p:nvPr>
-        </p:nvSpPr>
-        <p:spPr>
-          <a:xfrm>
-            <a:off x="457200" y="1600200"/>
-            <a:ext cx="4343400" cy="4983162"/>
-          </a:xfrm>
-        </p:spPr>
-        <p:txBody>
-          <a:bodyPr>
-            <a:normAutofit fontScale="85000" lnSpcReduction="10000"/>
-          </a:bodyPr>
-          <a:lstStyle/>
-          <a:p>
-            <a:r>
-              <a:rPr lang="en-US" dirty="0"/>
-              <a:t>In order to generate three equations, we will need to rely on the normal and tangential directions, just as we did with particle surface collisions.</a:t>
-            </a:r>
-          </a:p>
-          <a:p>
-            <a:pPr lvl="1"/>
-            <a:r>
-              <a:rPr lang="en-US" dirty="0"/>
-              <a:t>The tangential direction is parallel to the surface</a:t>
-            </a:r>
-          </a:p>
-          <a:p>
-            <a:pPr lvl="1"/>
-            <a:r>
-              <a:rPr lang="en-US" dirty="0"/>
-              <a:t>The normal direction is perpendicular to the surface and will be in the direction of the impact forces.</a:t>
-            </a:r>
-          </a:p>
-        </p:txBody>
-      </p:sp>
-      <p:sp>
-        <p:nvSpPr>
-          <p:cNvPr id="4" name="Slide Number Placeholder 3">
-            <a:extLst>
-              <a:ext uri="{FF2B5EF4-FFF2-40B4-BE49-F238E27FC236}">
-                <a16:creationId xmlns:a16="http://schemas.microsoft.com/office/drawing/2014/main" id="{9BB3DA46-FC30-4BC3-BB3B-F0EA9E371B04}"/>
-              </a:ext>
-            </a:extLst>
-          </p:cNvPr>
+          <p:cNvPr id="4" name="Slide Number Placeholder 3"/>
           <p:cNvSpPr>
             <a:spLocks noGrp="1"/>
           </p:cNvSpPr>
@@ -4797,63 +7622,16 @@
           <a:p>
             <a:fld id="{929262FE-7F58-4A1E-8AF3-5A510A86DEBD}" type="slidenum">
               <a:rPr lang="en-US" smtClean="0"/>
-              <a:t>4</a:t>
+              <a:t>5</a:t>
             </a:fld>
-            <a:endParaRPr lang="en-US" dirty="0"/>
+            <a:endParaRPr lang="en-US"/>
           </a:p>
         </p:txBody>
       </p:sp>
-      <p:pic>
-        <p:nvPicPr>
-          <p:cNvPr id="5" name="Picture 2" descr="A wrench dropped on a rigid floor">
-            <a:extLst>
-              <a:ext uri="{FF2B5EF4-FFF2-40B4-BE49-F238E27FC236}">
-                <a16:creationId xmlns:a16="http://schemas.microsoft.com/office/drawing/2014/main" id="{C7C20865-EED8-468C-9F12-9F9A051A017F}"/>
-              </a:ext>
-            </a:extLst>
-          </p:cNvPr>
-          <p:cNvPicPr>
-            <a:picLocks noChangeAspect="1" noChangeArrowheads="1"/>
-          </p:cNvPicPr>
-          <p:nvPr/>
-        </p:nvPicPr>
-        <p:blipFill>
-          <a:blip r:embed="rId2">
-            <a:extLst>
-              <a:ext uri="{28A0092B-C50C-407E-A947-70E740481C1C}">
-                <a14:useLocalDpi xmlns:a14="http://schemas.microsoft.com/office/drawing/2010/main" val="0"/>
-              </a:ext>
-            </a:extLst>
-          </a:blip>
-          <a:srcRect/>
-          <a:stretch>
-            <a:fillRect/>
-          </a:stretch>
-        </p:blipFill>
-        <p:spPr bwMode="auto">
-          <a:xfrm>
-            <a:off x="4933950" y="2285999"/>
-            <a:ext cx="3714750" cy="2790825"/>
-          </a:xfrm>
-          <a:prstGeom prst="rect">
-            <a:avLst/>
-          </a:prstGeom>
-          <a:noFill/>
-          <a:extLst>
-            <a:ext uri="{909E8E84-426E-40DD-AFC4-6F175D3DCCD1}">
-              <a14:hiddenFill xmlns:a14="http://schemas.microsoft.com/office/drawing/2010/main">
-                <a:solidFill>
-                  <a:srgbClr val="FFFFFF"/>
-                </a:solidFill>
-              </a14:hiddenFill>
-            </a:ext>
-          </a:extLst>
-        </p:spPr>
-      </p:pic>
     </p:spTree>
     <p:extLst>
       <p:ext uri="{BB962C8B-B14F-4D97-AF65-F5344CB8AC3E}">
-        <p14:creationId xmlns:p14="http://schemas.microsoft.com/office/powerpoint/2010/main" val="1732401943"/>
+        <p14:creationId xmlns:p14="http://schemas.microsoft.com/office/powerpoint/2010/main" val="3037300278"/>
       </p:ext>
     </p:extLst>
   </p:cSld>
@@ -5015,6 +7793,104 @@
                       </p:childTnLst>
                     </p:cTn>
                   </p:par>
+                  <p:par>
+                    <p:cTn id="15" fill="hold">
+                      <p:stCondLst>
+                        <p:cond delay="indefinite"/>
+                      </p:stCondLst>
+                      <p:childTnLst>
+                        <p:par>
+                          <p:cTn id="16" fill="hold">
+                            <p:stCondLst>
+                              <p:cond delay="0"/>
+                            </p:stCondLst>
+                            <p:childTnLst>
+                              <p:par>
+                                <p:cTn id="17" presetID="1" presetClass="entr" presetSubtype="0" fill="hold" grpId="0" nodeType="clickEffect">
+                                  <p:stCondLst>
+                                    <p:cond delay="0"/>
+                                  </p:stCondLst>
+                                  <p:childTnLst>
+                                    <p:set>
+                                      <p:cBhvr>
+                                        <p:cTn id="18" dur="1" fill="hold">
+                                          <p:stCondLst>
+                                            <p:cond delay="0"/>
+                                          </p:stCondLst>
+                                        </p:cTn>
+                                        <p:tgtEl>
+                                          <p:spTgt spid="3">
+                                            <p:txEl>
+                                              <p:pRg st="3" end="3"/>
+                                            </p:txEl>
+                                          </p:spTgt>
+                                        </p:tgtEl>
+                                        <p:attrNameLst>
+                                          <p:attrName>style.visibility</p:attrName>
+                                        </p:attrNameLst>
+                                      </p:cBhvr>
+                                      <p:to>
+                                        <p:strVal val="visible"/>
+                                      </p:to>
+                                    </p:set>
+                                  </p:childTnLst>
+                                </p:cTn>
+                              </p:par>
+                            </p:childTnLst>
+                          </p:cTn>
+                        </p:par>
+                      </p:childTnLst>
+                    </p:cTn>
+                  </p:par>
+                  <p:par>
+                    <p:cTn id="19" fill="hold">
+                      <p:stCondLst>
+                        <p:cond delay="indefinite"/>
+                      </p:stCondLst>
+                      <p:childTnLst>
+                        <p:par>
+                          <p:cTn id="20" fill="hold">
+                            <p:stCondLst>
+                              <p:cond delay="0"/>
+                            </p:stCondLst>
+                            <p:childTnLst>
+                              <p:par>
+                                <p:cTn id="21" presetID="1" presetClass="entr" presetSubtype="0" fill="hold" grpId="0" nodeType="clickEffect">
+                                  <p:stCondLst>
+                                    <p:cond delay="0"/>
+                                  </p:stCondLst>
+                                  <p:childTnLst>
+                                    <p:set>
+                                      <p:cBhvr>
+                                        <p:cTn id="22" dur="1" fill="hold">
+                                          <p:stCondLst>
+                                            <p:cond delay="0"/>
+                                          </p:stCondLst>
+                                        </p:cTn>
+                                        <p:tgtEl>
+                                          <p:spTgt spid="3">
+                                            <p:txEl>
+                                              <p:pRg st="4" end="4"/>
+                                            </p:txEl>
+                                          </p:spTgt>
+                                        </p:tgtEl>
+                                        <p:attrNameLst>
+                                          <p:attrName>style.visibility</p:attrName>
+                                        </p:attrNameLst>
+                                      </p:cBhvr>
+                                      <p:to>
+                                        <p:strVal val="visible"/>
+                                      </p:to>
+                                    </p:set>
+                                  </p:childTnLst>
+                                </p:cTn>
+                              </p:par>
+                            </p:childTnLst>
+                          </p:cTn>
+                        </p:par>
+                      </p:childTnLst>
+                    </p:cTn>
+                  </p:par>
                 </p:childTnLst>
               </p:cTn>
               <p:prevCondLst>
@@ -5043,7 +7919,7 @@
 </p:sld>
 </file>
 
-<file path=ppt/slides/slide5.xml><?xml version="1.0" encoding="utf-8"?>
+<file path=ppt/slides/slide6.xml><?xml version="1.0" encoding="utf-8"?>
 <p:sld xmlns:a="http://schemas.openxmlformats.org/drawingml/2006/main" xmlns:r="http://schemas.openxmlformats.org/officeDocument/2006/relationships" xmlns:p="http://schemas.openxmlformats.org/presentationml/2006/main">
   <p:cSld>
     <p:spTree>
@@ -5065,7 +7941,7 @@
           <p:cNvPr id="2" name="Title 1">
             <a:extLst>
               <a:ext uri="{FF2B5EF4-FFF2-40B4-BE49-F238E27FC236}">
-                <a16:creationId xmlns:a16="http://schemas.microsoft.com/office/drawing/2014/main" id="{4B7AD62A-3DBD-4452-8625-6F2CFEAA90EA}"/>
+                <a16:creationId xmlns:a16="http://schemas.microsoft.com/office/drawing/2014/main" id="{91635747-9B28-409F-9F4F-5434B1D51DDA}"/>
               </a:ext>
             </a:extLst>
           </p:cNvPr>
@@ -5078,12 +7954,14 @@
         </p:nvSpPr>
         <p:spPr/>
         <p:txBody>
-          <a:bodyPr/>
+          <a:bodyPr>
+            <a:normAutofit fontScale="90000"/>
+          </a:bodyPr>
           <a:lstStyle/>
           <a:p>
             <a:r>
               <a:rPr lang="en-US" dirty="0"/>
-              <a:t>Rigid Body Surface Collisions</a:t>
+              <a:t>Fixed Axis Rotation with the Impulse Momentum Equations</a:t>
             </a:r>
           </a:p>
         </p:txBody>
@@ -5095,7 +7973,7 @@
               <p:cNvPr id="3" name="Content Placeholder 2">
                 <a:extLst>
                   <a:ext uri="{FF2B5EF4-FFF2-40B4-BE49-F238E27FC236}">
-                    <a16:creationId xmlns:a16="http://schemas.microsoft.com/office/drawing/2014/main" id="{0733E3D0-D68F-440F-BA6F-B73521BC8944}"/>
+                    <a16:creationId xmlns:a16="http://schemas.microsoft.com/office/drawing/2014/main" id="{838D5CB3-9B97-4805-BD68-D9957C12EF5F}"/>
                   </a:ext>
                 </a:extLst>
               </p:cNvPr>
@@ -5109,32 +7987,18 @@
             <p:spPr>
               <a:xfrm>
                 <a:off x="457200" y="1600200"/>
-                <a:ext cx="4343400" cy="4983162"/>
+                <a:ext cx="5105400" cy="4756150"/>
               </a:xfrm>
             </p:spPr>
             <p:txBody>
               <a:bodyPr>
-                <a:normAutofit fontScale="92500"/>
+                <a:normAutofit fontScale="77500" lnSpcReduction="20000"/>
               </a:bodyPr>
               <a:lstStyle/>
               <a:p>
                 <a:r>
                   <a:rPr lang="en-US" dirty="0"/>
-                  <a:t>Assuming that there is no friction force during impact, there is no force at all to change the velocity of the body in the tangential direction.</a:t>
-                </a:r>
-              </a:p>
-              <a:p>
-                <a:r>
-                  <a:rPr lang="en-US" dirty="0"/>
-                  <a:t>This applies specifically to the </a:t>
-                </a:r>
-                <a:r>
-                  <a:rPr lang="en-US" b="1" dirty="0"/>
-                  <a:t>center of mass</a:t>
-                </a:r>
-                <a:r>
-                  <a:rPr lang="en-US" dirty="0"/>
-                  <a:t> of the body</a:t>
+                  <a:t>When examining a fixed axis system, we will just use the rotational impulse momentum equation, balancing the impulse with the change in momentum. </a:t>
                 </a:r>
               </a:p>
               <a:p>
@@ -5147,42 +8011,23 @@
                       <m:jc m:val="centerGroup"/>
                     </m:oMathParaPr>
                     <m:oMath xmlns:m="http://schemas.openxmlformats.org/officeDocument/2006/math">
-                      <m:sSub>
-                        <m:sSubPr>
-                          <m:ctrlPr>
-                            <a:rPr lang="en-US" i="1">
-                              <a:latin typeface="Cambria Math" panose="02040503050406030204" pitchFamily="18" charset="0"/>
-                            </a:rPr>
-                          </m:ctrlPr>
-                        </m:sSubPr>
-                        <m:e>
-                          <m:r>
-                            <a:rPr lang="en-US" i="1">
-                              <a:latin typeface="Cambria Math"/>
-                            </a:rPr>
-                            <m:t>𝑣</m:t>
-                          </m:r>
-                        </m:e>
-                        <m:sub>
-                          <m:r>
-                            <a:rPr lang="en-US" b="0" i="1" smtClean="0">
-                              <a:latin typeface="Cambria Math" panose="02040503050406030204" pitchFamily="18" charset="0"/>
-                            </a:rPr>
-                            <m:t>𝑡𝐶</m:t>
-                          </m:r>
-                          <m:r>
-                            <a:rPr lang="en-US" i="1">
-                              <a:latin typeface="Cambria Math"/>
-                            </a:rPr>
-                            <m:t>𝑓</m:t>
-                          </m:r>
-                        </m:sub>
-                      </m:sSub>
+                      <m:r>
+                        <a:rPr lang="en-US" b="0" i="1" smtClean="0">
+                          <a:latin typeface="Cambria Math" panose="02040503050406030204" pitchFamily="18" charset="0"/>
+                        </a:rPr>
+                        <m:t>𝐾</m:t>
+                      </m:r>
                       <m:r>
                         <a:rPr lang="en-US" i="1">
                           <a:latin typeface="Cambria Math"/>
                         </a:rPr>
                         <m:t>=</m:t>
+                      </m:r>
+                      <m:r>
+                        <a:rPr lang="en-US" i="1">
+                          <a:latin typeface="Cambria Math" panose="02040503050406030204" pitchFamily="18" charset="0"/>
+                        </a:rPr>
+                        <m:t>𝐼</m:t>
                       </m:r>
                       <m:sSub>
                         <m:sSubPr>
@@ -5194,24 +8039,70 @@
                         </m:sSubPr>
                         <m:e>
                           <m:r>
-                            <a:rPr lang="en-US" i="1">
+                            <m:rPr>
+                              <m:sty m:val="p"/>
+                            </m:rPr>
+                            <a:rPr lang="en-US">
                               <a:latin typeface="Cambria Math"/>
+                              <a:ea typeface="Cambria Math" panose="02040503050406030204" pitchFamily="18" charset="0"/>
                             </a:rPr>
-                            <m:t>𝑣</m:t>
+                            <m:t>ω</m:t>
                           </m:r>
                         </m:e>
                         <m:sub>
                           <m:r>
+                            <m:rPr>
+                              <m:sty m:val="p"/>
+                            </m:rPr>
+                            <a:rPr lang="en-US">
+                              <a:latin typeface="Cambria Math"/>
+                            </a:rPr>
+                            <m:t>f</m:t>
+                          </m:r>
+                        </m:sub>
+                      </m:sSub>
+                      <m:r>
+                        <a:rPr lang="en-US" i="1">
+                          <a:latin typeface="Cambria Math"/>
+                        </a:rPr>
+                        <m:t>−</m:t>
+                      </m:r>
+                      <m:r>
+                        <a:rPr lang="en-US" i="1">
+                          <a:latin typeface="Cambria Math" panose="02040503050406030204" pitchFamily="18" charset="0"/>
+                        </a:rPr>
+                        <m:t>𝐼</m:t>
+                      </m:r>
+                      <m:sSub>
+                        <m:sSubPr>
+                          <m:ctrlPr>
                             <a:rPr lang="en-US" i="1">
                               <a:latin typeface="Cambria Math" panose="02040503050406030204" pitchFamily="18" charset="0"/>
                             </a:rPr>
-                            <m:t>𝑡𝐶</m:t>
+                          </m:ctrlPr>
+                        </m:sSubPr>
+                        <m:e>
+                          <m:r>
+                            <m:rPr>
+                              <m:sty m:val="p"/>
+                            </m:rPr>
+                            <a:rPr lang="en-US">
+                              <a:latin typeface="Cambria Math"/>
+                              <a:ea typeface="Cambria Math" panose="02040503050406030204" pitchFamily="18" charset="0"/>
+                            </a:rPr>
+                            <m:t>ω</m:t>
                           </m:r>
+                        </m:e>
+                        <m:sub>
                           <m:r>
-                            <a:rPr lang="en-US" b="0" i="1" smtClean="0">
+                            <m:rPr>
+                              <m:sty m:val="p"/>
+                            </m:rPr>
+                            <a:rPr lang="en-US" b="0" i="0" smtClean="0">
                               <a:latin typeface="Cambria Math" panose="02040503050406030204" pitchFamily="18" charset="0"/>
+                              <a:ea typeface="Cambria Math" panose="02040503050406030204" pitchFamily="18" charset="0"/>
                             </a:rPr>
-                            <m:t>𝑖</m:t>
+                            <m:t>i</m:t>
                           </m:r>
                         </m:sub>
                       </m:sSub>
@@ -5221,6 +8112,22 @@
                 <a:endParaRPr lang="en-US" dirty="0"/>
               </a:p>
               <a:p>
+                <a:r>
+                  <a:rPr lang="en-US" dirty="0"/>
+                  <a:t>It is important to note that if a body changes shape it will change its mass moment of inertia.</a:t>
+                </a:r>
+              </a:p>
+              <a:p>
+                <a:pPr lvl="1"/>
+                <a:r>
+                  <a:rPr lang="en-US" dirty="0"/>
+                  <a:t>For example, when the figure skater on the right pulls in her arms she reduces her mass moment of inertia. In the absence of an angular impulse, this will lead to an increase in angular velocity.</a:t>
+                </a:r>
+              </a:p>
+              <a:p>
+                <a:pPr marL="0" indent="0">
+                  <a:buNone/>
+                </a:pPr>
                 <a:endParaRPr lang="en-US" dirty="0"/>
               </a:p>
             </p:txBody>
@@ -5232,7 +8139,7 @@
               <p:cNvPr id="3" name="Content Placeholder 2">
                 <a:extLst>
                   <a:ext uri="{FF2B5EF4-FFF2-40B4-BE49-F238E27FC236}">
-                    <a16:creationId xmlns:a16="http://schemas.microsoft.com/office/drawing/2014/main" id="{0733E3D0-D68F-440F-BA6F-B73521BC8944}"/>
+                    <a16:creationId xmlns:a16="http://schemas.microsoft.com/office/drawing/2014/main" id="{838D5CB3-9B97-4805-BD68-D9957C12EF5F}"/>
                   </a:ext>
                 </a:extLst>
               </p:cNvPr>
@@ -5246,12 +8153,12 @@
             <p:spPr>
               <a:xfrm>
                 <a:off x="457200" y="1600200"/>
-                <a:ext cx="4343400" cy="4983162"/>
+                <a:ext cx="5105400" cy="4756150"/>
               </a:xfrm>
               <a:blipFill>
                 <a:blip r:embed="rId2"/>
                 <a:stretch>
-                  <a:fillRect l="-2805" t="-1469" r="-3787"/>
+                  <a:fillRect l="-1671" t="-2436" r="-955" b="-769"/>
                 </a:stretch>
               </a:blipFill>
             </p:spPr>
@@ -5275,7 +8182,7 @@
           <p:cNvPr id="4" name="Slide Number Placeholder 3">
             <a:extLst>
               <a:ext uri="{FF2B5EF4-FFF2-40B4-BE49-F238E27FC236}">
-                <a16:creationId xmlns:a16="http://schemas.microsoft.com/office/drawing/2014/main" id="{9BB3DA46-FC30-4BC3-BB3B-F0EA9E371B04}"/>
+                <a16:creationId xmlns:a16="http://schemas.microsoft.com/office/drawing/2014/main" id="{064CA324-CB8A-4F89-9389-9F3372C83D2F}"/>
               </a:ext>
             </a:extLst>
           </p:cNvPr>
@@ -5293,7 +8200,7 @@
           <a:p>
             <a:fld id="{929262FE-7F58-4A1E-8AF3-5A510A86DEBD}" type="slidenum">
               <a:rPr lang="en-US" smtClean="0"/>
-              <a:t>5</a:t>
+              <a:t>6</a:t>
             </a:fld>
             <a:endParaRPr lang="en-US" dirty="0"/>
           </a:p>
@@ -5301,10 +8208,10 @@
       </p:sp>
       <p:pic>
         <p:nvPicPr>
-          <p:cNvPr id="5" name="Picture 2" descr="A wrench dropped on a rigid floor">
+          <p:cNvPr id="2050" name="Picture 2" descr="A figure skater in a spin">
             <a:extLst>
               <a:ext uri="{FF2B5EF4-FFF2-40B4-BE49-F238E27FC236}">
-                <a16:creationId xmlns:a16="http://schemas.microsoft.com/office/drawing/2014/main" id="{C7C20865-EED8-468C-9F12-9F9A051A017F}"/>
+                <a16:creationId xmlns:a16="http://schemas.microsoft.com/office/drawing/2014/main" id="{1325DB7D-4F5B-4C0A-A726-5096EF02EDD3}"/>
               </a:ext>
             </a:extLst>
           </p:cNvPr>
@@ -5328,8 +8235,8 @@
         </p:blipFill>
         <p:spPr bwMode="auto">
           <a:xfrm>
-            <a:off x="4933950" y="2285999"/>
-            <a:ext cx="3714750" cy="2790825"/>
+            <a:off x="6034930" y="1870074"/>
+            <a:ext cx="2381250" cy="3876675"/>
           </a:xfrm>
           <a:prstGeom prst="rect">
             <a:avLst/>
@@ -5346,10 +8253,50 @@
           </a:extLst>
         </p:spPr>
       </p:pic>
+      <p:sp>
+        <p:nvSpPr>
+          <p:cNvPr id="5" name="TextBox 4">
+            <a:extLst>
+              <a:ext uri="{FF2B5EF4-FFF2-40B4-BE49-F238E27FC236}">
+                <a16:creationId xmlns:a16="http://schemas.microsoft.com/office/drawing/2014/main" id="{83DADEA6-0EED-4A96-A981-49A490B3724B}"/>
+              </a:ext>
+            </a:extLst>
+          </p:cNvPr>
+          <p:cNvSpPr txBox="1"/>
+          <p:nvPr/>
+        </p:nvSpPr>
+        <p:spPr>
+          <a:xfrm>
+            <a:off x="5562600" y="5802868"/>
+            <a:ext cx="3325910" cy="369332"/>
+          </a:xfrm>
+          <a:prstGeom prst="rect">
+            <a:avLst/>
+          </a:prstGeom>
+          <a:noFill/>
+        </p:spPr>
+        <p:txBody>
+          <a:bodyPr wrap="none" rtlCol="0">
+            <a:spAutoFit/>
+          </a:bodyPr>
+          <a:lstStyle/>
+          <a:p>
+            <a:r>
+              <a:rPr lang="en-US" dirty="0"/>
+              <a:t>Public Domain image by </a:t>
+            </a:r>
+            <a:r>
+              <a:rPr lang="en-US" dirty="0" err="1"/>
+              <a:t>deerstop</a:t>
+            </a:r>
+            <a:endParaRPr lang="en-US" dirty="0"/>
+          </a:p>
+        </p:txBody>
+      </p:sp>
     </p:spTree>
     <p:extLst>
       <p:ext uri="{BB962C8B-B14F-4D97-AF65-F5344CB8AC3E}">
-        <p14:creationId xmlns:p14="http://schemas.microsoft.com/office/powerpoint/2010/main" val="2291282680"/>
+        <p14:creationId xmlns:p14="http://schemas.microsoft.com/office/powerpoint/2010/main" val="3034313838"/>
       </p:ext>
     </p:extLst>
   </p:cSld>
@@ -5511,6 +8458,125 @@
                       </p:childTnLst>
                     </p:cTn>
                   </p:par>
+                  <p:par>
+                    <p:cTn id="15" fill="hold">
+                      <p:stCondLst>
+                        <p:cond delay="indefinite"/>
+                      </p:stCondLst>
+                      <p:childTnLst>
+                        <p:par>
+                          <p:cTn id="16" fill="hold">
+                            <p:stCondLst>
+                              <p:cond delay="0"/>
+                            </p:stCondLst>
+                            <p:childTnLst>
+                              <p:par>
+                                <p:cTn id="17" presetID="1" presetClass="entr" presetSubtype="0" fill="hold" grpId="0" nodeType="clickEffect">
+                                  <p:stCondLst>
+                                    <p:cond delay="0"/>
+                                  </p:stCondLst>
+                                  <p:childTnLst>
+                                    <p:set>
+                                      <p:cBhvr>
+                                        <p:cTn id="18" dur="1" fill="hold">
+                                          <p:stCondLst>
+                                            <p:cond delay="0"/>
+                                          </p:stCondLst>
+                                        </p:cTn>
+                                        <p:tgtEl>
+                                          <p:spTgt spid="3">
+                                            <p:txEl>
+                                              <p:pRg st="3" end="3"/>
+                                            </p:txEl>
+                                          </p:spTgt>
+                                        </p:tgtEl>
+                                        <p:attrNameLst>
+                                          <p:attrName>style.visibility</p:attrName>
+                                        </p:attrNameLst>
+                                      </p:cBhvr>
+                                      <p:to>
+                                        <p:strVal val="visible"/>
+                                      </p:to>
+                                    </p:set>
+                                  </p:childTnLst>
+                                </p:cTn>
+                              </p:par>
+                              <p:par>
+                                <p:cTn id="19" presetID="10" presetClass="entr" presetSubtype="0" fill="hold" nodeType="withEffect">
+                                  <p:stCondLst>
+                                    <p:cond delay="0"/>
+                                  </p:stCondLst>
+                                  <p:childTnLst>
+                                    <p:set>
+                                      <p:cBhvr>
+                                        <p:cTn id="20" dur="1" fill="hold">
+                                          <p:stCondLst>
+                                            <p:cond delay="0"/>
+                                          </p:stCondLst>
+                                        </p:cTn>
+                                        <p:tgtEl>
+                                          <p:spTgt spid="2050"/>
+                                        </p:tgtEl>
+                                        <p:attrNameLst>
+                                          <p:attrName>style.visibility</p:attrName>
+                                        </p:attrNameLst>
+                                      </p:cBhvr>
+                                      <p:to>
+                                        <p:strVal val="visible"/>
+                                      </p:to>
+                                    </p:set>
+                                    <p:animEffect transition="in" filter="fade">
+                                      <p:cBhvr>
+                                        <p:cTn id="21" dur="500"/>
+                                        <p:tgtEl>
+                                          <p:spTgt spid="2050"/>
+                                        </p:tgtEl>
+                                      </p:cBhvr>
+                                    </p:animEffect>
+                                  </p:childTnLst>
+                                </p:cTn>
+                              </p:par>
+                              <p:par>
+                                <p:cTn id="22" presetID="10" presetClass="entr" presetSubtype="0" fill="hold" grpId="0" nodeType="withEffect">
+                                  <p:stCondLst>
+                                    <p:cond delay="0"/>
+                                  </p:stCondLst>
+                                  <p:childTnLst>
+                                    <p:set>
+                                      <p:cBhvr>
+                                        <p:cTn id="23" dur="1" fill="hold">
+                                          <p:stCondLst>
+                                            <p:cond delay="0"/>
+                                          </p:stCondLst>
+                                        </p:cTn>
+                                        <p:tgtEl>
+                                          <p:spTgt spid="5"/>
+                                        </p:tgtEl>
+                                        <p:attrNameLst>
+                                          <p:attrName>style.visibility</p:attrName>
+                                        </p:attrNameLst>
+                                      </p:cBhvr>
+                                      <p:to>
+                                        <p:strVal val="visible"/>
+                                      </p:to>
+                                    </p:set>
+                                    <p:animEffect transition="in" filter="fade">
+                                      <p:cBhvr>
+                                        <p:cTn id="24" dur="500"/>
+                                        <p:tgtEl>
+                                          <p:spTgt spid="5"/>
+                                        </p:tgtEl>
+                                      </p:cBhvr>
+                                    </p:animEffect>
+                                  </p:childTnLst>
+                                </p:cTn>
+                              </p:par>
+                            </p:childTnLst>
+                          </p:cTn>
+                        </p:par>
+                      </p:childTnLst>
+                    </p:cTn>
+                  </p:par>
                 </p:childTnLst>
               </p:cTn>
               <p:prevCondLst>
@@ -5534,12 +8600,13 @@
     </p:tnLst>
     <p:bldLst>
       <p:bldP spid="3" grpId="0" build="p"/>
+      <p:bldP spid="5" grpId="0"/>
     </p:bldLst>
   </p:timing>
 </p:sld>
 </file>
 
-<file path=ppt/slides/slide6.xml><?xml version="1.0" encoding="utf-8"?>
+<file path=ppt/slides/slide7.xml><?xml version="1.0" encoding="utf-8"?>
 <p:sld xmlns:a="http://schemas.openxmlformats.org/drawingml/2006/main" xmlns:r="http://schemas.openxmlformats.org/officeDocument/2006/relationships" xmlns:p="http://schemas.openxmlformats.org/presentationml/2006/main">
   <p:cSld>
     <p:spTree>
@@ -5561,7 +8628,7 @@
           <p:cNvPr id="2" name="Title 1">
             <a:extLst>
               <a:ext uri="{FF2B5EF4-FFF2-40B4-BE49-F238E27FC236}">
-                <a16:creationId xmlns:a16="http://schemas.microsoft.com/office/drawing/2014/main" id="{4B7AD62A-3DBD-4452-8625-6F2CFEAA90EA}"/>
+                <a16:creationId xmlns:a16="http://schemas.microsoft.com/office/drawing/2014/main" id="{91635747-9B28-409F-9F4F-5434B1D51DDA}"/>
               </a:ext>
             </a:extLst>
           </p:cNvPr>
@@ -5574,12 +8641,14 @@
         </p:nvSpPr>
         <p:spPr/>
         <p:txBody>
-          <a:bodyPr/>
+          <a:bodyPr>
+            <a:normAutofit fontScale="90000"/>
+          </a:bodyPr>
           <a:lstStyle/>
           <a:p>
             <a:r>
               <a:rPr lang="en-US" dirty="0"/>
-              <a:t>Rigid Body Surface Collisions</a:t>
+              <a:t>General Planar Motion with the Impulse Momentum Equations</a:t>
             </a:r>
           </a:p>
         </p:txBody>
@@ -5591,7 +8660,7 @@
               <p:cNvPr id="3" name="Content Placeholder 2">
                 <a:extLst>
                   <a:ext uri="{FF2B5EF4-FFF2-40B4-BE49-F238E27FC236}">
-                    <a16:creationId xmlns:a16="http://schemas.microsoft.com/office/drawing/2014/main" id="{0733E3D0-D68F-440F-BA6F-B73521BC8944}"/>
+                    <a16:creationId xmlns:a16="http://schemas.microsoft.com/office/drawing/2014/main" id="{838D5CB3-9B97-4805-BD68-D9957C12EF5F}"/>
                   </a:ext>
                 </a:extLst>
               </p:cNvPr>
@@ -5605,32 +8674,264 @@
             <p:spPr>
               <a:xfrm>
                 <a:off x="457200" y="1600200"/>
-                <a:ext cx="4343400" cy="4983162"/>
+                <a:ext cx="8153400" cy="4525963"/>
               </a:xfrm>
             </p:spPr>
             <p:txBody>
               <a:bodyPr>
-                <a:normAutofit/>
+                <a:normAutofit fontScale="85000" lnSpcReduction="10000"/>
               </a:bodyPr>
               <a:lstStyle/>
               <a:p>
                 <a:r>
                   <a:rPr lang="en-US" dirty="0"/>
-                  <a:t>Next, the coefficient of restitution can be applied in the normal direction.</a:t>
+                  <a:t>When examining a body is both translating and rotating, we can use both the translational impulse momentum equations…</a:t>
                 </a:r>
+              </a:p>
+              <a:p>
+                <a:pPr marL="0" indent="0">
+                  <a:buNone/>
+                </a:pPr>
+                <a14:m>
+                  <m:oMathPara xmlns:m="http://schemas.openxmlformats.org/officeDocument/2006/math">
+                    <m:oMathParaPr>
+                      <m:jc m:val="centerGroup"/>
+                    </m:oMathParaPr>
+                    <m:oMath xmlns:m="http://schemas.openxmlformats.org/officeDocument/2006/math">
+                      <m:sSub>
+                        <m:sSubPr>
+                          <m:ctrlPr>
+                            <a:rPr lang="en-US" i="1">
+                              <a:latin typeface="Cambria Math" panose="02040503050406030204" pitchFamily="18" charset="0"/>
+                            </a:rPr>
+                          </m:ctrlPr>
+                        </m:sSubPr>
+                        <m:e>
+                          <m:r>
+                            <m:rPr>
+                              <m:sty m:val="p"/>
+                            </m:rPr>
+                            <a:rPr lang="en-US">
+                              <a:latin typeface="Cambria Math" panose="02040503050406030204" pitchFamily="18" charset="0"/>
+                            </a:rPr>
+                            <m:t>J</m:t>
+                          </m:r>
+                        </m:e>
+                        <m:sub>
+                          <m:r>
+                            <m:rPr>
+                              <m:sty m:val="p"/>
+                            </m:rPr>
+                            <a:rPr lang="en-US">
+                              <a:latin typeface="Cambria Math"/>
+                            </a:rPr>
+                            <m:t>x</m:t>
+                          </m:r>
+                        </m:sub>
+                      </m:sSub>
+                      <m:r>
+                        <a:rPr lang="en-US" i="1">
+                          <a:latin typeface="Cambria Math"/>
+                        </a:rPr>
+                        <m:t>=</m:t>
+                      </m:r>
+                      <m:r>
+                        <a:rPr lang="en-US" i="1">
+                          <a:latin typeface="Cambria Math"/>
+                        </a:rPr>
+                        <m:t>𝑚</m:t>
+                      </m:r>
+                      <m:sSub>
+                        <m:sSubPr>
+                          <m:ctrlPr>
+                            <a:rPr lang="en-US" i="1">
+                              <a:latin typeface="Cambria Math" panose="02040503050406030204" pitchFamily="18" charset="0"/>
+                            </a:rPr>
+                          </m:ctrlPr>
+                        </m:sSubPr>
+                        <m:e>
+                          <m:r>
+                            <a:rPr lang="en-US" i="1">
+                              <a:latin typeface="Cambria Math"/>
+                            </a:rPr>
+                            <m:t>𝑣</m:t>
+                          </m:r>
+                        </m:e>
+                        <m:sub>
+                          <m:r>
+                            <a:rPr lang="en-US" i="1">
+                              <a:latin typeface="Cambria Math"/>
+                            </a:rPr>
+                            <m:t>𝑓𝑥</m:t>
+                          </m:r>
+                        </m:sub>
+                      </m:sSub>
+                      <m:r>
+                        <a:rPr lang="en-US" i="1">
+                          <a:latin typeface="Cambria Math"/>
+                        </a:rPr>
+                        <m:t>−</m:t>
+                      </m:r>
+                      <m:r>
+                        <a:rPr lang="en-US" i="1">
+                          <a:latin typeface="Cambria Math"/>
+                        </a:rPr>
+                        <m:t>𝑚</m:t>
+                      </m:r>
+                      <m:sSub>
+                        <m:sSubPr>
+                          <m:ctrlPr>
+                            <a:rPr lang="en-US" i="1">
+                              <a:latin typeface="Cambria Math" panose="02040503050406030204" pitchFamily="18" charset="0"/>
+                            </a:rPr>
+                          </m:ctrlPr>
+                        </m:sSubPr>
+                        <m:e>
+                          <m:r>
+                            <a:rPr lang="en-US" i="1">
+                              <a:latin typeface="Cambria Math"/>
+                            </a:rPr>
+                            <m:t>𝑣</m:t>
+                          </m:r>
+                        </m:e>
+                        <m:sub>
+                          <m:r>
+                            <a:rPr lang="en-US" i="1">
+                              <a:latin typeface="Cambria Math"/>
+                            </a:rPr>
+                            <m:t>𝑖𝑥</m:t>
+                          </m:r>
+                        </m:sub>
+                      </m:sSub>
+                    </m:oMath>
+                  </m:oMathPara>
+                </a14:m>
+                <a:endParaRPr lang="en-US" dirty="0"/>
+              </a:p>
+              <a:p>
+                <a:pPr marL="0" indent="0">
+                  <a:buNone/>
+                </a:pPr>
+                <a14:m>
+                  <m:oMathPara xmlns:m="http://schemas.openxmlformats.org/officeDocument/2006/math">
+                    <m:oMathParaPr>
+                      <m:jc m:val="centerGroup"/>
+                    </m:oMathParaPr>
+                    <m:oMath xmlns:m="http://schemas.openxmlformats.org/officeDocument/2006/math">
+                      <m:sSub>
+                        <m:sSubPr>
+                          <m:ctrlPr>
+                            <a:rPr lang="en-US" i="1">
+                              <a:latin typeface="Cambria Math" panose="02040503050406030204" pitchFamily="18" charset="0"/>
+                            </a:rPr>
+                          </m:ctrlPr>
+                        </m:sSubPr>
+                        <m:e>
+                          <m:r>
+                            <m:rPr>
+                              <m:sty m:val="p"/>
+                            </m:rPr>
+                            <a:rPr lang="en-US">
+                              <a:latin typeface="Cambria Math" panose="02040503050406030204" pitchFamily="18" charset="0"/>
+                            </a:rPr>
+                            <m:t>J</m:t>
+                          </m:r>
+                        </m:e>
+                        <m:sub>
+                          <m:r>
+                            <m:rPr>
+                              <m:sty m:val="p"/>
+                            </m:rPr>
+                            <a:rPr lang="en-US">
+                              <a:latin typeface="Cambria Math"/>
+                            </a:rPr>
+                            <m:t>y</m:t>
+                          </m:r>
+                        </m:sub>
+                      </m:sSub>
+                      <m:r>
+                        <a:rPr lang="en-US" i="1">
+                          <a:latin typeface="Cambria Math"/>
+                        </a:rPr>
+                        <m:t>=</m:t>
+                      </m:r>
+                      <m:r>
+                        <a:rPr lang="en-US" i="1">
+                          <a:latin typeface="Cambria Math"/>
+                        </a:rPr>
+                        <m:t>𝑚</m:t>
+                      </m:r>
+                      <m:sSub>
+                        <m:sSubPr>
+                          <m:ctrlPr>
+                            <a:rPr lang="en-US" i="1">
+                              <a:latin typeface="Cambria Math" panose="02040503050406030204" pitchFamily="18" charset="0"/>
+                            </a:rPr>
+                          </m:ctrlPr>
+                        </m:sSubPr>
+                        <m:e>
+                          <m:r>
+                            <a:rPr lang="en-US" i="1">
+                              <a:latin typeface="Cambria Math"/>
+                            </a:rPr>
+                            <m:t>𝑣</m:t>
+                          </m:r>
+                        </m:e>
+                        <m:sub>
+                          <m:r>
+                            <a:rPr lang="en-US" i="1">
+                              <a:latin typeface="Cambria Math"/>
+                            </a:rPr>
+                            <m:t>𝑓𝑦</m:t>
+                          </m:r>
+                        </m:sub>
+                      </m:sSub>
+                      <m:r>
+                        <a:rPr lang="en-US" i="1">
+                          <a:latin typeface="Cambria Math"/>
+                        </a:rPr>
+                        <m:t>−</m:t>
+                      </m:r>
+                      <m:r>
+                        <a:rPr lang="en-US" i="1">
+                          <a:latin typeface="Cambria Math"/>
+                        </a:rPr>
+                        <m:t>𝑚</m:t>
+                      </m:r>
+                      <m:sSub>
+                        <m:sSubPr>
+                          <m:ctrlPr>
+                            <a:rPr lang="en-US" i="1">
+                              <a:latin typeface="Cambria Math" panose="02040503050406030204" pitchFamily="18" charset="0"/>
+                            </a:rPr>
+                          </m:ctrlPr>
+                        </m:sSubPr>
+                        <m:e>
+                          <m:r>
+                            <a:rPr lang="en-US" i="1">
+                              <a:latin typeface="Cambria Math"/>
+                            </a:rPr>
+                            <m:t>𝑣</m:t>
+                          </m:r>
+                        </m:e>
+                        <m:sub>
+                          <m:r>
+                            <a:rPr lang="en-US" i="1">
+                              <a:latin typeface="Cambria Math"/>
+                            </a:rPr>
+                            <m:t>𝑖𝑦</m:t>
+                          </m:r>
+                        </m:sub>
+                      </m:sSub>
+                    </m:oMath>
+                  </m:oMathPara>
+                </a14:m>
+                <a:endParaRPr lang="en-US" dirty="0"/>
               </a:p>
               <a:p>
                 <a:r>
                   <a:rPr lang="en-US" dirty="0"/>
-                  <a:t>This is applied at the </a:t>
-                </a:r>
-                <a:r>
-                  <a:rPr lang="en-US" b="1" dirty="0"/>
-                  <a:t>point of impact</a:t>
-                </a:r>
-                <a:r>
-                  <a:rPr lang="en-US" dirty="0"/>
-                  <a:t> on the body.</a:t>
+                  <a:t>And the rotational impulse momentum equation…</a:t>
                 </a:r>
               </a:p>
               <a:p>
@@ -5645,109 +8946,134 @@
                     <m:oMath xmlns:m="http://schemas.openxmlformats.org/officeDocument/2006/math">
                       <m:r>
                         <a:rPr lang="en-US" i="1">
-                          <a:latin typeface="Cambria Math"/>
+                          <a:latin typeface="Cambria Math" panose="02040503050406030204" pitchFamily="18" charset="0"/>
                         </a:rPr>
-                        <m:t>𝑒</m:t>
+                        <m:t>𝐾</m:t>
                       </m:r>
                       <m:r>
                         <a:rPr lang="en-US" i="1">
                           <a:latin typeface="Cambria Math"/>
                         </a:rPr>
-                        <m:t>=−</m:t>
+                        <m:t>=</m:t>
                       </m:r>
-                      <m:f>
-                        <m:fPr>
+                      <m:r>
+                        <a:rPr lang="en-US" i="1">
+                          <a:latin typeface="Cambria Math" panose="02040503050406030204" pitchFamily="18" charset="0"/>
+                        </a:rPr>
+                        <m:t>𝐼</m:t>
+                      </m:r>
+                      <m:sSub>
+                        <m:sSubPr>
                           <m:ctrlPr>
                             <a:rPr lang="en-US" i="1">
                               <a:latin typeface="Cambria Math" panose="02040503050406030204" pitchFamily="18" charset="0"/>
                             </a:rPr>
                           </m:ctrlPr>
-                        </m:fPr>
-                        <m:num>
-                          <m:sSub>
-                            <m:sSubPr>
-                              <m:ctrlPr>
-                                <a:rPr lang="en-US" i="1">
-                                  <a:latin typeface="Cambria Math" panose="02040503050406030204" pitchFamily="18" charset="0"/>
-                                </a:rPr>
-                              </m:ctrlPr>
-                            </m:sSubPr>
-                            <m:e>
-                              <m:r>
-                                <a:rPr lang="en-US" i="1">
-                                  <a:latin typeface="Cambria Math"/>
-                                </a:rPr>
-                                <m:t>𝑣</m:t>
-                              </m:r>
-                            </m:e>
-                            <m:sub>
-                              <m:r>
-                                <a:rPr lang="en-US" i="1">
-                                  <a:latin typeface="Cambria Math" panose="02040503050406030204" pitchFamily="18" charset="0"/>
-                                </a:rPr>
-                                <m:t>𝑛</m:t>
-                              </m:r>
-                              <m:r>
-                                <a:rPr lang="en-US" b="0" i="1" smtClean="0">
-                                  <a:latin typeface="Cambria Math" panose="02040503050406030204" pitchFamily="18" charset="0"/>
-                                </a:rPr>
-                                <m:t>𝐴</m:t>
-                              </m:r>
-                              <m:r>
-                                <a:rPr lang="en-US" i="1">
-                                  <a:latin typeface="Cambria Math"/>
-                                </a:rPr>
-                                <m:t>𝑓</m:t>
-                              </m:r>
-                            </m:sub>
-                          </m:sSub>
-                        </m:num>
-                        <m:den>
-                          <m:sSub>
-                            <m:sSubPr>
-                              <m:ctrlPr>
-                                <a:rPr lang="en-US" i="1">
-                                  <a:latin typeface="Cambria Math" panose="02040503050406030204" pitchFamily="18" charset="0"/>
-                                </a:rPr>
-                              </m:ctrlPr>
-                            </m:sSubPr>
-                            <m:e>
-                              <m:r>
-                                <a:rPr lang="en-US" i="1">
-                                  <a:latin typeface="Cambria Math"/>
-                                </a:rPr>
-                                <m:t>𝑣</m:t>
-                              </m:r>
-                            </m:e>
-                            <m:sub>
-                              <m:r>
-                                <a:rPr lang="en-US" i="1">
-                                  <a:latin typeface="Cambria Math" panose="02040503050406030204" pitchFamily="18" charset="0"/>
-                                </a:rPr>
-                                <m:t>𝑛</m:t>
-                              </m:r>
-                              <m:r>
-                                <a:rPr lang="en-US" b="0" i="1" smtClean="0">
-                                  <a:latin typeface="Cambria Math" panose="02040503050406030204" pitchFamily="18" charset="0"/>
-                                </a:rPr>
-                                <m:t>𝐴</m:t>
-                              </m:r>
-                              <m:r>
-                                <a:rPr lang="en-US" i="1">
-                                  <a:latin typeface="Cambria Math"/>
-                                </a:rPr>
-                                <m:t>𝑖</m:t>
-                              </m:r>
-                            </m:sub>
-                          </m:sSub>
-                        </m:den>
-                      </m:f>
+                        </m:sSubPr>
+                        <m:e>
+                          <m:r>
+                            <m:rPr>
+                              <m:sty m:val="p"/>
+                            </m:rPr>
+                            <a:rPr lang="en-US">
+                              <a:latin typeface="Cambria Math"/>
+                              <a:ea typeface="Cambria Math" panose="02040503050406030204" pitchFamily="18" charset="0"/>
+                            </a:rPr>
+                            <m:t>ω</m:t>
+                          </m:r>
+                        </m:e>
+                        <m:sub>
+                          <m:r>
+                            <m:rPr>
+                              <m:sty m:val="p"/>
+                            </m:rPr>
+                            <a:rPr lang="en-US">
+                              <a:latin typeface="Cambria Math"/>
+                            </a:rPr>
+                            <m:t>f</m:t>
+                          </m:r>
+                        </m:sub>
+                      </m:sSub>
+                      <m:r>
+                        <a:rPr lang="en-US" i="1">
+                          <a:latin typeface="Cambria Math"/>
+                        </a:rPr>
+                        <m:t>−</m:t>
+                      </m:r>
+                      <m:r>
+                        <a:rPr lang="en-US" i="1">
+                          <a:latin typeface="Cambria Math" panose="02040503050406030204" pitchFamily="18" charset="0"/>
+                        </a:rPr>
+                        <m:t>𝐼</m:t>
+                      </m:r>
+                      <m:sSub>
+                        <m:sSubPr>
+                          <m:ctrlPr>
+                            <a:rPr lang="en-US" i="1">
+                              <a:latin typeface="Cambria Math" panose="02040503050406030204" pitchFamily="18" charset="0"/>
+                            </a:rPr>
+                          </m:ctrlPr>
+                        </m:sSubPr>
+                        <m:e>
+                          <m:r>
+                            <m:rPr>
+                              <m:sty m:val="p"/>
+                            </m:rPr>
+                            <a:rPr lang="en-US">
+                              <a:latin typeface="Cambria Math"/>
+                              <a:ea typeface="Cambria Math" panose="02040503050406030204" pitchFamily="18" charset="0"/>
+                            </a:rPr>
+                            <m:t>ω</m:t>
+                          </m:r>
+                        </m:e>
+                        <m:sub>
+                          <m:r>
+                            <m:rPr>
+                              <m:sty m:val="p"/>
+                            </m:rPr>
+                            <a:rPr lang="en-US">
+                              <a:latin typeface="Cambria Math" panose="02040503050406030204" pitchFamily="18" charset="0"/>
+                              <a:ea typeface="Cambria Math" panose="02040503050406030204" pitchFamily="18" charset="0"/>
+                            </a:rPr>
+                            <m:t>i</m:t>
+                          </m:r>
+                        </m:sub>
+                      </m:sSub>
                     </m:oMath>
                   </m:oMathPara>
                 </a14:m>
                 <a:endParaRPr lang="en-US" dirty="0"/>
               </a:p>
               <a:p>
+                <a:r>
+                  <a:rPr lang="en-US" dirty="0"/>
+                  <a:t>In these cases, it is important to use the velocity of the </a:t>
+                </a:r>
+                <a:r>
+                  <a:rPr lang="en-US" b="1" dirty="0"/>
+                  <a:t>center of mass </a:t>
+                </a:r>
+                <a:r>
+                  <a:rPr lang="en-US" dirty="0"/>
+                  <a:t>of the body, and to take all moments and mass moments of inertia about the center of mass of the body.</a:t>
+                </a:r>
+              </a:p>
+              <a:p>
+                <a:pPr marL="0" indent="0">
+                  <a:buNone/>
+                </a:pPr>
+                <a:endParaRPr lang="en-US" dirty="0"/>
+              </a:p>
+              <a:p>
+                <a:pPr marL="0" indent="0">
+                  <a:buNone/>
+                </a:pPr>
+                <a:endParaRPr lang="en-US" dirty="0"/>
+              </a:p>
+              <a:p>
+                <a:pPr marL="0" indent="0">
+                  <a:buNone/>
+                </a:pPr>
                 <a:endParaRPr lang="en-US" dirty="0"/>
               </a:p>
             </p:txBody>
@@ -5759,7 +9085,7 @@
               <p:cNvPr id="3" name="Content Placeholder 2">
                 <a:extLst>
                   <a:ext uri="{FF2B5EF4-FFF2-40B4-BE49-F238E27FC236}">
-                    <a16:creationId xmlns:a16="http://schemas.microsoft.com/office/drawing/2014/main" id="{0733E3D0-D68F-440F-BA6F-B73521BC8944}"/>
+                    <a16:creationId xmlns:a16="http://schemas.microsoft.com/office/drawing/2014/main" id="{838D5CB3-9B97-4805-BD68-D9957C12EF5F}"/>
                   </a:ext>
                 </a:extLst>
               </p:cNvPr>
@@ -5773,12 +9099,12 @@
             <p:spPr>
               <a:xfrm>
                 <a:off x="457200" y="1600200"/>
-                <a:ext cx="4343400" cy="4983162"/>
+                <a:ext cx="8153400" cy="4525963"/>
               </a:xfrm>
               <a:blipFill>
                 <a:blip r:embed="rId2"/>
                 <a:stretch>
-                  <a:fillRect l="-3226" t="-1591" r="-4488"/>
+                  <a:fillRect l="-1271" t="-2156" r="-2018" b="-3504"/>
                 </a:stretch>
               </a:blipFill>
             </p:spPr>
@@ -5802,7 +9128,7 @@
           <p:cNvPr id="4" name="Slide Number Placeholder 3">
             <a:extLst>
               <a:ext uri="{FF2B5EF4-FFF2-40B4-BE49-F238E27FC236}">
-                <a16:creationId xmlns:a16="http://schemas.microsoft.com/office/drawing/2014/main" id="{9BB3DA46-FC30-4BC3-BB3B-F0EA9E371B04}"/>
+                <a16:creationId xmlns:a16="http://schemas.microsoft.com/office/drawing/2014/main" id="{064CA324-CB8A-4F89-9389-9F3372C83D2F}"/>
               </a:ext>
             </a:extLst>
           </p:cNvPr>
@@ -5820,63 +9146,16 @@
           <a:p>
             <a:fld id="{929262FE-7F58-4A1E-8AF3-5A510A86DEBD}" type="slidenum">
               <a:rPr lang="en-US" smtClean="0"/>
-              <a:t>6</a:t>
+              <a:t>7</a:t>
             </a:fld>
             <a:endParaRPr lang="en-US" dirty="0"/>
           </a:p>
         </p:txBody>
       </p:sp>
-      <p:pic>
-        <p:nvPicPr>
-          <p:cNvPr id="5" name="Picture 2" descr="A wrench dropped on a rigid floor">
-            <a:extLst>
-              <a:ext uri="{FF2B5EF4-FFF2-40B4-BE49-F238E27FC236}">
-                <a16:creationId xmlns:a16="http://schemas.microsoft.com/office/drawing/2014/main" id="{C7C20865-EED8-468C-9F12-9F9A051A017F}"/>
-              </a:ext>
-            </a:extLst>
-          </p:cNvPr>
-          <p:cNvPicPr>
-            <a:picLocks noChangeAspect="1" noChangeArrowheads="1"/>
-          </p:cNvPicPr>
-          <p:nvPr/>
-        </p:nvPicPr>
-        <p:blipFill>
-          <a:blip r:embed="rId3">
-            <a:extLst>
-              <a:ext uri="{28A0092B-C50C-407E-A947-70E740481C1C}">
-                <a14:useLocalDpi xmlns:a14="http://schemas.microsoft.com/office/drawing/2010/main" val="0"/>
-              </a:ext>
-            </a:extLst>
-          </a:blip>
-          <a:srcRect/>
-          <a:stretch>
-            <a:fillRect/>
-          </a:stretch>
-        </p:blipFill>
-        <p:spPr bwMode="auto">
-          <a:xfrm>
-            <a:off x="4933950" y="2285999"/>
-            <a:ext cx="3714750" cy="2790825"/>
-          </a:xfrm>
-          <a:prstGeom prst="rect">
-            <a:avLst/>
-          </a:prstGeom>
-          <a:noFill/>
-          <a:extLst>
-            <a:ext uri="{909E8E84-426E-40DD-AFC4-6F175D3DCCD1}">
-              <a14:hiddenFill xmlns:a14="http://schemas.microsoft.com/office/drawing/2010/main">
-                <a:solidFill>
-                  <a:srgbClr val="FFFFFF"/>
-                </a:solidFill>
-              </a14:hiddenFill>
-            </a:ext>
-          </a:extLst>
-        </p:spPr>
-      </p:pic>
     </p:spTree>
     <p:extLst>
       <p:ext uri="{BB962C8B-B14F-4D97-AF65-F5344CB8AC3E}">
-        <p14:creationId xmlns:p14="http://schemas.microsoft.com/office/powerpoint/2010/main" val="1684578502"/>
+        <p14:creationId xmlns:p14="http://schemas.microsoft.com/office/powerpoint/2010/main" val="3363264778"/>
       </p:ext>
     </p:extLst>
   </p:cSld>
@@ -6038,394 +9317,27 @@
                       </p:childTnLst>
                     </p:cTn>
                   </p:par>
-                </p:childTnLst>
-              </p:cTn>
-              <p:prevCondLst>
-                <p:cond evt="onPrev" delay="0">
-                  <p:tgtEl>
-                    <p:sldTgt/>
-                  </p:tgtEl>
-                </p:cond>
-              </p:prevCondLst>
-              <p:nextCondLst>
-                <p:cond evt="onNext" delay="0">
-                  <p:tgtEl>
-                    <p:sldTgt/>
-                  </p:tgtEl>
-                </p:cond>
-              </p:nextCondLst>
-            </p:seq>
-          </p:childTnLst>
-        </p:cTn>
-      </p:par>
-    </p:tnLst>
-    <p:bldLst>
-      <p:bldP spid="3" grpId="0" build="p"/>
-    </p:bldLst>
-  </p:timing>
-</p:sld>
-</file>
-
-<file path=ppt/slides/slide7.xml><?xml version="1.0" encoding="utf-8"?>
-<p:sld xmlns:a="http://schemas.openxmlformats.org/drawingml/2006/main" xmlns:r="http://schemas.openxmlformats.org/officeDocument/2006/relationships" xmlns:p="http://schemas.openxmlformats.org/presentationml/2006/main">
-  <p:cSld>
-    <p:spTree>
-      <p:nvGrpSpPr>
-        <p:cNvPr id="1" name=""/>
-        <p:cNvGrpSpPr/>
-        <p:nvPr/>
-      </p:nvGrpSpPr>
-      <p:grpSpPr>
-        <a:xfrm>
-          <a:off x="0" y="0"/>
-          <a:ext cx="0" cy="0"/>
-          <a:chOff x="0" y="0"/>
-          <a:chExt cx="0" cy="0"/>
-        </a:xfrm>
-      </p:grpSpPr>
-      <p:sp>
-        <p:nvSpPr>
-          <p:cNvPr id="2" name="Title 1">
-            <a:extLst>
-              <a:ext uri="{FF2B5EF4-FFF2-40B4-BE49-F238E27FC236}">
-                <a16:creationId xmlns:a16="http://schemas.microsoft.com/office/drawing/2014/main" id="{4B7AD62A-3DBD-4452-8625-6F2CFEAA90EA}"/>
-              </a:ext>
-            </a:extLst>
-          </p:cNvPr>
-          <p:cNvSpPr>
-            <a:spLocks noGrp="1"/>
-          </p:cNvSpPr>
-          <p:nvPr>
-            <p:ph type="title"/>
-          </p:nvPr>
-        </p:nvSpPr>
-        <p:spPr/>
-        <p:txBody>
-          <a:bodyPr/>
-          <a:lstStyle/>
-          <a:p>
-            <a:r>
-              <a:rPr lang="en-US" dirty="0"/>
-              <a:t>Rigid Body Surface Collisions</a:t>
-            </a:r>
-          </a:p>
-        </p:txBody>
-      </p:sp>
-      <mc:AlternateContent xmlns:mc="http://schemas.openxmlformats.org/markup-compatibility/2006" xmlns:a14="http://schemas.microsoft.com/office/drawing/2010/main">
-        <mc:Choice Requires="a14">
-          <p:sp>
-            <p:nvSpPr>
-              <p:cNvPr id="3" name="Content Placeholder 2">
-                <a:extLst>
-                  <a:ext uri="{FF2B5EF4-FFF2-40B4-BE49-F238E27FC236}">
-                    <a16:creationId xmlns:a16="http://schemas.microsoft.com/office/drawing/2014/main" id="{0733E3D0-D68F-440F-BA6F-B73521BC8944}"/>
-                  </a:ext>
-                </a:extLst>
-              </p:cNvPr>
-              <p:cNvSpPr>
-                <a:spLocks noGrp="1"/>
-              </p:cNvSpPr>
-              <p:nvPr>
-                <p:ph idx="1"/>
-              </p:nvPr>
-            </p:nvSpPr>
-            <p:spPr>
-              <a:xfrm>
-                <a:off x="457200" y="1600200"/>
-                <a:ext cx="4343400" cy="4983162"/>
-              </a:xfrm>
-            </p:spPr>
-            <p:txBody>
-              <a:bodyPr>
-                <a:normAutofit fontScale="92500" lnSpcReduction="20000"/>
-              </a:bodyPr>
-              <a:lstStyle/>
-              <a:p>
-                <a:r>
-                  <a:rPr lang="en-US" dirty="0"/>
-                  <a:t>Finally, the coefficient of restitution can also be used to relate the kinetic energies before and after the impact</a:t>
-                </a:r>
-              </a:p>
-              <a:p>
-                <a:pPr marL="0" indent="0">
-                  <a:buNone/>
-                </a:pPr>
-                <a14:m>
-                  <m:oMathPara xmlns:m="http://schemas.openxmlformats.org/officeDocument/2006/math">
-                    <m:oMathParaPr>
-                      <m:jc m:val="centerGroup"/>
-                    </m:oMathParaPr>
-                    <m:oMath xmlns:m="http://schemas.openxmlformats.org/officeDocument/2006/math">
-                      <m:sSup>
-                        <m:sSupPr>
-                          <m:ctrlPr>
-                            <a:rPr lang="en-US" b="0" i="1" smtClean="0">
-                              <a:latin typeface="Cambria Math" panose="02040503050406030204" pitchFamily="18" charset="0"/>
-                            </a:rPr>
-                          </m:ctrlPr>
-                        </m:sSupPr>
-                        <m:e>
-                          <m:r>
-                            <a:rPr lang="en-US" i="1">
-                              <a:latin typeface="Cambria Math"/>
-                            </a:rPr>
-                            <m:t>𝑒</m:t>
-                          </m:r>
-                        </m:e>
-                        <m:sup>
-                          <m:r>
-                            <a:rPr lang="en-US" b="0" i="1" smtClean="0">
-                              <a:latin typeface="Cambria Math" panose="02040503050406030204" pitchFamily="18" charset="0"/>
-                            </a:rPr>
-                            <m:t>2</m:t>
-                          </m:r>
-                        </m:sup>
-                      </m:sSup>
-                      <m:r>
-                        <a:rPr lang="en-US" i="1">
-                          <a:latin typeface="Cambria Math"/>
-                        </a:rPr>
-                        <m:t>=</m:t>
-                      </m:r>
-                      <m:f>
-                        <m:fPr>
-                          <m:ctrlPr>
-                            <a:rPr lang="en-US" i="1">
-                              <a:latin typeface="Cambria Math" panose="02040503050406030204" pitchFamily="18" charset="0"/>
-                            </a:rPr>
-                          </m:ctrlPr>
-                        </m:fPr>
-                        <m:num>
-                          <m:sSub>
-                            <m:sSubPr>
-                              <m:ctrlPr>
-                                <a:rPr lang="en-US" i="1" smtClean="0">
-                                  <a:latin typeface="Cambria Math" panose="02040503050406030204" pitchFamily="18" charset="0"/>
-                                </a:rPr>
-                              </m:ctrlPr>
-                            </m:sSubPr>
-                            <m:e>
-                              <m:r>
-                                <a:rPr lang="en-US" b="0" i="1" smtClean="0">
-                                  <a:latin typeface="Cambria Math" panose="02040503050406030204" pitchFamily="18" charset="0"/>
-                                </a:rPr>
-                                <m:t>𝐾𝐸</m:t>
-                              </m:r>
-                            </m:e>
-                            <m:sub>
-                              <m:r>
-                                <a:rPr lang="en-US" b="0" i="1" smtClean="0">
-                                  <a:latin typeface="Cambria Math" panose="02040503050406030204" pitchFamily="18" charset="0"/>
-                                </a:rPr>
-                                <m:t>𝑓</m:t>
-                              </m:r>
-                            </m:sub>
-                          </m:sSub>
-                        </m:num>
-                        <m:den>
-                          <m:sSub>
-                            <m:sSubPr>
-                              <m:ctrlPr>
-                                <a:rPr lang="en-US" i="1">
-                                  <a:latin typeface="Cambria Math" panose="02040503050406030204" pitchFamily="18" charset="0"/>
-                                </a:rPr>
-                              </m:ctrlPr>
-                            </m:sSubPr>
-                            <m:e>
-                              <m:r>
-                                <a:rPr lang="en-US" i="1">
-                                  <a:latin typeface="Cambria Math" panose="02040503050406030204" pitchFamily="18" charset="0"/>
-                                </a:rPr>
-                                <m:t>𝐾𝐸</m:t>
-                              </m:r>
-                            </m:e>
-                            <m:sub>
-                              <m:r>
-                                <a:rPr lang="en-US" b="0" i="1" smtClean="0">
-                                  <a:latin typeface="Cambria Math" panose="02040503050406030204" pitchFamily="18" charset="0"/>
-                                </a:rPr>
-                                <m:t>𝑖</m:t>
-                              </m:r>
-                            </m:sub>
-                          </m:sSub>
-                        </m:den>
-                      </m:f>
-                    </m:oMath>
-                  </m:oMathPara>
-                </a14:m>
-                <a:endParaRPr lang="en-US" dirty="0"/>
-              </a:p>
-              <a:p>
-                <a:r>
-                  <a:rPr lang="en-US" dirty="0"/>
-                  <a:t>These kinetic energies should include both the translational and rotational kinetic energies.</a:t>
-                </a:r>
-              </a:p>
-              <a:p>
-                <a:endParaRPr lang="en-US" dirty="0"/>
-              </a:p>
-            </p:txBody>
-          </p:sp>
-        </mc:Choice>
-        <mc:Fallback xmlns="">
-          <p:sp>
-            <p:nvSpPr>
-              <p:cNvPr id="3" name="Content Placeholder 2">
-                <a:extLst>
-                  <a:ext uri="{FF2B5EF4-FFF2-40B4-BE49-F238E27FC236}">
-                    <a16:creationId xmlns:a16="http://schemas.microsoft.com/office/drawing/2014/main" id="{0733E3D0-D68F-440F-BA6F-B73521BC8944}"/>
-                  </a:ext>
-                </a:extLst>
-              </p:cNvPr>
-              <p:cNvSpPr>
-                <a:spLocks noGrp="1" noRot="1" noChangeAspect="1" noMove="1" noResize="1" noEditPoints="1" noAdjustHandles="1" noChangeArrowheads="1" noChangeShapeType="1" noTextEdit="1"/>
-              </p:cNvSpPr>
-              <p:nvPr>
-                <p:ph idx="1"/>
-              </p:nvPr>
-            </p:nvSpPr>
-            <p:spPr>
-              <a:xfrm>
-                <a:off x="457200" y="1600200"/>
-                <a:ext cx="4343400" cy="4983162"/>
-              </a:xfrm>
-              <a:blipFill>
-                <a:blip r:embed="rId2"/>
-                <a:stretch>
-                  <a:fillRect l="-2805" t="-3182" r="-4067"/>
-                </a:stretch>
-              </a:blipFill>
-            </p:spPr>
-            <p:txBody>
-              <a:bodyPr/>
-              <a:lstStyle/>
-              <a:p>
-                <a:r>
-                  <a:rPr lang="en-US">
-                    <a:noFill/>
-                  </a:rPr>
-                  <a:t> </a:t>
-                </a:r>
-              </a:p>
-            </p:txBody>
-          </p:sp>
-        </mc:Fallback>
-      </mc:AlternateContent>
-      <p:sp>
-        <p:nvSpPr>
-          <p:cNvPr id="4" name="Slide Number Placeholder 3">
-            <a:extLst>
-              <a:ext uri="{FF2B5EF4-FFF2-40B4-BE49-F238E27FC236}">
-                <a16:creationId xmlns:a16="http://schemas.microsoft.com/office/drawing/2014/main" id="{9BB3DA46-FC30-4BC3-BB3B-F0EA9E371B04}"/>
-              </a:ext>
-            </a:extLst>
-          </p:cNvPr>
-          <p:cNvSpPr>
-            <a:spLocks noGrp="1"/>
-          </p:cNvSpPr>
-          <p:nvPr>
-            <p:ph type="sldNum" sz="quarter" idx="12"/>
-          </p:nvPr>
-        </p:nvSpPr>
-        <p:spPr/>
-        <p:txBody>
-          <a:bodyPr/>
-          <a:lstStyle/>
-          <a:p>
-            <a:fld id="{929262FE-7F58-4A1E-8AF3-5A510A86DEBD}" type="slidenum">
-              <a:rPr lang="en-US" smtClean="0"/>
-              <a:t>7</a:t>
-            </a:fld>
-            <a:endParaRPr lang="en-US" dirty="0"/>
-          </a:p>
-        </p:txBody>
-      </p:sp>
-      <p:pic>
-        <p:nvPicPr>
-          <p:cNvPr id="5" name="Picture 2" descr="A wrench dropped on a rigid floor">
-            <a:extLst>
-              <a:ext uri="{FF2B5EF4-FFF2-40B4-BE49-F238E27FC236}">
-                <a16:creationId xmlns:a16="http://schemas.microsoft.com/office/drawing/2014/main" id="{C7C20865-EED8-468C-9F12-9F9A051A017F}"/>
-              </a:ext>
-            </a:extLst>
-          </p:cNvPr>
-          <p:cNvPicPr>
-            <a:picLocks noChangeAspect="1" noChangeArrowheads="1"/>
-          </p:cNvPicPr>
-          <p:nvPr/>
-        </p:nvPicPr>
-        <p:blipFill>
-          <a:blip r:embed="rId3">
-            <a:extLst>
-              <a:ext uri="{28A0092B-C50C-407E-A947-70E740481C1C}">
-                <a14:useLocalDpi xmlns:a14="http://schemas.microsoft.com/office/drawing/2010/main" val="0"/>
-              </a:ext>
-            </a:extLst>
-          </a:blip>
-          <a:srcRect/>
-          <a:stretch>
-            <a:fillRect/>
-          </a:stretch>
-        </p:blipFill>
-        <p:spPr bwMode="auto">
-          <a:xfrm>
-            <a:off x="4933950" y="2285999"/>
-            <a:ext cx="3714750" cy="2790825"/>
-          </a:xfrm>
-          <a:prstGeom prst="rect">
-            <a:avLst/>
-          </a:prstGeom>
-          <a:noFill/>
-          <a:extLst>
-            <a:ext uri="{909E8E84-426E-40DD-AFC4-6F175D3DCCD1}">
-              <a14:hiddenFill xmlns:a14="http://schemas.microsoft.com/office/drawing/2010/main">
-                <a:solidFill>
-                  <a:srgbClr val="FFFFFF"/>
-                </a:solidFill>
-              </a14:hiddenFill>
-            </a:ext>
-          </a:extLst>
-        </p:spPr>
-      </p:pic>
-    </p:spTree>
-    <p:extLst>
-      <p:ext uri="{BB962C8B-B14F-4D97-AF65-F5344CB8AC3E}">
-        <p14:creationId xmlns:p14="http://schemas.microsoft.com/office/powerpoint/2010/main" val="3089954168"/>
-      </p:ext>
-    </p:extLst>
-  </p:cSld>
-  <p:clrMapOvr>
-    <a:masterClrMapping/>
-  </p:clrMapOvr>
-  <p:timing>
-    <p:tnLst>
-      <p:par>
-        <p:cTn id="1" dur="indefinite" restart="never" nodeType="tmRoot">
-          <p:childTnLst>
-            <p:seq concurrent="1" nextAc="seek">
-              <p:cTn id="2" dur="indefinite" nodeType="mainSeq">
-                <p:childTnLst>
                   <p:par>
-                    <p:cTn id="3" fill="hold">
+                    <p:cTn id="15" fill="hold">
                       <p:stCondLst>
                         <p:cond delay="indefinite"/>
                       </p:stCondLst>
                       <p:childTnLst>
                         <p:par>
-                          <p:cTn id="4" fill="hold">
+                          <p:cTn id="16" fill="hold">
                             <p:stCondLst>
                               <p:cond delay="0"/>
                             </p:stCondLst>
                             <p:childTnLst>
                               <p:par>
-                                <p:cTn id="5" presetID="1" presetClass="entr" presetSubtype="0" fill="hold" grpId="0" nodeType="clickEffect">
+                                <p:cTn id="17" presetID="1" presetClass="entr" presetSubtype="0" fill="hold" grpId="0" nodeType="clickEffect">
                                   <p:stCondLst>
                                     <p:cond delay="0"/>
                                   </p:stCondLst>
                                   <p:childTnLst>
                                     <p:set>
                                       <p:cBhvr>
-                                        <p:cTn id="6" dur="1" fill="hold">
+                                        <p:cTn id="18" dur="1" fill="hold">
                                           <p:stCondLst>
                                             <p:cond delay="0"/>
                                           </p:stCondLst>
@@ -6433,7 +9345,7 @@
                                         <p:tgtEl>
                                           <p:spTgt spid="3">
                                             <p:txEl>
-                                              <p:pRg st="0" end="0"/>
+                                              <p:pRg st="3" end="3"/>
                                             </p:txEl>
                                           </p:spTgt>
                                         </p:tgtEl>
@@ -6455,26 +9367,26 @@
                     </p:cTn>
                   </p:par>
                   <p:par>
-                    <p:cTn id="7" fill="hold">
+                    <p:cTn id="19" fill="hold">
                       <p:stCondLst>
                         <p:cond delay="indefinite"/>
                       </p:stCondLst>
                       <p:childTnLst>
                         <p:par>
-                          <p:cTn id="8" fill="hold">
+                          <p:cTn id="20" fill="hold">
                             <p:stCondLst>
                               <p:cond delay="0"/>
                             </p:stCondLst>
                             <p:childTnLst>
                               <p:par>
-                                <p:cTn id="9" presetID="1" presetClass="entr" presetSubtype="0" fill="hold" grpId="0" nodeType="clickEffect">
+                                <p:cTn id="21" presetID="1" presetClass="entr" presetSubtype="0" fill="hold" grpId="0" nodeType="clickEffect">
                                   <p:stCondLst>
                                     <p:cond delay="0"/>
                                   </p:stCondLst>
                                   <p:childTnLst>
                                     <p:set>
                                       <p:cBhvr>
-                                        <p:cTn id="10" dur="1" fill="hold">
+                                        <p:cTn id="22" dur="1" fill="hold">
                                           <p:stCondLst>
                                             <p:cond delay="0"/>
                                           </p:stCondLst>
@@ -6482,7 +9394,7 @@
                                         <p:tgtEl>
                                           <p:spTgt spid="3">
                                             <p:txEl>
-                                              <p:pRg st="1" end="1"/>
+                                              <p:pRg st="4" end="4"/>
                                             </p:txEl>
                                           </p:spTgt>
                                         </p:tgtEl>
@@ -6504,26 +9416,26 @@
                     </p:cTn>
                   </p:par>
                   <p:par>
-                    <p:cTn id="11" fill="hold">
+                    <p:cTn id="23" fill="hold">
                       <p:stCondLst>
                         <p:cond delay="indefinite"/>
                       </p:stCondLst>
                       <p:childTnLst>
                         <p:par>
-                          <p:cTn id="12" fill="hold">
+                          <p:cTn id="24" fill="hold">
                             <p:stCondLst>
                               <p:cond delay="0"/>
                             </p:stCondLst>
                             <p:childTnLst>
                               <p:par>
-                                <p:cTn id="13" presetID="1" presetClass="entr" presetSubtype="0" fill="hold" grpId="0" nodeType="clickEffect">
+                                <p:cTn id="25" presetID="1" presetClass="entr" presetSubtype="0" fill="hold" grpId="0" nodeType="clickEffect">
                                   <p:stCondLst>
                                     <p:cond delay="0"/>
                                   </p:stCondLst>
                                   <p:childTnLst>
                                     <p:set>
                                       <p:cBhvr>
-                                        <p:cTn id="14" dur="1" fill="hold">
+                                        <p:cTn id="26" dur="1" fill="hold">
                                           <p:stCondLst>
                                             <p:cond delay="0"/>
                                           </p:stCondLst>
@@ -6531,7 +9443,7 @@
                                         <p:tgtEl>
                                           <p:spTgt spid="3">
                                             <p:txEl>
-                                              <p:pRg st="2" end="2"/>
+                                              <p:pRg st="5" end="5"/>
                                             </p:txEl>
                                           </p:spTgt>
                                         </p:tgtEl>
@@ -6602,663 +9514,6 @@
           <p:cNvPr id="2" name="Title 1">
             <a:extLst>
               <a:ext uri="{FF2B5EF4-FFF2-40B4-BE49-F238E27FC236}">
-                <a16:creationId xmlns:a16="http://schemas.microsoft.com/office/drawing/2014/main" id="{F4392BAB-C952-4615-8017-326C9C8D2293}"/>
-              </a:ext>
-            </a:extLst>
-          </p:cNvPr>
-          <p:cNvSpPr>
-            <a:spLocks noGrp="1"/>
-          </p:cNvSpPr>
-          <p:nvPr>
-            <p:ph type="title"/>
-          </p:nvPr>
-        </p:nvSpPr>
-        <p:spPr/>
-        <p:txBody>
-          <a:bodyPr/>
-          <a:lstStyle/>
-          <a:p>
-            <a:r>
-              <a:rPr lang="en-US" dirty="0"/>
-              <a:t>Rigid Body Surface Collisions</a:t>
-            </a:r>
-          </a:p>
-        </p:txBody>
-      </p:sp>
-      <mc:AlternateContent xmlns:mc="http://schemas.openxmlformats.org/markup-compatibility/2006">
-        <mc:Choice xmlns:a14="http://schemas.microsoft.com/office/drawing/2010/main" Requires="a14">
-          <p:sp>
-            <p:nvSpPr>
-              <p:cNvPr id="3" name="Content Placeholder 2">
-                <a:extLst>
-                  <a:ext uri="{FF2B5EF4-FFF2-40B4-BE49-F238E27FC236}">
-                    <a16:creationId xmlns:a16="http://schemas.microsoft.com/office/drawing/2014/main" id="{D67A592A-BC94-44AB-B9DE-1C18398D660D}"/>
-                  </a:ext>
-                </a:extLst>
-              </p:cNvPr>
-              <p:cNvSpPr>
-                <a:spLocks noGrp="1"/>
-              </p:cNvSpPr>
-              <p:nvPr>
-                <p:ph idx="1"/>
-              </p:nvPr>
-            </p:nvSpPr>
-            <p:spPr>
-              <a:xfrm>
-                <a:off x="457200" y="1600200"/>
-                <a:ext cx="8229600" cy="4876800"/>
-              </a:xfrm>
-            </p:spPr>
-            <p:txBody>
-              <a:bodyPr>
-                <a:normAutofit fontScale="92500" lnSpcReduction="20000"/>
-              </a:bodyPr>
-              <a:lstStyle/>
-              <a:p>
-                <a:r>
-                  <a:rPr lang="en-US" dirty="0"/>
-                  <a:t>Putting this all together, we have three equations that should allow us to solve for up to three unknowns.</a:t>
-                </a:r>
-              </a:p>
-              <a:p>
-                <a:endParaRPr lang="en-US" dirty="0"/>
-              </a:p>
-              <a:p>
-                <a:pPr marL="0" indent="0" algn="ctr">
-                  <a:buNone/>
-                </a:pPr>
-                <a14:m>
-                  <m:oMath xmlns:m="http://schemas.openxmlformats.org/officeDocument/2006/math">
-                    <m:sSub>
-                      <m:sSubPr>
-                        <m:ctrlPr>
-                          <a:rPr lang="en-US" i="1">
-                            <a:latin typeface="Cambria Math" panose="02040503050406030204" pitchFamily="18" charset="0"/>
-                          </a:rPr>
-                        </m:ctrlPr>
-                      </m:sSubPr>
-                      <m:e>
-                        <m:r>
-                          <a:rPr lang="en-US" i="1">
-                            <a:latin typeface="Cambria Math"/>
-                          </a:rPr>
-                          <m:t>𝑣</m:t>
-                        </m:r>
-                      </m:e>
-                      <m:sub>
-                        <m:r>
-                          <a:rPr lang="en-US" i="1">
-                            <a:latin typeface="Cambria Math" panose="02040503050406030204" pitchFamily="18" charset="0"/>
-                          </a:rPr>
-                          <m:t>𝑡𝐶</m:t>
-                        </m:r>
-                        <m:r>
-                          <a:rPr lang="en-US" i="1">
-                            <a:latin typeface="Cambria Math"/>
-                          </a:rPr>
-                          <m:t>𝑓</m:t>
-                        </m:r>
-                      </m:sub>
-                    </m:sSub>
-                    <m:r>
-                      <a:rPr lang="en-US" i="1">
-                        <a:latin typeface="Cambria Math"/>
-                      </a:rPr>
-                      <m:t>=</m:t>
-                    </m:r>
-                    <m:sSub>
-                      <m:sSubPr>
-                        <m:ctrlPr>
-                          <a:rPr lang="en-US" i="1">
-                            <a:latin typeface="Cambria Math" panose="02040503050406030204" pitchFamily="18" charset="0"/>
-                          </a:rPr>
-                        </m:ctrlPr>
-                      </m:sSubPr>
-                      <m:e>
-                        <m:r>
-                          <a:rPr lang="en-US" i="1">
-                            <a:latin typeface="Cambria Math"/>
-                          </a:rPr>
-                          <m:t>𝑣</m:t>
-                        </m:r>
-                      </m:e>
-                      <m:sub>
-                        <m:r>
-                          <a:rPr lang="en-US" i="1">
-                            <a:latin typeface="Cambria Math" panose="02040503050406030204" pitchFamily="18" charset="0"/>
-                          </a:rPr>
-                          <m:t>𝑡𝐶</m:t>
-                        </m:r>
-                        <m:r>
-                          <a:rPr lang="en-US" i="1">
-                            <a:latin typeface="Cambria Math" panose="02040503050406030204" pitchFamily="18" charset="0"/>
-                          </a:rPr>
-                          <m:t>𝑖</m:t>
-                        </m:r>
-                      </m:sub>
-                    </m:sSub>
-                  </m:oMath>
-                </a14:m>
-                <a:r>
-                  <a:rPr lang="en-US" dirty="0"/>
-                  <a:t>      </a:t>
-                </a:r>
-                <a14:m>
-                  <m:oMath xmlns:m="http://schemas.openxmlformats.org/officeDocument/2006/math">
-                    <m:r>
-                      <a:rPr lang="en-US" i="1">
-                        <a:latin typeface="Cambria Math"/>
-                      </a:rPr>
-                      <m:t>𝑒</m:t>
-                    </m:r>
-                    <m:r>
-                      <a:rPr lang="en-US" i="1">
-                        <a:latin typeface="Cambria Math"/>
-                      </a:rPr>
-                      <m:t>=−</m:t>
-                    </m:r>
-                    <m:f>
-                      <m:fPr>
-                        <m:ctrlPr>
-                          <a:rPr lang="en-US" i="1">
-                            <a:latin typeface="Cambria Math" panose="02040503050406030204" pitchFamily="18" charset="0"/>
-                          </a:rPr>
-                        </m:ctrlPr>
-                      </m:fPr>
-                      <m:num>
-                        <m:sSub>
-                          <m:sSubPr>
-                            <m:ctrlPr>
-                              <a:rPr lang="en-US" i="1">
-                                <a:latin typeface="Cambria Math" panose="02040503050406030204" pitchFamily="18" charset="0"/>
-                              </a:rPr>
-                            </m:ctrlPr>
-                          </m:sSubPr>
-                          <m:e>
-                            <m:r>
-                              <a:rPr lang="en-US" i="1">
-                                <a:latin typeface="Cambria Math"/>
-                              </a:rPr>
-                              <m:t>𝑣</m:t>
-                            </m:r>
-                          </m:e>
-                          <m:sub>
-                            <m:r>
-                              <a:rPr lang="en-US" i="1">
-                                <a:latin typeface="Cambria Math" panose="02040503050406030204" pitchFamily="18" charset="0"/>
-                              </a:rPr>
-                              <m:t>𝑛</m:t>
-                            </m:r>
-                            <m:r>
-                              <a:rPr lang="en-US" i="1">
-                                <a:latin typeface="Cambria Math" panose="02040503050406030204" pitchFamily="18" charset="0"/>
-                              </a:rPr>
-                              <m:t>𝐴</m:t>
-                            </m:r>
-                            <m:r>
-                              <a:rPr lang="en-US" i="1">
-                                <a:latin typeface="Cambria Math"/>
-                              </a:rPr>
-                              <m:t>𝑓</m:t>
-                            </m:r>
-                          </m:sub>
-                        </m:sSub>
-                      </m:num>
-                      <m:den>
-                        <m:sSub>
-                          <m:sSubPr>
-                            <m:ctrlPr>
-                              <a:rPr lang="en-US" i="1">
-                                <a:latin typeface="Cambria Math" panose="02040503050406030204" pitchFamily="18" charset="0"/>
-                              </a:rPr>
-                            </m:ctrlPr>
-                          </m:sSubPr>
-                          <m:e>
-                            <m:r>
-                              <a:rPr lang="en-US" i="1">
-                                <a:latin typeface="Cambria Math"/>
-                              </a:rPr>
-                              <m:t>𝑣</m:t>
-                            </m:r>
-                          </m:e>
-                          <m:sub>
-                            <m:r>
-                              <a:rPr lang="en-US" i="1">
-                                <a:latin typeface="Cambria Math" panose="02040503050406030204" pitchFamily="18" charset="0"/>
-                              </a:rPr>
-                              <m:t>𝑛</m:t>
-                            </m:r>
-                            <m:r>
-                              <a:rPr lang="en-US" i="1">
-                                <a:latin typeface="Cambria Math" panose="02040503050406030204" pitchFamily="18" charset="0"/>
-                              </a:rPr>
-                              <m:t>𝐴</m:t>
-                            </m:r>
-                            <m:r>
-                              <a:rPr lang="en-US" i="1">
-                                <a:latin typeface="Cambria Math"/>
-                              </a:rPr>
-                              <m:t>𝑖</m:t>
-                            </m:r>
-                          </m:sub>
-                        </m:sSub>
-                      </m:den>
-                    </m:f>
-                  </m:oMath>
-                </a14:m>
-                <a:r>
-                  <a:rPr lang="en-US" dirty="0"/>
-                  <a:t> </a:t>
-                </a:r>
-                <a14:m>
-                  <m:oMath xmlns:m="http://schemas.openxmlformats.org/officeDocument/2006/math">
-                    <m:r>
-                      <a:rPr lang="en-US" b="0" i="0" smtClean="0">
-                        <a:latin typeface="Cambria Math" panose="02040503050406030204" pitchFamily="18" charset="0"/>
-                      </a:rPr>
-                      <m:t>         </m:t>
-                    </m:r>
-                    <m:sSup>
-                      <m:sSupPr>
-                        <m:ctrlPr>
-                          <a:rPr lang="en-US" i="1">
-                            <a:latin typeface="Cambria Math" panose="02040503050406030204" pitchFamily="18" charset="0"/>
-                          </a:rPr>
-                        </m:ctrlPr>
-                      </m:sSupPr>
-                      <m:e>
-                        <m:r>
-                          <a:rPr lang="en-US" i="1">
-                            <a:latin typeface="Cambria Math"/>
-                          </a:rPr>
-                          <m:t>𝑒</m:t>
-                        </m:r>
-                      </m:e>
-                      <m:sup>
-                        <m:r>
-                          <a:rPr lang="en-US" i="1">
-                            <a:latin typeface="Cambria Math" panose="02040503050406030204" pitchFamily="18" charset="0"/>
-                          </a:rPr>
-                          <m:t>2</m:t>
-                        </m:r>
-                      </m:sup>
-                    </m:sSup>
-                    <m:r>
-                      <a:rPr lang="en-US" i="1">
-                        <a:latin typeface="Cambria Math"/>
-                      </a:rPr>
-                      <m:t>=</m:t>
-                    </m:r>
-                    <m:f>
-                      <m:fPr>
-                        <m:ctrlPr>
-                          <a:rPr lang="en-US" i="1">
-                            <a:latin typeface="Cambria Math" panose="02040503050406030204" pitchFamily="18" charset="0"/>
-                          </a:rPr>
-                        </m:ctrlPr>
-                      </m:fPr>
-                      <m:num>
-                        <m:sSub>
-                          <m:sSubPr>
-                            <m:ctrlPr>
-                              <a:rPr lang="en-US" i="1">
-                                <a:latin typeface="Cambria Math" panose="02040503050406030204" pitchFamily="18" charset="0"/>
-                              </a:rPr>
-                            </m:ctrlPr>
-                          </m:sSubPr>
-                          <m:e>
-                            <m:r>
-                              <a:rPr lang="en-US" i="1">
-                                <a:latin typeface="Cambria Math" panose="02040503050406030204" pitchFamily="18" charset="0"/>
-                              </a:rPr>
-                              <m:t>𝐾𝐸</m:t>
-                            </m:r>
-                          </m:e>
-                          <m:sub>
-                            <m:r>
-                              <a:rPr lang="en-US" i="1">
-                                <a:latin typeface="Cambria Math" panose="02040503050406030204" pitchFamily="18" charset="0"/>
-                              </a:rPr>
-                              <m:t>𝑓</m:t>
-                            </m:r>
-                          </m:sub>
-                        </m:sSub>
-                      </m:num>
-                      <m:den>
-                        <m:sSub>
-                          <m:sSubPr>
-                            <m:ctrlPr>
-                              <a:rPr lang="en-US" i="1">
-                                <a:latin typeface="Cambria Math" panose="02040503050406030204" pitchFamily="18" charset="0"/>
-                              </a:rPr>
-                            </m:ctrlPr>
-                          </m:sSubPr>
-                          <m:e>
-                            <m:r>
-                              <a:rPr lang="en-US" i="1">
-                                <a:latin typeface="Cambria Math" panose="02040503050406030204" pitchFamily="18" charset="0"/>
-                              </a:rPr>
-                              <m:t>𝐾𝐸</m:t>
-                            </m:r>
-                          </m:e>
-                          <m:sub>
-                            <m:r>
-                              <a:rPr lang="en-US" i="1">
-                                <a:latin typeface="Cambria Math" panose="02040503050406030204" pitchFamily="18" charset="0"/>
-                              </a:rPr>
-                              <m:t>𝑖</m:t>
-                            </m:r>
-                          </m:sub>
-                        </m:sSub>
-                      </m:den>
-                    </m:f>
-                  </m:oMath>
-                </a14:m>
-                <a:endParaRPr lang="en-US" dirty="0"/>
-              </a:p>
-              <a:p>
-                <a:pPr marL="0" indent="0" algn="ctr">
-                  <a:buNone/>
-                </a:pPr>
-                <a:endParaRPr lang="en-US" dirty="0"/>
-              </a:p>
-              <a:p>
-                <a:r>
-                  <a:rPr lang="en-US" dirty="0"/>
-                  <a:t>The equations will sometimes need to be supplemented with kinematics relationships, in this case relating the velocity of the point of impact to the velocity of the center of mass and angular velocity.</a:t>
-                </a:r>
-              </a:p>
-            </p:txBody>
-          </p:sp>
-        </mc:Choice>
-        <mc:Fallback>
-          <p:sp>
-            <p:nvSpPr>
-              <p:cNvPr id="3" name="Content Placeholder 2">
-                <a:extLst>
-                  <a:ext uri="{FF2B5EF4-FFF2-40B4-BE49-F238E27FC236}">
-                    <a16:creationId xmlns:a16="http://schemas.microsoft.com/office/drawing/2014/main" id="{D67A592A-BC94-44AB-B9DE-1C18398D660D}"/>
-                  </a:ext>
-                </a:extLst>
-              </p:cNvPr>
-              <p:cNvSpPr>
-                <a:spLocks noGrp="1" noRot="1" noChangeAspect="1" noMove="1" noResize="1" noEditPoints="1" noAdjustHandles="1" noChangeArrowheads="1" noChangeShapeType="1" noTextEdit="1"/>
-              </p:cNvSpPr>
-              <p:nvPr>
-                <p:ph idx="1"/>
-              </p:nvPr>
-            </p:nvSpPr>
-            <p:spPr>
-              <a:xfrm>
-                <a:off x="457200" y="1600200"/>
-                <a:ext cx="8229600" cy="4876800"/>
-              </a:xfrm>
-              <a:blipFill>
-                <a:blip r:embed="rId2"/>
-                <a:stretch>
-                  <a:fillRect l="-1481" t="-3250" r="-1333" b="-1625"/>
-                </a:stretch>
-              </a:blipFill>
-            </p:spPr>
-            <p:txBody>
-              <a:bodyPr/>
-              <a:lstStyle/>
-              <a:p>
-                <a:r>
-                  <a:rPr lang="en-US">
-                    <a:noFill/>
-                  </a:rPr>
-                  <a:t> </a:t>
-                </a:r>
-              </a:p>
-            </p:txBody>
-          </p:sp>
-        </mc:Fallback>
-      </mc:AlternateContent>
-      <p:sp>
-        <p:nvSpPr>
-          <p:cNvPr id="4" name="Slide Number Placeholder 3">
-            <a:extLst>
-              <a:ext uri="{FF2B5EF4-FFF2-40B4-BE49-F238E27FC236}">
-                <a16:creationId xmlns:a16="http://schemas.microsoft.com/office/drawing/2014/main" id="{1CDEEA48-041C-4F18-8182-2930A1F3E1EA}"/>
-              </a:ext>
-            </a:extLst>
-          </p:cNvPr>
-          <p:cNvSpPr>
-            <a:spLocks noGrp="1"/>
-          </p:cNvSpPr>
-          <p:nvPr>
-            <p:ph type="sldNum" sz="quarter" idx="12"/>
-          </p:nvPr>
-        </p:nvSpPr>
-        <p:spPr/>
-        <p:txBody>
-          <a:bodyPr/>
-          <a:lstStyle/>
-          <a:p>
-            <a:fld id="{929262FE-7F58-4A1E-8AF3-5A510A86DEBD}" type="slidenum">
-              <a:rPr lang="en-US" smtClean="0"/>
-              <a:t>8</a:t>
-            </a:fld>
-            <a:endParaRPr lang="en-US" dirty="0"/>
-          </a:p>
-        </p:txBody>
-      </p:sp>
-    </p:spTree>
-    <p:extLst>
-      <p:ext uri="{BB962C8B-B14F-4D97-AF65-F5344CB8AC3E}">
-        <p14:creationId xmlns:p14="http://schemas.microsoft.com/office/powerpoint/2010/main" val="49532671"/>
-      </p:ext>
-    </p:extLst>
-  </p:cSld>
-  <p:clrMapOvr>
-    <a:masterClrMapping/>
-  </p:clrMapOvr>
-  <p:timing>
-    <p:tnLst>
-      <p:par>
-        <p:cTn id="1" dur="indefinite" restart="never" nodeType="tmRoot">
-          <p:childTnLst>
-            <p:seq concurrent="1" nextAc="seek">
-              <p:cTn id="2" dur="indefinite" nodeType="mainSeq">
-                <p:childTnLst>
-                  <p:par>
-                    <p:cTn id="3" fill="hold">
-                      <p:stCondLst>
-                        <p:cond delay="indefinite"/>
-                      </p:stCondLst>
-                      <p:childTnLst>
-                        <p:par>
-                          <p:cTn id="4" fill="hold">
-                            <p:stCondLst>
-                              <p:cond delay="0"/>
-                            </p:stCondLst>
-                            <p:childTnLst>
-                              <p:par>
-                                <p:cTn id="5" presetID="1" presetClass="entr" presetSubtype="0" fill="hold" grpId="0" nodeType="clickEffect">
-                                  <p:stCondLst>
-                                    <p:cond delay="0"/>
-                                  </p:stCondLst>
-                                  <p:childTnLst>
-                                    <p:set>
-                                      <p:cBhvr>
-                                        <p:cTn id="6" dur="1" fill="hold">
-                                          <p:stCondLst>
-                                            <p:cond delay="0"/>
-                                          </p:stCondLst>
-                                        </p:cTn>
-                                        <p:tgtEl>
-                                          <p:spTgt spid="3">
-                                            <p:txEl>
-                                              <p:pRg st="0" end="0"/>
-                                            </p:txEl>
-                                          </p:spTgt>
-                                        </p:tgtEl>
-                                        <p:attrNameLst>
-                                          <p:attrName>style.visibility</p:attrName>
-                                        </p:attrNameLst>
-                                      </p:cBhvr>
-                                      <p:to>
-                                        <p:strVal val="visible"/>
-                                      </p:to>
-                                    </p:set>
-                                  </p:childTnLst>
-                                </p:cTn>
-                              </p:par>
-                            </p:childTnLst>
-                          </p:cTn>
-                        </p:par>
-                      </p:childTnLst>
-                    </p:cTn>
-                  </p:par>
-                  <p:par>
-                    <p:cTn id="7" fill="hold">
-                      <p:stCondLst>
-                        <p:cond delay="indefinite"/>
-                      </p:stCondLst>
-                      <p:childTnLst>
-                        <p:par>
-                          <p:cTn id="8" fill="hold">
-                            <p:stCondLst>
-                              <p:cond delay="0"/>
-                            </p:stCondLst>
-                            <p:childTnLst>
-                              <p:par>
-                                <p:cTn id="9" presetID="1" presetClass="entr" presetSubtype="0" fill="hold" grpId="0" nodeType="clickEffect">
-                                  <p:stCondLst>
-                                    <p:cond delay="0"/>
-                                  </p:stCondLst>
-                                  <p:childTnLst>
-                                    <p:set>
-                                      <p:cBhvr>
-                                        <p:cTn id="10" dur="1" fill="hold">
-                                          <p:stCondLst>
-                                            <p:cond delay="0"/>
-                                          </p:stCondLst>
-                                        </p:cTn>
-                                        <p:tgtEl>
-                                          <p:spTgt spid="3">
-                                            <p:txEl>
-                                              <p:pRg st="2" end="2"/>
-                                            </p:txEl>
-                                          </p:spTgt>
-                                        </p:tgtEl>
-                                        <p:attrNameLst>
-                                          <p:attrName>style.visibility</p:attrName>
-                                        </p:attrNameLst>
-                                      </p:cBhvr>
-                                      <p:to>
-                                        <p:strVal val="visible"/>
-                                      </p:to>
-                                    </p:set>
-                                  </p:childTnLst>
-                                </p:cTn>
-                              </p:par>
-                            </p:childTnLst>
-                          </p:cTn>
-                        </p:par>
-                      </p:childTnLst>
-                    </p:cTn>
-                  </p:par>
-                  <p:par>
-                    <p:cTn id="11" fill="hold">
-                      <p:stCondLst>
-                        <p:cond delay="indefinite"/>
-                      </p:stCondLst>
-                      <p:childTnLst>
-                        <p:par>
-                          <p:cTn id="12" fill="hold">
-                            <p:stCondLst>
-                              <p:cond delay="0"/>
-                            </p:stCondLst>
-                            <p:childTnLst>
-                              <p:par>
-                                <p:cTn id="13" presetID="1" presetClass="entr" presetSubtype="0" fill="hold" grpId="0" nodeType="clickEffect">
-                                  <p:stCondLst>
-                                    <p:cond delay="0"/>
-                                  </p:stCondLst>
-                                  <p:childTnLst>
-                                    <p:set>
-                                      <p:cBhvr>
-                                        <p:cTn id="14" dur="1" fill="hold">
-                                          <p:stCondLst>
-                                            <p:cond delay="0"/>
-                                          </p:stCondLst>
-                                        </p:cTn>
-                                        <p:tgtEl>
-                                          <p:spTgt spid="3">
-                                            <p:txEl>
-                                              <p:pRg st="4" end="4"/>
-                                            </p:txEl>
-                                          </p:spTgt>
-                                        </p:tgtEl>
-                                        <p:attrNameLst>
-                                          <p:attrName>style.visibility</p:attrName>
-                                        </p:attrNameLst>
-                                      </p:cBhvr>
-                                      <p:to>
-                                        <p:strVal val="visible"/>
-                                      </p:to>
-                                    </p:set>
-                                  </p:childTnLst>
-                                </p:cTn>
-                              </p:par>
-                            </p:childTnLst>
-                          </p:cTn>
-                        </p:par>
-                      </p:childTnLst>
-                    </p:cTn>
-                  </p:par>
-                </p:childTnLst>
-              </p:cTn>
-              <p:prevCondLst>
-                <p:cond evt="onPrev" delay="0">
-                  <p:tgtEl>
-                    <p:sldTgt/>
-                  </p:tgtEl>
-                </p:cond>
-              </p:prevCondLst>
-              <p:nextCondLst>
-                <p:cond evt="onNext" delay="0">
-                  <p:tgtEl>
-                    <p:sldTgt/>
-                  </p:tgtEl>
-                </p:cond>
-              </p:nextCondLst>
-            </p:seq>
-          </p:childTnLst>
-        </p:cTn>
-      </p:par>
-    </p:tnLst>
-    <p:bldLst>
-      <p:bldP spid="3" grpId="0" build="p"/>
-    </p:bldLst>
-  </p:timing>
-</p:sld>
-</file>
-
-<file path=ppt/slides/slide9.xml><?xml version="1.0" encoding="utf-8"?>
-<p:sld xmlns:a="http://schemas.openxmlformats.org/drawingml/2006/main" xmlns:r="http://schemas.openxmlformats.org/officeDocument/2006/relationships" xmlns:p="http://schemas.openxmlformats.org/presentationml/2006/main">
-  <p:cSld>
-    <p:spTree>
-      <p:nvGrpSpPr>
-        <p:cNvPr id="1" name=""/>
-        <p:cNvGrpSpPr/>
-        <p:nvPr/>
-      </p:nvGrpSpPr>
-      <p:grpSpPr>
-        <a:xfrm>
-          <a:off x="0" y="0"/>
-          <a:ext cx="0" cy="0"/>
-          <a:chOff x="0" y="0"/>
-          <a:chExt cx="0" cy="0"/>
-        </a:xfrm>
-      </p:grpSpPr>
-      <p:sp>
-        <p:nvSpPr>
-          <p:cNvPr id="2" name="Title 1">
-            <a:extLst>
-              <a:ext uri="{FF2B5EF4-FFF2-40B4-BE49-F238E27FC236}">
                 <a16:creationId xmlns:a16="http://schemas.microsoft.com/office/drawing/2014/main" id="{61A07C29-9A58-4871-BDC5-A36C637901C2}"/>
               </a:ext>
             </a:extLst>
@@ -7279,7 +9534,7 @@
           <a:p>
             <a:r>
               <a:rPr lang="en-US" dirty="0"/>
-              <a:t>Solving a Collision Problem</a:t>
+              <a:t>Solving a Impulse Momentum Problem</a:t>
             </a:r>
             <a:br>
               <a:rPr lang="en-US" dirty="0"/>
@@ -7312,7 +9567,7 @@
             <p:spPr>
               <a:xfrm>
                 <a:off x="457200" y="1600200"/>
-                <a:ext cx="8229600" cy="4983162"/>
+                <a:ext cx="8229600" cy="4648200"/>
               </a:xfrm>
             </p:spPr>
             <p:txBody>
@@ -7323,7 +9578,7 @@
               <a:p>
                 <a:r>
                   <a:rPr lang="en-US" dirty="0"/>
-                  <a:t>Solving collision involves three steps, carefully accounting for the factors at play between some initial state and some final state.</a:t>
+                  <a:t>Solving impulse momentum involves three steps, carefully accounting for the factors at play between some initial state and some final state.</a:t>
                 </a:r>
               </a:p>
               <a:p>
@@ -7333,7 +9588,50 @@
                 </a:pPr>
                 <a:r>
                   <a:rPr lang="en-US" dirty="0"/>
-                  <a:t>Set up a diagram showing the object bouncing off the surface</a:t>
+                  <a:t>Set up one diagram showing the initial state and set up some other diagram for the final state.</a:t>
+                </a:r>
+              </a:p>
+              <a:p>
+                <a:pPr marL="914400" lvl="1" indent="-514350"/>
+                <a:r>
+                  <a:rPr lang="en-US" dirty="0"/>
+                  <a:t>Identify any </a:t>
+                </a:r>
+                <a:r>
+                  <a:rPr lang="en-US" dirty="0">
+                    <a:solidFill>
+                      <a:srgbClr val="FF0000"/>
+                    </a:solidFill>
+                  </a:rPr>
+                  <a:t>external</a:t>
+                </a:r>
+                <a:r>
+                  <a:rPr lang="en-US" dirty="0"/>
+                  <a:t> </a:t>
+                </a:r>
+                <a:r>
+                  <a:rPr lang="en-US" dirty="0">
+                    <a:solidFill>
+                      <a:srgbClr val="FF0000"/>
+                    </a:solidFill>
+                  </a:rPr>
+                  <a:t>forces</a:t>
+                </a:r>
+                <a:r>
+                  <a:rPr lang="en-US" dirty="0"/>
+                  <a:t> or </a:t>
+                </a:r>
+                <a:r>
+                  <a:rPr lang="en-US" dirty="0">
+                    <a:solidFill>
+                      <a:srgbClr val="FF0000"/>
+                    </a:solidFill>
+                  </a:rPr>
+                  <a:t>external moments </a:t>
+                </a:r>
+                <a:r>
+                  <a:rPr lang="en-US" dirty="0"/>
+                  <a:t>that will act on the body between the two states</a:t>
                 </a:r>
               </a:p>
               <a:p>
@@ -7352,21 +9650,19 @@
                 </a:r>
                 <a:r>
                   <a:rPr lang="en-US" dirty="0"/>
-                  <a:t> in each state, including magnitudes and directions</a:t>
+                  <a:t> and </a:t>
                 </a:r>
-              </a:p>
-              <a:p>
-                <a:pPr marL="914400" lvl="1" indent="-514350"/>
+                <a:r>
+                  <a:rPr lang="en-US" dirty="0">
+                    <a:solidFill>
+                      <a:schemeClr val="accent1"/>
+                    </a:solidFill>
+                  </a:rPr>
+                  <a:t>angular velocities </a:t>
+                </a:r>
                 <a:r>
                   <a:rPr lang="en-US" dirty="0"/>
-                  <a:t>Identify the type of collision, and the coefficient of restitution if applicable</a:t>
-                </a:r>
-              </a:p>
-              <a:p>
-                <a:pPr marL="914400" lvl="1" indent="-514350"/>
-                <a:r>
-                  <a:rPr lang="en-US" dirty="0"/>
-                  <a:t>Identify the normal and tangential directions in your diagram</a:t>
+                  <a:t>in each state</a:t>
                 </a:r>
               </a:p>
               <a:p>
@@ -7376,104 +9672,56 @@
                 </a:pPr>
                 <a:r>
                   <a:rPr lang="en-US" dirty="0"/>
-                  <a:t>Use the diagram to break down velocities into the normal and tangential components, and use the equations discussed earlier to relate initial and final velocities</a:t>
+                  <a:t>Use the diagram to put together the impulse momentum equation, with included known and unknown values.</a:t>
                 </a:r>
               </a:p>
               <a:p>
                 <a:pPr marL="914400" lvl="1" indent="-514350"/>
                 <a14:m>
                   <m:oMath xmlns:m="http://schemas.openxmlformats.org/officeDocument/2006/math">
-                    <m:sSub>
-                      <m:sSubPr>
+                    <m:acc>
+                      <m:accPr>
+                        <m:chr m:val="⃑"/>
                         <m:ctrlPr>
                           <a:rPr lang="en-US" i="1">
                             <a:latin typeface="Cambria Math" panose="02040503050406030204" pitchFamily="18" charset="0"/>
                           </a:rPr>
                         </m:ctrlPr>
-                      </m:sSubPr>
+                      </m:accPr>
                       <m:e>
                         <m:r>
-                          <a:rPr lang="en-US" i="1">
-                            <a:latin typeface="Cambria Math"/>
+                          <m:rPr>
+                            <m:sty m:val="p"/>
+                          </m:rPr>
+                          <a:rPr lang="en-US">
+                            <a:latin typeface="Cambria Math" panose="02040503050406030204" pitchFamily="18" charset="0"/>
                           </a:rPr>
-                          <m:t>𝑣</m:t>
+                          <m:t>J</m:t>
                         </m:r>
                       </m:e>
-                      <m:sub>
-                        <m:r>
-                          <a:rPr lang="en-US" i="1">
-                            <a:latin typeface="Cambria Math" panose="02040503050406030204" pitchFamily="18" charset="0"/>
-                          </a:rPr>
-                          <m:t>𝑡𝐶</m:t>
-                        </m:r>
-                        <m:r>
-                          <a:rPr lang="en-US" i="1">
-                            <a:latin typeface="Cambria Math"/>
-                          </a:rPr>
-                          <m:t>𝑓</m:t>
-                        </m:r>
-                      </m:sub>
-                    </m:sSub>
+                    </m:acc>
                     <m:r>
                       <a:rPr lang="en-US" i="1">
                         <a:latin typeface="Cambria Math"/>
                       </a:rPr>
                       <m:t>=</m:t>
                     </m:r>
-                    <m:sSub>
-                      <m:sSubPr>
+                    <m:r>
+                      <a:rPr lang="en-US" i="1">
+                        <a:latin typeface="Cambria Math"/>
+                      </a:rPr>
+                      <m:t>𝑚</m:t>
+                    </m:r>
+                    <m:acc>
+                      <m:accPr>
+                        <m:chr m:val="⃑"/>
                         <m:ctrlPr>
                           <a:rPr lang="en-US" i="1">
                             <a:latin typeface="Cambria Math" panose="02040503050406030204" pitchFamily="18" charset="0"/>
                           </a:rPr>
                         </m:ctrlPr>
-                      </m:sSubPr>
+                      </m:accPr>
                       <m:e>
-                        <m:r>
-                          <a:rPr lang="en-US" i="1">
-                            <a:latin typeface="Cambria Math"/>
-                          </a:rPr>
-                          <m:t>𝑣</m:t>
-                        </m:r>
-                      </m:e>
-                      <m:sub>
-                        <m:r>
-                          <a:rPr lang="en-US" i="1">
-                            <a:latin typeface="Cambria Math" panose="02040503050406030204" pitchFamily="18" charset="0"/>
-                          </a:rPr>
-                          <m:t>𝑡𝐶𝑖</m:t>
-                        </m:r>
-                      </m:sub>
-                    </m:sSub>
-                  </m:oMath>
-                </a14:m>
-                <a:endParaRPr lang="en-US" dirty="0"/>
-              </a:p>
-              <a:p>
-                <a:pPr marL="914400" lvl="1" indent="-514350"/>
-                <a14:m>
-                  <m:oMath xmlns:m="http://schemas.openxmlformats.org/officeDocument/2006/math">
-                    <m:r>
-                      <a:rPr lang="en-US" i="1">
-                        <a:latin typeface="Cambria Math"/>
-                      </a:rPr>
-                      <m:t>𝑒</m:t>
-                    </m:r>
-                    <m:r>
-                      <a:rPr lang="en-US" i="1">
-                        <a:latin typeface="Cambria Math"/>
-                      </a:rPr>
-                      <m:t>=−</m:t>
-                    </m:r>
-                    <m:f>
-                      <m:fPr>
-                        <m:ctrlPr>
-                          <a:rPr lang="en-US" i="1">
-                            <a:latin typeface="Cambria Math" panose="02040503050406030204" pitchFamily="18" charset="0"/>
-                          </a:rPr>
-                        </m:ctrlPr>
-                      </m:fPr>
-                      <m:num>
                         <m:sSub>
                           <m:sSubPr>
                             <m:ctrlPr>
@@ -7484,29 +9732,51 @@
                           </m:sSubPr>
                           <m:e>
                             <m:r>
-                              <a:rPr lang="en-US" i="1">
+                              <m:rPr>
+                                <m:sty m:val="p"/>
+                              </m:rPr>
+                              <a:rPr lang="en-US">
                                 <a:latin typeface="Cambria Math"/>
                               </a:rPr>
-                              <m:t>𝑣</m:t>
+                              <m:t>v</m:t>
                             </m:r>
                           </m:e>
                           <m:sub>
                             <m:r>
-                              <a:rPr lang="en-US" i="1">
-                                <a:latin typeface="Cambria Math" panose="02040503050406030204" pitchFamily="18" charset="0"/>
-                              </a:rPr>
-                              <m:t>𝑛𝐴</m:t>
-                            </m:r>
-                            <m:r>
-                              <a:rPr lang="en-US" i="1">
+                              <m:rPr>
+                                <m:sty m:val="p"/>
+                              </m:rPr>
+                              <a:rPr lang="en-US">
                                 <a:latin typeface="Cambria Math"/>
                               </a:rPr>
-                              <m:t>𝑓</m:t>
+                              <m:t>f</m:t>
                             </m:r>
                           </m:sub>
                         </m:sSub>
-                      </m:num>
-                      <m:den>
+                      </m:e>
+                    </m:acc>
+                    <m:r>
+                      <a:rPr lang="en-US" i="1">
+                        <a:latin typeface="Cambria Math"/>
+                      </a:rPr>
+                      <m:t>−</m:t>
+                    </m:r>
+                    <m:r>
+                      <a:rPr lang="en-US" i="1">
+                        <a:latin typeface="Cambria Math"/>
+                      </a:rPr>
+                      <m:t>𝑚</m:t>
+                    </m:r>
+                    <m:acc>
+                      <m:accPr>
+                        <m:chr m:val="⃑"/>
+                        <m:ctrlPr>
+                          <a:rPr lang="en-US" i="1">
+                            <a:latin typeface="Cambria Math" panose="02040503050406030204" pitchFamily="18" charset="0"/>
+                          </a:rPr>
+                        </m:ctrlPr>
+                      </m:accPr>
+                      <m:e>
                         <m:sSub>
                           <m:sSubPr>
                             <m:ctrlPr>
@@ -7517,29 +9787,29 @@
                           </m:sSubPr>
                           <m:e>
                             <m:r>
-                              <a:rPr lang="en-US" i="1">
+                              <m:rPr>
+                                <m:sty m:val="p"/>
+                              </m:rPr>
+                              <a:rPr lang="en-US">
                                 <a:latin typeface="Cambria Math"/>
                               </a:rPr>
-                              <m:t>𝑣</m:t>
+                              <m:t>v</m:t>
                             </m:r>
                           </m:e>
                           <m:sub>
                             <m:r>
-                              <a:rPr lang="en-US" i="1">
+                              <m:rPr>
+                                <m:sty m:val="p"/>
+                              </m:rPr>
+                              <a:rPr lang="en-US">
                                 <a:latin typeface="Cambria Math" panose="02040503050406030204" pitchFamily="18" charset="0"/>
                               </a:rPr>
-                              <m:t>𝑛𝐴</m:t>
-                            </m:r>
-                            <m:r>
-                              <a:rPr lang="en-US" i="1">
-                                <a:latin typeface="Cambria Math"/>
-                              </a:rPr>
-                              <m:t>𝑖</m:t>
+                              <m:t>i</m:t>
                             </m:r>
                           </m:sub>
                         </m:sSub>
-                      </m:den>
-                    </m:f>
+                      </m:e>
+                    </m:acc>
                   </m:oMath>
                 </a14:m>
                 <a:endParaRPr lang="en-US" dirty="0"/>
@@ -7548,46 +9818,49 @@
                 <a:pPr marL="914400" lvl="1" indent="-514350"/>
                 <a14:m>
                   <m:oMath xmlns:m="http://schemas.openxmlformats.org/officeDocument/2006/math">
-                    <m:sSup>
-                      <m:sSupPr>
+                    <m:acc>
+                      <m:accPr>
+                        <m:chr m:val="⃑"/>
                         <m:ctrlPr>
                           <a:rPr lang="en-US" i="1">
                             <a:latin typeface="Cambria Math" panose="02040503050406030204" pitchFamily="18" charset="0"/>
                           </a:rPr>
                         </m:ctrlPr>
-                      </m:sSupPr>
+                      </m:accPr>
                       <m:e>
                         <m:r>
-                          <a:rPr lang="en-US" i="1">
-                            <a:latin typeface="Cambria Math"/>
+                          <m:rPr>
+                            <m:sty m:val="p"/>
+                          </m:rPr>
+                          <a:rPr lang="en-US">
+                            <a:latin typeface="Cambria Math" panose="02040503050406030204" pitchFamily="18" charset="0"/>
                           </a:rPr>
-                          <m:t>𝑒</m:t>
+                          <m:t>K</m:t>
                         </m:r>
                       </m:e>
-                      <m:sup>
-                        <m:r>
-                          <a:rPr lang="en-US" i="1">
-                            <a:latin typeface="Cambria Math" panose="02040503050406030204" pitchFamily="18" charset="0"/>
-                          </a:rPr>
-                          <m:t>2</m:t>
-                        </m:r>
-                      </m:sup>
-                    </m:sSup>
+                    </m:acc>
                     <m:r>
                       <a:rPr lang="en-US" i="1">
                         <a:latin typeface="Cambria Math"/>
                       </a:rPr>
                       <m:t>=</m:t>
                     </m:r>
-                    <m:f>
-                      <m:fPr>
+                    <m:r>
+                      <a:rPr lang="en-US" i="1">
+                        <a:latin typeface="Cambria Math" panose="02040503050406030204" pitchFamily="18" charset="0"/>
+                      </a:rPr>
+                      <m:t>𝐼</m:t>
+                    </m:r>
+                    <m:acc>
+                      <m:accPr>
+                        <m:chr m:val="⃑"/>
                         <m:ctrlPr>
                           <a:rPr lang="en-US" i="1">
                             <a:latin typeface="Cambria Math" panose="02040503050406030204" pitchFamily="18" charset="0"/>
                           </a:rPr>
                         </m:ctrlPr>
-                      </m:fPr>
-                      <m:num>
+                      </m:accPr>
+                      <m:e>
                         <m:sSub>
                           <m:sSubPr>
                             <m:ctrlPr>
@@ -7598,23 +9871,52 @@
                           </m:sSubPr>
                           <m:e>
                             <m:r>
-                              <a:rPr lang="en-US" i="1">
-                                <a:latin typeface="Cambria Math" panose="02040503050406030204" pitchFamily="18" charset="0"/>
+                              <m:rPr>
+                                <m:sty m:val="p"/>
+                              </m:rPr>
+                              <a:rPr lang="en-US">
+                                <a:latin typeface="Cambria Math"/>
+                                <a:ea typeface="Cambria Math" panose="02040503050406030204" pitchFamily="18" charset="0"/>
                               </a:rPr>
-                              <m:t>𝐾𝐸</m:t>
+                              <m:t>ω</m:t>
                             </m:r>
                           </m:e>
                           <m:sub>
                             <m:r>
-                              <a:rPr lang="en-US" i="1">
-                                <a:latin typeface="Cambria Math" panose="02040503050406030204" pitchFamily="18" charset="0"/>
+                              <m:rPr>
+                                <m:sty m:val="p"/>
+                              </m:rPr>
+                              <a:rPr lang="en-US">
+                                <a:latin typeface="Cambria Math"/>
                               </a:rPr>
-                              <m:t>𝑓</m:t>
+                              <m:t>f</m:t>
                             </m:r>
                           </m:sub>
                         </m:sSub>
-                      </m:num>
-                      <m:den>
+                      </m:e>
+                    </m:acc>
+                    <m:r>
+                      <a:rPr lang="en-US" i="1">
+                        <a:latin typeface="Cambria Math"/>
+                      </a:rPr>
+                      <m:t>−</m:t>
+                    </m:r>
+                    <m:r>
+                      <a:rPr lang="en-US" i="1">
+                        <a:latin typeface="Cambria Math" panose="02040503050406030204" pitchFamily="18" charset="0"/>
+                      </a:rPr>
+                      <m:t>𝐼</m:t>
+                    </m:r>
+                    <m:acc>
+                      <m:accPr>
+                        <m:chr m:val="⃑"/>
+                        <m:ctrlPr>
+                          <a:rPr lang="en-US" i="1">
+                            <a:latin typeface="Cambria Math" panose="02040503050406030204" pitchFamily="18" charset="0"/>
+                          </a:rPr>
+                        </m:ctrlPr>
+                      </m:accPr>
+                      <m:e>
                         <m:sSub>
                           <m:sSubPr>
                             <m:ctrlPr>
@@ -7625,23 +9927,30 @@
                           </m:sSubPr>
                           <m:e>
                             <m:r>
-                              <a:rPr lang="en-US" i="1">
-                                <a:latin typeface="Cambria Math" panose="02040503050406030204" pitchFamily="18" charset="0"/>
+                              <m:rPr>
+                                <m:sty m:val="p"/>
+                              </m:rPr>
+                              <a:rPr lang="en-US">
+                                <a:latin typeface="Cambria Math"/>
+                                <a:ea typeface="Cambria Math" panose="02040503050406030204" pitchFamily="18" charset="0"/>
                               </a:rPr>
-                              <m:t>𝐾𝐸</m:t>
+                              <m:t>ω</m:t>
                             </m:r>
                           </m:e>
                           <m:sub>
                             <m:r>
-                              <a:rPr lang="en-US" i="1">
+                              <m:rPr>
+                                <m:sty m:val="p"/>
+                              </m:rPr>
+                              <a:rPr lang="en-US">
                                 <a:latin typeface="Cambria Math" panose="02040503050406030204" pitchFamily="18" charset="0"/>
                               </a:rPr>
-                              <m:t>𝑖</m:t>
+                              <m:t>i</m:t>
                             </m:r>
                           </m:sub>
                         </m:sSub>
-                      </m:den>
-                    </m:f>
+                      </m:e>
+                    </m:acc>
                   </m:oMath>
                 </a14:m>
                 <a:endParaRPr lang="en-US" dirty="0"/>
@@ -7650,7 +9959,7 @@
                 <a:pPr marL="914400" lvl="1" indent="-514350"/>
                 <a:r>
                   <a:rPr lang="en-US" dirty="0"/>
-                  <a:t>Supplement with kinematics relationships as needed</a:t>
+                  <a:t>Split these equation into x and y components if appropriate</a:t>
                 </a:r>
               </a:p>
               <a:p>
@@ -7693,12 +10002,12 @@
             <p:spPr>
               <a:xfrm>
                 <a:off x="457200" y="1600200"/>
-                <a:ext cx="8229600" cy="4983162"/>
+                <a:ext cx="8229600" cy="4648200"/>
               </a:xfrm>
               <a:blipFill>
                 <a:blip r:embed="rId2"/>
                 <a:stretch>
-                  <a:fillRect l="-815" t="-1836" r="-1407"/>
+                  <a:fillRect l="-815" t="-1969" r="-296"/>
                 </a:stretch>
               </a:blipFill>
             </p:spPr>
@@ -7889,15 +10198,33 @@
                                   </p:childTnLst>
                                 </p:cTn>
                               </p:par>
+                            </p:childTnLst>
+                          </p:cTn>
+                        </p:par>
+                      </p:childTnLst>
+                    </p:cTn>
+                  </p:par>
+                  <p:par>
+                    <p:cTn id="15" fill="hold">
+                      <p:stCondLst>
+                        <p:cond delay="indefinite"/>
+                      </p:stCondLst>
+                      <p:childTnLst>
+                        <p:par>
+                          <p:cTn id="16" fill="hold">
+                            <p:stCondLst>
+                              <p:cond delay="0"/>
+                            </p:stCondLst>
+                            <p:childTnLst>
                               <p:par>
-                                <p:cTn id="15" presetID="1" presetClass="entr" presetSubtype="0" fill="hold" grpId="0" nodeType="withEffect">
+                                <p:cTn id="17" presetID="1" presetClass="entr" presetSubtype="0" fill="hold" grpId="0" nodeType="clickEffect">
                                   <p:stCondLst>
                                     <p:cond delay="0"/>
                                   </p:stCondLst>
                                   <p:childTnLst>
                                     <p:set>
                                       <p:cBhvr>
-                                        <p:cTn id="16" dur="1" fill="hold">
+                                        <p:cTn id="18" dur="1" fill="hold">
                                           <p:stCondLst>
                                             <p:cond delay="0"/>
                                           </p:stCondLst>
@@ -7920,26 +10247,8 @@
                                   </p:childTnLst>
                                 </p:cTn>
                               </p:par>
-                            </p:childTnLst>
-                          </p:cTn>
-                        </p:par>
-                      </p:childTnLst>
-                    </p:cTn>
-                  </p:par>
-                  <p:par>
-                    <p:cTn id="17" fill="hold">
-                      <p:stCondLst>
-                        <p:cond delay="indefinite"/>
-                      </p:stCondLst>
-                      <p:childTnLst>
-                        <p:par>
-                          <p:cTn id="18" fill="hold">
-                            <p:stCondLst>
-                              <p:cond delay="0"/>
-                            </p:stCondLst>
-                            <p:childTnLst>
                               <p:par>
-                                <p:cTn id="19" presetID="1" presetClass="entr" presetSubtype="0" fill="hold" grpId="0" nodeType="clickEffect">
+                                <p:cTn id="19" presetID="1" presetClass="entr" presetSubtype="0" fill="hold" grpId="0" nodeType="withEffect">
                                   <p:stCondLst>
                                     <p:cond delay="0"/>
                                   </p:stCondLst>
@@ -8031,39 +10340,26 @@
                                   </p:childTnLst>
                                 </p:cTn>
                               </p:par>
+                            </p:childTnLst>
+                          </p:cTn>
+                        </p:par>
+                      </p:childTnLst>
+                    </p:cTn>
+                  </p:par>
+                  <p:par>
+                    <p:cTn id="25" fill="hold">
+                      <p:stCondLst>
+                        <p:cond delay="indefinite"/>
+                      </p:stCondLst>
+                      <p:childTnLst>
+                        <p:par>
+                          <p:cTn id="26" fill="hold">
+                            <p:stCondLst>
+                              <p:cond delay="0"/>
+                            </p:stCondLst>
+                            <p:childTnLst>
                               <p:par>
-                                <p:cTn id="25" presetID="1" presetClass="entr" presetSubtype="0" fill="hold" grpId="0" nodeType="withEffect">
-                                  <p:stCondLst>
-                                    <p:cond delay="0"/>
-                                  </p:stCondLst>
-                                  <p:childTnLst>
-                                    <p:set>
-                                      <p:cBhvr>
-                                        <p:cTn id="26" dur="1" fill="hold">
-                                          <p:stCondLst>
-                                            <p:cond delay="0"/>
-                                          </p:stCondLst>
-                                        </p:cTn>
-                                        <p:tgtEl>
-                                          <p:spTgt spid="3">
-                                            <p:txEl>
-                                              <p:pRg st="8" end="8"/>
-                                            </p:txEl>
-                                          </p:spTgt>
-                                        </p:tgtEl>
-                                        <p:attrNameLst>
-                                          <p:attrName>style.visibility</p:attrName>
-                                        </p:attrNameLst>
-                                      </p:cBhvr>
-                                      <p:to>
-                                        <p:strVal val="visible"/>
-                                      </p:to>
-                                    </p:set>
-                                  </p:childTnLst>
-                                </p:cTn>
-                              </p:par>
-                              <p:par>
-                                <p:cTn id="27" presetID="1" presetClass="entr" presetSubtype="0" fill="hold" grpId="0" nodeType="withEffect">
+                                <p:cTn id="27" presetID="1" presetClass="entr" presetSubtype="0" fill="hold" grpId="0" nodeType="clickEffect">
                                   <p:stCondLst>
                                     <p:cond delay="0"/>
                                   </p:stCondLst>
@@ -8078,56 +10374,7 @@
                                         <p:tgtEl>
                                           <p:spTgt spid="3">
                                             <p:txEl>
-                                              <p:pRg st="9" end="9"/>
-                                            </p:txEl>
-                                          </p:spTgt>
-                                        </p:tgtEl>
-                                        <p:attrNameLst>
-                                          <p:attrName>style.visibility</p:attrName>
-                                        </p:attrNameLst>
-                                      </p:cBhvr>
-                                      <p:to>
-                                        <p:strVal val="visible"/>
-                                      </p:to>
-                                    </p:set>
-                                  </p:childTnLst>
-                                </p:cTn>
-                              </p:par>
-                            </p:childTnLst>
-                          </p:cTn>
-                        </p:par>
-                      </p:childTnLst>
-                    </p:cTn>
-                  </p:par>
-                  <p:par>
-                    <p:cTn id="29" fill="hold">
-                      <p:stCondLst>
-                        <p:cond delay="indefinite"/>
-                      </p:stCondLst>
-                      <p:childTnLst>
-                        <p:par>
-                          <p:cTn id="30" fill="hold">
-                            <p:stCondLst>
-                              <p:cond delay="0"/>
-                            </p:stCondLst>
-                            <p:childTnLst>
-                              <p:par>
-                                <p:cTn id="31" presetID="1" presetClass="entr" presetSubtype="0" fill="hold" grpId="0" nodeType="clickEffect">
-                                  <p:stCondLst>
-                                    <p:cond delay="0"/>
-                                  </p:stCondLst>
-                                  <p:childTnLst>
-                                    <p:set>
-                                      <p:cBhvr>
-                                        <p:cTn id="32" dur="1" fill="hold">
-                                          <p:stCondLst>
-                                            <p:cond delay="0"/>
-                                          </p:stCondLst>
-                                        </p:cTn>
-                                        <p:tgtEl>
-                                          <p:spTgt spid="3">
-                                            <p:txEl>
-                                              <p:pRg st="10" end="10"/>
+                                              <p:pRg st="8" end="8"/>
                                             </p:txEl>
                                           </p:spTgt>
                                         </p:tgtEl>
@@ -8170,9 +10417,83 @@
       </p:par>
     </p:tnLst>
     <p:bldLst>
-      <p:bldP spid="3" grpId="0" uiExpand="1" build="p"/>
+      <p:bldP spid="3" grpId="0" build="p"/>
     </p:bldLst>
   </p:timing>
+</p:sld>
+</file>
+
+<file path=ppt/slides/slide9.xml><?xml version="1.0" encoding="utf-8"?>
+<p:sld xmlns:a="http://schemas.openxmlformats.org/drawingml/2006/main" xmlns:r="http://schemas.openxmlformats.org/officeDocument/2006/relationships" xmlns:p="http://schemas.openxmlformats.org/presentationml/2006/main">
+  <p:cSld>
+    <p:spTree>
+      <p:nvGrpSpPr>
+        <p:cNvPr id="1" name=""/>
+        <p:cNvGrpSpPr/>
+        <p:nvPr/>
+      </p:nvGrpSpPr>
+      <p:grpSpPr>
+        <a:xfrm>
+          <a:off x="0" y="0"/>
+          <a:ext cx="0" cy="0"/>
+          <a:chOff x="0" y="0"/>
+          <a:chExt cx="0" cy="0"/>
+        </a:xfrm>
+      </p:grpSpPr>
+      <p:sp>
+        <p:nvSpPr>
+          <p:cNvPr id="2" name="Title 1"/>
+          <p:cNvSpPr>
+            <a:spLocks noGrp="1"/>
+          </p:cNvSpPr>
+          <p:nvPr>
+            <p:ph type="ctrTitle"/>
+          </p:nvPr>
+        </p:nvSpPr>
+        <p:spPr/>
+        <p:txBody>
+          <a:bodyPr/>
+          <a:lstStyle/>
+          <a:p>
+            <a:r>
+              <a:rPr lang="en-US" dirty="0"/>
+              <a:t>Thanks for Watching</a:t>
+            </a:r>
+          </a:p>
+        </p:txBody>
+      </p:sp>
+      <p:sp>
+        <p:nvSpPr>
+          <p:cNvPr id="3" name="Subtitle 2"/>
+          <p:cNvSpPr>
+            <a:spLocks noGrp="1"/>
+          </p:cNvSpPr>
+          <p:nvPr>
+            <p:ph type="subTitle" idx="1"/>
+          </p:nvPr>
+        </p:nvSpPr>
+        <p:spPr/>
+        <p:txBody>
+          <a:bodyPr/>
+          <a:lstStyle/>
+          <a:p>
+            <a:r>
+              <a:rPr lang="en-US" dirty="0"/>
+              <a:t>See other engineering mechanics videos and access the full tool at…</a:t>
+            </a:r>
+          </a:p>
+        </p:txBody>
+      </p:sp>
+    </p:spTree>
+    <p:extLst>
+      <p:ext uri="{BB962C8B-B14F-4D97-AF65-F5344CB8AC3E}">
+        <p14:creationId xmlns:p14="http://schemas.microsoft.com/office/powerpoint/2010/main" val="3129637585"/>
+      </p:ext>
+    </p:extLst>
+  </p:cSld>
+  <p:clrMapOvr>
+    <a:masterClrMapping/>
+  </p:clrMapOvr>
 </p:sld>
 </file>
 
@@ -8747,6 +11068,21 @@
 </file>
 
 <file path=customXml/item1.xml><?xml version="1.0" encoding="utf-8"?>
+<?mso-contentType ?>
+<FormTemplates xmlns="http://schemas.microsoft.com/sharepoint/v3/contenttype/forms">
+  <Display>DocumentLibraryForm</Display>
+  <Edit>DocumentLibraryForm</Edit>
+  <New>DocumentLibraryForm</New>
+</FormTemplates>
+</file>
+
+<file path=customXml/item2.xml><?xml version="1.0" encoding="utf-8"?>
+<p:properties xmlns:p="http://schemas.microsoft.com/office/2006/metadata/properties" xmlns:xsi="http://www.w3.org/2001/XMLSchema-instance" xmlns:pc="http://schemas.microsoft.com/office/infopath/2007/PartnerControls">
+  <documentManagement/>
+</p:properties>
+</file>
+
+<file path=customXml/item3.xml><?xml version="1.0" encoding="utf-8"?>
 <ct:contentTypeSchema xmlns:ct="http://schemas.microsoft.com/office/2006/metadata/contentType" xmlns:ma="http://schemas.microsoft.com/office/2006/metadata/properties/metaAttributes" ct:_="" ma:_="" ma:contentTypeName="Document" ma:contentTypeID="0x010100A06DF21F5BB2734A800ED30F3F452129" ma:contentTypeVersion="12" ma:contentTypeDescription="Create a new document." ma:contentTypeScope="" ma:versionID="544d96a5fbac5de9d5d902b535c73fb2">
   <xsd:schema xmlns:xsd="http://www.w3.org/2001/XMLSchema" xmlns:xs="http://www.w3.org/2001/XMLSchema" xmlns:p="http://schemas.microsoft.com/office/2006/metadata/properties" xmlns:ns3="90d05cb5-950f-4f68-bc2c-e17794455b92" xmlns:ns4="b4eab9fa-dbb0-4082-8491-8bd54207a265" targetNamespace="http://schemas.microsoft.com/office/2006/metadata/properties" ma:root="true" ma:fieldsID="7a710efc71c2169bf9c05e5a40dddf12" ns3:_="" ns4:_="">
     <xsd:import namespace="90d05cb5-950f-4f68-bc2c-e17794455b92"/>
@@ -8963,36 +11299,10 @@
 </ct:contentTypeSchema>
 </file>
 
-<file path=customXml/item2.xml><?xml version="1.0" encoding="utf-8"?>
-<p:properties xmlns:p="http://schemas.microsoft.com/office/2006/metadata/properties" xmlns:xsi="http://www.w3.org/2001/XMLSchema-instance" xmlns:pc="http://schemas.microsoft.com/office/infopath/2007/PartnerControls">
-  <documentManagement/>
-</p:properties>
-</file>
-
-<file path=customXml/item3.xml><?xml version="1.0" encoding="utf-8"?>
-<?mso-contentType ?>
-<FormTemplates xmlns="http://schemas.microsoft.com/sharepoint/v3/contenttype/forms">
-  <Display>DocumentLibraryForm</Display>
-  <Edit>DocumentLibraryForm</Edit>
-  <New>DocumentLibraryForm</New>
-</FormTemplates>
-</file>
-
 <file path=customXml/itemProps1.xml><?xml version="1.0" encoding="utf-8"?>
-<ds:datastoreItem xmlns:ds="http://schemas.openxmlformats.org/officeDocument/2006/customXml" ds:itemID="{A43B8A4B-79FE-4529-931C-D64224FA70E3}">
+<ds:datastoreItem xmlns:ds="http://schemas.openxmlformats.org/officeDocument/2006/customXml" ds:itemID="{F5CF5F32-56DC-4068-8B04-457CF34A96F3}">
   <ds:schemaRefs>
-    <ds:schemaRef ds:uri="http://schemas.microsoft.com/office/2006/metadata/contentType"/>
-    <ds:schemaRef ds:uri="http://schemas.microsoft.com/office/2006/metadata/properties/metaAttributes"/>
-    <ds:schemaRef ds:uri="http://www.w3.org/2001/XMLSchema"/>
-    <ds:schemaRef ds:uri="http://schemas.microsoft.com/office/2006/metadata/properties"/>
-    <ds:schemaRef ds:uri="90d05cb5-950f-4f68-bc2c-e17794455b92"/>
-    <ds:schemaRef ds:uri="b4eab9fa-dbb0-4082-8491-8bd54207a265"/>
-    <ds:schemaRef ds:uri="http://schemas.microsoft.com/office/2006/documentManagement/types"/>
-    <ds:schemaRef ds:uri="http://schemas.microsoft.com/office/infopath/2007/PartnerControls"/>
-    <ds:schemaRef ds:uri="http://schemas.openxmlformats.org/package/2006/metadata/core-properties"/>
-    <ds:schemaRef ds:uri="http://purl.org/dc/elements/1.1/"/>
-    <ds:schemaRef ds:uri="http://purl.org/dc/terms/"/>
-    <ds:schemaRef ds:uri="http://schemas.microsoft.com/internal/obd"/>
+    <ds:schemaRef ds:uri="http://schemas.microsoft.com/sharepoint/v3/contenttype/forms"/>
   </ds:schemaRefs>
 </ds:datastoreItem>
 </file>
@@ -9015,9 +11325,20 @@
 </file>
 
 <file path=customXml/itemProps3.xml><?xml version="1.0" encoding="utf-8"?>
-<ds:datastoreItem xmlns:ds="http://schemas.openxmlformats.org/officeDocument/2006/customXml" ds:itemID="{F5CF5F32-56DC-4068-8B04-457CF34A96F3}">
+<ds:datastoreItem xmlns:ds="http://schemas.openxmlformats.org/officeDocument/2006/customXml" ds:itemID="{A43B8A4B-79FE-4529-931C-D64224FA70E3}">
   <ds:schemaRefs>
-    <ds:schemaRef ds:uri="http://schemas.microsoft.com/sharepoint/v3/contenttype/forms"/>
+    <ds:schemaRef ds:uri="http://schemas.microsoft.com/office/2006/metadata/contentType"/>
+    <ds:schemaRef ds:uri="http://schemas.microsoft.com/office/2006/metadata/properties/metaAttributes"/>
+    <ds:schemaRef ds:uri="http://www.w3.org/2001/XMLSchema"/>
+    <ds:schemaRef ds:uri="http://schemas.microsoft.com/office/2006/metadata/properties"/>
+    <ds:schemaRef ds:uri="90d05cb5-950f-4f68-bc2c-e17794455b92"/>
+    <ds:schemaRef ds:uri="b4eab9fa-dbb0-4082-8491-8bd54207a265"/>
+    <ds:schemaRef ds:uri="http://schemas.microsoft.com/office/2006/documentManagement/types"/>
+    <ds:schemaRef ds:uri="http://schemas.microsoft.com/office/infopath/2007/PartnerControls"/>
+    <ds:schemaRef ds:uri="http://schemas.openxmlformats.org/package/2006/metadata/core-properties"/>
+    <ds:schemaRef ds:uri="http://purl.org/dc/elements/1.1/"/>
+    <ds:schemaRef ds:uri="http://purl.org/dc/terms/"/>
+    <ds:schemaRef ds:uri="http://schemas.microsoft.com/internal/obd"/>
   </ds:schemaRefs>
 </ds:datastoreItem>
 </file>
--- a/Lecture Slides/VideoLectureSlides/15.2.pptx
+++ b/Lecture Slides/VideoLectureSlides/15.2.pptx
@@ -9,13 +9,13 @@
   </p:notesMasterIdLst>
   <p:sldIdLst>
     <p:sldId id="256" r:id="rId5"/>
-    <p:sldId id="289" r:id="rId6"/>
-    <p:sldId id="258" r:id="rId7"/>
-    <p:sldId id="259" r:id="rId8"/>
-    <p:sldId id="288" r:id="rId9"/>
-    <p:sldId id="291" r:id="rId10"/>
-    <p:sldId id="292" r:id="rId11"/>
-    <p:sldId id="268" r:id="rId12"/>
+    <p:sldId id="258" r:id="rId6"/>
+    <p:sldId id="291" r:id="rId7"/>
+    <p:sldId id="292" r:id="rId8"/>
+    <p:sldId id="297" r:id="rId9"/>
+    <p:sldId id="298" r:id="rId10"/>
+    <p:sldId id="299" r:id="rId11"/>
+    <p:sldId id="300" r:id="rId12"/>
     <p:sldId id="287" r:id="rId13"/>
     <p:sldId id="263" r:id="rId14"/>
     <p:sldId id="290" r:id="rId15"/>
@@ -236,7 +236,7 @@
           <a:p>
             <a:fld id="{1AA1AB63-216F-4D5B-8811-CCB935E98D4A}" type="datetimeFigureOut">
               <a:rPr lang="en-US" smtClean="0"/>
-              <a:t>1/13/2022</a:t>
+              <a:t>8/2/2023</a:t>
             </a:fld>
             <a:endParaRPr lang="en-US" dirty="0"/>
           </a:p>
@@ -568,7 +568,7 @@
           <a:p>
             <a:fld id="{D071503E-B3EF-424C-B3CC-B319B8E34A61}" type="slidenum">
               <a:rPr lang="en-US" smtClean="0"/>
-              <a:t>3</a:t>
+              <a:t>2</a:t>
             </a:fld>
             <a:endParaRPr lang="en-US"/>
           </a:p>
@@ -3770,7 +3770,7 @@
           <a:p>
             <a:r>
               <a:rPr lang="en-US" dirty="0"/>
-              <a:t>Impulse and Momentum in a Rigid Body</a:t>
+              <a:t>The Impulse-Momentum Theorem for a Rigid Body</a:t>
             </a:r>
           </a:p>
         </p:txBody>
@@ -5030,294 +5030,6 @@
       </p:grpSpPr>
       <p:sp>
         <p:nvSpPr>
-          <p:cNvPr id="2" name="Title 1">
-            <a:extLst>
-              <a:ext uri="{FF2B5EF4-FFF2-40B4-BE49-F238E27FC236}">
-                <a16:creationId xmlns:a16="http://schemas.microsoft.com/office/drawing/2014/main" id="{C3A7749E-9DE0-44FD-92FB-45568F6696AA}"/>
-              </a:ext>
-            </a:extLst>
-          </p:cNvPr>
-          <p:cNvSpPr>
-            <a:spLocks noGrp="1"/>
-          </p:cNvSpPr>
-          <p:nvPr>
-            <p:ph type="title"/>
-          </p:nvPr>
-        </p:nvSpPr>
-        <p:spPr/>
-        <p:txBody>
-          <a:bodyPr>
-            <a:normAutofit fontScale="90000"/>
-          </a:bodyPr>
-          <a:lstStyle/>
-          <a:p>
-            <a:r>
-              <a:rPr lang="en-US" dirty="0"/>
-              <a:t>Impulse and Momentum in Rigid Bodies</a:t>
-            </a:r>
-          </a:p>
-        </p:txBody>
-      </p:sp>
-      <p:sp>
-        <p:nvSpPr>
-          <p:cNvPr id="3" name="Content Placeholder 2">
-            <a:extLst>
-              <a:ext uri="{FF2B5EF4-FFF2-40B4-BE49-F238E27FC236}">
-                <a16:creationId xmlns:a16="http://schemas.microsoft.com/office/drawing/2014/main" id="{308F3357-B50C-4F83-9527-D0342C786E36}"/>
-              </a:ext>
-            </a:extLst>
-          </p:cNvPr>
-          <p:cNvSpPr>
-            <a:spLocks noGrp="1"/>
-          </p:cNvSpPr>
-          <p:nvPr>
-            <p:ph idx="1"/>
-          </p:nvPr>
-        </p:nvSpPr>
-        <p:spPr/>
-        <p:txBody>
-          <a:bodyPr>
-            <a:normAutofit fontScale="92500" lnSpcReduction="10000"/>
-          </a:bodyPr>
-          <a:lstStyle/>
-          <a:p>
-            <a:r>
-              <a:rPr lang="en-US" dirty="0"/>
-              <a:t>As we have seen before, when we move from particle systems to rigid body systems, we will need to not only deal with forces, positions, velocities, and accelerations, but we will also need to deal with </a:t>
-            </a:r>
-            <a:r>
-              <a:rPr lang="en-US" b="1" dirty="0"/>
-              <a:t>moments</a:t>
-            </a:r>
-            <a:r>
-              <a:rPr lang="en-US" dirty="0"/>
-              <a:t>, </a:t>
-            </a:r>
-            <a:r>
-              <a:rPr lang="en-US" b="1" dirty="0"/>
-              <a:t>orientations</a:t>
-            </a:r>
-            <a:r>
-              <a:rPr lang="en-US" dirty="0"/>
-              <a:t>, </a:t>
-            </a:r>
-            <a:r>
-              <a:rPr lang="en-US" b="1" dirty="0"/>
-              <a:t>angular velocities</a:t>
-            </a:r>
-            <a:r>
-              <a:rPr lang="en-US" dirty="0"/>
-              <a:t>, and </a:t>
-            </a:r>
-            <a:r>
-              <a:rPr lang="en-US" b="1" dirty="0"/>
-              <a:t>angular accelerations</a:t>
-            </a:r>
-            <a:r>
-              <a:rPr lang="en-US" dirty="0"/>
-              <a:t>.</a:t>
-            </a:r>
-          </a:p>
-          <a:p>
-            <a:r>
-              <a:rPr lang="en-US" dirty="0"/>
-              <a:t>This remains the case with impulse-momentum methods, where we will add a rotational counterpart to the translational impulse-momentum equation.</a:t>
-            </a:r>
-          </a:p>
-        </p:txBody>
-      </p:sp>
-      <p:sp>
-        <p:nvSpPr>
-          <p:cNvPr id="4" name="Slide Number Placeholder 3">
-            <a:extLst>
-              <a:ext uri="{FF2B5EF4-FFF2-40B4-BE49-F238E27FC236}">
-                <a16:creationId xmlns:a16="http://schemas.microsoft.com/office/drawing/2014/main" id="{B3AC83B9-9030-4DAF-AF20-9C7D7F2EE7EF}"/>
-              </a:ext>
-            </a:extLst>
-          </p:cNvPr>
-          <p:cNvSpPr>
-            <a:spLocks noGrp="1"/>
-          </p:cNvSpPr>
-          <p:nvPr>
-            <p:ph type="sldNum" sz="quarter" idx="12"/>
-          </p:nvPr>
-        </p:nvSpPr>
-        <p:spPr/>
-        <p:txBody>
-          <a:bodyPr/>
-          <a:lstStyle/>
-          <a:p>
-            <a:fld id="{929262FE-7F58-4A1E-8AF3-5A510A86DEBD}" type="slidenum">
-              <a:rPr lang="en-US" smtClean="0"/>
-              <a:t>2</a:t>
-            </a:fld>
-            <a:endParaRPr lang="en-US" dirty="0"/>
-          </a:p>
-        </p:txBody>
-      </p:sp>
-    </p:spTree>
-    <p:extLst>
-      <p:ext uri="{BB962C8B-B14F-4D97-AF65-F5344CB8AC3E}">
-        <p14:creationId xmlns:p14="http://schemas.microsoft.com/office/powerpoint/2010/main" val="1487882374"/>
-      </p:ext>
-    </p:extLst>
-  </p:cSld>
-  <p:clrMapOvr>
-    <a:masterClrMapping/>
-  </p:clrMapOvr>
-  <p:timing>
-    <p:tnLst>
-      <p:par>
-        <p:cTn id="1" dur="indefinite" restart="never" nodeType="tmRoot">
-          <p:childTnLst>
-            <p:seq concurrent="1" nextAc="seek">
-              <p:cTn id="2" dur="indefinite" nodeType="mainSeq">
-                <p:childTnLst>
-                  <p:par>
-                    <p:cTn id="3" fill="hold">
-                      <p:stCondLst>
-                        <p:cond delay="indefinite"/>
-                      </p:stCondLst>
-                      <p:childTnLst>
-                        <p:par>
-                          <p:cTn id="4" fill="hold">
-                            <p:stCondLst>
-                              <p:cond delay="0"/>
-                            </p:stCondLst>
-                            <p:childTnLst>
-                              <p:par>
-                                <p:cTn id="5" presetID="1" presetClass="entr" presetSubtype="0" fill="hold" grpId="0" nodeType="clickEffect">
-                                  <p:stCondLst>
-                                    <p:cond delay="0"/>
-                                  </p:stCondLst>
-                                  <p:childTnLst>
-                                    <p:set>
-                                      <p:cBhvr>
-                                        <p:cTn id="6" dur="1" fill="hold">
-                                          <p:stCondLst>
-                                            <p:cond delay="0"/>
-                                          </p:stCondLst>
-                                        </p:cTn>
-                                        <p:tgtEl>
-                                          <p:spTgt spid="3">
-                                            <p:txEl>
-                                              <p:pRg st="0" end="0"/>
-                                            </p:txEl>
-                                          </p:spTgt>
-                                        </p:tgtEl>
-                                        <p:attrNameLst>
-                                          <p:attrName>style.visibility</p:attrName>
-                                        </p:attrNameLst>
-                                      </p:cBhvr>
-                                      <p:to>
-                                        <p:strVal val="visible"/>
-                                      </p:to>
-                                    </p:set>
-                                  </p:childTnLst>
-                                </p:cTn>
-                              </p:par>
-                            </p:childTnLst>
-                          </p:cTn>
-                        </p:par>
-                      </p:childTnLst>
-                    </p:cTn>
-                  </p:par>
-                  <p:par>
-                    <p:cTn id="7" fill="hold">
-                      <p:stCondLst>
-                        <p:cond delay="indefinite"/>
-                      </p:stCondLst>
-                      <p:childTnLst>
-                        <p:par>
-                          <p:cTn id="8" fill="hold">
-                            <p:stCondLst>
-                              <p:cond delay="0"/>
-                            </p:stCondLst>
-                            <p:childTnLst>
-                              <p:par>
-                                <p:cTn id="9" presetID="1" presetClass="entr" presetSubtype="0" fill="hold" grpId="0" nodeType="clickEffect">
-                                  <p:stCondLst>
-                                    <p:cond delay="0"/>
-                                  </p:stCondLst>
-                                  <p:childTnLst>
-                                    <p:set>
-                                      <p:cBhvr>
-                                        <p:cTn id="10" dur="1" fill="hold">
-                                          <p:stCondLst>
-                                            <p:cond delay="0"/>
-                                          </p:stCondLst>
-                                        </p:cTn>
-                                        <p:tgtEl>
-                                          <p:spTgt spid="3">
-                                            <p:txEl>
-                                              <p:pRg st="1" end="1"/>
-                                            </p:txEl>
-                                          </p:spTgt>
-                                        </p:tgtEl>
-                                        <p:attrNameLst>
-                                          <p:attrName>style.visibility</p:attrName>
-                                        </p:attrNameLst>
-                                      </p:cBhvr>
-                                      <p:to>
-                                        <p:strVal val="visible"/>
-                                      </p:to>
-                                    </p:set>
-                                  </p:childTnLst>
-                                </p:cTn>
-                              </p:par>
-                            </p:childTnLst>
-                          </p:cTn>
-                        </p:par>
-                      </p:childTnLst>
-                    </p:cTn>
-                  </p:par>
-                </p:childTnLst>
-              </p:cTn>
-              <p:prevCondLst>
-                <p:cond evt="onPrev" delay="0">
-                  <p:tgtEl>
-                    <p:sldTgt/>
-                  </p:tgtEl>
-                </p:cond>
-              </p:prevCondLst>
-              <p:nextCondLst>
-                <p:cond evt="onNext" delay="0">
-                  <p:tgtEl>
-                    <p:sldTgt/>
-                  </p:tgtEl>
-                </p:cond>
-              </p:nextCondLst>
-            </p:seq>
-          </p:childTnLst>
-        </p:cTn>
-      </p:par>
-    </p:tnLst>
-    <p:bldLst>
-      <p:bldP spid="3" grpId="0" build="p"/>
-    </p:bldLst>
-  </p:timing>
-</p:sld>
-</file>
-
-<file path=ppt/slides/slide3.xml><?xml version="1.0" encoding="utf-8"?>
-<p:sld xmlns:a="http://schemas.openxmlformats.org/drawingml/2006/main" xmlns:r="http://schemas.openxmlformats.org/officeDocument/2006/relationships" xmlns:p="http://schemas.openxmlformats.org/presentationml/2006/main">
-  <p:cSld>
-    <p:spTree>
-      <p:nvGrpSpPr>
-        <p:cNvPr id="1" name=""/>
-        <p:cNvGrpSpPr/>
-        <p:nvPr/>
-      </p:nvGrpSpPr>
-      <p:grpSpPr>
-        <a:xfrm>
-          <a:off x="0" y="0"/>
-          <a:ext cx="0" cy="0"/>
-          <a:chOff x="0" y="0"/>
-          <a:chExt cx="0" cy="0"/>
-        </a:xfrm>
-      </p:grpSpPr>
-      <p:sp>
-        <p:nvSpPr>
           <p:cNvPr id="2" name="Title 1"/>
           <p:cNvSpPr>
             <a:spLocks noGrp="1"/>
@@ -5340,8 +5052,8 @@
           </a:p>
         </p:txBody>
       </p:sp>
-      <mc:AlternateContent xmlns:mc="http://schemas.openxmlformats.org/markup-compatibility/2006" xmlns:a14="http://schemas.microsoft.com/office/drawing/2010/main">
-        <mc:Choice Requires="a14">
+      <mc:AlternateContent xmlns:mc="http://schemas.openxmlformats.org/markup-compatibility/2006">
+        <mc:Choice xmlns:a14="http://schemas.microsoft.com/office/drawing/2010/main" Requires="a14">
           <p:sp>
             <p:nvSpPr>
               <p:cNvPr id="3" name="Content Placeholder 2"/>
@@ -5352,14 +5064,27 @@
                 <p:ph idx="1"/>
               </p:nvPr>
             </p:nvSpPr>
-            <p:spPr/>
+            <p:spPr>
+              <a:xfrm>
+                <a:off x="457200" y="1600200"/>
+                <a:ext cx="8229600" cy="4138394"/>
+              </a:xfrm>
+            </p:spPr>
             <p:txBody>
-              <a:bodyPr/>
+              <a:bodyPr>
+                <a:normAutofit fontScale="85000" lnSpcReduction="20000"/>
+              </a:bodyPr>
               <a:lstStyle/>
               <a:p>
                 <a:r>
                   <a:rPr lang="en-US" dirty="0"/>
-                  <a:t>Moving from a particle to a rigid body, we can expand our impulse-momentum equations.</a:t>
+                  <a:t>The Impulse Momentum Theorem states that the impulse exerted on a body will be equal to the change in momentum of that body.</a:t>
+                </a:r>
+              </a:p>
+              <a:p>
+                <a:r>
+                  <a:rPr lang="en-US" dirty="0"/>
+                  <a:t>This applies to both the linear and angular versions of these terms.</a:t>
                 </a:r>
               </a:p>
               <a:p>
@@ -5683,7 +5408,7 @@
             </p:txBody>
           </p:sp>
         </mc:Choice>
-        <mc:Fallback xmlns="">
+        <mc:Fallback>
           <p:sp>
             <p:nvSpPr>
               <p:cNvPr id="3" name="Content Placeholder 2"/>
@@ -5695,10 +5420,14 @@
               </p:nvPr>
             </p:nvSpPr>
             <p:spPr>
+              <a:xfrm>
+                <a:off x="457200" y="1600200"/>
+                <a:ext cx="8229600" cy="4138394"/>
+              </a:xfrm>
               <a:blipFill>
                 <a:blip r:embed="rId3"/>
                 <a:stretch>
-                  <a:fillRect l="-1704" t="-1752" r="-1185"/>
+                  <a:fillRect l="-1259" t="-3097"/>
                 </a:stretch>
               </a:blipFill>
             </p:spPr>
@@ -5734,7 +5463,7 @@
           <a:p>
             <a:fld id="{929262FE-7F58-4A1E-8AF3-5A510A86DEBD}" type="slidenum">
               <a:rPr lang="en-US" smtClean="0"/>
-              <a:t>3</a:t>
+              <a:t>2</a:t>
             </a:fld>
             <a:endParaRPr lang="en-US"/>
           </a:p>
@@ -5748,8 +5477,8 @@
         </p:nvSpPr>
         <p:spPr>
           <a:xfrm>
-            <a:off x="2590800" y="3657600"/>
-            <a:ext cx="928459" cy="369332"/>
+            <a:off x="2667000" y="4178328"/>
+            <a:ext cx="1066799" cy="646331"/>
           </a:xfrm>
           <a:prstGeom prst="rect">
             <a:avLst/>
@@ -5757,14 +5486,14 @@
           <a:noFill/>
         </p:spPr>
         <p:txBody>
-          <a:bodyPr wrap="none" rtlCol="0">
+          <a:bodyPr wrap="square" rtlCol="0">
             <a:spAutoFit/>
           </a:bodyPr>
           <a:lstStyle/>
           <a:p>
             <a:r>
               <a:rPr lang="en-US" dirty="0"/>
-              <a:t>Impulse</a:t>
+              <a:t>Linear Impulse</a:t>
             </a:r>
           </a:p>
         </p:txBody>
@@ -5777,7 +5506,7 @@
         </p:nvSpPr>
         <p:spPr>
           <a:xfrm>
-            <a:off x="5229225" y="3697069"/>
+            <a:off x="5229224" y="4143346"/>
             <a:ext cx="1371600" cy="646331"/>
           </a:xfrm>
           <a:prstGeom prst="rect">
@@ -5794,7 +5523,7 @@
             <a:pPr algn="ctr"/>
             <a:r>
               <a:rPr lang="en-US" dirty="0"/>
-              <a:t>Initial Momentum</a:t>
+              <a:t>Initial Linear Momentum</a:t>
             </a:r>
           </a:p>
         </p:txBody>
@@ -5807,7 +5536,7 @@
         </p:nvSpPr>
         <p:spPr>
           <a:xfrm>
-            <a:off x="3638550" y="3849469"/>
+            <a:off x="3686171" y="4282909"/>
             <a:ext cx="1371600" cy="646331"/>
           </a:xfrm>
           <a:prstGeom prst="rect">
@@ -5824,7 +5553,7 @@
             <a:pPr algn="ctr"/>
             <a:r>
               <a:rPr lang="en-US" dirty="0"/>
-              <a:t>Final  Momentum</a:t>
+              <a:t>Final Linear Momentum</a:t>
             </a:r>
           </a:p>
         </p:txBody>
@@ -5839,7 +5568,7 @@
         </p:nvCxnSpPr>
         <p:spPr>
           <a:xfrm flipV="1">
-            <a:off x="3200400" y="3276600"/>
+            <a:off x="3309940" y="3934319"/>
             <a:ext cx="152400" cy="228600"/>
           </a:xfrm>
           <a:prstGeom prst="straightConnector1">
@@ -5874,8 +5603,8 @@
         </p:nvCxnSpPr>
         <p:spPr>
           <a:xfrm flipV="1">
-            <a:off x="4324350" y="3321883"/>
-            <a:ext cx="0" cy="480553"/>
+            <a:off x="4371971" y="3853050"/>
+            <a:ext cx="0" cy="335717"/>
           </a:xfrm>
           <a:prstGeom prst="straightConnector1">
             <a:avLst/>
@@ -5909,8 +5638,8 @@
         </p:nvCxnSpPr>
         <p:spPr>
           <a:xfrm flipH="1" flipV="1">
-            <a:off x="5610225" y="3312358"/>
-            <a:ext cx="180977" cy="345242"/>
+            <a:off x="5372099" y="3919835"/>
+            <a:ext cx="180976" cy="202149"/>
           </a:xfrm>
           <a:prstGeom prst="straightConnector1">
             <a:avLst/>
@@ -5948,7 +5677,7 @@
         </p:nvSpPr>
         <p:spPr>
           <a:xfrm>
-            <a:off x="2590800" y="5867400"/>
+            <a:off x="2681518" y="5759585"/>
             <a:ext cx="928459" cy="646331"/>
           </a:xfrm>
           <a:prstGeom prst="rect">
@@ -5989,7 +5718,7 @@
         </p:nvSpPr>
         <p:spPr>
           <a:xfrm>
-            <a:off x="5229224" y="5906869"/>
+            <a:off x="5229224" y="5819751"/>
             <a:ext cx="1552563" cy="646331"/>
           </a:xfrm>
           <a:prstGeom prst="rect">
@@ -6025,7 +5754,7 @@
         </p:nvSpPr>
         <p:spPr>
           <a:xfrm>
-            <a:off x="3638549" y="6059269"/>
+            <a:off x="3690945" y="5946556"/>
             <a:ext cx="1466845" cy="646331"/>
           </a:xfrm>
           <a:prstGeom prst="rect">
@@ -6063,7 +5792,7 @@
         </p:nvCxnSpPr>
         <p:spPr>
           <a:xfrm flipV="1">
-            <a:off x="3200400" y="5486400"/>
+            <a:off x="3328990" y="5491981"/>
             <a:ext cx="152400" cy="228600"/>
           </a:xfrm>
           <a:prstGeom prst="straightConnector1">
@@ -6104,8 +5833,8 @@
         </p:nvCxnSpPr>
         <p:spPr>
           <a:xfrm flipV="1">
-            <a:off x="4324350" y="5531683"/>
-            <a:ext cx="0" cy="480553"/>
+            <a:off x="4419600" y="5590004"/>
+            <a:ext cx="0" cy="317457"/>
           </a:xfrm>
           <a:prstGeom prst="straightConnector1">
             <a:avLst/>
@@ -6145,8 +5874,8 @@
         </p:nvCxnSpPr>
         <p:spPr>
           <a:xfrm flipH="1" flipV="1">
-            <a:off x="5610225" y="5522158"/>
-            <a:ext cx="180977" cy="345242"/>
+            <a:off x="5600701" y="5586060"/>
+            <a:ext cx="238127" cy="217289"/>
           </a:xfrm>
           <a:prstGeom prst="straightConnector1">
             <a:avLst/>
@@ -6174,982 +5903,6 @@
     <p:extLst>
       <p:ext uri="{BB962C8B-B14F-4D97-AF65-F5344CB8AC3E}">
         <p14:creationId xmlns:p14="http://schemas.microsoft.com/office/powerpoint/2010/main" val="1891480324"/>
-      </p:ext>
-    </p:extLst>
-  </p:cSld>
-  <p:clrMapOvr>
-    <a:masterClrMapping/>
-  </p:clrMapOvr>
-  <p:timing>
-    <p:tnLst>
-      <p:par>
-        <p:cTn id="1" dur="indefinite" restart="never" nodeType="tmRoot">
-          <p:childTnLst>
-            <p:seq concurrent="1" nextAc="seek">
-              <p:cTn id="2" dur="indefinite" nodeType="mainSeq">
-                <p:childTnLst>
-                  <p:par>
-                    <p:cTn id="3" fill="hold">
-                      <p:stCondLst>
-                        <p:cond delay="indefinite"/>
-                      </p:stCondLst>
-                      <p:childTnLst>
-                        <p:par>
-                          <p:cTn id="4" fill="hold">
-                            <p:stCondLst>
-                              <p:cond delay="0"/>
-                            </p:stCondLst>
-                            <p:childTnLst>
-                              <p:par>
-                                <p:cTn id="5" presetID="1" presetClass="entr" presetSubtype="0" fill="hold" grpId="0" nodeType="clickEffect">
-                                  <p:stCondLst>
-                                    <p:cond delay="0"/>
-                                  </p:stCondLst>
-                                  <p:childTnLst>
-                                    <p:set>
-                                      <p:cBhvr>
-                                        <p:cTn id="6" dur="1" fill="hold">
-                                          <p:stCondLst>
-                                            <p:cond delay="0"/>
-                                          </p:stCondLst>
-                                        </p:cTn>
-                                        <p:tgtEl>
-                                          <p:spTgt spid="3">
-                                            <p:txEl>
-                                              <p:pRg st="0" end="0"/>
-                                            </p:txEl>
-                                          </p:spTgt>
-                                        </p:tgtEl>
-                                        <p:attrNameLst>
-                                          <p:attrName>style.visibility</p:attrName>
-                                        </p:attrNameLst>
-                                      </p:cBhvr>
-                                      <p:to>
-                                        <p:strVal val="visible"/>
-                                      </p:to>
-                                    </p:set>
-                                  </p:childTnLst>
-                                </p:cTn>
-                              </p:par>
-                            </p:childTnLst>
-                          </p:cTn>
-                        </p:par>
-                      </p:childTnLst>
-                    </p:cTn>
-                  </p:par>
-                  <p:par>
-                    <p:cTn id="7" fill="hold">
-                      <p:stCondLst>
-                        <p:cond delay="indefinite"/>
-                      </p:stCondLst>
-                      <p:childTnLst>
-                        <p:par>
-                          <p:cTn id="8" fill="hold">
-                            <p:stCondLst>
-                              <p:cond delay="0"/>
-                            </p:stCondLst>
-                            <p:childTnLst>
-                              <p:par>
-                                <p:cTn id="9" presetID="1" presetClass="entr" presetSubtype="0" fill="hold" grpId="0" nodeType="clickEffect">
-                                  <p:stCondLst>
-                                    <p:cond delay="0"/>
-                                  </p:stCondLst>
-                                  <p:childTnLst>
-                                    <p:set>
-                                      <p:cBhvr>
-                                        <p:cTn id="10" dur="1" fill="hold">
-                                          <p:stCondLst>
-                                            <p:cond delay="0"/>
-                                          </p:stCondLst>
-                                        </p:cTn>
-                                        <p:tgtEl>
-                                          <p:spTgt spid="3">
-                                            <p:txEl>
-                                              <p:pRg st="1" end="1"/>
-                                            </p:txEl>
-                                          </p:spTgt>
-                                        </p:tgtEl>
-                                        <p:attrNameLst>
-                                          <p:attrName>style.visibility</p:attrName>
-                                        </p:attrNameLst>
-                                      </p:cBhvr>
-                                      <p:to>
-                                        <p:strVal val="visible"/>
-                                      </p:to>
-                                    </p:set>
-                                  </p:childTnLst>
-                                </p:cTn>
-                              </p:par>
-                            </p:childTnLst>
-                          </p:cTn>
-                        </p:par>
-                      </p:childTnLst>
-                    </p:cTn>
-                  </p:par>
-                  <p:par>
-                    <p:cTn id="11" fill="hold">
-                      <p:stCondLst>
-                        <p:cond delay="indefinite"/>
-                      </p:stCondLst>
-                      <p:childTnLst>
-                        <p:par>
-                          <p:cTn id="12" fill="hold">
-                            <p:stCondLst>
-                              <p:cond delay="0"/>
-                            </p:stCondLst>
-                            <p:childTnLst>
-                              <p:par>
-                                <p:cTn id="13" presetID="1" presetClass="entr" presetSubtype="0" fill="hold" nodeType="clickEffect">
-                                  <p:stCondLst>
-                                    <p:cond delay="0"/>
-                                  </p:stCondLst>
-                                  <p:childTnLst>
-                                    <p:set>
-                                      <p:cBhvr>
-                                        <p:cTn id="14" dur="1" fill="hold">
-                                          <p:stCondLst>
-                                            <p:cond delay="0"/>
-                                          </p:stCondLst>
-                                        </p:cTn>
-                                        <p:tgtEl>
-                                          <p:spTgt spid="9"/>
-                                        </p:tgtEl>
-                                        <p:attrNameLst>
-                                          <p:attrName>style.visibility</p:attrName>
-                                        </p:attrNameLst>
-                                      </p:cBhvr>
-                                      <p:to>
-                                        <p:strVal val="visible"/>
-                                      </p:to>
-                                    </p:set>
-                                  </p:childTnLst>
-                                </p:cTn>
-                              </p:par>
-                              <p:par>
-                                <p:cTn id="15" presetID="1" presetClass="entr" presetSubtype="0" fill="hold" grpId="0" nodeType="withEffect">
-                                  <p:stCondLst>
-                                    <p:cond delay="0"/>
-                                  </p:stCondLst>
-                                  <p:childTnLst>
-                                    <p:set>
-                                      <p:cBhvr>
-                                        <p:cTn id="16" dur="1" fill="hold">
-                                          <p:stCondLst>
-                                            <p:cond delay="0"/>
-                                          </p:stCondLst>
-                                        </p:cTn>
-                                        <p:tgtEl>
-                                          <p:spTgt spid="5"/>
-                                        </p:tgtEl>
-                                        <p:attrNameLst>
-                                          <p:attrName>style.visibility</p:attrName>
-                                        </p:attrNameLst>
-                                      </p:cBhvr>
-                                      <p:to>
-                                        <p:strVal val="visible"/>
-                                      </p:to>
-                                    </p:set>
-                                  </p:childTnLst>
-                                </p:cTn>
-                              </p:par>
-                            </p:childTnLst>
-                          </p:cTn>
-                        </p:par>
-                      </p:childTnLst>
-                    </p:cTn>
-                  </p:par>
-                  <p:par>
-                    <p:cTn id="17" fill="hold">
-                      <p:stCondLst>
-                        <p:cond delay="indefinite"/>
-                      </p:stCondLst>
-                      <p:childTnLst>
-                        <p:par>
-                          <p:cTn id="18" fill="hold">
-                            <p:stCondLst>
-                              <p:cond delay="0"/>
-                            </p:stCondLst>
-                            <p:childTnLst>
-                              <p:par>
-                                <p:cTn id="19" presetID="1" presetClass="entr" presetSubtype="0" fill="hold" nodeType="clickEffect">
-                                  <p:stCondLst>
-                                    <p:cond delay="0"/>
-                                  </p:stCondLst>
-                                  <p:childTnLst>
-                                    <p:set>
-                                      <p:cBhvr>
-                                        <p:cTn id="20" dur="1" fill="hold">
-                                          <p:stCondLst>
-                                            <p:cond delay="0"/>
-                                          </p:stCondLst>
-                                        </p:cTn>
-                                        <p:tgtEl>
-                                          <p:spTgt spid="10"/>
-                                        </p:tgtEl>
-                                        <p:attrNameLst>
-                                          <p:attrName>style.visibility</p:attrName>
-                                        </p:attrNameLst>
-                                      </p:cBhvr>
-                                      <p:to>
-                                        <p:strVal val="visible"/>
-                                      </p:to>
-                                    </p:set>
-                                  </p:childTnLst>
-                                </p:cTn>
-                              </p:par>
-                              <p:par>
-                                <p:cTn id="21" presetID="1" presetClass="entr" presetSubtype="0" fill="hold" grpId="0" nodeType="withEffect">
-                                  <p:stCondLst>
-                                    <p:cond delay="0"/>
-                                  </p:stCondLst>
-                                  <p:childTnLst>
-                                    <p:set>
-                                      <p:cBhvr>
-                                        <p:cTn id="22" dur="1" fill="hold">
-                                          <p:stCondLst>
-                                            <p:cond delay="0"/>
-                                          </p:stCondLst>
-                                        </p:cTn>
-                                        <p:tgtEl>
-                                          <p:spTgt spid="7"/>
-                                        </p:tgtEl>
-                                        <p:attrNameLst>
-                                          <p:attrName>style.visibility</p:attrName>
-                                        </p:attrNameLst>
-                                      </p:cBhvr>
-                                      <p:to>
-                                        <p:strVal val="visible"/>
-                                      </p:to>
-                                    </p:set>
-                                  </p:childTnLst>
-                                </p:cTn>
-                              </p:par>
-                            </p:childTnLst>
-                          </p:cTn>
-                        </p:par>
-                      </p:childTnLst>
-                    </p:cTn>
-                  </p:par>
-                  <p:par>
-                    <p:cTn id="23" fill="hold">
-                      <p:stCondLst>
-                        <p:cond delay="indefinite"/>
-                      </p:stCondLst>
-                      <p:childTnLst>
-                        <p:par>
-                          <p:cTn id="24" fill="hold">
-                            <p:stCondLst>
-                              <p:cond delay="0"/>
-                            </p:stCondLst>
-                            <p:childTnLst>
-                              <p:par>
-                                <p:cTn id="25" presetID="1" presetClass="entr" presetSubtype="0" fill="hold" nodeType="clickEffect">
-                                  <p:stCondLst>
-                                    <p:cond delay="0"/>
-                                  </p:stCondLst>
-                                  <p:childTnLst>
-                                    <p:set>
-                                      <p:cBhvr>
-                                        <p:cTn id="26" dur="1" fill="hold">
-                                          <p:stCondLst>
-                                            <p:cond delay="0"/>
-                                          </p:stCondLst>
-                                        </p:cTn>
-                                        <p:tgtEl>
-                                          <p:spTgt spid="12"/>
-                                        </p:tgtEl>
-                                        <p:attrNameLst>
-                                          <p:attrName>style.visibility</p:attrName>
-                                        </p:attrNameLst>
-                                      </p:cBhvr>
-                                      <p:to>
-                                        <p:strVal val="visible"/>
-                                      </p:to>
-                                    </p:set>
-                                  </p:childTnLst>
-                                </p:cTn>
-                              </p:par>
-                              <p:par>
-                                <p:cTn id="27" presetID="1" presetClass="entr" presetSubtype="0" fill="hold" grpId="0" nodeType="withEffect">
-                                  <p:stCondLst>
-                                    <p:cond delay="0"/>
-                                  </p:stCondLst>
-                                  <p:childTnLst>
-                                    <p:set>
-                                      <p:cBhvr>
-                                        <p:cTn id="28" dur="1" fill="hold">
-                                          <p:stCondLst>
-                                            <p:cond delay="0"/>
-                                          </p:stCondLst>
-                                        </p:cTn>
-                                        <p:tgtEl>
-                                          <p:spTgt spid="6"/>
-                                        </p:tgtEl>
-                                        <p:attrNameLst>
-                                          <p:attrName>style.visibility</p:attrName>
-                                        </p:attrNameLst>
-                                      </p:cBhvr>
-                                      <p:to>
-                                        <p:strVal val="visible"/>
-                                      </p:to>
-                                    </p:set>
-                                  </p:childTnLst>
-                                </p:cTn>
-                              </p:par>
-                            </p:childTnLst>
-                          </p:cTn>
-                        </p:par>
-                      </p:childTnLst>
-                    </p:cTn>
-                  </p:par>
-                  <p:par>
-                    <p:cTn id="29" fill="hold">
-                      <p:stCondLst>
-                        <p:cond delay="indefinite"/>
-                      </p:stCondLst>
-                      <p:childTnLst>
-                        <p:par>
-                          <p:cTn id="30" fill="hold">
-                            <p:stCondLst>
-                              <p:cond delay="0"/>
-                            </p:stCondLst>
-                            <p:childTnLst>
-                              <p:par>
-                                <p:cTn id="31" presetID="1" presetClass="entr" presetSubtype="0" fill="hold" grpId="0" nodeType="clickEffect">
-                                  <p:stCondLst>
-                                    <p:cond delay="0"/>
-                                  </p:stCondLst>
-                                  <p:childTnLst>
-                                    <p:set>
-                                      <p:cBhvr>
-                                        <p:cTn id="32" dur="1" fill="hold">
-                                          <p:stCondLst>
-                                            <p:cond delay="0"/>
-                                          </p:stCondLst>
-                                        </p:cTn>
-                                        <p:tgtEl>
-                                          <p:spTgt spid="3">
-                                            <p:txEl>
-                                              <p:pRg st="5" end="5"/>
-                                            </p:txEl>
-                                          </p:spTgt>
-                                        </p:tgtEl>
-                                        <p:attrNameLst>
-                                          <p:attrName>style.visibility</p:attrName>
-                                        </p:attrNameLst>
-                                      </p:cBhvr>
-                                      <p:to>
-                                        <p:strVal val="visible"/>
-                                      </p:to>
-                                    </p:set>
-                                  </p:childTnLst>
-                                </p:cTn>
-                              </p:par>
-                            </p:childTnLst>
-                          </p:cTn>
-                        </p:par>
-                      </p:childTnLst>
-                    </p:cTn>
-                  </p:par>
-                  <p:par>
-                    <p:cTn id="33" fill="hold">
-                      <p:stCondLst>
-                        <p:cond delay="indefinite"/>
-                      </p:stCondLst>
-                      <p:childTnLst>
-                        <p:par>
-                          <p:cTn id="34" fill="hold">
-                            <p:stCondLst>
-                              <p:cond delay="0"/>
-                            </p:stCondLst>
-                            <p:childTnLst>
-                              <p:par>
-                                <p:cTn id="35" presetID="1" presetClass="entr" presetSubtype="0" fill="hold" nodeType="clickEffect">
-                                  <p:stCondLst>
-                                    <p:cond delay="0"/>
-                                  </p:stCondLst>
-                                  <p:childTnLst>
-                                    <p:set>
-                                      <p:cBhvr>
-                                        <p:cTn id="36" dur="1" fill="hold">
-                                          <p:stCondLst>
-                                            <p:cond delay="0"/>
-                                          </p:stCondLst>
-                                        </p:cTn>
-                                        <p:tgtEl>
-                                          <p:spTgt spid="24"/>
-                                        </p:tgtEl>
-                                        <p:attrNameLst>
-                                          <p:attrName>style.visibility</p:attrName>
-                                        </p:attrNameLst>
-                                      </p:cBhvr>
-                                      <p:to>
-                                        <p:strVal val="visible"/>
-                                      </p:to>
-                                    </p:set>
-                                  </p:childTnLst>
-                                </p:cTn>
-                              </p:par>
-                              <p:par>
-                                <p:cTn id="37" presetID="1" presetClass="entr" presetSubtype="0" fill="hold" grpId="0" nodeType="withEffect">
-                                  <p:stCondLst>
-                                    <p:cond delay="0"/>
-                                  </p:stCondLst>
-                                  <p:childTnLst>
-                                    <p:set>
-                                      <p:cBhvr>
-                                        <p:cTn id="38" dur="1" fill="hold">
-                                          <p:stCondLst>
-                                            <p:cond delay="0"/>
-                                          </p:stCondLst>
-                                        </p:cTn>
-                                        <p:tgtEl>
-                                          <p:spTgt spid="21"/>
-                                        </p:tgtEl>
-                                        <p:attrNameLst>
-                                          <p:attrName>style.visibility</p:attrName>
-                                        </p:attrNameLst>
-                                      </p:cBhvr>
-                                      <p:to>
-                                        <p:strVal val="visible"/>
-                                      </p:to>
-                                    </p:set>
-                                  </p:childTnLst>
-                                </p:cTn>
-                              </p:par>
-                            </p:childTnLst>
-                          </p:cTn>
-                        </p:par>
-                      </p:childTnLst>
-                    </p:cTn>
-                  </p:par>
-                  <p:par>
-                    <p:cTn id="39" fill="hold">
-                      <p:stCondLst>
-                        <p:cond delay="indefinite"/>
-                      </p:stCondLst>
-                      <p:childTnLst>
-                        <p:par>
-                          <p:cTn id="40" fill="hold">
-                            <p:stCondLst>
-                              <p:cond delay="0"/>
-                            </p:stCondLst>
-                            <p:childTnLst>
-                              <p:par>
-                                <p:cTn id="41" presetID="1" presetClass="entr" presetSubtype="0" fill="hold" nodeType="clickEffect">
-                                  <p:stCondLst>
-                                    <p:cond delay="0"/>
-                                  </p:stCondLst>
-                                  <p:childTnLst>
-                                    <p:set>
-                                      <p:cBhvr>
-                                        <p:cTn id="42" dur="1" fill="hold">
-                                          <p:stCondLst>
-                                            <p:cond delay="0"/>
-                                          </p:stCondLst>
-                                        </p:cTn>
-                                        <p:tgtEl>
-                                          <p:spTgt spid="25"/>
-                                        </p:tgtEl>
-                                        <p:attrNameLst>
-                                          <p:attrName>style.visibility</p:attrName>
-                                        </p:attrNameLst>
-                                      </p:cBhvr>
-                                      <p:to>
-                                        <p:strVal val="visible"/>
-                                      </p:to>
-                                    </p:set>
-                                  </p:childTnLst>
-                                </p:cTn>
-                              </p:par>
-                              <p:par>
-                                <p:cTn id="43" presetID="1" presetClass="entr" presetSubtype="0" fill="hold" grpId="0" nodeType="withEffect">
-                                  <p:stCondLst>
-                                    <p:cond delay="0"/>
-                                  </p:stCondLst>
-                                  <p:childTnLst>
-                                    <p:set>
-                                      <p:cBhvr>
-                                        <p:cTn id="44" dur="1" fill="hold">
-                                          <p:stCondLst>
-                                            <p:cond delay="0"/>
-                                          </p:stCondLst>
-                                        </p:cTn>
-                                        <p:tgtEl>
-                                          <p:spTgt spid="23"/>
-                                        </p:tgtEl>
-                                        <p:attrNameLst>
-                                          <p:attrName>style.visibility</p:attrName>
-                                        </p:attrNameLst>
-                                      </p:cBhvr>
-                                      <p:to>
-                                        <p:strVal val="visible"/>
-                                      </p:to>
-                                    </p:set>
-                                  </p:childTnLst>
-                                </p:cTn>
-                              </p:par>
-                            </p:childTnLst>
-                          </p:cTn>
-                        </p:par>
-                      </p:childTnLst>
-                    </p:cTn>
-                  </p:par>
-                  <p:par>
-                    <p:cTn id="45" fill="hold">
-                      <p:stCondLst>
-                        <p:cond delay="indefinite"/>
-                      </p:stCondLst>
-                      <p:childTnLst>
-                        <p:par>
-                          <p:cTn id="46" fill="hold">
-                            <p:stCondLst>
-                              <p:cond delay="0"/>
-                            </p:stCondLst>
-                            <p:childTnLst>
-                              <p:par>
-                                <p:cTn id="47" presetID="1" presetClass="entr" presetSubtype="0" fill="hold" nodeType="clickEffect">
-                                  <p:stCondLst>
-                                    <p:cond delay="0"/>
-                                  </p:stCondLst>
-                                  <p:childTnLst>
-                                    <p:set>
-                                      <p:cBhvr>
-                                        <p:cTn id="48" dur="1" fill="hold">
-                                          <p:stCondLst>
-                                            <p:cond delay="0"/>
-                                          </p:stCondLst>
-                                        </p:cTn>
-                                        <p:tgtEl>
-                                          <p:spTgt spid="26"/>
-                                        </p:tgtEl>
-                                        <p:attrNameLst>
-                                          <p:attrName>style.visibility</p:attrName>
-                                        </p:attrNameLst>
-                                      </p:cBhvr>
-                                      <p:to>
-                                        <p:strVal val="visible"/>
-                                      </p:to>
-                                    </p:set>
-                                  </p:childTnLst>
-                                </p:cTn>
-                              </p:par>
-                              <p:par>
-                                <p:cTn id="49" presetID="1" presetClass="entr" presetSubtype="0" fill="hold" grpId="0" nodeType="withEffect">
-                                  <p:stCondLst>
-                                    <p:cond delay="0"/>
-                                  </p:stCondLst>
-                                  <p:childTnLst>
-                                    <p:set>
-                                      <p:cBhvr>
-                                        <p:cTn id="50" dur="1" fill="hold">
-                                          <p:stCondLst>
-                                            <p:cond delay="0"/>
-                                          </p:stCondLst>
-                                        </p:cTn>
-                                        <p:tgtEl>
-                                          <p:spTgt spid="22"/>
-                                        </p:tgtEl>
-                                        <p:attrNameLst>
-                                          <p:attrName>style.visibility</p:attrName>
-                                        </p:attrNameLst>
-                                      </p:cBhvr>
-                                      <p:to>
-                                        <p:strVal val="visible"/>
-                                      </p:to>
-                                    </p:set>
-                                  </p:childTnLst>
-                                </p:cTn>
-                              </p:par>
-                            </p:childTnLst>
-                          </p:cTn>
-                        </p:par>
-                      </p:childTnLst>
-                    </p:cTn>
-                  </p:par>
-                </p:childTnLst>
-              </p:cTn>
-              <p:prevCondLst>
-                <p:cond evt="onPrev" delay="0">
-                  <p:tgtEl>
-                    <p:sldTgt/>
-                  </p:tgtEl>
-                </p:cond>
-              </p:prevCondLst>
-              <p:nextCondLst>
-                <p:cond evt="onNext" delay="0">
-                  <p:tgtEl>
-                    <p:sldTgt/>
-                  </p:tgtEl>
-                </p:cond>
-              </p:nextCondLst>
-            </p:seq>
-          </p:childTnLst>
-        </p:cTn>
-      </p:par>
-    </p:tnLst>
-    <p:bldLst>
-      <p:bldP spid="3" grpId="0" uiExpand="1" build="p"/>
-      <p:bldP spid="5" grpId="0"/>
-      <p:bldP spid="6" grpId="0"/>
-      <p:bldP spid="7" grpId="0"/>
-      <p:bldP spid="21" grpId="0"/>
-      <p:bldP spid="22" grpId="0"/>
-      <p:bldP spid="23" grpId="0"/>
-    </p:bldLst>
-  </p:timing>
-</p:sld>
-</file>
-
-<file path=ppt/slides/slide4.xml><?xml version="1.0" encoding="utf-8"?>
-<p:sld xmlns:a="http://schemas.openxmlformats.org/drawingml/2006/main" xmlns:r="http://schemas.openxmlformats.org/officeDocument/2006/relationships" xmlns:p="http://schemas.openxmlformats.org/presentationml/2006/main">
-  <p:cSld>
-    <p:spTree>
-      <p:nvGrpSpPr>
-        <p:cNvPr id="1" name=""/>
-        <p:cNvGrpSpPr/>
-        <p:nvPr/>
-      </p:nvGrpSpPr>
-      <p:grpSpPr>
-        <a:xfrm>
-          <a:off x="0" y="0"/>
-          <a:ext cx="0" cy="0"/>
-          <a:chOff x="0" y="0"/>
-          <a:chExt cx="0" cy="0"/>
-        </a:xfrm>
-      </p:grpSpPr>
-      <p:sp>
-        <p:nvSpPr>
-          <p:cNvPr id="2" name="Title 1"/>
-          <p:cNvSpPr>
-            <a:spLocks noGrp="1"/>
-          </p:cNvSpPr>
-          <p:nvPr>
-            <p:ph type="title"/>
-          </p:nvPr>
-        </p:nvSpPr>
-        <p:spPr/>
-        <p:txBody>
-          <a:bodyPr/>
-          <a:lstStyle/>
-          <a:p>
-            <a:r>
-              <a:rPr lang="en-US" dirty="0"/>
-              <a:t>Impulse of a Moment</a:t>
-            </a:r>
-          </a:p>
-        </p:txBody>
-      </p:sp>
-      <mc:AlternateContent xmlns:mc="http://schemas.openxmlformats.org/markup-compatibility/2006" xmlns:a14="http://schemas.microsoft.com/office/drawing/2010/main">
-        <mc:Choice Requires="a14">
-          <p:sp>
-            <p:nvSpPr>
-              <p:cNvPr id="3" name="Content Placeholder 2"/>
-              <p:cNvSpPr>
-                <a:spLocks noGrp="1"/>
-              </p:cNvSpPr>
-              <p:nvPr>
-                <p:ph idx="1"/>
-              </p:nvPr>
-            </p:nvSpPr>
-            <p:spPr>
-              <a:xfrm>
-                <a:off x="457200" y="1600200"/>
-                <a:ext cx="8229600" cy="4648200"/>
-              </a:xfrm>
-            </p:spPr>
-            <p:txBody>
-              <a:bodyPr>
-                <a:normAutofit fontScale="77500" lnSpcReduction="20000"/>
-              </a:bodyPr>
-              <a:lstStyle/>
-              <a:p>
-                <a:r>
-                  <a:rPr lang="en-US" dirty="0"/>
-                  <a:t>The impulse of a constant moment over a set time will be equal to the magnitude of the force time the duration of the time.</a:t>
-                </a:r>
-              </a:p>
-              <a:p>
-                <a:pPr marL="0" indent="0">
-                  <a:buNone/>
-                </a:pPr>
-                <a14:m>
-                  <m:oMathPara xmlns:m="http://schemas.openxmlformats.org/officeDocument/2006/math">
-                    <m:oMathParaPr>
-                      <m:jc m:val="centerGroup"/>
-                    </m:oMathParaPr>
-                    <m:oMath xmlns:m="http://schemas.openxmlformats.org/officeDocument/2006/math">
-                      <m:acc>
-                        <m:accPr>
-                          <m:chr m:val="⃑"/>
-                          <m:ctrlPr>
-                            <a:rPr lang="en-US" i="1">
-                              <a:latin typeface="Cambria Math" panose="02040503050406030204" pitchFamily="18" charset="0"/>
-                            </a:rPr>
-                          </m:ctrlPr>
-                        </m:accPr>
-                        <m:e>
-                          <m:r>
-                            <m:rPr>
-                              <m:sty m:val="p"/>
-                            </m:rPr>
-                            <a:rPr lang="en-US" b="0" i="0" smtClean="0">
-                              <a:latin typeface="Cambria Math" panose="02040503050406030204" pitchFamily="18" charset="0"/>
-                            </a:rPr>
-                            <m:t>K</m:t>
-                          </m:r>
-                        </m:e>
-                      </m:acc>
-                      <m:r>
-                        <a:rPr lang="en-US" b="0" i="1" smtClean="0">
-                          <a:latin typeface="Cambria Math"/>
-                        </a:rPr>
-                        <m:t>=</m:t>
-                      </m:r>
-                      <m:d>
-                        <m:dPr>
-                          <m:ctrlPr>
-                            <a:rPr lang="en-US" b="0" i="1" smtClean="0">
-                              <a:latin typeface="Cambria Math" panose="02040503050406030204" pitchFamily="18" charset="0"/>
-                            </a:rPr>
-                          </m:ctrlPr>
-                        </m:dPr>
-                        <m:e>
-                          <m:acc>
-                            <m:accPr>
-                              <m:chr m:val="⃑"/>
-                              <m:ctrlPr>
-                                <a:rPr lang="en-US" b="0" i="1" smtClean="0">
-                                  <a:latin typeface="Cambria Math" panose="02040503050406030204" pitchFamily="18" charset="0"/>
-                                </a:rPr>
-                              </m:ctrlPr>
-                            </m:accPr>
-                            <m:e>
-                              <m:r>
-                                <a:rPr lang="en-US" b="0" i="1" smtClean="0">
-                                  <a:latin typeface="Cambria Math" panose="02040503050406030204" pitchFamily="18" charset="0"/>
-                                </a:rPr>
-                                <m:t>𝑀</m:t>
-                              </m:r>
-                            </m:e>
-                          </m:acc>
-                        </m:e>
-                      </m:d>
-                      <m:d>
-                        <m:dPr>
-                          <m:ctrlPr>
-                            <a:rPr lang="en-US" b="0" i="1" smtClean="0">
-                              <a:latin typeface="Cambria Math" panose="02040503050406030204" pitchFamily="18" charset="0"/>
-                            </a:rPr>
-                          </m:ctrlPr>
-                        </m:dPr>
-                        <m:e>
-                          <m:r>
-                            <a:rPr lang="en-US" b="0" i="1" smtClean="0">
-                              <a:latin typeface="Cambria Math"/>
-                            </a:rPr>
-                            <m:t>𝑡</m:t>
-                          </m:r>
-                        </m:e>
-                      </m:d>
-                    </m:oMath>
-                  </m:oMathPara>
-                </a14:m>
-                <a:endParaRPr lang="en-US" b="0" dirty="0"/>
-              </a:p>
-              <a:p>
-                <a:r>
-                  <a:rPr lang="en-US" dirty="0"/>
-                  <a:t>More generally, the impulse by any moment (which may change over time) is equal to the integral of the moment over some set time period.</a:t>
-                </a:r>
-              </a:p>
-              <a:p>
-                <a:pPr marL="0" indent="0">
-                  <a:buNone/>
-                </a:pPr>
-                <a14:m>
-                  <m:oMathPara xmlns:m="http://schemas.openxmlformats.org/officeDocument/2006/math">
-                    <m:oMathParaPr>
-                      <m:jc m:val="centerGroup"/>
-                    </m:oMathParaPr>
-                    <m:oMath xmlns:m="http://schemas.openxmlformats.org/officeDocument/2006/math">
-                      <m:acc>
-                        <m:accPr>
-                          <m:chr m:val="⃑"/>
-                          <m:ctrlPr>
-                            <a:rPr lang="en-US" i="1">
-                              <a:latin typeface="Cambria Math" panose="02040503050406030204" pitchFamily="18" charset="0"/>
-                            </a:rPr>
-                          </m:ctrlPr>
-                        </m:accPr>
-                        <m:e>
-                          <m:r>
-                            <m:rPr>
-                              <m:sty m:val="p"/>
-                            </m:rPr>
-                            <a:rPr lang="en-US" b="0" i="0" smtClean="0">
-                              <a:latin typeface="Cambria Math" panose="02040503050406030204" pitchFamily="18" charset="0"/>
-                            </a:rPr>
-                            <m:t>K</m:t>
-                          </m:r>
-                        </m:e>
-                      </m:acc>
-                      <m:r>
-                        <a:rPr lang="en-US" i="1">
-                          <a:latin typeface="Cambria Math"/>
-                        </a:rPr>
-                        <m:t>=</m:t>
-                      </m:r>
-                      <m:nary>
-                        <m:naryPr>
-                          <m:ctrlPr>
-                            <a:rPr lang="en-US" i="1" smtClean="0">
-                              <a:latin typeface="Cambria Math" panose="02040503050406030204" pitchFamily="18" charset="0"/>
-                            </a:rPr>
-                          </m:ctrlPr>
-                        </m:naryPr>
-                        <m:sub>
-                          <m:r>
-                            <m:rPr>
-                              <m:brk m:alnAt="23"/>
-                            </m:rPr>
-                            <a:rPr lang="en-US" b="0" i="1" smtClean="0">
-                              <a:latin typeface="Cambria Math"/>
-                            </a:rPr>
-                            <m:t>𝑡</m:t>
-                          </m:r>
-                          <m:r>
-                            <a:rPr lang="en-US" b="0" i="1" smtClean="0">
-                              <a:latin typeface="Cambria Math"/>
-                            </a:rPr>
-                            <m:t>1</m:t>
-                          </m:r>
-                        </m:sub>
-                        <m:sup>
-                          <m:r>
-                            <a:rPr lang="en-US" b="0" i="1" smtClean="0">
-                              <a:latin typeface="Cambria Math"/>
-                            </a:rPr>
-                            <m:t>𝑡</m:t>
-                          </m:r>
-                          <m:r>
-                            <a:rPr lang="en-US" b="0" i="1" smtClean="0">
-                              <a:latin typeface="Cambria Math"/>
-                            </a:rPr>
-                            <m:t>2</m:t>
-                          </m:r>
-                        </m:sup>
-                        <m:e>
-                          <m:r>
-                            <a:rPr lang="en-US" b="0" i="1" smtClean="0">
-                              <a:latin typeface="Cambria Math" panose="02040503050406030204" pitchFamily="18" charset="0"/>
-                            </a:rPr>
-                            <m:t>𝑀</m:t>
-                          </m:r>
-                          <m:d>
-                            <m:dPr>
-                              <m:ctrlPr>
-                                <a:rPr lang="en-US" b="0" i="1" smtClean="0">
-                                  <a:latin typeface="Cambria Math" panose="02040503050406030204" pitchFamily="18" charset="0"/>
-                                </a:rPr>
-                              </m:ctrlPr>
-                            </m:dPr>
-                            <m:e>
-                              <m:r>
-                                <a:rPr lang="en-US" b="0" i="1" smtClean="0">
-                                  <a:latin typeface="Cambria Math"/>
-                                </a:rPr>
-                                <m:t>𝑡</m:t>
-                              </m:r>
-                            </m:e>
-                          </m:d>
-                          <m:r>
-                            <a:rPr lang="en-US" b="0" i="1" smtClean="0">
-                              <a:latin typeface="Cambria Math"/>
-                            </a:rPr>
-                            <m:t>𝑑𝑡</m:t>
-                          </m:r>
-                        </m:e>
-                      </m:nary>
-                    </m:oMath>
-                  </m:oMathPara>
-                </a14:m>
-                <a:endParaRPr lang="en-US" dirty="0"/>
-              </a:p>
-              <a:p>
-                <a:r>
-                  <a:rPr lang="en-US" dirty="0"/>
-                  <a:t>In addition to a magnitude, an impulse will also have a direction.  Assuming the moment has a constant direction, the direction of the moment will be the direction of the impulse.</a:t>
-                </a:r>
-              </a:p>
-            </p:txBody>
-          </p:sp>
-        </mc:Choice>
-        <mc:Fallback xmlns="">
-          <p:sp>
-            <p:nvSpPr>
-              <p:cNvPr id="3" name="Content Placeholder 2"/>
-              <p:cNvSpPr>
-                <a:spLocks noGrp="1" noRot="1" noChangeAspect="1" noMove="1" noResize="1" noEditPoints="1" noAdjustHandles="1" noChangeArrowheads="1" noChangeShapeType="1" noTextEdit="1"/>
-              </p:cNvSpPr>
-              <p:nvPr>
-                <p:ph idx="1"/>
-              </p:nvPr>
-            </p:nvSpPr>
-            <p:spPr>
-              <a:xfrm>
-                <a:off x="457200" y="1600200"/>
-                <a:ext cx="8229600" cy="4648200"/>
-              </a:xfrm>
-              <a:blipFill>
-                <a:blip r:embed="rId2"/>
-                <a:stretch>
-                  <a:fillRect l="-1037" t="-2493" b="-2362"/>
-                </a:stretch>
-              </a:blipFill>
-            </p:spPr>
-            <p:txBody>
-              <a:bodyPr/>
-              <a:lstStyle/>
-              <a:p>
-                <a:r>
-                  <a:rPr lang="en-US">
-                    <a:noFill/>
-                  </a:rPr>
-                  <a:t> </a:t>
-                </a:r>
-              </a:p>
-            </p:txBody>
-          </p:sp>
-        </mc:Fallback>
-      </mc:AlternateContent>
-      <p:sp>
-        <p:nvSpPr>
-          <p:cNvPr id="4" name="Slide Number Placeholder 3"/>
-          <p:cNvSpPr>
-            <a:spLocks noGrp="1"/>
-          </p:cNvSpPr>
-          <p:nvPr>
-            <p:ph type="sldNum" sz="quarter" idx="12"/>
-          </p:nvPr>
-        </p:nvSpPr>
-        <p:spPr/>
-        <p:txBody>
-          <a:bodyPr/>
-          <a:lstStyle/>
-          <a:p>
-            <a:fld id="{929262FE-7F58-4A1E-8AF3-5A510A86DEBD}" type="slidenum">
-              <a:rPr lang="en-US" smtClean="0"/>
-              <a:t>4</a:t>
-            </a:fld>
-            <a:endParaRPr lang="en-US"/>
-          </a:p>
-        </p:txBody>
-      </p:sp>
-    </p:spTree>
-    <p:extLst>
-      <p:ext uri="{BB962C8B-B14F-4D97-AF65-F5344CB8AC3E}">
-        <p14:creationId xmlns:p14="http://schemas.microsoft.com/office/powerpoint/2010/main" val="3054484034"/>
       </p:ext>
     </p:extLst>
   </p:cSld>
@@ -7324,7 +6077,7 @@
                             </p:stCondLst>
                             <p:childTnLst>
                               <p:par>
-                                <p:cTn id="17" presetID="1" presetClass="entr" presetSubtype="0" fill="hold" grpId="0" nodeType="clickEffect">
+                                <p:cTn id="17" presetID="1" presetClass="entr" presetSubtype="0" fill="hold" nodeType="clickEffect">
                                   <p:stCondLst>
                                     <p:cond delay="0"/>
                                   </p:stCondLst>
@@ -7337,9 +6090,225 @@
                                           </p:stCondLst>
                                         </p:cTn>
                                         <p:tgtEl>
+                                          <p:spTgt spid="9"/>
+                                        </p:tgtEl>
+                                        <p:attrNameLst>
+                                          <p:attrName>style.visibility</p:attrName>
+                                        </p:attrNameLst>
+                                      </p:cBhvr>
+                                      <p:to>
+                                        <p:strVal val="visible"/>
+                                      </p:to>
+                                    </p:set>
+                                  </p:childTnLst>
+                                </p:cTn>
+                              </p:par>
+                              <p:par>
+                                <p:cTn id="19" presetID="1" presetClass="entr" presetSubtype="0" fill="hold" grpId="0" nodeType="withEffect">
+                                  <p:stCondLst>
+                                    <p:cond delay="0"/>
+                                  </p:stCondLst>
+                                  <p:childTnLst>
+                                    <p:set>
+                                      <p:cBhvr>
+                                        <p:cTn id="20" dur="1" fill="hold">
+                                          <p:stCondLst>
+                                            <p:cond delay="0"/>
+                                          </p:stCondLst>
+                                        </p:cTn>
+                                        <p:tgtEl>
+                                          <p:spTgt spid="5"/>
+                                        </p:tgtEl>
+                                        <p:attrNameLst>
+                                          <p:attrName>style.visibility</p:attrName>
+                                        </p:attrNameLst>
+                                      </p:cBhvr>
+                                      <p:to>
+                                        <p:strVal val="visible"/>
+                                      </p:to>
+                                    </p:set>
+                                  </p:childTnLst>
+                                </p:cTn>
+                              </p:par>
+                            </p:childTnLst>
+                          </p:cTn>
+                        </p:par>
+                      </p:childTnLst>
+                    </p:cTn>
+                  </p:par>
+                  <p:par>
+                    <p:cTn id="21" fill="hold">
+                      <p:stCondLst>
+                        <p:cond delay="indefinite"/>
+                      </p:stCondLst>
+                      <p:childTnLst>
+                        <p:par>
+                          <p:cTn id="22" fill="hold">
+                            <p:stCondLst>
+                              <p:cond delay="0"/>
+                            </p:stCondLst>
+                            <p:childTnLst>
+                              <p:par>
+                                <p:cTn id="23" presetID="1" presetClass="entr" presetSubtype="0" fill="hold" nodeType="clickEffect">
+                                  <p:stCondLst>
+                                    <p:cond delay="0"/>
+                                  </p:stCondLst>
+                                  <p:childTnLst>
+                                    <p:set>
+                                      <p:cBhvr>
+                                        <p:cTn id="24" dur="1" fill="hold">
+                                          <p:stCondLst>
+                                            <p:cond delay="0"/>
+                                          </p:stCondLst>
+                                        </p:cTn>
+                                        <p:tgtEl>
+                                          <p:spTgt spid="10"/>
+                                        </p:tgtEl>
+                                        <p:attrNameLst>
+                                          <p:attrName>style.visibility</p:attrName>
+                                        </p:attrNameLst>
+                                      </p:cBhvr>
+                                      <p:to>
+                                        <p:strVal val="visible"/>
+                                      </p:to>
+                                    </p:set>
+                                  </p:childTnLst>
+                                </p:cTn>
+                              </p:par>
+                              <p:par>
+                                <p:cTn id="25" presetID="1" presetClass="entr" presetSubtype="0" fill="hold" grpId="0" nodeType="withEffect">
+                                  <p:stCondLst>
+                                    <p:cond delay="0"/>
+                                  </p:stCondLst>
+                                  <p:childTnLst>
+                                    <p:set>
+                                      <p:cBhvr>
+                                        <p:cTn id="26" dur="1" fill="hold">
+                                          <p:stCondLst>
+                                            <p:cond delay="0"/>
+                                          </p:stCondLst>
+                                        </p:cTn>
+                                        <p:tgtEl>
+                                          <p:spTgt spid="7"/>
+                                        </p:tgtEl>
+                                        <p:attrNameLst>
+                                          <p:attrName>style.visibility</p:attrName>
+                                        </p:attrNameLst>
+                                      </p:cBhvr>
+                                      <p:to>
+                                        <p:strVal val="visible"/>
+                                      </p:to>
+                                    </p:set>
+                                  </p:childTnLst>
+                                </p:cTn>
+                              </p:par>
+                            </p:childTnLst>
+                          </p:cTn>
+                        </p:par>
+                      </p:childTnLst>
+                    </p:cTn>
+                  </p:par>
+                  <p:par>
+                    <p:cTn id="27" fill="hold">
+                      <p:stCondLst>
+                        <p:cond delay="indefinite"/>
+                      </p:stCondLst>
+                      <p:childTnLst>
+                        <p:par>
+                          <p:cTn id="28" fill="hold">
+                            <p:stCondLst>
+                              <p:cond delay="0"/>
+                            </p:stCondLst>
+                            <p:childTnLst>
+                              <p:par>
+                                <p:cTn id="29" presetID="1" presetClass="entr" presetSubtype="0" fill="hold" nodeType="clickEffect">
+                                  <p:stCondLst>
+                                    <p:cond delay="0"/>
+                                  </p:stCondLst>
+                                  <p:childTnLst>
+                                    <p:set>
+                                      <p:cBhvr>
+                                        <p:cTn id="30" dur="1" fill="hold">
+                                          <p:stCondLst>
+                                            <p:cond delay="0"/>
+                                          </p:stCondLst>
+                                        </p:cTn>
+                                        <p:tgtEl>
+                                          <p:spTgt spid="12"/>
+                                        </p:tgtEl>
+                                        <p:attrNameLst>
+                                          <p:attrName>style.visibility</p:attrName>
+                                        </p:attrNameLst>
+                                      </p:cBhvr>
+                                      <p:to>
+                                        <p:strVal val="visible"/>
+                                      </p:to>
+                                    </p:set>
+                                  </p:childTnLst>
+                                </p:cTn>
+                              </p:par>
+                              <p:par>
+                                <p:cTn id="31" presetID="1" presetClass="entr" presetSubtype="0" fill="hold" grpId="0" nodeType="withEffect">
+                                  <p:stCondLst>
+                                    <p:cond delay="0"/>
+                                  </p:stCondLst>
+                                  <p:childTnLst>
+                                    <p:set>
+                                      <p:cBhvr>
+                                        <p:cTn id="32" dur="1" fill="hold">
+                                          <p:stCondLst>
+                                            <p:cond delay="0"/>
+                                          </p:stCondLst>
+                                        </p:cTn>
+                                        <p:tgtEl>
+                                          <p:spTgt spid="6"/>
+                                        </p:tgtEl>
+                                        <p:attrNameLst>
+                                          <p:attrName>style.visibility</p:attrName>
+                                        </p:attrNameLst>
+                                      </p:cBhvr>
+                                      <p:to>
+                                        <p:strVal val="visible"/>
+                                      </p:to>
+                                    </p:set>
+                                  </p:childTnLst>
+                                </p:cTn>
+                              </p:par>
+                            </p:childTnLst>
+                          </p:cTn>
+                        </p:par>
+                      </p:childTnLst>
+                    </p:cTn>
+                  </p:par>
+                  <p:par>
+                    <p:cTn id="33" fill="hold">
+                      <p:stCondLst>
+                        <p:cond delay="indefinite"/>
+                      </p:stCondLst>
+                      <p:childTnLst>
+                        <p:par>
+                          <p:cTn id="34" fill="hold">
+                            <p:stCondLst>
+                              <p:cond delay="0"/>
+                            </p:stCondLst>
+                            <p:childTnLst>
+                              <p:par>
+                                <p:cTn id="35" presetID="1" presetClass="entr" presetSubtype="0" fill="hold" grpId="0" nodeType="clickEffect">
+                                  <p:stCondLst>
+                                    <p:cond delay="0"/>
+                                  </p:stCondLst>
+                                  <p:childTnLst>
+                                    <p:set>
+                                      <p:cBhvr>
+                                        <p:cTn id="36" dur="1" fill="hold">
+                                          <p:stCondLst>
+                                            <p:cond delay="0"/>
+                                          </p:stCondLst>
+                                        </p:cTn>
+                                        <p:tgtEl>
                                           <p:spTgt spid="3">
                                             <p:txEl>
-                                              <p:pRg st="3" end="3"/>
+                                              <p:pRg st="6" end="6"/>
                                             </p:txEl>
                                           </p:spTgt>
                                         </p:tgtEl>
@@ -7361,36 +6330,203 @@
                     </p:cTn>
                   </p:par>
                   <p:par>
-                    <p:cTn id="19" fill="hold">
+                    <p:cTn id="37" fill="hold">
                       <p:stCondLst>
                         <p:cond delay="indefinite"/>
                       </p:stCondLst>
                       <p:childTnLst>
                         <p:par>
-                          <p:cTn id="20" fill="hold">
+                          <p:cTn id="38" fill="hold">
                             <p:stCondLst>
                               <p:cond delay="0"/>
                             </p:stCondLst>
                             <p:childTnLst>
                               <p:par>
-                                <p:cTn id="21" presetID="1" presetClass="entr" presetSubtype="0" fill="hold" grpId="0" nodeType="clickEffect">
+                                <p:cTn id="39" presetID="1" presetClass="entr" presetSubtype="0" fill="hold" nodeType="clickEffect">
                                   <p:stCondLst>
                                     <p:cond delay="0"/>
                                   </p:stCondLst>
                                   <p:childTnLst>
                                     <p:set>
                                       <p:cBhvr>
-                                        <p:cTn id="22" dur="1" fill="hold">
+                                        <p:cTn id="40" dur="1" fill="hold">
                                           <p:stCondLst>
                                             <p:cond delay="0"/>
                                           </p:stCondLst>
                                         </p:cTn>
                                         <p:tgtEl>
-                                          <p:spTgt spid="3">
-                                            <p:txEl>
-                                              <p:pRg st="4" end="4"/>
-                                            </p:txEl>
-                                          </p:spTgt>
+                                          <p:spTgt spid="24"/>
+                                        </p:tgtEl>
+                                        <p:attrNameLst>
+                                          <p:attrName>style.visibility</p:attrName>
+                                        </p:attrNameLst>
+                                      </p:cBhvr>
+                                      <p:to>
+                                        <p:strVal val="visible"/>
+                                      </p:to>
+                                    </p:set>
+                                  </p:childTnLst>
+                                </p:cTn>
+                              </p:par>
+                              <p:par>
+                                <p:cTn id="41" presetID="1" presetClass="entr" presetSubtype="0" fill="hold" grpId="0" nodeType="withEffect">
+                                  <p:stCondLst>
+                                    <p:cond delay="0"/>
+                                  </p:stCondLst>
+                                  <p:childTnLst>
+                                    <p:set>
+                                      <p:cBhvr>
+                                        <p:cTn id="42" dur="1" fill="hold">
+                                          <p:stCondLst>
+                                            <p:cond delay="0"/>
+                                          </p:stCondLst>
+                                        </p:cTn>
+                                        <p:tgtEl>
+                                          <p:spTgt spid="21"/>
+                                        </p:tgtEl>
+                                        <p:attrNameLst>
+                                          <p:attrName>style.visibility</p:attrName>
+                                        </p:attrNameLst>
+                                      </p:cBhvr>
+                                      <p:to>
+                                        <p:strVal val="visible"/>
+                                      </p:to>
+                                    </p:set>
+                                  </p:childTnLst>
+                                </p:cTn>
+                              </p:par>
+                            </p:childTnLst>
+                          </p:cTn>
+                        </p:par>
+                      </p:childTnLst>
+                    </p:cTn>
+                  </p:par>
+                  <p:par>
+                    <p:cTn id="43" fill="hold">
+                      <p:stCondLst>
+                        <p:cond delay="indefinite"/>
+                      </p:stCondLst>
+                      <p:childTnLst>
+                        <p:par>
+                          <p:cTn id="44" fill="hold">
+                            <p:stCondLst>
+                              <p:cond delay="0"/>
+                            </p:stCondLst>
+                            <p:childTnLst>
+                              <p:par>
+                                <p:cTn id="45" presetID="1" presetClass="entr" presetSubtype="0" fill="hold" nodeType="clickEffect">
+                                  <p:stCondLst>
+                                    <p:cond delay="0"/>
+                                  </p:stCondLst>
+                                  <p:childTnLst>
+                                    <p:set>
+                                      <p:cBhvr>
+                                        <p:cTn id="46" dur="1" fill="hold">
+                                          <p:stCondLst>
+                                            <p:cond delay="0"/>
+                                          </p:stCondLst>
+                                        </p:cTn>
+                                        <p:tgtEl>
+                                          <p:spTgt spid="25"/>
+                                        </p:tgtEl>
+                                        <p:attrNameLst>
+                                          <p:attrName>style.visibility</p:attrName>
+                                        </p:attrNameLst>
+                                      </p:cBhvr>
+                                      <p:to>
+                                        <p:strVal val="visible"/>
+                                      </p:to>
+                                    </p:set>
+                                  </p:childTnLst>
+                                </p:cTn>
+                              </p:par>
+                              <p:par>
+                                <p:cTn id="47" presetID="1" presetClass="entr" presetSubtype="0" fill="hold" grpId="0" nodeType="withEffect">
+                                  <p:stCondLst>
+                                    <p:cond delay="0"/>
+                                  </p:stCondLst>
+                                  <p:childTnLst>
+                                    <p:set>
+                                      <p:cBhvr>
+                                        <p:cTn id="48" dur="1" fill="hold">
+                                          <p:stCondLst>
+                                            <p:cond delay="0"/>
+                                          </p:stCondLst>
+                                        </p:cTn>
+                                        <p:tgtEl>
+                                          <p:spTgt spid="23"/>
+                                        </p:tgtEl>
+                                        <p:attrNameLst>
+                                          <p:attrName>style.visibility</p:attrName>
+                                        </p:attrNameLst>
+                                      </p:cBhvr>
+                                      <p:to>
+                                        <p:strVal val="visible"/>
+                                      </p:to>
+                                    </p:set>
+                                  </p:childTnLst>
+                                </p:cTn>
+                              </p:par>
+                            </p:childTnLst>
+                          </p:cTn>
+                        </p:par>
+                      </p:childTnLst>
+                    </p:cTn>
+                  </p:par>
+                  <p:par>
+                    <p:cTn id="49" fill="hold">
+                      <p:stCondLst>
+                        <p:cond delay="indefinite"/>
+                      </p:stCondLst>
+                      <p:childTnLst>
+                        <p:par>
+                          <p:cTn id="50" fill="hold">
+                            <p:stCondLst>
+                              <p:cond delay="0"/>
+                            </p:stCondLst>
+                            <p:childTnLst>
+                              <p:par>
+                                <p:cTn id="51" presetID="1" presetClass="entr" presetSubtype="0" fill="hold" nodeType="clickEffect">
+                                  <p:stCondLst>
+                                    <p:cond delay="0"/>
+                                  </p:stCondLst>
+                                  <p:childTnLst>
+                                    <p:set>
+                                      <p:cBhvr>
+                                        <p:cTn id="52" dur="1" fill="hold">
+                                          <p:stCondLst>
+                                            <p:cond delay="0"/>
+                                          </p:stCondLst>
+                                        </p:cTn>
+                                        <p:tgtEl>
+                                          <p:spTgt spid="26"/>
+                                        </p:tgtEl>
+                                        <p:attrNameLst>
+                                          <p:attrName>style.visibility</p:attrName>
+                                        </p:attrNameLst>
+                                      </p:cBhvr>
+                                      <p:to>
+                                        <p:strVal val="visible"/>
+                                      </p:to>
+                                    </p:set>
+                                  </p:childTnLst>
+                                </p:cTn>
+                              </p:par>
+                              <p:par>
+                                <p:cTn id="53" presetID="1" presetClass="entr" presetSubtype="0" fill="hold" grpId="0" nodeType="withEffect">
+                                  <p:stCondLst>
+                                    <p:cond delay="0"/>
+                                  </p:stCondLst>
+                                  <p:childTnLst>
+                                    <p:set>
+                                      <p:cBhvr>
+                                        <p:cTn id="54" dur="1" fill="hold">
+                                          <p:stCondLst>
+                                            <p:cond delay="0"/>
+                                          </p:stCondLst>
+                                        </p:cTn>
+                                        <p:tgtEl>
+                                          <p:spTgt spid="22"/>
                                         </p:tgtEl>
                                         <p:attrNameLst>
                                           <p:attrName>style.visibility</p:attrName>
@@ -7431,495 +6567,19 @@
       </p:par>
     </p:tnLst>
     <p:bldLst>
-      <p:bldP spid="3" grpId="0" build="p"/>
+      <p:bldP spid="3" grpId="0" uiExpand="1" build="p"/>
+      <p:bldP spid="5" grpId="0"/>
+      <p:bldP spid="6" grpId="0"/>
+      <p:bldP spid="7" grpId="0"/>
+      <p:bldP spid="21" grpId="0"/>
+      <p:bldP spid="22" grpId="0"/>
+      <p:bldP spid="23" grpId="0"/>
     </p:bldLst>
   </p:timing>
 </p:sld>
 </file>
 
-<file path=ppt/slides/slide5.xml><?xml version="1.0" encoding="utf-8"?>
-<p:sld xmlns:a="http://schemas.openxmlformats.org/drawingml/2006/main" xmlns:r="http://schemas.openxmlformats.org/officeDocument/2006/relationships" xmlns:p="http://schemas.openxmlformats.org/presentationml/2006/main">
-  <p:cSld>
-    <p:spTree>
-      <p:nvGrpSpPr>
-        <p:cNvPr id="1" name=""/>
-        <p:cNvGrpSpPr/>
-        <p:nvPr/>
-      </p:nvGrpSpPr>
-      <p:grpSpPr>
-        <a:xfrm>
-          <a:off x="0" y="0"/>
-          <a:ext cx="0" cy="0"/>
-          <a:chOff x="0" y="0"/>
-          <a:chExt cx="0" cy="0"/>
-        </a:xfrm>
-      </p:grpSpPr>
-      <p:sp>
-        <p:nvSpPr>
-          <p:cNvPr id="2" name="Title 1"/>
-          <p:cNvSpPr>
-            <a:spLocks noGrp="1"/>
-          </p:cNvSpPr>
-          <p:nvPr>
-            <p:ph type="title"/>
-          </p:nvPr>
-        </p:nvSpPr>
-        <p:spPr/>
-        <p:txBody>
-          <a:bodyPr/>
-          <a:lstStyle/>
-          <a:p>
-            <a:r>
-              <a:rPr lang="en-US" dirty="0"/>
-              <a:t>Angular Momentum</a:t>
-            </a:r>
-          </a:p>
-        </p:txBody>
-      </p:sp>
-      <mc:AlternateContent xmlns:mc="http://schemas.openxmlformats.org/markup-compatibility/2006" xmlns:a14="http://schemas.microsoft.com/office/drawing/2010/main">
-        <mc:Choice Requires="a14">
-          <p:sp>
-            <p:nvSpPr>
-              <p:cNvPr id="3" name="Content Placeholder 2"/>
-              <p:cNvSpPr>
-                <a:spLocks noGrp="1"/>
-              </p:cNvSpPr>
-              <p:nvPr>
-                <p:ph idx="1"/>
-              </p:nvPr>
-            </p:nvSpPr>
-            <p:spPr/>
-            <p:txBody>
-              <a:bodyPr>
-                <a:normAutofit fontScale="92500" lnSpcReduction="20000"/>
-              </a:bodyPr>
-              <a:lstStyle/>
-              <a:p>
-                <a:r>
-                  <a:rPr lang="en-US" dirty="0"/>
-                  <a:t>The angular momentum of a body at any given instant will be the mass moment of inertia of the body times the angular  velocity of that body.</a:t>
-                </a:r>
-              </a:p>
-              <a:p>
-                <a:pPr marL="0" indent="0">
-                  <a:buNone/>
-                </a:pPr>
-                <a14:m>
-                  <m:oMathPara xmlns:m="http://schemas.openxmlformats.org/officeDocument/2006/math">
-                    <m:oMathParaPr>
-                      <m:jc m:val="centerGroup"/>
-                    </m:oMathParaPr>
-                    <m:oMath xmlns:m="http://schemas.openxmlformats.org/officeDocument/2006/math">
-                      <m:r>
-                        <a:rPr lang="en-US" b="0" i="1" smtClean="0">
-                          <a:latin typeface="Cambria Math" panose="02040503050406030204" pitchFamily="18" charset="0"/>
-                        </a:rPr>
-                        <m:t>𝐼</m:t>
-                      </m:r>
-                      <m:r>
-                        <a:rPr lang="en-US" b="0" i="1" smtClean="0">
-                          <a:latin typeface="Cambria Math" panose="02040503050406030204" pitchFamily="18" charset="0"/>
-                        </a:rPr>
-                        <m:t>∗</m:t>
-                      </m:r>
-                      <m:acc>
-                        <m:accPr>
-                          <m:chr m:val="⃑"/>
-                          <m:ctrlPr>
-                            <a:rPr lang="en-US" i="1">
-                              <a:latin typeface="Cambria Math" panose="02040503050406030204" pitchFamily="18" charset="0"/>
-                            </a:rPr>
-                          </m:ctrlPr>
-                        </m:accPr>
-                        <m:e>
-                          <m:r>
-                            <m:rPr>
-                              <m:sty m:val="p"/>
-                            </m:rPr>
-                            <a:rPr lang="en-US">
-                              <a:latin typeface="Cambria Math" panose="02040503050406030204" pitchFamily="18" charset="0"/>
-                              <a:ea typeface="Cambria Math" panose="02040503050406030204" pitchFamily="18" charset="0"/>
-                            </a:rPr>
-                            <m:t>ω</m:t>
-                          </m:r>
-                        </m:e>
-                      </m:acc>
-                    </m:oMath>
-                  </m:oMathPara>
-                </a14:m>
-                <a:endParaRPr lang="en-US" b="0" dirty="0"/>
-              </a:p>
-              <a:p>
-                <a:r>
-                  <a:rPr lang="en-US" dirty="0"/>
-                  <a:t>This can be taken about a fixed axis of rotation, or about the center of mass of a body.</a:t>
-                </a:r>
-              </a:p>
-              <a:p>
-                <a:pPr lvl="1"/>
-                <a:r>
-                  <a:rPr lang="en-US" dirty="0"/>
-                  <a:t>Be sure to take moments and the mass moment of inertia about the same point.</a:t>
-                </a:r>
-              </a:p>
-              <a:p>
-                <a:r>
-                  <a:rPr lang="en-US" dirty="0"/>
-                  <a:t>The angular momentum has a direction as well.  The direction of the momentum will be the instantaneous direction of the angular velocity.</a:t>
-                </a:r>
-              </a:p>
-            </p:txBody>
-          </p:sp>
-        </mc:Choice>
-        <mc:Fallback xmlns="">
-          <p:sp>
-            <p:nvSpPr>
-              <p:cNvPr id="3" name="Content Placeholder 2"/>
-              <p:cNvSpPr>
-                <a:spLocks noGrp="1" noRot="1" noChangeAspect="1" noMove="1" noResize="1" noEditPoints="1" noAdjustHandles="1" noChangeArrowheads="1" noChangeShapeType="1" noTextEdit="1"/>
-              </p:cNvSpPr>
-              <p:nvPr>
-                <p:ph idx="1"/>
-              </p:nvPr>
-            </p:nvSpPr>
-            <p:spPr>
-              <a:blipFill>
-                <a:blip r:embed="rId2"/>
-                <a:stretch>
-                  <a:fillRect l="-1481" t="-3504" r="-2444" b="-943"/>
-                </a:stretch>
-              </a:blipFill>
-            </p:spPr>
-            <p:txBody>
-              <a:bodyPr/>
-              <a:lstStyle/>
-              <a:p>
-                <a:r>
-                  <a:rPr lang="en-US">
-                    <a:noFill/>
-                  </a:rPr>
-                  <a:t> </a:t>
-                </a:r>
-              </a:p>
-            </p:txBody>
-          </p:sp>
-        </mc:Fallback>
-      </mc:AlternateContent>
-      <p:sp>
-        <p:nvSpPr>
-          <p:cNvPr id="4" name="Slide Number Placeholder 3"/>
-          <p:cNvSpPr>
-            <a:spLocks noGrp="1"/>
-          </p:cNvSpPr>
-          <p:nvPr>
-            <p:ph type="sldNum" sz="quarter" idx="12"/>
-          </p:nvPr>
-        </p:nvSpPr>
-        <p:spPr/>
-        <p:txBody>
-          <a:bodyPr/>
-          <a:lstStyle/>
-          <a:p>
-            <a:fld id="{929262FE-7F58-4A1E-8AF3-5A510A86DEBD}" type="slidenum">
-              <a:rPr lang="en-US" smtClean="0"/>
-              <a:t>5</a:t>
-            </a:fld>
-            <a:endParaRPr lang="en-US"/>
-          </a:p>
-        </p:txBody>
-      </p:sp>
-    </p:spTree>
-    <p:extLst>
-      <p:ext uri="{BB962C8B-B14F-4D97-AF65-F5344CB8AC3E}">
-        <p14:creationId xmlns:p14="http://schemas.microsoft.com/office/powerpoint/2010/main" val="3037300278"/>
-      </p:ext>
-    </p:extLst>
-  </p:cSld>
-  <p:clrMapOvr>
-    <a:masterClrMapping/>
-  </p:clrMapOvr>
-  <p:timing>
-    <p:tnLst>
-      <p:par>
-        <p:cTn id="1" dur="indefinite" restart="never" nodeType="tmRoot">
-          <p:childTnLst>
-            <p:seq concurrent="1" nextAc="seek">
-              <p:cTn id="2" dur="indefinite" nodeType="mainSeq">
-                <p:childTnLst>
-                  <p:par>
-                    <p:cTn id="3" fill="hold">
-                      <p:stCondLst>
-                        <p:cond delay="indefinite"/>
-                      </p:stCondLst>
-                      <p:childTnLst>
-                        <p:par>
-                          <p:cTn id="4" fill="hold">
-                            <p:stCondLst>
-                              <p:cond delay="0"/>
-                            </p:stCondLst>
-                            <p:childTnLst>
-                              <p:par>
-                                <p:cTn id="5" presetID="1" presetClass="entr" presetSubtype="0" fill="hold" grpId="0" nodeType="clickEffect">
-                                  <p:stCondLst>
-                                    <p:cond delay="0"/>
-                                  </p:stCondLst>
-                                  <p:childTnLst>
-                                    <p:set>
-                                      <p:cBhvr>
-                                        <p:cTn id="6" dur="1" fill="hold">
-                                          <p:stCondLst>
-                                            <p:cond delay="0"/>
-                                          </p:stCondLst>
-                                        </p:cTn>
-                                        <p:tgtEl>
-                                          <p:spTgt spid="3">
-                                            <p:txEl>
-                                              <p:pRg st="0" end="0"/>
-                                            </p:txEl>
-                                          </p:spTgt>
-                                        </p:tgtEl>
-                                        <p:attrNameLst>
-                                          <p:attrName>style.visibility</p:attrName>
-                                        </p:attrNameLst>
-                                      </p:cBhvr>
-                                      <p:to>
-                                        <p:strVal val="visible"/>
-                                      </p:to>
-                                    </p:set>
-                                  </p:childTnLst>
-                                </p:cTn>
-                              </p:par>
-                            </p:childTnLst>
-                          </p:cTn>
-                        </p:par>
-                      </p:childTnLst>
-                    </p:cTn>
-                  </p:par>
-                  <p:par>
-                    <p:cTn id="7" fill="hold">
-                      <p:stCondLst>
-                        <p:cond delay="indefinite"/>
-                      </p:stCondLst>
-                      <p:childTnLst>
-                        <p:par>
-                          <p:cTn id="8" fill="hold">
-                            <p:stCondLst>
-                              <p:cond delay="0"/>
-                            </p:stCondLst>
-                            <p:childTnLst>
-                              <p:par>
-                                <p:cTn id="9" presetID="1" presetClass="entr" presetSubtype="0" fill="hold" grpId="0" nodeType="clickEffect">
-                                  <p:stCondLst>
-                                    <p:cond delay="0"/>
-                                  </p:stCondLst>
-                                  <p:childTnLst>
-                                    <p:set>
-                                      <p:cBhvr>
-                                        <p:cTn id="10" dur="1" fill="hold">
-                                          <p:stCondLst>
-                                            <p:cond delay="0"/>
-                                          </p:stCondLst>
-                                        </p:cTn>
-                                        <p:tgtEl>
-                                          <p:spTgt spid="3">
-                                            <p:txEl>
-                                              <p:pRg st="1" end="1"/>
-                                            </p:txEl>
-                                          </p:spTgt>
-                                        </p:tgtEl>
-                                        <p:attrNameLst>
-                                          <p:attrName>style.visibility</p:attrName>
-                                        </p:attrNameLst>
-                                      </p:cBhvr>
-                                      <p:to>
-                                        <p:strVal val="visible"/>
-                                      </p:to>
-                                    </p:set>
-                                  </p:childTnLst>
-                                </p:cTn>
-                              </p:par>
-                            </p:childTnLst>
-                          </p:cTn>
-                        </p:par>
-                      </p:childTnLst>
-                    </p:cTn>
-                  </p:par>
-                  <p:par>
-                    <p:cTn id="11" fill="hold">
-                      <p:stCondLst>
-                        <p:cond delay="indefinite"/>
-                      </p:stCondLst>
-                      <p:childTnLst>
-                        <p:par>
-                          <p:cTn id="12" fill="hold">
-                            <p:stCondLst>
-                              <p:cond delay="0"/>
-                            </p:stCondLst>
-                            <p:childTnLst>
-                              <p:par>
-                                <p:cTn id="13" presetID="1" presetClass="entr" presetSubtype="0" fill="hold" grpId="0" nodeType="clickEffect">
-                                  <p:stCondLst>
-                                    <p:cond delay="0"/>
-                                  </p:stCondLst>
-                                  <p:childTnLst>
-                                    <p:set>
-                                      <p:cBhvr>
-                                        <p:cTn id="14" dur="1" fill="hold">
-                                          <p:stCondLst>
-                                            <p:cond delay="0"/>
-                                          </p:stCondLst>
-                                        </p:cTn>
-                                        <p:tgtEl>
-                                          <p:spTgt spid="3">
-                                            <p:txEl>
-                                              <p:pRg st="2" end="2"/>
-                                            </p:txEl>
-                                          </p:spTgt>
-                                        </p:tgtEl>
-                                        <p:attrNameLst>
-                                          <p:attrName>style.visibility</p:attrName>
-                                        </p:attrNameLst>
-                                      </p:cBhvr>
-                                      <p:to>
-                                        <p:strVal val="visible"/>
-                                      </p:to>
-                                    </p:set>
-                                  </p:childTnLst>
-                                </p:cTn>
-                              </p:par>
-                            </p:childTnLst>
-                          </p:cTn>
-                        </p:par>
-                      </p:childTnLst>
-                    </p:cTn>
-                  </p:par>
-                  <p:par>
-                    <p:cTn id="15" fill="hold">
-                      <p:stCondLst>
-                        <p:cond delay="indefinite"/>
-                      </p:stCondLst>
-                      <p:childTnLst>
-                        <p:par>
-                          <p:cTn id="16" fill="hold">
-                            <p:stCondLst>
-                              <p:cond delay="0"/>
-                            </p:stCondLst>
-                            <p:childTnLst>
-                              <p:par>
-                                <p:cTn id="17" presetID="1" presetClass="entr" presetSubtype="0" fill="hold" grpId="0" nodeType="clickEffect">
-                                  <p:stCondLst>
-                                    <p:cond delay="0"/>
-                                  </p:stCondLst>
-                                  <p:childTnLst>
-                                    <p:set>
-                                      <p:cBhvr>
-                                        <p:cTn id="18" dur="1" fill="hold">
-                                          <p:stCondLst>
-                                            <p:cond delay="0"/>
-                                          </p:stCondLst>
-                                        </p:cTn>
-                                        <p:tgtEl>
-                                          <p:spTgt spid="3">
-                                            <p:txEl>
-                                              <p:pRg st="3" end="3"/>
-                                            </p:txEl>
-                                          </p:spTgt>
-                                        </p:tgtEl>
-                                        <p:attrNameLst>
-                                          <p:attrName>style.visibility</p:attrName>
-                                        </p:attrNameLst>
-                                      </p:cBhvr>
-                                      <p:to>
-                                        <p:strVal val="visible"/>
-                                      </p:to>
-                                    </p:set>
-                                  </p:childTnLst>
-                                </p:cTn>
-                              </p:par>
-                            </p:childTnLst>
-                          </p:cTn>
-                        </p:par>
-                      </p:childTnLst>
-                    </p:cTn>
-                  </p:par>
-                  <p:par>
-                    <p:cTn id="19" fill="hold">
-                      <p:stCondLst>
-                        <p:cond delay="indefinite"/>
-                      </p:stCondLst>
-                      <p:childTnLst>
-                        <p:par>
-                          <p:cTn id="20" fill="hold">
-                            <p:stCondLst>
-                              <p:cond delay="0"/>
-                            </p:stCondLst>
-                            <p:childTnLst>
-                              <p:par>
-                                <p:cTn id="21" presetID="1" presetClass="entr" presetSubtype="0" fill="hold" grpId="0" nodeType="clickEffect">
-                                  <p:stCondLst>
-                                    <p:cond delay="0"/>
-                                  </p:stCondLst>
-                                  <p:childTnLst>
-                                    <p:set>
-                                      <p:cBhvr>
-                                        <p:cTn id="22" dur="1" fill="hold">
-                                          <p:stCondLst>
-                                            <p:cond delay="0"/>
-                                          </p:stCondLst>
-                                        </p:cTn>
-                                        <p:tgtEl>
-                                          <p:spTgt spid="3">
-                                            <p:txEl>
-                                              <p:pRg st="4" end="4"/>
-                                            </p:txEl>
-                                          </p:spTgt>
-                                        </p:tgtEl>
-                                        <p:attrNameLst>
-                                          <p:attrName>style.visibility</p:attrName>
-                                        </p:attrNameLst>
-                                      </p:cBhvr>
-                                      <p:to>
-                                        <p:strVal val="visible"/>
-                                      </p:to>
-                                    </p:set>
-                                  </p:childTnLst>
-                                </p:cTn>
-                              </p:par>
-                            </p:childTnLst>
-                          </p:cTn>
-                        </p:par>
-                      </p:childTnLst>
-                    </p:cTn>
-                  </p:par>
-                </p:childTnLst>
-              </p:cTn>
-              <p:prevCondLst>
-                <p:cond evt="onPrev" delay="0">
-                  <p:tgtEl>
-                    <p:sldTgt/>
-                  </p:tgtEl>
-                </p:cond>
-              </p:prevCondLst>
-              <p:nextCondLst>
-                <p:cond evt="onNext" delay="0">
-                  <p:tgtEl>
-                    <p:sldTgt/>
-                  </p:tgtEl>
-                </p:cond>
-              </p:nextCondLst>
-            </p:seq>
-          </p:childTnLst>
-        </p:cTn>
-      </p:par>
-    </p:tnLst>
-    <p:bldLst>
-      <p:bldP spid="3" grpId="0" build="p"/>
-    </p:bldLst>
-  </p:timing>
-</p:sld>
-</file>
-
-<file path=ppt/slides/slide6.xml><?xml version="1.0" encoding="utf-8"?>
+<file path=ppt/slides/slide3.xml><?xml version="1.0" encoding="utf-8"?>
 <p:sld xmlns:a="http://schemas.openxmlformats.org/drawingml/2006/main" xmlns:r="http://schemas.openxmlformats.org/officeDocument/2006/relationships" xmlns:p="http://schemas.openxmlformats.org/presentationml/2006/main">
   <p:cSld>
     <p:spTree>
@@ -7966,8 +6626,8 @@
           </a:p>
         </p:txBody>
       </p:sp>
-      <mc:AlternateContent xmlns:mc="http://schemas.openxmlformats.org/markup-compatibility/2006" xmlns:a14="http://schemas.microsoft.com/office/drawing/2010/main">
-        <mc:Choice Requires="a14">
+      <mc:AlternateContent xmlns:mc="http://schemas.openxmlformats.org/markup-compatibility/2006">
+        <mc:Choice xmlns:a14="http://schemas.microsoft.com/office/drawing/2010/main" Requires="a14">
           <p:sp>
             <p:nvSpPr>
               <p:cNvPr id="3" name="Content Placeholder 2">
@@ -7987,18 +6647,26 @@
             <p:spPr>
               <a:xfrm>
                 <a:off x="457200" y="1600200"/>
-                <a:ext cx="5105400" cy="4756150"/>
+                <a:ext cx="5334000" cy="4756150"/>
               </a:xfrm>
             </p:spPr>
             <p:txBody>
               <a:bodyPr>
-                <a:normAutofit fontScale="77500" lnSpcReduction="20000"/>
+                <a:normAutofit fontScale="85000" lnSpcReduction="10000"/>
               </a:bodyPr>
               <a:lstStyle/>
               <a:p>
                 <a:r>
                   <a:rPr lang="en-US" dirty="0"/>
-                  <a:t>When examining a fixed axis system, we will just use the rotational impulse momentum equation, balancing the impulse with the change in momentum. </a:t>
+                  <a:t>When examining a </a:t>
+                </a:r>
+                <a:r>
+                  <a:rPr lang="en-US" b="1" dirty="0"/>
+                  <a:t>fixed axis system</a:t>
+                </a:r>
+                <a:r>
+                  <a:rPr lang="en-US" dirty="0"/>
+                  <a:t>, we will just use the rotational impulse momentum equation, balancing the impulse with the change in momentum. </a:t>
                 </a:r>
               </a:p>
               <a:p>
@@ -8114,14 +6782,15 @@
               <a:p>
                 <a:r>
                   <a:rPr lang="en-US" dirty="0"/>
-                  <a:t>It is important to note that if a body changes shape it will change its mass moment of inertia.</a:t>
+                  <a:t>For this equation however, we need to be sure to be consistent and take </a:t>
                 </a:r>
-              </a:p>
-              <a:p>
-                <a:pPr lvl="1"/>
+                <a:r>
+                  <a:rPr lang="en-US" b="1" dirty="0"/>
+                  <a:t>all moments and mass moments of inertia about the same point</a:t>
+                </a:r>
                 <a:r>
                   <a:rPr lang="en-US" dirty="0"/>
-                  <a:t>For example, when the figure skater on the right pulls in her arms she reduces her mass moment of inertia. In the absence of an angular impulse, this will lead to an increase in angular velocity.</a:t>
+                  <a:t>. </a:t>
                 </a:r>
               </a:p>
               <a:p>
@@ -8133,7 +6802,7 @@
             </p:txBody>
           </p:sp>
         </mc:Choice>
-        <mc:Fallback xmlns="">
+        <mc:Fallback>
           <p:sp>
             <p:nvSpPr>
               <p:cNvPr id="3" name="Content Placeholder 2">
@@ -8153,12 +6822,12 @@
             <p:spPr>
               <a:xfrm>
                 <a:off x="457200" y="1600200"/>
-                <a:ext cx="5105400" cy="4756150"/>
+                <a:ext cx="5334000" cy="4756150"/>
               </a:xfrm>
               <a:blipFill>
                 <a:blip r:embed="rId2"/>
                 <a:stretch>
-                  <a:fillRect l="-1671" t="-2436" r="-955" b="-769"/>
+                  <a:fillRect l="-1943" t="-2051"/>
                 </a:stretch>
               </a:blipFill>
             </p:spPr>
@@ -8200,7 +6869,7 @@
           <a:p>
             <a:fld id="{929262FE-7F58-4A1E-8AF3-5A510A86DEBD}" type="slidenum">
               <a:rPr lang="en-US" smtClean="0"/>
-              <a:t>6</a:t>
+              <a:t>3</a:t>
             </a:fld>
             <a:endParaRPr lang="en-US" dirty="0"/>
           </a:p>
@@ -8208,10 +6877,10 @@
       </p:sp>
       <p:pic>
         <p:nvPicPr>
-          <p:cNvPr id="2050" name="Picture 2" descr="A figure skater in a spin">
+          <p:cNvPr id="6" name="Picture 2" descr="Problem 1 Diagram">
             <a:extLst>
               <a:ext uri="{FF2B5EF4-FFF2-40B4-BE49-F238E27FC236}">
-                <a16:creationId xmlns:a16="http://schemas.microsoft.com/office/drawing/2014/main" id="{1325DB7D-4F5B-4C0A-A726-5096EF02EDD3}"/>
+                <a16:creationId xmlns:a16="http://schemas.microsoft.com/office/drawing/2014/main" id="{ED9E4F55-90B4-6987-2973-3E94D29C4742}"/>
               </a:ext>
             </a:extLst>
           </p:cNvPr>
@@ -8235,8 +6904,8 @@
         </p:blipFill>
         <p:spPr bwMode="auto">
           <a:xfrm>
-            <a:off x="6034930" y="1870074"/>
-            <a:ext cx="2381250" cy="3876675"/>
+            <a:off x="5867400" y="2514600"/>
+            <a:ext cx="2898274" cy="2065020"/>
           </a:xfrm>
           <a:prstGeom prst="rect">
             <a:avLst/>
@@ -8255,10 +6924,10 @@
       </p:pic>
       <p:sp>
         <p:nvSpPr>
-          <p:cNvPr id="5" name="TextBox 4">
+          <p:cNvPr id="7" name="TextBox 6">
             <a:extLst>
               <a:ext uri="{FF2B5EF4-FFF2-40B4-BE49-F238E27FC236}">
-                <a16:creationId xmlns:a16="http://schemas.microsoft.com/office/drawing/2014/main" id="{83DADEA6-0EED-4A96-A981-49A490B3724B}"/>
+                <a16:creationId xmlns:a16="http://schemas.microsoft.com/office/drawing/2014/main" id="{A8FB8136-C5E4-B1EC-DFE6-4B8C5E39C9A4}"/>
               </a:ext>
             </a:extLst>
           </p:cNvPr>
@@ -8267,8 +6936,8 @@
         </p:nvSpPr>
         <p:spPr>
           <a:xfrm>
-            <a:off x="5562600" y="5802868"/>
-            <a:ext cx="3325910" cy="369332"/>
+            <a:off x="5927224" y="4641054"/>
+            <a:ext cx="2914650" cy="646331"/>
           </a:xfrm>
           <a:prstGeom prst="rect">
             <a:avLst/>
@@ -8276,20 +6945,15 @@
           <a:noFill/>
         </p:spPr>
         <p:txBody>
-          <a:bodyPr wrap="none" rtlCol="0">
+          <a:bodyPr wrap="square" rtlCol="0">
             <a:spAutoFit/>
           </a:bodyPr>
           <a:lstStyle/>
           <a:p>
             <a:r>
               <a:rPr lang="en-US" dirty="0"/>
-              <a:t>Public Domain image by </a:t>
-            </a:r>
-            <a:r>
-              <a:rPr lang="en-US" dirty="0" err="1"/>
-              <a:t>deerstop</a:t>
-            </a:r>
-            <a:endParaRPr lang="en-US" dirty="0"/>
+              <a:t>Public domain image by John F. Looney</a:t>
+            </a:r>
           </a:p>
         </p:txBody>
       </p:sp>
@@ -8422,7 +7086,7 @@
                             </p:stCondLst>
                             <p:childTnLst>
                               <p:par>
-                                <p:cTn id="13" presetID="1" presetClass="entr" presetSubtype="0" fill="hold" grpId="0" nodeType="clickEffect">
+                                <p:cTn id="13" presetID="10" presetClass="entr" presetSubtype="0" fill="hold" nodeType="clickEffect">
                                   <p:stCondLst>
                                     <p:cond delay="0"/>
                                   </p:stCondLst>
@@ -8430,6 +7094,94 @@
                                     <p:set>
                                       <p:cBhvr>
                                         <p:cTn id="14" dur="1" fill="hold">
+                                          <p:stCondLst>
+                                            <p:cond delay="0"/>
+                                          </p:stCondLst>
+                                        </p:cTn>
+                                        <p:tgtEl>
+                                          <p:spTgt spid="6"/>
+                                        </p:tgtEl>
+                                        <p:attrNameLst>
+                                          <p:attrName>style.visibility</p:attrName>
+                                        </p:attrNameLst>
+                                      </p:cBhvr>
+                                      <p:to>
+                                        <p:strVal val="visible"/>
+                                      </p:to>
+                                    </p:set>
+                                    <p:animEffect transition="in" filter="fade">
+                                      <p:cBhvr>
+                                        <p:cTn id="15" dur="500"/>
+                                        <p:tgtEl>
+                                          <p:spTgt spid="6"/>
+                                        </p:tgtEl>
+                                      </p:cBhvr>
+                                    </p:animEffect>
+                                  </p:childTnLst>
+                                </p:cTn>
+                              </p:par>
+                              <p:par>
+                                <p:cTn id="16" presetID="10" presetClass="entr" presetSubtype="0" fill="hold" grpId="0" nodeType="withEffect">
+                                  <p:stCondLst>
+                                    <p:cond delay="0"/>
+                                  </p:stCondLst>
+                                  <p:childTnLst>
+                                    <p:set>
+                                      <p:cBhvr>
+                                        <p:cTn id="17" dur="1" fill="hold">
+                                          <p:stCondLst>
+                                            <p:cond delay="0"/>
+                                          </p:stCondLst>
+                                        </p:cTn>
+                                        <p:tgtEl>
+                                          <p:spTgt spid="7"/>
+                                        </p:tgtEl>
+                                        <p:attrNameLst>
+                                          <p:attrName>style.visibility</p:attrName>
+                                        </p:attrNameLst>
+                                      </p:cBhvr>
+                                      <p:to>
+                                        <p:strVal val="visible"/>
+                                      </p:to>
+                                    </p:set>
+                                    <p:animEffect transition="in" filter="fade">
+                                      <p:cBhvr>
+                                        <p:cTn id="18" dur="500"/>
+                                        <p:tgtEl>
+                                          <p:spTgt spid="7"/>
+                                        </p:tgtEl>
+                                      </p:cBhvr>
+                                    </p:animEffect>
+                                  </p:childTnLst>
+                                </p:cTn>
+                              </p:par>
+                            </p:childTnLst>
+                          </p:cTn>
+                        </p:par>
+                      </p:childTnLst>
+                    </p:cTn>
+                  </p:par>
+                  <p:par>
+                    <p:cTn id="19" fill="hold">
+                      <p:stCondLst>
+                        <p:cond delay="indefinite"/>
+                      </p:stCondLst>
+                      <p:childTnLst>
+                        <p:par>
+                          <p:cTn id="20" fill="hold">
+                            <p:stCondLst>
+                              <p:cond delay="0"/>
+                            </p:stCondLst>
+                            <p:childTnLst>
+                              <p:par>
+                                <p:cTn id="21" presetID="1" presetClass="entr" presetSubtype="0" fill="hold" grpId="0" nodeType="clickEffect">
+                                  <p:stCondLst>
+                                    <p:cond delay="0"/>
+                                  </p:stCondLst>
+                                  <p:childTnLst>
+                                    <p:set>
+                                      <p:cBhvr>
+                                        <p:cTn id="22" dur="1" fill="hold">
                                           <p:stCondLst>
                                             <p:cond delay="0"/>
                                           </p:stCondLst>
@@ -8449,125 +7201,6 @@
                                         <p:strVal val="visible"/>
                                       </p:to>
                                     </p:set>
-                                  </p:childTnLst>
-                                </p:cTn>
-                              </p:par>
-                            </p:childTnLst>
-                          </p:cTn>
-                        </p:par>
-                      </p:childTnLst>
-                    </p:cTn>
-                  </p:par>
-                  <p:par>
-                    <p:cTn id="15" fill="hold">
-                      <p:stCondLst>
-                        <p:cond delay="indefinite"/>
-                      </p:stCondLst>
-                      <p:childTnLst>
-                        <p:par>
-                          <p:cTn id="16" fill="hold">
-                            <p:stCondLst>
-                              <p:cond delay="0"/>
-                            </p:stCondLst>
-                            <p:childTnLst>
-                              <p:par>
-                                <p:cTn id="17" presetID="1" presetClass="entr" presetSubtype="0" fill="hold" grpId="0" nodeType="clickEffect">
-                                  <p:stCondLst>
-                                    <p:cond delay="0"/>
-                                  </p:stCondLst>
-                                  <p:childTnLst>
-                                    <p:set>
-                                      <p:cBhvr>
-                                        <p:cTn id="18" dur="1" fill="hold">
-                                          <p:stCondLst>
-                                            <p:cond delay="0"/>
-                                          </p:stCondLst>
-                                        </p:cTn>
-                                        <p:tgtEl>
-                                          <p:spTgt spid="3">
-                                            <p:txEl>
-                                              <p:pRg st="3" end="3"/>
-                                            </p:txEl>
-                                          </p:spTgt>
-                                        </p:tgtEl>
-                                        <p:attrNameLst>
-                                          <p:attrName>style.visibility</p:attrName>
-                                        </p:attrNameLst>
-                                      </p:cBhvr>
-                                      <p:to>
-                                        <p:strVal val="visible"/>
-                                      </p:to>
-                                    </p:set>
-                                  </p:childTnLst>
-                                </p:cTn>
-                              </p:par>
-                              <p:par>
-                                <p:cTn id="19" presetID="10" presetClass="entr" presetSubtype="0" fill="hold" nodeType="withEffect">
-                                  <p:stCondLst>
-                                    <p:cond delay="0"/>
-                                  </p:stCondLst>
-                                  <p:childTnLst>
-                                    <p:set>
-                                      <p:cBhvr>
-                                        <p:cTn id="20" dur="1" fill="hold">
-                                          <p:stCondLst>
-                                            <p:cond delay="0"/>
-                                          </p:stCondLst>
-                                        </p:cTn>
-                                        <p:tgtEl>
-                                          <p:spTgt spid="2050"/>
-                                        </p:tgtEl>
-                                        <p:attrNameLst>
-                                          <p:attrName>style.visibility</p:attrName>
-                                        </p:attrNameLst>
-                                      </p:cBhvr>
-                                      <p:to>
-                                        <p:strVal val="visible"/>
-                                      </p:to>
-                                    </p:set>
-                                    <p:animEffect transition="in" filter="fade">
-                                      <p:cBhvr>
-                                        <p:cTn id="21" dur="500"/>
-                                        <p:tgtEl>
-                                          <p:spTgt spid="2050"/>
-                                        </p:tgtEl>
-                                      </p:cBhvr>
-                                    </p:animEffect>
-                                  </p:childTnLst>
-                                </p:cTn>
-                              </p:par>
-                              <p:par>
-                                <p:cTn id="22" presetID="10" presetClass="entr" presetSubtype="0" fill="hold" grpId="0" nodeType="withEffect">
-                                  <p:stCondLst>
-                                    <p:cond delay="0"/>
-                                  </p:stCondLst>
-                                  <p:childTnLst>
-                                    <p:set>
-                                      <p:cBhvr>
-                                        <p:cTn id="23" dur="1" fill="hold">
-                                          <p:stCondLst>
-                                            <p:cond delay="0"/>
-                                          </p:stCondLst>
-                                        </p:cTn>
-                                        <p:tgtEl>
-                                          <p:spTgt spid="5"/>
-                                        </p:tgtEl>
-                                        <p:attrNameLst>
-                                          <p:attrName>style.visibility</p:attrName>
-                                        </p:attrNameLst>
-                                      </p:cBhvr>
-                                      <p:to>
-                                        <p:strVal val="visible"/>
-                                      </p:to>
-                                    </p:set>
-                                    <p:animEffect transition="in" filter="fade">
-                                      <p:cBhvr>
-                                        <p:cTn id="24" dur="500"/>
-                                        <p:tgtEl>
-                                          <p:spTgt spid="5"/>
-                                        </p:tgtEl>
-                                      </p:cBhvr>
-                                    </p:animEffect>
                                   </p:childTnLst>
                                 </p:cTn>
                               </p:par>
@@ -8599,14 +7232,14 @@
       </p:par>
     </p:tnLst>
     <p:bldLst>
-      <p:bldP spid="3" grpId="0" build="p"/>
-      <p:bldP spid="5" grpId="0"/>
+      <p:bldP spid="3" grpId="0" uiExpand="1" build="p"/>
+      <p:bldP spid="7" grpId="0"/>
     </p:bldLst>
   </p:timing>
 </p:sld>
 </file>
 
-<file path=ppt/slides/slide7.xml><?xml version="1.0" encoding="utf-8"?>
+<file path=ppt/slides/slide4.xml><?xml version="1.0" encoding="utf-8"?>
 <p:sld xmlns:a="http://schemas.openxmlformats.org/drawingml/2006/main" xmlns:r="http://schemas.openxmlformats.org/officeDocument/2006/relationships" xmlns:p="http://schemas.openxmlformats.org/presentationml/2006/main">
   <p:cSld>
     <p:spTree>
@@ -8653,8 +7286,8 @@
           </a:p>
         </p:txBody>
       </p:sp>
-      <mc:AlternateContent xmlns:mc="http://schemas.openxmlformats.org/markup-compatibility/2006" xmlns:a14="http://schemas.microsoft.com/office/drawing/2010/main">
-        <mc:Choice Requires="a14">
+      <mc:AlternateContent xmlns:mc="http://schemas.openxmlformats.org/markup-compatibility/2006">
+        <mc:Choice xmlns:a14="http://schemas.microsoft.com/office/drawing/2010/main" Requires="a14">
           <p:sp>
             <p:nvSpPr>
               <p:cNvPr id="3" name="Content Placeholder 2">
@@ -8685,7 +7318,15 @@
               <a:p>
                 <a:r>
                   <a:rPr lang="en-US" dirty="0"/>
-                  <a:t>When examining a body is both translating and rotating, we can use both the translational impulse momentum equations…</a:t>
+                  <a:t>When examining a body is both translating and rotating in </a:t>
+                </a:r>
+                <a:r>
+                  <a:rPr lang="en-US" b="1" dirty="0"/>
+                  <a:t>2 dimensions</a:t>
+                </a:r>
+                <a:r>
+                  <a:rPr lang="en-US" dirty="0"/>
+                  <a:t>, we can use both the translational impulse momentum equations…</a:t>
                 </a:r>
               </a:p>
               <a:p>
@@ -9079,7 +7720,7 @@
             </p:txBody>
           </p:sp>
         </mc:Choice>
-        <mc:Fallback xmlns="">
+        <mc:Fallback>
           <p:sp>
             <p:nvSpPr>
               <p:cNvPr id="3" name="Content Placeholder 2">
@@ -9146,7 +7787,7 @@
           <a:p>
             <a:fld id="{929262FE-7F58-4A1E-8AF3-5A510A86DEBD}" type="slidenum">
               <a:rPr lang="en-US" smtClean="0"/>
-              <a:t>7</a:t>
+              <a:t>4</a:t>
             </a:fld>
             <a:endParaRPr lang="en-US" dirty="0"/>
           </a:p>
@@ -9492,7 +8133,1343 @@
 </p:sld>
 </file>
 
-<file path=ppt/slides/slide8.xml><?xml version="1.0" encoding="utf-8"?>
+<file path=ppt/slides/slide5.xml><?xml version="1.0" encoding="utf-8"?>
+<p:sld xmlns:a="http://schemas.openxmlformats.org/drawingml/2006/main" xmlns:r="http://schemas.openxmlformats.org/officeDocument/2006/relationships" xmlns:p="http://schemas.openxmlformats.org/presentationml/2006/main">
+  <p:cSld>
+    <p:spTree>
+      <p:nvGrpSpPr>
+        <p:cNvPr id="1" name=""/>
+        <p:cNvGrpSpPr/>
+        <p:nvPr/>
+      </p:nvGrpSpPr>
+      <p:grpSpPr>
+        <a:xfrm>
+          <a:off x="0" y="0"/>
+          <a:ext cx="0" cy="0"/>
+          <a:chOff x="0" y="0"/>
+          <a:chExt cx="0" cy="0"/>
+        </a:xfrm>
+      </p:grpSpPr>
+      <p:grpSp>
+        <p:nvGrpSpPr>
+          <p:cNvPr id="27" name="Group 26">
+            <a:extLst>
+              <a:ext uri="{FF2B5EF4-FFF2-40B4-BE49-F238E27FC236}">
+                <a16:creationId xmlns:a16="http://schemas.microsoft.com/office/drawing/2014/main" id="{A871C29D-AB78-AEEA-6AA1-84ECBE748F0B}"/>
+              </a:ext>
+            </a:extLst>
+          </p:cNvPr>
+          <p:cNvGrpSpPr/>
+          <p:nvPr/>
+        </p:nvGrpSpPr>
+        <p:grpSpPr>
+          <a:xfrm>
+            <a:off x="0" y="3730319"/>
+            <a:ext cx="9144000" cy="3127675"/>
+            <a:chOff x="0" y="3730319"/>
+            <a:chExt cx="9144000" cy="3127675"/>
+          </a:xfrm>
+        </p:grpSpPr>
+        <p:sp>
+          <p:nvSpPr>
+            <p:cNvPr id="22" name="Rectangle 21">
+              <a:extLst>
+                <a:ext uri="{FF2B5EF4-FFF2-40B4-BE49-F238E27FC236}">
+                  <a16:creationId xmlns:a16="http://schemas.microsoft.com/office/drawing/2014/main" id="{D58330D9-309B-7CEC-CFA5-F90F9403531D}"/>
+                </a:ext>
+              </a:extLst>
+            </p:cNvPr>
+            <p:cNvSpPr/>
+            <p:nvPr/>
+          </p:nvSpPr>
+          <p:spPr>
+            <a:xfrm>
+              <a:off x="0" y="5867399"/>
+              <a:ext cx="9144000" cy="990595"/>
+            </a:xfrm>
+            <a:prstGeom prst="rect">
+              <a:avLst/>
+            </a:prstGeom>
+            <a:solidFill>
+              <a:schemeClr val="bg2">
+                <a:lumMod val="90000"/>
+              </a:schemeClr>
+            </a:solidFill>
+            <a:ln>
+              <a:solidFill>
+                <a:schemeClr val="bg2">
+                  <a:lumMod val="50000"/>
+                </a:schemeClr>
+              </a:solidFill>
+            </a:ln>
+          </p:spPr>
+          <p:style>
+            <a:lnRef idx="2">
+              <a:schemeClr val="accent1">
+                <a:shade val="50000"/>
+              </a:schemeClr>
+            </a:lnRef>
+            <a:fillRef idx="1">
+              <a:schemeClr val="accent1"/>
+            </a:fillRef>
+            <a:effectRef idx="0">
+              <a:schemeClr val="accent1"/>
+            </a:effectRef>
+            <a:fontRef idx="minor">
+              <a:schemeClr val="lt1"/>
+            </a:fontRef>
+          </p:style>
+          <p:txBody>
+            <a:bodyPr rtlCol="0" anchor="ctr"/>
+            <a:lstStyle/>
+            <a:p>
+              <a:pPr algn="ctr"/>
+              <a:endParaRPr lang="en-US"/>
+            </a:p>
+          </p:txBody>
+        </p:sp>
+        <p:sp>
+          <p:nvSpPr>
+            <p:cNvPr id="7" name="Oval 6">
+              <a:extLst>
+                <a:ext uri="{FF2B5EF4-FFF2-40B4-BE49-F238E27FC236}">
+                  <a16:creationId xmlns:a16="http://schemas.microsoft.com/office/drawing/2014/main" id="{A05BC29C-717E-61EB-D166-7AE60707557C}"/>
+                </a:ext>
+              </a:extLst>
+            </p:cNvPr>
+            <p:cNvSpPr/>
+            <p:nvPr/>
+          </p:nvSpPr>
+          <p:spPr>
+            <a:xfrm>
+              <a:off x="1473995" y="4495800"/>
+              <a:ext cx="1371600" cy="1371600"/>
+            </a:xfrm>
+            <a:prstGeom prst="ellipse">
+              <a:avLst/>
+            </a:prstGeom>
+          </p:spPr>
+          <p:style>
+            <a:lnRef idx="2">
+              <a:schemeClr val="accent3">
+                <a:shade val="50000"/>
+              </a:schemeClr>
+            </a:lnRef>
+            <a:fillRef idx="1">
+              <a:schemeClr val="accent3"/>
+            </a:fillRef>
+            <a:effectRef idx="0">
+              <a:schemeClr val="accent3"/>
+            </a:effectRef>
+            <a:fontRef idx="minor">
+              <a:schemeClr val="lt1"/>
+            </a:fontRef>
+          </p:style>
+          <p:txBody>
+            <a:bodyPr rtlCol="0" anchor="ctr"/>
+            <a:lstStyle/>
+            <a:p>
+              <a:pPr algn="ctr"/>
+              <a:r>
+                <a:rPr lang="en-US" dirty="0"/>
+                <a:t>m = 3kg</a:t>
+              </a:r>
+            </a:p>
+          </p:txBody>
+        </p:sp>
+        <p:cxnSp>
+          <p:nvCxnSpPr>
+            <p:cNvPr id="8" name="Straight Arrow Connector 7">
+              <a:extLst>
+                <a:ext uri="{FF2B5EF4-FFF2-40B4-BE49-F238E27FC236}">
+                  <a16:creationId xmlns:a16="http://schemas.microsoft.com/office/drawing/2014/main" id="{D1FB54D9-DD49-3A8D-A54F-4E2623891607}"/>
+                </a:ext>
+              </a:extLst>
+            </p:cNvPr>
+            <p:cNvCxnSpPr>
+              <a:cxnSpLocks/>
+            </p:cNvCxnSpPr>
+            <p:nvPr/>
+          </p:nvCxnSpPr>
+          <p:spPr>
+            <a:xfrm>
+              <a:off x="3093428" y="5203831"/>
+              <a:ext cx="607630" cy="0"/>
+            </a:xfrm>
+            <a:prstGeom prst="straightConnector1">
+              <a:avLst/>
+            </a:prstGeom>
+            <a:ln>
+              <a:prstDash val="lgDash"/>
+              <a:tailEnd type="arrow"/>
+            </a:ln>
+          </p:spPr>
+          <p:style>
+            <a:lnRef idx="1">
+              <a:schemeClr val="accent1"/>
+            </a:lnRef>
+            <a:fillRef idx="0">
+              <a:schemeClr val="accent1"/>
+            </a:fillRef>
+            <a:effectRef idx="0">
+              <a:schemeClr val="accent1"/>
+            </a:effectRef>
+            <a:fontRef idx="minor">
+              <a:schemeClr val="tx1"/>
+            </a:fontRef>
+          </p:style>
+        </p:cxnSp>
+        <p:cxnSp>
+          <p:nvCxnSpPr>
+            <p:cNvPr id="9" name="Straight Arrow Connector 8">
+              <a:extLst>
+                <a:ext uri="{FF2B5EF4-FFF2-40B4-BE49-F238E27FC236}">
+                  <a16:creationId xmlns:a16="http://schemas.microsoft.com/office/drawing/2014/main" id="{7BDFB1A9-9779-50EF-2A91-3A3086BB0E58}"/>
+                </a:ext>
+              </a:extLst>
+            </p:cNvPr>
+            <p:cNvCxnSpPr>
+              <a:cxnSpLocks/>
+            </p:cNvCxnSpPr>
+            <p:nvPr/>
+          </p:nvCxnSpPr>
+          <p:spPr>
+            <a:xfrm flipH="1">
+              <a:off x="3657600" y="5867399"/>
+              <a:ext cx="679743" cy="0"/>
+            </a:xfrm>
+            <a:prstGeom prst="straightConnector1">
+              <a:avLst/>
+            </a:prstGeom>
+            <a:ln>
+              <a:solidFill>
+                <a:srgbClr val="FF0000"/>
+              </a:solidFill>
+              <a:tailEnd type="arrow"/>
+            </a:ln>
+          </p:spPr>
+          <p:style>
+            <a:lnRef idx="3">
+              <a:schemeClr val="dk1"/>
+            </a:lnRef>
+            <a:fillRef idx="0">
+              <a:schemeClr val="dk1"/>
+            </a:fillRef>
+            <a:effectRef idx="2">
+              <a:schemeClr val="dk1"/>
+            </a:effectRef>
+            <a:fontRef idx="minor">
+              <a:schemeClr val="tx1"/>
+            </a:fontRef>
+          </p:style>
+        </p:cxnSp>
+        <mc:AlternateContent xmlns:mc="http://schemas.openxmlformats.org/markup-compatibility/2006">
+          <mc:Choice xmlns:a14="http://schemas.microsoft.com/office/drawing/2010/main" Requires="a14">
+            <p:sp>
+              <p:nvSpPr>
+                <p:cNvPr id="10" name="TextBox 9">
+                  <a:extLst>
+                    <a:ext uri="{FF2B5EF4-FFF2-40B4-BE49-F238E27FC236}">
+                      <a16:creationId xmlns:a16="http://schemas.microsoft.com/office/drawing/2014/main" id="{BB945C77-9A7E-7685-49A1-4F9FA67E4F1E}"/>
+                    </a:ext>
+                  </a:extLst>
+                </p:cNvPr>
+                <p:cNvSpPr txBox="1"/>
+                <p:nvPr/>
+              </p:nvSpPr>
+              <p:spPr>
+                <a:xfrm>
+                  <a:off x="3470016" y="5355413"/>
+                  <a:ext cx="1067023" cy="395558"/>
+                </a:xfrm>
+                <a:prstGeom prst="rect">
+                  <a:avLst/>
+                </a:prstGeom>
+                <a:noFill/>
+              </p:spPr>
+              <p:txBody>
+                <a:bodyPr wrap="none" rtlCol="0">
+                  <a:spAutoFit/>
+                </a:bodyPr>
+                <a:lstStyle/>
+                <a:p>
+                  <a:pPr/>
+                  <a14:m>
+                    <m:oMathPara xmlns:m="http://schemas.openxmlformats.org/officeDocument/2006/math">
+                      <m:oMathParaPr>
+                        <m:jc m:val="centerGroup"/>
+                      </m:oMathParaPr>
+                      <m:oMath xmlns:m="http://schemas.openxmlformats.org/officeDocument/2006/math">
+                        <m:sSub>
+                          <m:sSubPr>
+                            <m:ctrlPr>
+                              <a:rPr lang="en-US" b="1" i="1" smtClean="0">
+                                <a:solidFill>
+                                  <a:srgbClr val="FF0000"/>
+                                </a:solidFill>
+                                <a:latin typeface="Cambria Math" panose="02040503050406030204" pitchFamily="18" charset="0"/>
+                              </a:rPr>
+                            </m:ctrlPr>
+                          </m:sSubPr>
+                          <m:e>
+                            <m:r>
+                              <a:rPr lang="en-US" b="1" i="0" smtClean="0">
+                                <a:solidFill>
+                                  <a:srgbClr val="FF0000"/>
+                                </a:solidFill>
+                                <a:latin typeface="Cambria Math"/>
+                              </a:rPr>
+                              <m:t>𝐅</m:t>
+                            </m:r>
+                          </m:e>
+                          <m:sub>
+                            <m:r>
+                              <a:rPr lang="en-US" b="1" i="1" smtClean="0">
+                                <a:solidFill>
+                                  <a:srgbClr val="FF0000"/>
+                                </a:solidFill>
+                                <a:latin typeface="Cambria Math" panose="02040503050406030204" pitchFamily="18" charset="0"/>
+                              </a:rPr>
+                              <m:t>𝒇𝒓𝒊𝒄𝒕𝒊𝒐𝒏</m:t>
+                            </m:r>
+                          </m:sub>
+                        </m:sSub>
+                      </m:oMath>
+                    </m:oMathPara>
+                  </a14:m>
+                  <a:endParaRPr lang="en-US" b="1" dirty="0"/>
+                </a:p>
+              </p:txBody>
+            </p:sp>
+          </mc:Choice>
+          <mc:Fallback>
+            <p:sp>
+              <p:nvSpPr>
+                <p:cNvPr id="10" name="TextBox 9">
+                  <a:extLst>
+                    <a:ext uri="{FF2B5EF4-FFF2-40B4-BE49-F238E27FC236}">
+                      <a16:creationId xmlns:a16="http://schemas.microsoft.com/office/drawing/2014/main" id="{BB945C77-9A7E-7685-49A1-4F9FA67E4F1E}"/>
+                    </a:ext>
+                  </a:extLst>
+                </p:cNvPr>
+                <p:cNvSpPr txBox="1">
+                  <a:spLocks noRot="1" noChangeAspect="1" noMove="1" noResize="1" noEditPoints="1" noAdjustHandles="1" noChangeArrowheads="1" noChangeShapeType="1" noTextEdit="1"/>
+                </p:cNvSpPr>
+                <p:nvPr/>
+              </p:nvSpPr>
+              <p:spPr>
+                <a:xfrm>
+                  <a:off x="3470016" y="5355413"/>
+                  <a:ext cx="1067023" cy="395558"/>
+                </a:xfrm>
+                <a:prstGeom prst="rect">
+                  <a:avLst/>
+                </a:prstGeom>
+                <a:blipFill>
+                  <a:blip r:embed="rId2"/>
+                  <a:stretch>
+                    <a:fillRect b="-10938"/>
+                  </a:stretch>
+                </a:blipFill>
+              </p:spPr>
+              <p:txBody>
+                <a:bodyPr/>
+                <a:lstStyle/>
+                <a:p>
+                  <a:r>
+                    <a:rPr lang="en-US">
+                      <a:noFill/>
+                    </a:rPr>
+                    <a:t> </a:t>
+                  </a:r>
+                </a:p>
+              </p:txBody>
+            </p:sp>
+          </mc:Fallback>
+        </mc:AlternateContent>
+        <p:sp>
+          <p:nvSpPr>
+            <p:cNvPr id="11" name="Oval 10">
+              <a:extLst>
+                <a:ext uri="{FF2B5EF4-FFF2-40B4-BE49-F238E27FC236}">
+                  <a16:creationId xmlns:a16="http://schemas.microsoft.com/office/drawing/2014/main" id="{24354279-4E19-3067-F027-D378A818F064}"/>
+                </a:ext>
+              </a:extLst>
+            </p:cNvPr>
+            <p:cNvSpPr/>
+            <p:nvPr/>
+          </p:nvSpPr>
+          <p:spPr>
+            <a:xfrm>
+              <a:off x="5041135" y="4495798"/>
+              <a:ext cx="1371600" cy="1371600"/>
+            </a:xfrm>
+            <a:prstGeom prst="ellipse">
+              <a:avLst/>
+            </a:prstGeom>
+            <a:noFill/>
+            <a:ln>
+              <a:prstDash val="dash"/>
+            </a:ln>
+          </p:spPr>
+          <p:style>
+            <a:lnRef idx="2">
+              <a:schemeClr val="accent3">
+                <a:shade val="50000"/>
+              </a:schemeClr>
+            </a:lnRef>
+            <a:fillRef idx="1">
+              <a:schemeClr val="accent3"/>
+            </a:fillRef>
+            <a:effectRef idx="0">
+              <a:schemeClr val="accent3"/>
+            </a:effectRef>
+            <a:fontRef idx="minor">
+              <a:schemeClr val="lt1"/>
+            </a:fontRef>
+          </p:style>
+          <p:txBody>
+            <a:bodyPr rtlCol="0" anchor="ctr"/>
+            <a:lstStyle/>
+            <a:p>
+              <a:pPr algn="ctr"/>
+              <a:r>
+                <a:rPr lang="en-US" dirty="0"/>
+                <a:t>m = 3kg</a:t>
+              </a:r>
+            </a:p>
+          </p:txBody>
+        </p:sp>
+        <p:cxnSp>
+          <p:nvCxnSpPr>
+            <p:cNvPr id="12" name="Straight Arrow Connector 11">
+              <a:extLst>
+                <a:ext uri="{FF2B5EF4-FFF2-40B4-BE49-F238E27FC236}">
+                  <a16:creationId xmlns:a16="http://schemas.microsoft.com/office/drawing/2014/main" id="{E2E98962-3A10-7EFE-3576-F8FE11618FB3}"/>
+                </a:ext>
+              </a:extLst>
+            </p:cNvPr>
+            <p:cNvCxnSpPr>
+              <a:cxnSpLocks/>
+            </p:cNvCxnSpPr>
+            <p:nvPr/>
+          </p:nvCxnSpPr>
+          <p:spPr>
+            <a:xfrm>
+              <a:off x="6553200" y="5189046"/>
+              <a:ext cx="636985" cy="0"/>
+            </a:xfrm>
+            <a:prstGeom prst="straightConnector1">
+              <a:avLst/>
+            </a:prstGeom>
+            <a:ln>
+              <a:prstDash val="lgDash"/>
+              <a:tailEnd type="arrow"/>
+            </a:ln>
+          </p:spPr>
+          <p:style>
+            <a:lnRef idx="1">
+              <a:schemeClr val="accent1"/>
+            </a:lnRef>
+            <a:fillRef idx="0">
+              <a:schemeClr val="accent1"/>
+            </a:fillRef>
+            <a:effectRef idx="0">
+              <a:schemeClr val="accent1"/>
+            </a:effectRef>
+            <a:fontRef idx="minor">
+              <a:schemeClr val="tx1"/>
+            </a:fontRef>
+          </p:style>
+        </p:cxnSp>
+        <mc:AlternateContent xmlns:mc="http://schemas.openxmlformats.org/markup-compatibility/2006">
+          <mc:Choice xmlns:a14="http://schemas.microsoft.com/office/drawing/2010/main" Requires="a14">
+            <p:sp>
+              <p:nvSpPr>
+                <p:cNvPr id="13" name="TextBox 12">
+                  <a:extLst>
+                    <a:ext uri="{FF2B5EF4-FFF2-40B4-BE49-F238E27FC236}">
+                      <a16:creationId xmlns:a16="http://schemas.microsoft.com/office/drawing/2014/main" id="{AEFAE5E0-3941-8A32-4DC6-0D31BF6C9DAD}"/>
+                    </a:ext>
+                  </a:extLst>
+                </p:cNvPr>
+                <p:cNvSpPr txBox="1"/>
+                <p:nvPr/>
+              </p:nvSpPr>
+              <p:spPr>
+                <a:xfrm>
+                  <a:off x="2845595" y="4686757"/>
+                  <a:ext cx="1288494" cy="369332"/>
+                </a:xfrm>
+                <a:prstGeom prst="rect">
+                  <a:avLst/>
+                </a:prstGeom>
+                <a:noFill/>
+              </p:spPr>
+              <p:txBody>
+                <a:bodyPr wrap="none" rtlCol="0">
+                  <a:spAutoFit/>
+                </a:bodyPr>
+                <a:lstStyle/>
+                <a:p>
+                  <a:pPr/>
+                  <a14:m>
+                    <m:oMathPara xmlns:m="http://schemas.openxmlformats.org/officeDocument/2006/math">
+                      <m:oMathParaPr>
+                        <m:jc m:val="centerGroup"/>
+                      </m:oMathParaPr>
+                      <m:oMath xmlns:m="http://schemas.openxmlformats.org/officeDocument/2006/math">
+                        <m:sSub>
+                          <m:sSubPr>
+                            <m:ctrlPr>
+                              <a:rPr lang="en-US" i="1" smtClean="0">
+                                <a:solidFill>
+                                  <a:schemeClr val="accent1"/>
+                                </a:solidFill>
+                                <a:latin typeface="Cambria Math" panose="02040503050406030204" pitchFamily="18" charset="0"/>
+                              </a:rPr>
+                            </m:ctrlPr>
+                          </m:sSubPr>
+                          <m:e>
+                            <m:r>
+                              <a:rPr lang="en-US" b="0" i="1" smtClean="0">
+                                <a:solidFill>
+                                  <a:schemeClr val="accent1"/>
+                                </a:solidFill>
+                                <a:latin typeface="Cambria Math" panose="02040503050406030204" pitchFamily="18" charset="0"/>
+                              </a:rPr>
+                              <m:t>𝑣</m:t>
+                            </m:r>
+                          </m:e>
+                          <m:sub>
+                            <m:r>
+                              <a:rPr lang="en-US" b="0" i="1" smtClean="0">
+                                <a:solidFill>
+                                  <a:schemeClr val="accent1"/>
+                                </a:solidFill>
+                                <a:latin typeface="Cambria Math" panose="02040503050406030204" pitchFamily="18" charset="0"/>
+                              </a:rPr>
+                              <m:t>𝑖</m:t>
+                            </m:r>
+                          </m:sub>
+                        </m:sSub>
+                        <m:r>
+                          <a:rPr lang="en-US" b="0" i="1" smtClean="0">
+                            <a:solidFill>
+                              <a:schemeClr val="accent1"/>
+                            </a:solidFill>
+                            <a:latin typeface="Cambria Math" panose="02040503050406030204" pitchFamily="18" charset="0"/>
+                          </a:rPr>
+                          <m:t>=3</m:t>
+                        </m:r>
+                        <m:r>
+                          <a:rPr lang="en-US" b="0" i="1" smtClean="0">
+                            <a:solidFill>
+                              <a:schemeClr val="accent1"/>
+                            </a:solidFill>
+                            <a:latin typeface="Cambria Math" panose="02040503050406030204" pitchFamily="18" charset="0"/>
+                          </a:rPr>
+                          <m:t>𝑚</m:t>
+                        </m:r>
+                        <m:r>
+                          <a:rPr lang="en-US" b="0" i="1" smtClean="0">
+                            <a:solidFill>
+                              <a:schemeClr val="accent1"/>
+                            </a:solidFill>
+                            <a:latin typeface="Cambria Math" panose="02040503050406030204" pitchFamily="18" charset="0"/>
+                          </a:rPr>
+                          <m:t>/</m:t>
+                        </m:r>
+                        <m:r>
+                          <a:rPr lang="en-US" b="0" i="1" smtClean="0">
+                            <a:solidFill>
+                              <a:schemeClr val="accent1"/>
+                            </a:solidFill>
+                            <a:latin typeface="Cambria Math" panose="02040503050406030204" pitchFamily="18" charset="0"/>
+                          </a:rPr>
+                          <m:t>𝑠</m:t>
+                        </m:r>
+                      </m:oMath>
+                    </m:oMathPara>
+                  </a14:m>
+                  <a:endParaRPr lang="en-US" i="1" dirty="0"/>
+                </a:p>
+              </p:txBody>
+            </p:sp>
+          </mc:Choice>
+          <mc:Fallback>
+            <p:sp>
+              <p:nvSpPr>
+                <p:cNvPr id="13" name="TextBox 12">
+                  <a:extLst>
+                    <a:ext uri="{FF2B5EF4-FFF2-40B4-BE49-F238E27FC236}">
+                      <a16:creationId xmlns:a16="http://schemas.microsoft.com/office/drawing/2014/main" id="{AEFAE5E0-3941-8A32-4DC6-0D31BF6C9DAD}"/>
+                    </a:ext>
+                  </a:extLst>
+                </p:cNvPr>
+                <p:cNvSpPr txBox="1">
+                  <a:spLocks noRot="1" noChangeAspect="1" noMove="1" noResize="1" noEditPoints="1" noAdjustHandles="1" noChangeArrowheads="1" noChangeShapeType="1" noTextEdit="1"/>
+                </p:cNvSpPr>
+                <p:nvPr/>
+              </p:nvSpPr>
+              <p:spPr>
+                <a:xfrm>
+                  <a:off x="2845595" y="4686757"/>
+                  <a:ext cx="1288494" cy="369332"/>
+                </a:xfrm>
+                <a:prstGeom prst="rect">
+                  <a:avLst/>
+                </a:prstGeom>
+                <a:blipFill>
+                  <a:blip r:embed="rId3"/>
+                  <a:stretch>
+                    <a:fillRect b="-13333"/>
+                  </a:stretch>
+                </a:blipFill>
+              </p:spPr>
+              <p:txBody>
+                <a:bodyPr/>
+                <a:lstStyle/>
+                <a:p>
+                  <a:r>
+                    <a:rPr lang="en-US">
+                      <a:noFill/>
+                    </a:rPr>
+                    <a:t> </a:t>
+                  </a:r>
+                </a:p>
+              </p:txBody>
+            </p:sp>
+          </mc:Fallback>
+        </mc:AlternateContent>
+        <mc:AlternateContent xmlns:mc="http://schemas.openxmlformats.org/markup-compatibility/2006">
+          <mc:Choice xmlns:a14="http://schemas.microsoft.com/office/drawing/2010/main" Requires="a14">
+            <p:sp>
+              <p:nvSpPr>
+                <p:cNvPr id="14" name="TextBox 13">
+                  <a:extLst>
+                    <a:ext uri="{FF2B5EF4-FFF2-40B4-BE49-F238E27FC236}">
+                      <a16:creationId xmlns:a16="http://schemas.microsoft.com/office/drawing/2014/main" id="{D817DC4E-0A74-51DE-744C-4023AED8B8F1}"/>
+                    </a:ext>
+                  </a:extLst>
+                </p:cNvPr>
+                <p:cNvSpPr txBox="1"/>
+                <p:nvPr/>
+              </p:nvSpPr>
+              <p:spPr>
+                <a:xfrm>
+                  <a:off x="6412735" y="4734984"/>
+                  <a:ext cx="1542602" cy="391582"/>
+                </a:xfrm>
+                <a:prstGeom prst="rect">
+                  <a:avLst/>
+                </a:prstGeom>
+                <a:noFill/>
+              </p:spPr>
+              <p:txBody>
+                <a:bodyPr wrap="none" rtlCol="0">
+                  <a:spAutoFit/>
+                </a:bodyPr>
+                <a:lstStyle/>
+                <a:p>
+                  <a:pPr/>
+                  <a14:m>
+                    <m:oMathPara xmlns:m="http://schemas.openxmlformats.org/officeDocument/2006/math">
+                      <m:oMathParaPr>
+                        <m:jc m:val="centerGroup"/>
+                      </m:oMathParaPr>
+                      <m:oMath xmlns:m="http://schemas.openxmlformats.org/officeDocument/2006/math">
+                        <m:sSub>
+                          <m:sSubPr>
+                            <m:ctrlPr>
+                              <a:rPr lang="en-US" i="1" smtClean="0">
+                                <a:solidFill>
+                                  <a:schemeClr val="accent1"/>
+                                </a:solidFill>
+                                <a:latin typeface="Cambria Math" panose="02040503050406030204" pitchFamily="18" charset="0"/>
+                              </a:rPr>
+                            </m:ctrlPr>
+                          </m:sSubPr>
+                          <m:e>
+                            <m:r>
+                              <a:rPr lang="en-US" b="0" i="1" smtClean="0">
+                                <a:solidFill>
+                                  <a:schemeClr val="accent1"/>
+                                </a:solidFill>
+                                <a:latin typeface="Cambria Math" panose="02040503050406030204" pitchFamily="18" charset="0"/>
+                              </a:rPr>
+                              <m:t>𝑣</m:t>
+                            </m:r>
+                          </m:e>
+                          <m:sub>
+                            <m:r>
+                              <a:rPr lang="en-US" b="0" i="1" smtClean="0">
+                                <a:solidFill>
+                                  <a:schemeClr val="accent1"/>
+                                </a:solidFill>
+                                <a:latin typeface="Cambria Math" panose="02040503050406030204" pitchFamily="18" charset="0"/>
+                              </a:rPr>
+                              <m:t>𝑓</m:t>
+                            </m:r>
+                          </m:sub>
+                        </m:sSub>
+                        <m:r>
+                          <a:rPr lang="en-US" b="0" i="1" smtClean="0">
+                            <a:solidFill>
+                              <a:schemeClr val="accent1"/>
+                            </a:solidFill>
+                            <a:latin typeface="Cambria Math" panose="02040503050406030204" pitchFamily="18" charset="0"/>
+                          </a:rPr>
+                          <m:t>=</m:t>
+                        </m:r>
+                        <m:r>
+                          <a:rPr lang="en-US" b="0" i="1" smtClean="0">
+                            <a:solidFill>
+                              <a:schemeClr val="accent1"/>
+                            </a:solidFill>
+                            <a:latin typeface="Cambria Math" panose="02040503050406030204" pitchFamily="18" charset="0"/>
+                          </a:rPr>
+                          <m:t>2.5 </m:t>
+                        </m:r>
+                        <m:r>
+                          <a:rPr lang="en-US" b="0" i="1" smtClean="0">
+                            <a:solidFill>
+                              <a:schemeClr val="accent1"/>
+                            </a:solidFill>
+                            <a:latin typeface="Cambria Math" panose="02040503050406030204" pitchFamily="18" charset="0"/>
+                          </a:rPr>
+                          <m:t>𝑚</m:t>
+                        </m:r>
+                        <m:r>
+                          <a:rPr lang="en-US" b="0" i="1" smtClean="0">
+                            <a:solidFill>
+                              <a:schemeClr val="accent1"/>
+                            </a:solidFill>
+                            <a:latin typeface="Cambria Math" panose="02040503050406030204" pitchFamily="18" charset="0"/>
+                          </a:rPr>
+                          <m:t>/</m:t>
+                        </m:r>
+                        <m:r>
+                          <a:rPr lang="en-US" b="0" i="1" smtClean="0">
+                            <a:solidFill>
+                              <a:schemeClr val="accent1"/>
+                            </a:solidFill>
+                            <a:latin typeface="Cambria Math" panose="02040503050406030204" pitchFamily="18" charset="0"/>
+                          </a:rPr>
+                          <m:t>𝑠</m:t>
+                        </m:r>
+                      </m:oMath>
+                    </m:oMathPara>
+                  </a14:m>
+                  <a:endParaRPr lang="en-US" i="1" dirty="0"/>
+                </a:p>
+              </p:txBody>
+            </p:sp>
+          </mc:Choice>
+          <mc:Fallback>
+            <p:sp>
+              <p:nvSpPr>
+                <p:cNvPr id="14" name="TextBox 13">
+                  <a:extLst>
+                    <a:ext uri="{FF2B5EF4-FFF2-40B4-BE49-F238E27FC236}">
+                      <a16:creationId xmlns:a16="http://schemas.microsoft.com/office/drawing/2014/main" id="{D817DC4E-0A74-51DE-744C-4023AED8B8F1}"/>
+                    </a:ext>
+                  </a:extLst>
+                </p:cNvPr>
+                <p:cNvSpPr txBox="1">
+                  <a:spLocks noRot="1" noChangeAspect="1" noMove="1" noResize="1" noEditPoints="1" noAdjustHandles="1" noChangeArrowheads="1" noChangeShapeType="1" noTextEdit="1"/>
+                </p:cNvSpPr>
+                <p:nvPr/>
+              </p:nvSpPr>
+              <p:spPr>
+                <a:xfrm>
+                  <a:off x="6412735" y="4734984"/>
+                  <a:ext cx="1542602" cy="391582"/>
+                </a:xfrm>
+                <a:prstGeom prst="rect">
+                  <a:avLst/>
+                </a:prstGeom>
+                <a:blipFill>
+                  <a:blip r:embed="rId4"/>
+                  <a:stretch>
+                    <a:fillRect b="-9375"/>
+                  </a:stretch>
+                </a:blipFill>
+              </p:spPr>
+              <p:txBody>
+                <a:bodyPr/>
+                <a:lstStyle/>
+                <a:p>
+                  <a:r>
+                    <a:rPr lang="en-US">
+                      <a:noFill/>
+                    </a:rPr>
+                    <a:t> </a:t>
+                  </a:r>
+                </a:p>
+              </p:txBody>
+            </p:sp>
+          </mc:Fallback>
+        </mc:AlternateContent>
+        <p:sp>
+          <p:nvSpPr>
+            <p:cNvPr id="23" name="Arc 22">
+              <a:extLst>
+                <a:ext uri="{FF2B5EF4-FFF2-40B4-BE49-F238E27FC236}">
+                  <a16:creationId xmlns:a16="http://schemas.microsoft.com/office/drawing/2014/main" id="{F8EA7136-2E67-951A-5350-1BA5092941C5}"/>
+                </a:ext>
+              </a:extLst>
+            </p:cNvPr>
+            <p:cNvSpPr/>
+            <p:nvPr/>
+          </p:nvSpPr>
+          <p:spPr>
+            <a:xfrm>
+              <a:off x="1245395" y="4267198"/>
+              <a:ext cx="1828800" cy="1828800"/>
+            </a:xfrm>
+            <a:prstGeom prst="arc">
+              <a:avLst>
+                <a:gd name="adj1" fmla="val 14562924"/>
+                <a:gd name="adj2" fmla="val 18057825"/>
+              </a:avLst>
+            </a:prstGeom>
+            <a:ln>
+              <a:solidFill>
+                <a:schemeClr val="accent1"/>
+              </a:solidFill>
+              <a:prstDash val="lgDash"/>
+              <a:headEnd type="none" w="med" len="med"/>
+              <a:tailEnd type="arrow" w="med" len="med"/>
+            </a:ln>
+          </p:spPr>
+          <p:style>
+            <a:lnRef idx="1">
+              <a:schemeClr val="accent1"/>
+            </a:lnRef>
+            <a:fillRef idx="0">
+              <a:schemeClr val="accent1"/>
+            </a:fillRef>
+            <a:effectRef idx="0">
+              <a:schemeClr val="accent1"/>
+            </a:effectRef>
+            <a:fontRef idx="minor">
+              <a:schemeClr val="tx1"/>
+            </a:fontRef>
+          </p:style>
+          <p:txBody>
+            <a:bodyPr rtlCol="0" anchor="ctr"/>
+            <a:lstStyle/>
+            <a:p>
+              <a:pPr algn="ctr"/>
+              <a:endParaRPr lang="en-US"/>
+            </a:p>
+          </p:txBody>
+        </p:sp>
+        <mc:AlternateContent xmlns:mc="http://schemas.openxmlformats.org/markup-compatibility/2006">
+          <mc:Choice xmlns:a14="http://schemas.microsoft.com/office/drawing/2010/main" Requires="a14">
+            <p:sp>
+              <p:nvSpPr>
+                <p:cNvPr id="24" name="TextBox 23">
+                  <a:extLst>
+                    <a:ext uri="{FF2B5EF4-FFF2-40B4-BE49-F238E27FC236}">
+                      <a16:creationId xmlns:a16="http://schemas.microsoft.com/office/drawing/2014/main" id="{8578A166-A7E0-0618-5AA2-68145E3033BD}"/>
+                    </a:ext>
+                  </a:extLst>
+                </p:cNvPr>
+                <p:cNvSpPr txBox="1"/>
+                <p:nvPr/>
+              </p:nvSpPr>
+              <p:spPr>
+                <a:xfrm>
+                  <a:off x="1371600" y="3743356"/>
+                  <a:ext cx="1563377" cy="369332"/>
+                </a:xfrm>
+                <a:prstGeom prst="rect">
+                  <a:avLst/>
+                </a:prstGeom>
+                <a:noFill/>
+              </p:spPr>
+              <p:txBody>
+                <a:bodyPr wrap="none" rtlCol="0">
+                  <a:spAutoFit/>
+                </a:bodyPr>
+                <a:lstStyle/>
+                <a:p>
+                  <a:pPr/>
+                  <a14:m>
+                    <m:oMathPara xmlns:m="http://schemas.openxmlformats.org/officeDocument/2006/math">
+                      <m:oMathParaPr>
+                        <m:jc m:val="centerGroup"/>
+                      </m:oMathParaPr>
+                      <m:oMath xmlns:m="http://schemas.openxmlformats.org/officeDocument/2006/math">
+                        <m:sSub>
+                          <m:sSubPr>
+                            <m:ctrlPr>
+                              <a:rPr lang="en-US" i="1" smtClean="0">
+                                <a:solidFill>
+                                  <a:schemeClr val="accent1"/>
+                                </a:solidFill>
+                                <a:latin typeface="Cambria Math" panose="02040503050406030204" pitchFamily="18" charset="0"/>
+                              </a:rPr>
+                            </m:ctrlPr>
+                          </m:sSubPr>
+                          <m:e>
+                            <m:r>
+                              <a:rPr lang="en-US" i="1" smtClean="0">
+                                <a:solidFill>
+                                  <a:schemeClr val="accent1"/>
+                                </a:solidFill>
+                                <a:latin typeface="Cambria Math" panose="02040503050406030204" pitchFamily="18" charset="0"/>
+                                <a:ea typeface="Cambria Math" panose="02040503050406030204" pitchFamily="18" charset="0"/>
+                              </a:rPr>
+                              <m:t>𝜔</m:t>
+                            </m:r>
+                          </m:e>
+                          <m:sub>
+                            <m:r>
+                              <a:rPr lang="en-US" b="0" i="1" smtClean="0">
+                                <a:solidFill>
+                                  <a:schemeClr val="accent1"/>
+                                </a:solidFill>
+                                <a:latin typeface="Cambria Math" panose="02040503050406030204" pitchFamily="18" charset="0"/>
+                              </a:rPr>
+                              <m:t>𝑖</m:t>
+                            </m:r>
+                          </m:sub>
+                        </m:sSub>
+                        <m:r>
+                          <a:rPr lang="en-US" b="0" i="1" smtClean="0">
+                            <a:solidFill>
+                              <a:schemeClr val="accent1"/>
+                            </a:solidFill>
+                            <a:latin typeface="Cambria Math" panose="02040503050406030204" pitchFamily="18" charset="0"/>
+                          </a:rPr>
+                          <m:t>=</m:t>
+                        </m:r>
+                        <m:r>
+                          <a:rPr lang="en-US" b="0" i="1" smtClean="0">
+                            <a:solidFill>
+                              <a:schemeClr val="accent1"/>
+                            </a:solidFill>
+                            <a:latin typeface="Cambria Math" panose="02040503050406030204" pitchFamily="18" charset="0"/>
+                          </a:rPr>
+                          <m:t>1 </m:t>
+                        </m:r>
+                        <m:r>
+                          <a:rPr lang="en-US" b="0" i="1" smtClean="0">
+                            <a:solidFill>
+                              <a:schemeClr val="accent1"/>
+                            </a:solidFill>
+                            <a:latin typeface="Cambria Math" panose="02040503050406030204" pitchFamily="18" charset="0"/>
+                          </a:rPr>
+                          <m:t>𝑟𝑎𝑑</m:t>
+                        </m:r>
+                        <m:r>
+                          <a:rPr lang="en-US" b="0" i="1" smtClean="0">
+                            <a:solidFill>
+                              <a:schemeClr val="accent1"/>
+                            </a:solidFill>
+                            <a:latin typeface="Cambria Math" panose="02040503050406030204" pitchFamily="18" charset="0"/>
+                          </a:rPr>
+                          <m:t>/</m:t>
+                        </m:r>
+                        <m:r>
+                          <a:rPr lang="en-US" b="0" i="1" smtClean="0">
+                            <a:solidFill>
+                              <a:schemeClr val="accent1"/>
+                            </a:solidFill>
+                            <a:latin typeface="Cambria Math" panose="02040503050406030204" pitchFamily="18" charset="0"/>
+                          </a:rPr>
+                          <m:t>𝑠</m:t>
+                        </m:r>
+                      </m:oMath>
+                    </m:oMathPara>
+                  </a14:m>
+                  <a:endParaRPr lang="en-US" i="1" dirty="0"/>
+                </a:p>
+              </p:txBody>
+            </p:sp>
+          </mc:Choice>
+          <mc:Fallback>
+            <p:sp>
+              <p:nvSpPr>
+                <p:cNvPr id="24" name="TextBox 23">
+                  <a:extLst>
+                    <a:ext uri="{FF2B5EF4-FFF2-40B4-BE49-F238E27FC236}">
+                      <a16:creationId xmlns:a16="http://schemas.microsoft.com/office/drawing/2014/main" id="{8578A166-A7E0-0618-5AA2-68145E3033BD}"/>
+                    </a:ext>
+                  </a:extLst>
+                </p:cNvPr>
+                <p:cNvSpPr txBox="1">
+                  <a:spLocks noRot="1" noChangeAspect="1" noMove="1" noResize="1" noEditPoints="1" noAdjustHandles="1" noChangeArrowheads="1" noChangeShapeType="1" noTextEdit="1"/>
+                </p:cNvSpPr>
+                <p:nvPr/>
+              </p:nvSpPr>
+              <p:spPr>
+                <a:xfrm>
+                  <a:off x="1371600" y="3743356"/>
+                  <a:ext cx="1563377" cy="369332"/>
+                </a:xfrm>
+                <a:prstGeom prst="rect">
+                  <a:avLst/>
+                </a:prstGeom>
+                <a:blipFill>
+                  <a:blip r:embed="rId5"/>
+                  <a:stretch>
+                    <a:fillRect b="-13115"/>
+                  </a:stretch>
+                </a:blipFill>
+              </p:spPr>
+              <p:txBody>
+                <a:bodyPr/>
+                <a:lstStyle/>
+                <a:p>
+                  <a:r>
+                    <a:rPr lang="en-US">
+                      <a:noFill/>
+                    </a:rPr>
+                    <a:t> </a:t>
+                  </a:r>
+                </a:p>
+              </p:txBody>
+            </p:sp>
+          </mc:Fallback>
+        </mc:AlternateContent>
+        <p:sp>
+          <p:nvSpPr>
+            <p:cNvPr id="25" name="Arc 24">
+              <a:extLst>
+                <a:ext uri="{FF2B5EF4-FFF2-40B4-BE49-F238E27FC236}">
+                  <a16:creationId xmlns:a16="http://schemas.microsoft.com/office/drawing/2014/main" id="{4F0C0B8D-99E4-F3E0-1C19-642EA2A2009B}"/>
+                </a:ext>
+              </a:extLst>
+            </p:cNvPr>
+            <p:cNvSpPr/>
+            <p:nvPr/>
+          </p:nvSpPr>
+          <p:spPr>
+            <a:xfrm>
+              <a:off x="4808340" y="4207415"/>
+              <a:ext cx="1828800" cy="1828800"/>
+            </a:xfrm>
+            <a:prstGeom prst="arc">
+              <a:avLst>
+                <a:gd name="adj1" fmla="val 13577261"/>
+                <a:gd name="adj2" fmla="val 19358456"/>
+              </a:avLst>
+            </a:prstGeom>
+            <a:ln>
+              <a:solidFill>
+                <a:schemeClr val="accent1"/>
+              </a:solidFill>
+              <a:prstDash val="lgDash"/>
+              <a:headEnd type="none" w="med" len="med"/>
+              <a:tailEnd type="arrow" w="med" len="med"/>
+            </a:ln>
+          </p:spPr>
+          <p:style>
+            <a:lnRef idx="1">
+              <a:schemeClr val="accent1"/>
+            </a:lnRef>
+            <a:fillRef idx="0">
+              <a:schemeClr val="accent1"/>
+            </a:fillRef>
+            <a:effectRef idx="0">
+              <a:schemeClr val="accent1"/>
+            </a:effectRef>
+            <a:fontRef idx="minor">
+              <a:schemeClr val="tx1"/>
+            </a:fontRef>
+          </p:style>
+          <p:txBody>
+            <a:bodyPr rtlCol="0" anchor="ctr"/>
+            <a:lstStyle/>
+            <a:p>
+              <a:pPr algn="ctr"/>
+              <a:endParaRPr lang="en-US"/>
+            </a:p>
+          </p:txBody>
+        </p:sp>
+        <mc:AlternateContent xmlns:mc="http://schemas.openxmlformats.org/markup-compatibility/2006">
+          <mc:Choice xmlns:a14="http://schemas.microsoft.com/office/drawing/2010/main" Requires="a14">
+            <p:sp>
+              <p:nvSpPr>
+                <p:cNvPr id="26" name="TextBox 25">
+                  <a:extLst>
+                    <a:ext uri="{FF2B5EF4-FFF2-40B4-BE49-F238E27FC236}">
+                      <a16:creationId xmlns:a16="http://schemas.microsoft.com/office/drawing/2014/main" id="{E8846F8F-1402-9E7E-E898-077B41C07690}"/>
+                    </a:ext>
+                  </a:extLst>
+                </p:cNvPr>
+                <p:cNvSpPr txBox="1"/>
+                <p:nvPr/>
+              </p:nvSpPr>
+              <p:spPr>
+                <a:xfrm>
+                  <a:off x="4953000" y="3730319"/>
+                  <a:ext cx="1589859" cy="391582"/>
+                </a:xfrm>
+                <a:prstGeom prst="rect">
+                  <a:avLst/>
+                </a:prstGeom>
+                <a:noFill/>
+              </p:spPr>
+              <p:txBody>
+                <a:bodyPr wrap="none" rtlCol="0">
+                  <a:spAutoFit/>
+                </a:bodyPr>
+                <a:lstStyle/>
+                <a:p>
+                  <a:pPr/>
+                  <a14:m>
+                    <m:oMathPara xmlns:m="http://schemas.openxmlformats.org/officeDocument/2006/math">
+                      <m:oMathParaPr>
+                        <m:jc m:val="centerGroup"/>
+                      </m:oMathParaPr>
+                      <m:oMath xmlns:m="http://schemas.openxmlformats.org/officeDocument/2006/math">
+                        <m:sSub>
+                          <m:sSubPr>
+                            <m:ctrlPr>
+                              <a:rPr lang="en-US" i="1" smtClean="0">
+                                <a:solidFill>
+                                  <a:schemeClr val="accent1"/>
+                                </a:solidFill>
+                                <a:latin typeface="Cambria Math" panose="02040503050406030204" pitchFamily="18" charset="0"/>
+                              </a:rPr>
+                            </m:ctrlPr>
+                          </m:sSubPr>
+                          <m:e>
+                            <m:r>
+                              <a:rPr lang="en-US" i="1" smtClean="0">
+                                <a:solidFill>
+                                  <a:schemeClr val="accent1"/>
+                                </a:solidFill>
+                                <a:latin typeface="Cambria Math" panose="02040503050406030204" pitchFamily="18" charset="0"/>
+                                <a:ea typeface="Cambria Math" panose="02040503050406030204" pitchFamily="18" charset="0"/>
+                              </a:rPr>
+                              <m:t>𝜔</m:t>
+                            </m:r>
+                          </m:e>
+                          <m:sub>
+                            <m:r>
+                              <a:rPr lang="en-US" b="0" i="1" smtClean="0">
+                                <a:solidFill>
+                                  <a:schemeClr val="accent1"/>
+                                </a:solidFill>
+                                <a:latin typeface="Cambria Math" panose="02040503050406030204" pitchFamily="18" charset="0"/>
+                              </a:rPr>
+                              <m:t>𝑓</m:t>
+                            </m:r>
+                          </m:sub>
+                        </m:sSub>
+                        <m:r>
+                          <a:rPr lang="en-US" b="0" i="1" smtClean="0">
+                            <a:solidFill>
+                              <a:schemeClr val="accent1"/>
+                            </a:solidFill>
+                            <a:latin typeface="Cambria Math" panose="02040503050406030204" pitchFamily="18" charset="0"/>
+                          </a:rPr>
+                          <m:t>=</m:t>
+                        </m:r>
+                        <m:r>
+                          <a:rPr lang="en-US" b="0" i="1" smtClean="0">
+                            <a:solidFill>
+                              <a:schemeClr val="accent1"/>
+                            </a:solidFill>
+                            <a:latin typeface="Cambria Math" panose="02040503050406030204" pitchFamily="18" charset="0"/>
+                          </a:rPr>
+                          <m:t>2 </m:t>
+                        </m:r>
+                        <m:r>
+                          <a:rPr lang="en-US" b="0" i="1" smtClean="0">
+                            <a:solidFill>
+                              <a:schemeClr val="accent1"/>
+                            </a:solidFill>
+                            <a:latin typeface="Cambria Math" panose="02040503050406030204" pitchFamily="18" charset="0"/>
+                          </a:rPr>
+                          <m:t>𝑟𝑎𝑑</m:t>
+                        </m:r>
+                        <m:r>
+                          <a:rPr lang="en-US" b="0" i="1" smtClean="0">
+                            <a:solidFill>
+                              <a:schemeClr val="accent1"/>
+                            </a:solidFill>
+                            <a:latin typeface="Cambria Math" panose="02040503050406030204" pitchFamily="18" charset="0"/>
+                          </a:rPr>
+                          <m:t>/</m:t>
+                        </m:r>
+                        <m:r>
+                          <a:rPr lang="en-US" b="0" i="1" smtClean="0">
+                            <a:solidFill>
+                              <a:schemeClr val="accent1"/>
+                            </a:solidFill>
+                            <a:latin typeface="Cambria Math" panose="02040503050406030204" pitchFamily="18" charset="0"/>
+                          </a:rPr>
+                          <m:t>𝑠</m:t>
+                        </m:r>
+                      </m:oMath>
+                    </m:oMathPara>
+                  </a14:m>
+                  <a:endParaRPr lang="en-US" i="1" dirty="0"/>
+                </a:p>
+              </p:txBody>
+            </p:sp>
+          </mc:Choice>
+          <mc:Fallback>
+            <p:sp>
+              <p:nvSpPr>
+                <p:cNvPr id="26" name="TextBox 25">
+                  <a:extLst>
+                    <a:ext uri="{FF2B5EF4-FFF2-40B4-BE49-F238E27FC236}">
+                      <a16:creationId xmlns:a16="http://schemas.microsoft.com/office/drawing/2014/main" id="{E8846F8F-1402-9E7E-E898-077B41C07690}"/>
+                    </a:ext>
+                  </a:extLst>
+                </p:cNvPr>
+                <p:cNvSpPr txBox="1">
+                  <a:spLocks noRot="1" noChangeAspect="1" noMove="1" noResize="1" noEditPoints="1" noAdjustHandles="1" noChangeArrowheads="1" noChangeShapeType="1" noTextEdit="1"/>
+                </p:cNvSpPr>
+                <p:nvPr/>
+              </p:nvSpPr>
+              <p:spPr>
+                <a:xfrm>
+                  <a:off x="4953000" y="3730319"/>
+                  <a:ext cx="1589859" cy="391582"/>
+                </a:xfrm>
+                <a:prstGeom prst="rect">
+                  <a:avLst/>
+                </a:prstGeom>
+                <a:blipFill>
+                  <a:blip r:embed="rId6"/>
+                  <a:stretch>
+                    <a:fillRect b="-9375"/>
+                  </a:stretch>
+                </a:blipFill>
+              </p:spPr>
+              <p:txBody>
+                <a:bodyPr/>
+                <a:lstStyle/>
+                <a:p>
+                  <a:r>
+                    <a:rPr lang="en-US">
+                      <a:noFill/>
+                    </a:rPr>
+                    <a:t> </a:t>
+                  </a:r>
+                </a:p>
+              </p:txBody>
+            </p:sp>
+          </mc:Fallback>
+        </mc:AlternateContent>
+      </p:grpSp>
+      <p:sp>
+        <p:nvSpPr>
+          <p:cNvPr id="2" name="Title 1">
+            <a:extLst>
+              <a:ext uri="{FF2B5EF4-FFF2-40B4-BE49-F238E27FC236}">
+                <a16:creationId xmlns:a16="http://schemas.microsoft.com/office/drawing/2014/main" id="{10B85D0E-18C4-8D2A-EA3B-D0DE7742DAB4}"/>
+              </a:ext>
+            </a:extLst>
+          </p:cNvPr>
+          <p:cNvSpPr>
+            <a:spLocks noGrp="1"/>
+          </p:cNvSpPr>
+          <p:nvPr>
+            <p:ph type="title"/>
+          </p:nvPr>
+        </p:nvSpPr>
+        <p:spPr/>
+        <p:txBody>
+          <a:bodyPr>
+            <a:normAutofit fontScale="90000"/>
+          </a:bodyPr>
+          <a:lstStyle/>
+          <a:p>
+            <a:r>
+              <a:rPr lang="en-US" dirty="0"/>
+              <a:t>Solving Impulse Momentum Problems</a:t>
+            </a:r>
+          </a:p>
+        </p:txBody>
+      </p:sp>
+      <p:sp>
+        <p:nvSpPr>
+          <p:cNvPr id="3" name="Content Placeholder 2">
+            <a:extLst>
+              <a:ext uri="{FF2B5EF4-FFF2-40B4-BE49-F238E27FC236}">
+                <a16:creationId xmlns:a16="http://schemas.microsoft.com/office/drawing/2014/main" id="{EF0F9212-A81F-236F-8CC6-249270E2B6A8}"/>
+              </a:ext>
+            </a:extLst>
+          </p:cNvPr>
+          <p:cNvSpPr>
+            <a:spLocks noGrp="1"/>
+          </p:cNvSpPr>
+          <p:nvPr>
+            <p:ph idx="1"/>
+          </p:nvPr>
+        </p:nvSpPr>
+        <p:spPr>
+          <a:xfrm>
+            <a:off x="457200" y="1600201"/>
+            <a:ext cx="8229600" cy="1904999"/>
+          </a:xfrm>
+        </p:spPr>
+        <p:txBody>
+          <a:bodyPr>
+            <a:normAutofit fontScale="85000" lnSpcReduction="20000"/>
+          </a:bodyPr>
+          <a:lstStyle/>
+          <a:p>
+            <a:r>
+              <a:rPr lang="en-US" dirty="0"/>
+              <a:t>Just as we did with particle systems, the first step in solving the problem is set up a diagram showing the initial and final states as well as any forces and moments causing an impulse between those two states.</a:t>
+            </a:r>
+          </a:p>
+        </p:txBody>
+      </p:sp>
+      <p:sp>
+        <p:nvSpPr>
+          <p:cNvPr id="4" name="Slide Number Placeholder 3">
+            <a:extLst>
+              <a:ext uri="{FF2B5EF4-FFF2-40B4-BE49-F238E27FC236}">
+                <a16:creationId xmlns:a16="http://schemas.microsoft.com/office/drawing/2014/main" id="{82C9876D-861E-2E79-1388-9653685D0B73}"/>
+              </a:ext>
+            </a:extLst>
+          </p:cNvPr>
+          <p:cNvSpPr>
+            <a:spLocks noGrp="1"/>
+          </p:cNvSpPr>
+          <p:nvPr>
+            <p:ph type="sldNum" sz="quarter" idx="12"/>
+          </p:nvPr>
+        </p:nvSpPr>
+        <p:spPr/>
+        <p:txBody>
+          <a:bodyPr/>
+          <a:lstStyle/>
+          <a:p>
+            <a:fld id="{929262FE-7F58-4A1E-8AF3-5A510A86DEBD}" type="slidenum">
+              <a:rPr lang="en-US" smtClean="0"/>
+              <a:t>5</a:t>
+            </a:fld>
+            <a:endParaRPr lang="en-US" dirty="0"/>
+          </a:p>
+        </p:txBody>
+      </p:sp>
+    </p:spTree>
+    <p:extLst>
+      <p:ext uri="{BB962C8B-B14F-4D97-AF65-F5344CB8AC3E}">
+        <p14:creationId xmlns:p14="http://schemas.microsoft.com/office/powerpoint/2010/main" val="21424045"/>
+      </p:ext>
+    </p:extLst>
+  </p:cSld>
+  <p:clrMapOvr>
+    <a:masterClrMapping/>
+  </p:clrMapOvr>
+</p:sld>
+</file>
+
+<file path=ppt/slides/slide6.xml><?xml version="1.0" encoding="utf-8"?>
 <p:sld xmlns:a="http://schemas.openxmlformats.org/drawingml/2006/main" xmlns:r="http://schemas.openxmlformats.org/officeDocument/2006/relationships" xmlns:p="http://schemas.openxmlformats.org/presentationml/2006/main">
   <p:cSld>
     <p:spTree>
@@ -9514,7 +9491,7 @@
           <p:cNvPr id="2" name="Title 1">
             <a:extLst>
               <a:ext uri="{FF2B5EF4-FFF2-40B4-BE49-F238E27FC236}">
-                <a16:creationId xmlns:a16="http://schemas.microsoft.com/office/drawing/2014/main" id="{61A07C29-9A58-4871-BDC5-A36C637901C2}"/>
+                <a16:creationId xmlns:a16="http://schemas.microsoft.com/office/drawing/2014/main" id="{852F6EC4-0A11-0D8F-9F6A-C9E14B05FF6C}"/>
               </a:ext>
             </a:extLst>
           </p:cNvPr>
@@ -9534,26 +9511,19 @@
           <a:p>
             <a:r>
               <a:rPr lang="en-US" dirty="0"/>
-              <a:t>Solving a Impulse Momentum Problem</a:t>
-            </a:r>
-            <a:br>
-              <a:rPr lang="en-US" dirty="0"/>
-            </a:br>
-            <a:r>
-              <a:rPr lang="en-US" dirty="0"/>
-              <a:t>(The Process)</a:t>
+              <a:t>Solving Impulse Momentum Problems</a:t>
             </a:r>
           </a:p>
         </p:txBody>
       </p:sp>
-      <mc:AlternateContent xmlns:mc="http://schemas.openxmlformats.org/markup-compatibility/2006" xmlns:a14="http://schemas.microsoft.com/office/drawing/2010/main">
-        <mc:Choice Requires="a14">
+      <mc:AlternateContent xmlns:mc="http://schemas.openxmlformats.org/markup-compatibility/2006">
+        <mc:Choice xmlns:a14="http://schemas.microsoft.com/office/drawing/2010/main" Requires="a14">
           <p:sp>
             <p:nvSpPr>
               <p:cNvPr id="3" name="Content Placeholder 2">
                 <a:extLst>
                   <a:ext uri="{FF2B5EF4-FFF2-40B4-BE49-F238E27FC236}">
-                    <a16:creationId xmlns:a16="http://schemas.microsoft.com/office/drawing/2014/main" id="{A0280897-CDB5-4D78-9300-B055EC7031D9}"/>
+                    <a16:creationId xmlns:a16="http://schemas.microsoft.com/office/drawing/2014/main" id="{B098F860-D08E-9C1B-1D89-7B8AB3D2E422}"/>
                   </a:ext>
                 </a:extLst>
               </p:cNvPr>
@@ -9564,431 +9534,445 @@
                 <p:ph idx="1"/>
               </p:nvPr>
             </p:nvSpPr>
-            <p:spPr>
-              <a:xfrm>
-                <a:off x="457200" y="1600200"/>
-                <a:ext cx="8229600" cy="4648200"/>
-              </a:xfrm>
-            </p:spPr>
+            <p:spPr/>
             <p:txBody>
               <a:bodyPr>
-                <a:normAutofit fontScale="62500" lnSpcReduction="20000"/>
+                <a:normAutofit fontScale="85000" lnSpcReduction="20000"/>
               </a:bodyPr>
               <a:lstStyle/>
               <a:p>
                 <a:r>
                   <a:rPr lang="en-US" dirty="0"/>
-                  <a:t>Solving impulse momentum involves three steps, carefully accounting for the factors at play between some initial state and some final state.</a:t>
+                  <a:t>After the diagram is set up, the next step is to put values into your equations.</a:t>
                 </a:r>
               </a:p>
               <a:p>
-                <a:pPr marL="514350" indent="-514350">
-                  <a:buFont typeface="+mj-lt"/>
-                  <a:buAutoNum type="arabicPeriod"/>
-                </a:pPr>
+                <a:pPr lvl="1"/>
                 <a:r>
                   <a:rPr lang="en-US" dirty="0"/>
-                  <a:t>Set up one diagram showing the initial state and set up some other diagram for the final state.</a:t>
+                  <a:t>Add any known values</a:t>
                 </a:r>
               </a:p>
               <a:p>
-                <a:pPr marL="914400" lvl="1" indent="-514350"/>
+                <a:pPr lvl="1"/>
                 <a:r>
                   <a:rPr lang="en-US" dirty="0"/>
-                  <a:t>Identify any </a:t>
+                  <a:t>Determine what your unknown values are</a:t>
+                </a:r>
+              </a:p>
+              <a:p>
+                <a:r>
+                  <a:rPr lang="en-US" dirty="0"/>
+                  <a:t>If the problem is in two or more dimensions, you will need to break the linear impulse-</a:t>
                 </a:r>
                 <a:r>
-                  <a:rPr lang="en-US" dirty="0">
-                    <a:solidFill>
-                      <a:srgbClr val="FF0000"/>
-                    </a:solidFill>
-                  </a:rPr>
-                  <a:t>external</a:t>
+                  <a:rPr lang="en-US" dirty="0" err="1"/>
+                  <a:t>mometum</a:t>
                 </a:r>
                 <a:r>
                   <a:rPr lang="en-US" dirty="0"/>
-                  <a:t> </a:t>
-                </a:r>
-                <a:r>
-                  <a:rPr lang="en-US" dirty="0">
-                    <a:solidFill>
-                      <a:srgbClr val="FF0000"/>
-                    </a:solidFill>
-                  </a:rPr>
-                  <a:t>forces</a:t>
-                </a:r>
-                <a:r>
-                  <a:rPr lang="en-US" dirty="0"/>
-                  <a:t> or </a:t>
-                </a:r>
-                <a:r>
-                  <a:rPr lang="en-US" dirty="0">
-                    <a:solidFill>
-                      <a:srgbClr val="FF0000"/>
-                    </a:solidFill>
-                  </a:rPr>
-                  <a:t>external moments </a:t>
-                </a:r>
-                <a:r>
-                  <a:rPr lang="en-US" dirty="0"/>
-                  <a:t>that will act on the body between the two states</a:t>
+                  <a:t> equation down into components</a:t>
                 </a:r>
               </a:p>
               <a:p>
-                <a:pPr marL="914400" lvl="1" indent="-514350"/>
-                <a:r>
-                  <a:rPr lang="en-US" dirty="0"/>
-                  <a:t>Identify the known or unknown </a:t>
-                </a:r>
-                <a:r>
-                  <a:rPr lang="en-US" dirty="0">
-                    <a:solidFill>
-                      <a:schemeClr val="accent1"/>
-                    </a:solidFill>
-                  </a:rPr>
-                  <a:t>velocities</a:t>
-                </a:r>
-                <a:r>
-                  <a:rPr lang="en-US" dirty="0"/>
-                  <a:t> and </a:t>
-                </a:r>
-                <a:r>
-                  <a:rPr lang="en-US" dirty="0">
-                    <a:solidFill>
-                      <a:schemeClr val="accent1"/>
-                    </a:solidFill>
-                  </a:rPr>
-                  <a:t>angular velocities </a:t>
-                </a:r>
-                <a:r>
-                  <a:rPr lang="en-US" dirty="0"/>
-                  <a:t>in each state</a:t>
-                </a:r>
-              </a:p>
-              <a:p>
-                <a:pPr marL="514350" indent="-514350">
-                  <a:buFont typeface="+mj-lt"/>
-                  <a:buAutoNum type="arabicPeriod"/>
+                <a:pPr marL="0" indent="0">
+                  <a:buNone/>
                 </a:pPr>
-                <a:r>
-                  <a:rPr lang="en-US" dirty="0"/>
-                  <a:t>Use the diagram to put together the impulse momentum equation, with included known and unknown values.</a:t>
-                </a:r>
-              </a:p>
-              <a:p>
-                <a:pPr marL="914400" lvl="1" indent="-514350"/>
                 <a14:m>
-                  <m:oMath xmlns:m="http://schemas.openxmlformats.org/officeDocument/2006/math">
-                    <m:acc>
-                      <m:accPr>
-                        <m:chr m:val="⃑"/>
-                        <m:ctrlPr>
-                          <a:rPr lang="en-US" i="1">
-                            <a:latin typeface="Cambria Math" panose="02040503050406030204" pitchFamily="18" charset="0"/>
-                          </a:rPr>
-                        </m:ctrlPr>
-                      </m:accPr>
-                      <m:e>
-                        <m:r>
-                          <m:rPr>
-                            <m:sty m:val="p"/>
-                          </m:rPr>
-                          <a:rPr lang="en-US">
-                            <a:latin typeface="Cambria Math" panose="02040503050406030204" pitchFamily="18" charset="0"/>
-                          </a:rPr>
-                          <m:t>J</m:t>
-                        </m:r>
-                      </m:e>
-                    </m:acc>
-                    <m:r>
-                      <a:rPr lang="en-US" i="1">
-                        <a:latin typeface="Cambria Math"/>
-                      </a:rPr>
-                      <m:t>=</m:t>
-                    </m:r>
-                    <m:r>
-                      <a:rPr lang="en-US" i="1">
-                        <a:latin typeface="Cambria Math"/>
-                      </a:rPr>
-                      <m:t>𝑚</m:t>
-                    </m:r>
-                    <m:acc>
-                      <m:accPr>
-                        <m:chr m:val="⃑"/>
-                        <m:ctrlPr>
-                          <a:rPr lang="en-US" i="1">
-                            <a:latin typeface="Cambria Math" panose="02040503050406030204" pitchFamily="18" charset="0"/>
-                          </a:rPr>
-                        </m:ctrlPr>
-                      </m:accPr>
-                      <m:e>
-                        <m:sSub>
-                          <m:sSubPr>
-                            <m:ctrlPr>
-                              <a:rPr lang="en-US" i="1">
-                                <a:latin typeface="Cambria Math" panose="02040503050406030204" pitchFamily="18" charset="0"/>
-                              </a:rPr>
-                            </m:ctrlPr>
-                          </m:sSubPr>
-                          <m:e>
-                            <m:r>
-                              <m:rPr>
-                                <m:sty m:val="p"/>
-                              </m:rPr>
-                              <a:rPr lang="en-US">
-                                <a:latin typeface="Cambria Math"/>
-                              </a:rPr>
-                              <m:t>v</m:t>
-                            </m:r>
-                          </m:e>
-                          <m:sub>
-                            <m:r>
-                              <m:rPr>
-                                <m:sty m:val="p"/>
-                              </m:rPr>
-                              <a:rPr lang="en-US">
-                                <a:latin typeface="Cambria Math"/>
-                              </a:rPr>
-                              <m:t>f</m:t>
-                            </m:r>
-                          </m:sub>
-                        </m:sSub>
-                      </m:e>
-                    </m:acc>
-                    <m:r>
-                      <a:rPr lang="en-US" i="1">
-                        <a:latin typeface="Cambria Math"/>
-                      </a:rPr>
-                      <m:t>−</m:t>
-                    </m:r>
-                    <m:r>
-                      <a:rPr lang="en-US" i="1">
-                        <a:latin typeface="Cambria Math"/>
-                      </a:rPr>
-                      <m:t>𝑚</m:t>
-                    </m:r>
-                    <m:acc>
-                      <m:accPr>
-                        <m:chr m:val="⃑"/>
-                        <m:ctrlPr>
-                          <a:rPr lang="en-US" i="1">
-                            <a:latin typeface="Cambria Math" panose="02040503050406030204" pitchFamily="18" charset="0"/>
-                          </a:rPr>
-                        </m:ctrlPr>
-                      </m:accPr>
-                      <m:e>
-                        <m:sSub>
-                          <m:sSubPr>
-                            <m:ctrlPr>
-                              <a:rPr lang="en-US" i="1">
-                                <a:latin typeface="Cambria Math" panose="02040503050406030204" pitchFamily="18" charset="0"/>
-                              </a:rPr>
-                            </m:ctrlPr>
-                          </m:sSubPr>
-                          <m:e>
-                            <m:r>
-                              <m:rPr>
-                                <m:sty m:val="p"/>
-                              </m:rPr>
-                              <a:rPr lang="en-US">
-                                <a:latin typeface="Cambria Math"/>
-                              </a:rPr>
-                              <m:t>v</m:t>
-                            </m:r>
-                          </m:e>
-                          <m:sub>
-                            <m:r>
-                              <m:rPr>
-                                <m:sty m:val="p"/>
-                              </m:rPr>
-                              <a:rPr lang="en-US">
-                                <a:latin typeface="Cambria Math" panose="02040503050406030204" pitchFamily="18" charset="0"/>
-                              </a:rPr>
-                              <m:t>i</m:t>
-                            </m:r>
-                          </m:sub>
-                        </m:sSub>
-                      </m:e>
-                    </m:acc>
-                  </m:oMath>
+                  <m:oMathPara xmlns:m="http://schemas.openxmlformats.org/officeDocument/2006/math">
+                    <m:oMathParaPr>
+                      <m:jc m:val="centerGroup"/>
+                    </m:oMathParaPr>
+                    <m:oMath xmlns:m="http://schemas.openxmlformats.org/officeDocument/2006/math">
+                      <m:sSub>
+                        <m:sSubPr>
+                          <m:ctrlPr>
+                            <a:rPr lang="en-US" i="1" smtClean="0">
+                              <a:latin typeface="Cambria Math" panose="02040503050406030204" pitchFamily="18" charset="0"/>
+                            </a:rPr>
+                          </m:ctrlPr>
+                        </m:sSubPr>
+                        <m:e>
+                          <m:r>
+                            <m:rPr>
+                              <m:sty m:val="p"/>
+                            </m:rPr>
+                            <a:rPr lang="en-US" b="0" i="0" smtClean="0">
+                              <a:latin typeface="Cambria Math" panose="02040503050406030204" pitchFamily="18" charset="0"/>
+                            </a:rPr>
+                            <m:t>J</m:t>
+                          </m:r>
+                        </m:e>
+                        <m:sub>
+                          <m:r>
+                            <m:rPr>
+                              <m:sty m:val="p"/>
+                            </m:rPr>
+                            <a:rPr lang="en-US" b="0" i="0" smtClean="0">
+                              <a:latin typeface="Cambria Math"/>
+                            </a:rPr>
+                            <m:t>x</m:t>
+                          </m:r>
+                        </m:sub>
+                      </m:sSub>
+                      <m:r>
+                        <a:rPr lang="en-US" i="1">
+                          <a:latin typeface="Cambria Math"/>
+                        </a:rPr>
+                        <m:t>=</m:t>
+                      </m:r>
+                      <m:r>
+                        <a:rPr lang="en-US" b="0" i="1">
+                          <a:latin typeface="Cambria Math"/>
+                        </a:rPr>
+                        <m:t>𝑚</m:t>
+                      </m:r>
+                      <m:sSub>
+                        <m:sSubPr>
+                          <m:ctrlPr>
+                            <a:rPr lang="en-US" i="1">
+                              <a:latin typeface="Cambria Math" panose="02040503050406030204" pitchFamily="18" charset="0"/>
+                            </a:rPr>
+                          </m:ctrlPr>
+                        </m:sSubPr>
+                        <m:e>
+                          <m:r>
+                            <a:rPr lang="en-US" b="0" i="1">
+                              <a:latin typeface="Cambria Math"/>
+                            </a:rPr>
+                            <m:t>𝑣</m:t>
+                          </m:r>
+                        </m:e>
+                        <m:sub>
+                          <m:r>
+                            <a:rPr lang="en-US" b="0" i="1">
+                              <a:latin typeface="Cambria Math"/>
+                            </a:rPr>
+                            <m:t>𝑓</m:t>
+                          </m:r>
+                          <m:r>
+                            <a:rPr lang="en-US" b="0" i="1" smtClean="0">
+                              <a:latin typeface="Cambria Math"/>
+                            </a:rPr>
+                            <m:t>𝑥</m:t>
+                          </m:r>
+                        </m:sub>
+                      </m:sSub>
+                      <m:r>
+                        <a:rPr lang="en-US" b="0" i="1">
+                          <a:latin typeface="Cambria Math"/>
+                        </a:rPr>
+                        <m:t>−</m:t>
+                      </m:r>
+                      <m:r>
+                        <a:rPr lang="en-US" b="0" i="1">
+                          <a:latin typeface="Cambria Math"/>
+                        </a:rPr>
+                        <m:t>𝑚</m:t>
+                      </m:r>
+                      <m:sSub>
+                        <m:sSubPr>
+                          <m:ctrlPr>
+                            <a:rPr lang="en-US" i="1">
+                              <a:latin typeface="Cambria Math" panose="02040503050406030204" pitchFamily="18" charset="0"/>
+                            </a:rPr>
+                          </m:ctrlPr>
+                        </m:sSubPr>
+                        <m:e>
+                          <m:r>
+                            <a:rPr lang="en-US" b="0" i="1">
+                              <a:latin typeface="Cambria Math"/>
+                            </a:rPr>
+                            <m:t>𝑣</m:t>
+                          </m:r>
+                        </m:e>
+                        <m:sub>
+                          <m:r>
+                            <a:rPr lang="en-US" b="0" i="1">
+                              <a:latin typeface="Cambria Math"/>
+                            </a:rPr>
+                            <m:t>𝑖</m:t>
+                          </m:r>
+                          <m:r>
+                            <a:rPr lang="en-US" b="0" i="1" smtClean="0">
+                              <a:latin typeface="Cambria Math"/>
+                            </a:rPr>
+                            <m:t>𝑥</m:t>
+                          </m:r>
+                        </m:sub>
+                      </m:sSub>
+                    </m:oMath>
+                  </m:oMathPara>
                 </a14:m>
                 <a:endParaRPr lang="en-US" dirty="0"/>
               </a:p>
               <a:p>
-                <a:pPr marL="914400" lvl="1" indent="-514350"/>
+                <a:pPr marL="0" indent="0">
+                  <a:buNone/>
+                </a:pPr>
                 <a14:m>
-                  <m:oMath xmlns:m="http://schemas.openxmlformats.org/officeDocument/2006/math">
-                    <m:acc>
-                      <m:accPr>
-                        <m:chr m:val="⃑"/>
-                        <m:ctrlPr>
-                          <a:rPr lang="en-US" i="1">
-                            <a:latin typeface="Cambria Math" panose="02040503050406030204" pitchFamily="18" charset="0"/>
-                          </a:rPr>
-                        </m:ctrlPr>
-                      </m:accPr>
-                      <m:e>
-                        <m:r>
-                          <m:rPr>
-                            <m:sty m:val="p"/>
-                          </m:rPr>
-                          <a:rPr lang="en-US">
-                            <a:latin typeface="Cambria Math" panose="02040503050406030204" pitchFamily="18" charset="0"/>
-                          </a:rPr>
-                          <m:t>K</m:t>
-                        </m:r>
-                      </m:e>
-                    </m:acc>
-                    <m:r>
-                      <a:rPr lang="en-US" i="1">
-                        <a:latin typeface="Cambria Math"/>
-                      </a:rPr>
-                      <m:t>=</m:t>
-                    </m:r>
-                    <m:r>
-                      <a:rPr lang="en-US" i="1">
-                        <a:latin typeface="Cambria Math" panose="02040503050406030204" pitchFamily="18" charset="0"/>
-                      </a:rPr>
-                      <m:t>𝐼</m:t>
-                    </m:r>
-                    <m:acc>
-                      <m:accPr>
-                        <m:chr m:val="⃑"/>
-                        <m:ctrlPr>
-                          <a:rPr lang="en-US" i="1">
-                            <a:latin typeface="Cambria Math" panose="02040503050406030204" pitchFamily="18" charset="0"/>
-                          </a:rPr>
-                        </m:ctrlPr>
-                      </m:accPr>
-                      <m:e>
-                        <m:sSub>
-                          <m:sSubPr>
-                            <m:ctrlPr>
-                              <a:rPr lang="en-US" i="1">
-                                <a:latin typeface="Cambria Math" panose="02040503050406030204" pitchFamily="18" charset="0"/>
-                              </a:rPr>
-                            </m:ctrlPr>
-                          </m:sSubPr>
-                          <m:e>
-                            <m:r>
-                              <m:rPr>
-                                <m:sty m:val="p"/>
-                              </m:rPr>
-                              <a:rPr lang="en-US">
-                                <a:latin typeface="Cambria Math"/>
-                                <a:ea typeface="Cambria Math" panose="02040503050406030204" pitchFamily="18" charset="0"/>
-                              </a:rPr>
-                              <m:t>ω</m:t>
-                            </m:r>
-                          </m:e>
-                          <m:sub>
-                            <m:r>
-                              <m:rPr>
-                                <m:sty m:val="p"/>
-                              </m:rPr>
-                              <a:rPr lang="en-US">
-                                <a:latin typeface="Cambria Math"/>
-                              </a:rPr>
-                              <m:t>f</m:t>
-                            </m:r>
-                          </m:sub>
-                        </m:sSub>
-                      </m:e>
-                    </m:acc>
-                    <m:r>
-                      <a:rPr lang="en-US" i="1">
-                        <a:latin typeface="Cambria Math"/>
-                      </a:rPr>
-                      <m:t>−</m:t>
-                    </m:r>
-                    <m:r>
-                      <a:rPr lang="en-US" i="1">
-                        <a:latin typeface="Cambria Math" panose="02040503050406030204" pitchFamily="18" charset="0"/>
-                      </a:rPr>
-                      <m:t>𝐼</m:t>
-                    </m:r>
-                    <m:acc>
-                      <m:accPr>
-                        <m:chr m:val="⃑"/>
-                        <m:ctrlPr>
-                          <a:rPr lang="en-US" i="1">
-                            <a:latin typeface="Cambria Math" panose="02040503050406030204" pitchFamily="18" charset="0"/>
-                          </a:rPr>
-                        </m:ctrlPr>
-                      </m:accPr>
-                      <m:e>
-                        <m:sSub>
-                          <m:sSubPr>
-                            <m:ctrlPr>
-                              <a:rPr lang="en-US" i="1">
-                                <a:latin typeface="Cambria Math" panose="02040503050406030204" pitchFamily="18" charset="0"/>
-                              </a:rPr>
-                            </m:ctrlPr>
-                          </m:sSubPr>
-                          <m:e>
-                            <m:r>
-                              <m:rPr>
-                                <m:sty m:val="p"/>
-                              </m:rPr>
-                              <a:rPr lang="en-US">
-                                <a:latin typeface="Cambria Math"/>
-                                <a:ea typeface="Cambria Math" panose="02040503050406030204" pitchFamily="18" charset="0"/>
-                              </a:rPr>
-                              <m:t>ω</m:t>
-                            </m:r>
-                          </m:e>
-                          <m:sub>
-                            <m:r>
-                              <m:rPr>
-                                <m:sty m:val="p"/>
-                              </m:rPr>
-                              <a:rPr lang="en-US">
-                                <a:latin typeface="Cambria Math" panose="02040503050406030204" pitchFamily="18" charset="0"/>
-                              </a:rPr>
-                              <m:t>i</m:t>
-                            </m:r>
-                          </m:sub>
-                        </m:sSub>
-                      </m:e>
-                    </m:acc>
-                  </m:oMath>
+                  <m:oMathPara xmlns:m="http://schemas.openxmlformats.org/officeDocument/2006/math">
+                    <m:oMathParaPr>
+                      <m:jc m:val="centerGroup"/>
+                    </m:oMathParaPr>
+                    <m:oMath xmlns:m="http://schemas.openxmlformats.org/officeDocument/2006/math">
+                      <m:sSub>
+                        <m:sSubPr>
+                          <m:ctrlPr>
+                            <a:rPr lang="en-US" i="1">
+                              <a:latin typeface="Cambria Math" panose="02040503050406030204" pitchFamily="18" charset="0"/>
+                            </a:rPr>
+                          </m:ctrlPr>
+                        </m:sSubPr>
+                        <m:e>
+                          <m:r>
+                            <m:rPr>
+                              <m:sty m:val="p"/>
+                            </m:rPr>
+                            <a:rPr lang="en-US" b="0" i="0" smtClean="0">
+                              <a:latin typeface="Cambria Math" panose="02040503050406030204" pitchFamily="18" charset="0"/>
+                            </a:rPr>
+                            <m:t>J</m:t>
+                          </m:r>
+                        </m:e>
+                        <m:sub>
+                          <m:r>
+                            <m:rPr>
+                              <m:sty m:val="p"/>
+                            </m:rPr>
+                            <a:rPr lang="en-US" b="0" i="0" smtClean="0">
+                              <a:latin typeface="Cambria Math"/>
+                            </a:rPr>
+                            <m:t>y</m:t>
+                          </m:r>
+                        </m:sub>
+                      </m:sSub>
+                      <m:r>
+                        <a:rPr lang="en-US" i="1">
+                          <a:latin typeface="Cambria Math"/>
+                        </a:rPr>
+                        <m:t>=</m:t>
+                      </m:r>
+                      <m:r>
+                        <a:rPr lang="en-US" b="0" i="1">
+                          <a:latin typeface="Cambria Math"/>
+                        </a:rPr>
+                        <m:t>𝑚</m:t>
+                      </m:r>
+                      <m:sSub>
+                        <m:sSubPr>
+                          <m:ctrlPr>
+                            <a:rPr lang="en-US" i="1">
+                              <a:latin typeface="Cambria Math" panose="02040503050406030204" pitchFamily="18" charset="0"/>
+                            </a:rPr>
+                          </m:ctrlPr>
+                        </m:sSubPr>
+                        <m:e>
+                          <m:r>
+                            <a:rPr lang="en-US" b="0" i="1">
+                              <a:latin typeface="Cambria Math"/>
+                            </a:rPr>
+                            <m:t>𝑣</m:t>
+                          </m:r>
+                        </m:e>
+                        <m:sub>
+                          <m:r>
+                            <a:rPr lang="en-US" b="0" i="1">
+                              <a:latin typeface="Cambria Math"/>
+                            </a:rPr>
+                            <m:t>𝑓</m:t>
+                          </m:r>
+                          <m:r>
+                            <a:rPr lang="en-US" b="0" i="1" smtClean="0">
+                              <a:latin typeface="Cambria Math"/>
+                            </a:rPr>
+                            <m:t>𝑦</m:t>
+                          </m:r>
+                        </m:sub>
+                      </m:sSub>
+                      <m:r>
+                        <a:rPr lang="en-US" b="0" i="1">
+                          <a:latin typeface="Cambria Math"/>
+                        </a:rPr>
+                        <m:t>−</m:t>
+                      </m:r>
+                      <m:r>
+                        <a:rPr lang="en-US" b="0" i="1">
+                          <a:latin typeface="Cambria Math"/>
+                        </a:rPr>
+                        <m:t>𝑚</m:t>
+                      </m:r>
+                      <m:sSub>
+                        <m:sSubPr>
+                          <m:ctrlPr>
+                            <a:rPr lang="en-US" i="1">
+                              <a:latin typeface="Cambria Math" panose="02040503050406030204" pitchFamily="18" charset="0"/>
+                            </a:rPr>
+                          </m:ctrlPr>
+                        </m:sSubPr>
+                        <m:e>
+                          <m:r>
+                            <a:rPr lang="en-US" b="0" i="1">
+                              <a:latin typeface="Cambria Math"/>
+                            </a:rPr>
+                            <m:t>𝑣</m:t>
+                          </m:r>
+                        </m:e>
+                        <m:sub>
+                          <m:r>
+                            <a:rPr lang="en-US" b="0" i="1">
+                              <a:latin typeface="Cambria Math"/>
+                            </a:rPr>
+                            <m:t>𝑖</m:t>
+                          </m:r>
+                          <m:r>
+                            <a:rPr lang="en-US" b="0" i="1" smtClean="0">
+                              <a:latin typeface="Cambria Math"/>
+                            </a:rPr>
+                            <m:t>𝑦</m:t>
+                          </m:r>
+                        </m:sub>
+                      </m:sSub>
+                    </m:oMath>
+                  </m:oMathPara>
                 </a14:m>
                 <a:endParaRPr lang="en-US" dirty="0"/>
               </a:p>
               <a:p>
-                <a:pPr marL="914400" lvl="1" indent="-514350"/>
                 <a:r>
                   <a:rPr lang="en-US" dirty="0"/>
-                  <a:t>Split these equation into x and y components if appropriate</a:t>
+                  <a:t>The angular equation will remain a single equation</a:t>
                 </a:r>
               </a:p>
               <a:p>
-                <a:pPr marL="514350" indent="-514350">
-                  <a:buFont typeface="+mj-lt"/>
-                  <a:buAutoNum type="arabicPeriod"/>
+                <a:pPr marL="0" indent="0">
+                  <a:buNone/>
                 </a:pPr>
-                <a:r>
-                  <a:rPr lang="en-US" dirty="0"/>
-                  <a:t>Solve the equations for the unknown quantities</a:t>
-                </a:r>
+                <a14:m>
+                  <m:oMathPara xmlns:m="http://schemas.openxmlformats.org/officeDocument/2006/math">
+                    <m:oMathParaPr>
+                      <m:jc m:val="centerGroup"/>
+                    </m:oMathParaPr>
+                    <m:oMath xmlns:m="http://schemas.openxmlformats.org/officeDocument/2006/math">
+                      <m:r>
+                        <a:rPr lang="en-US" i="1">
+                          <a:latin typeface="Cambria Math" panose="02040503050406030204" pitchFamily="18" charset="0"/>
+                        </a:rPr>
+                        <m:t>𝐾</m:t>
+                      </m:r>
+                      <m:r>
+                        <a:rPr lang="en-US" i="1">
+                          <a:latin typeface="Cambria Math"/>
+                        </a:rPr>
+                        <m:t>=</m:t>
+                      </m:r>
+                      <m:r>
+                        <a:rPr lang="en-US" i="1">
+                          <a:latin typeface="Cambria Math" panose="02040503050406030204" pitchFamily="18" charset="0"/>
+                        </a:rPr>
+                        <m:t>𝐼</m:t>
+                      </m:r>
+                      <m:sSub>
+                        <m:sSubPr>
+                          <m:ctrlPr>
+                            <a:rPr lang="en-US" i="1">
+                              <a:latin typeface="Cambria Math" panose="02040503050406030204" pitchFamily="18" charset="0"/>
+                            </a:rPr>
+                          </m:ctrlPr>
+                        </m:sSubPr>
+                        <m:e>
+                          <m:r>
+                            <m:rPr>
+                              <m:sty m:val="p"/>
+                            </m:rPr>
+                            <a:rPr lang="en-US">
+                              <a:latin typeface="Cambria Math"/>
+                              <a:ea typeface="Cambria Math" panose="02040503050406030204" pitchFamily="18" charset="0"/>
+                            </a:rPr>
+                            <m:t>ω</m:t>
+                          </m:r>
+                        </m:e>
+                        <m:sub>
+                          <m:r>
+                            <m:rPr>
+                              <m:sty m:val="p"/>
+                            </m:rPr>
+                            <a:rPr lang="en-US">
+                              <a:latin typeface="Cambria Math"/>
+                            </a:rPr>
+                            <m:t>f</m:t>
+                          </m:r>
+                        </m:sub>
+                      </m:sSub>
+                      <m:r>
+                        <a:rPr lang="en-US" i="1">
+                          <a:latin typeface="Cambria Math"/>
+                        </a:rPr>
+                        <m:t>−</m:t>
+                      </m:r>
+                      <m:r>
+                        <a:rPr lang="en-US" i="1">
+                          <a:latin typeface="Cambria Math" panose="02040503050406030204" pitchFamily="18" charset="0"/>
+                        </a:rPr>
+                        <m:t>𝐼</m:t>
+                      </m:r>
+                      <m:sSub>
+                        <m:sSubPr>
+                          <m:ctrlPr>
+                            <a:rPr lang="en-US" i="1">
+                              <a:latin typeface="Cambria Math" panose="02040503050406030204" pitchFamily="18" charset="0"/>
+                            </a:rPr>
+                          </m:ctrlPr>
+                        </m:sSubPr>
+                        <m:e>
+                          <m:r>
+                            <m:rPr>
+                              <m:sty m:val="p"/>
+                            </m:rPr>
+                            <a:rPr lang="en-US">
+                              <a:latin typeface="Cambria Math"/>
+                              <a:ea typeface="Cambria Math" panose="02040503050406030204" pitchFamily="18" charset="0"/>
+                            </a:rPr>
+                            <m:t>ω</m:t>
+                          </m:r>
+                        </m:e>
+                        <m:sub>
+                          <m:r>
+                            <m:rPr>
+                              <m:sty m:val="p"/>
+                            </m:rPr>
+                            <a:rPr lang="en-US">
+                              <a:latin typeface="Cambria Math" panose="02040503050406030204" pitchFamily="18" charset="0"/>
+                              <a:ea typeface="Cambria Math" panose="02040503050406030204" pitchFamily="18" charset="0"/>
+                            </a:rPr>
+                            <m:t>i</m:t>
+                          </m:r>
+                        </m:sub>
+                      </m:sSub>
+                    </m:oMath>
+                  </m:oMathPara>
+                </a14:m>
+                <a:endParaRPr lang="en-US" dirty="0"/>
               </a:p>
               <a:p>
-                <a:pPr marL="514350" indent="-514350">
-                  <a:buFont typeface="+mj-lt"/>
-                  <a:buAutoNum type="arabicPeriod"/>
+                <a:pPr marL="0" indent="0">
+                  <a:buNone/>
                 </a:pPr>
+                <a:endParaRPr lang="en-US" dirty="0"/>
+              </a:p>
+              <a:p>
                 <a:endParaRPr lang="en-US" dirty="0"/>
               </a:p>
             </p:txBody>
           </p:sp>
         </mc:Choice>
-        <mc:Fallback xmlns="">
+        <mc:Fallback>
           <p:sp>
             <p:nvSpPr>
               <p:cNvPr id="3" name="Content Placeholder 2">
                 <a:extLst>
                   <a:ext uri="{FF2B5EF4-FFF2-40B4-BE49-F238E27FC236}">
-                    <a16:creationId xmlns:a16="http://schemas.microsoft.com/office/drawing/2014/main" id="{A0280897-CDB5-4D78-9300-B055EC7031D9}"/>
+                    <a16:creationId xmlns:a16="http://schemas.microsoft.com/office/drawing/2014/main" id="{B098F860-D08E-9C1B-1D89-7B8AB3D2E422}"/>
                   </a:ext>
                 </a:extLst>
               </p:cNvPr>
@@ -10000,14 +9984,10 @@
               </p:nvPr>
             </p:nvSpPr>
             <p:spPr>
-              <a:xfrm>
-                <a:off x="457200" y="1600200"/>
-                <a:ext cx="8229600" cy="4648200"/>
-              </a:xfrm>
               <a:blipFill>
                 <a:blip r:embed="rId2"/>
                 <a:stretch>
-                  <a:fillRect l="-815" t="-1969" r="-296"/>
+                  <a:fillRect l="-1259" t="-2830"/>
                 </a:stretch>
               </a:blipFill>
             </p:spPr>
@@ -10026,10 +10006,39 @@
           </p:sp>
         </mc:Fallback>
       </mc:AlternateContent>
+      <p:sp>
+        <p:nvSpPr>
+          <p:cNvPr id="4" name="Slide Number Placeholder 3">
+            <a:extLst>
+              <a:ext uri="{FF2B5EF4-FFF2-40B4-BE49-F238E27FC236}">
+                <a16:creationId xmlns:a16="http://schemas.microsoft.com/office/drawing/2014/main" id="{195AC24C-7813-756F-D62A-314495E17FD1}"/>
+              </a:ext>
+            </a:extLst>
+          </p:cNvPr>
+          <p:cNvSpPr>
+            <a:spLocks noGrp="1"/>
+          </p:cNvSpPr>
+          <p:nvPr>
+            <p:ph type="sldNum" sz="quarter" idx="12"/>
+          </p:nvPr>
+        </p:nvSpPr>
+        <p:spPr/>
+        <p:txBody>
+          <a:bodyPr/>
+          <a:lstStyle/>
+          <a:p>
+            <a:fld id="{929262FE-7F58-4A1E-8AF3-5A510A86DEBD}" type="slidenum">
+              <a:rPr lang="en-US" smtClean="0"/>
+              <a:t>6</a:t>
+            </a:fld>
+            <a:endParaRPr lang="en-US" dirty="0"/>
+          </a:p>
+        </p:txBody>
+      </p:sp>
     </p:spTree>
     <p:extLst>
       <p:ext uri="{BB962C8B-B14F-4D97-AF65-F5344CB8AC3E}">
-        <p14:creationId xmlns:p14="http://schemas.microsoft.com/office/powerpoint/2010/main" val="2175471731"/>
+        <p14:creationId xmlns:p14="http://schemas.microsoft.com/office/powerpoint/2010/main" val="1985922877"/>
       </p:ext>
     </p:extLst>
   </p:cSld>
@@ -10136,39 +10145,26 @@
                                   </p:childTnLst>
                                 </p:cTn>
                               </p:par>
+                            </p:childTnLst>
+                          </p:cTn>
+                        </p:par>
+                      </p:childTnLst>
+                    </p:cTn>
+                  </p:par>
+                  <p:par>
+                    <p:cTn id="11" fill="hold">
+                      <p:stCondLst>
+                        <p:cond delay="indefinite"/>
+                      </p:stCondLst>
+                      <p:childTnLst>
+                        <p:par>
+                          <p:cTn id="12" fill="hold">
+                            <p:stCondLst>
+                              <p:cond delay="0"/>
+                            </p:stCondLst>
+                            <p:childTnLst>
                               <p:par>
-                                <p:cTn id="11" presetID="1" presetClass="entr" presetSubtype="0" fill="hold" grpId="0" nodeType="withEffect">
-                                  <p:stCondLst>
-                                    <p:cond delay="0"/>
-                                  </p:stCondLst>
-                                  <p:childTnLst>
-                                    <p:set>
-                                      <p:cBhvr>
-                                        <p:cTn id="12" dur="1" fill="hold">
-                                          <p:stCondLst>
-                                            <p:cond delay="0"/>
-                                          </p:stCondLst>
-                                        </p:cTn>
-                                        <p:tgtEl>
-                                          <p:spTgt spid="3">
-                                            <p:txEl>
-                                              <p:pRg st="2" end="2"/>
-                                            </p:txEl>
-                                          </p:spTgt>
-                                        </p:tgtEl>
-                                        <p:attrNameLst>
-                                          <p:attrName>style.visibility</p:attrName>
-                                        </p:attrNameLst>
-                                      </p:cBhvr>
-                                      <p:to>
-                                        <p:strVal val="visible"/>
-                                      </p:to>
-                                    </p:set>
-                                  </p:childTnLst>
-                                </p:cTn>
-                              </p:par>
-                              <p:par>
-                                <p:cTn id="13" presetID="1" presetClass="entr" presetSubtype="0" fill="hold" grpId="0" nodeType="withEffect">
+                                <p:cTn id="13" presetID="1" presetClass="entr" presetSubtype="0" fill="hold" grpId="0" nodeType="clickEffect">
                                   <p:stCondLst>
                                     <p:cond delay="0"/>
                                   </p:stCondLst>
@@ -10183,7 +10179,7 @@
                                         <p:tgtEl>
                                           <p:spTgt spid="3">
                                             <p:txEl>
-                                              <p:pRg st="3" end="3"/>
+                                              <p:pRg st="2" end="2"/>
                                             </p:txEl>
                                           </p:spTgt>
                                         </p:tgtEl>
@@ -10232,6 +10228,55 @@
                                         <p:tgtEl>
                                           <p:spTgt spid="3">
                                             <p:txEl>
+                                              <p:pRg st="3" end="3"/>
+                                            </p:txEl>
+                                          </p:spTgt>
+                                        </p:tgtEl>
+                                        <p:attrNameLst>
+                                          <p:attrName>style.visibility</p:attrName>
+                                        </p:attrNameLst>
+                                      </p:cBhvr>
+                                      <p:to>
+                                        <p:strVal val="visible"/>
+                                      </p:to>
+                                    </p:set>
+                                  </p:childTnLst>
+                                </p:cTn>
+                              </p:par>
+                            </p:childTnLst>
+                          </p:cTn>
+                        </p:par>
+                      </p:childTnLst>
+                    </p:cTn>
+                  </p:par>
+                  <p:par>
+                    <p:cTn id="19" fill="hold">
+                      <p:stCondLst>
+                        <p:cond delay="indefinite"/>
+                      </p:stCondLst>
+                      <p:childTnLst>
+                        <p:par>
+                          <p:cTn id="20" fill="hold">
+                            <p:stCondLst>
+                              <p:cond delay="0"/>
+                            </p:stCondLst>
+                            <p:childTnLst>
+                              <p:par>
+                                <p:cTn id="21" presetID="1" presetClass="entr" presetSubtype="0" fill="hold" grpId="0" nodeType="clickEffect">
+                                  <p:stCondLst>
+                                    <p:cond delay="0"/>
+                                  </p:stCondLst>
+                                  <p:childTnLst>
+                                    <p:set>
+                                      <p:cBhvr>
+                                        <p:cTn id="22" dur="1" fill="hold">
+                                          <p:stCondLst>
+                                            <p:cond delay="0"/>
+                                          </p:stCondLst>
+                                        </p:cTn>
+                                        <p:tgtEl>
+                                          <p:spTgt spid="3">
+                                            <p:txEl>
                                               <p:pRg st="4" end="4"/>
                                             </p:txEl>
                                           </p:spTgt>
@@ -10247,15 +10292,33 @@
                                   </p:childTnLst>
                                 </p:cTn>
                               </p:par>
+                            </p:childTnLst>
+                          </p:cTn>
+                        </p:par>
+                      </p:childTnLst>
+                    </p:cTn>
+                  </p:par>
+                  <p:par>
+                    <p:cTn id="23" fill="hold">
+                      <p:stCondLst>
+                        <p:cond delay="indefinite"/>
+                      </p:stCondLst>
+                      <p:childTnLst>
+                        <p:par>
+                          <p:cTn id="24" fill="hold">
+                            <p:stCondLst>
+                              <p:cond delay="0"/>
+                            </p:stCondLst>
+                            <p:childTnLst>
                               <p:par>
-                                <p:cTn id="19" presetID="1" presetClass="entr" presetSubtype="0" fill="hold" grpId="0" nodeType="withEffect">
+                                <p:cTn id="25" presetID="1" presetClass="entr" presetSubtype="0" fill="hold" grpId="0" nodeType="clickEffect">
                                   <p:stCondLst>
                                     <p:cond delay="0"/>
                                   </p:stCondLst>
                                   <p:childTnLst>
                                     <p:set>
                                       <p:cBhvr>
-                                        <p:cTn id="20" dur="1" fill="hold">
+                                        <p:cTn id="26" dur="1" fill="hold">
                                           <p:stCondLst>
                                             <p:cond delay="0"/>
                                           </p:stCondLst>
@@ -10278,15 +10341,33 @@
                                   </p:childTnLst>
                                 </p:cTn>
                               </p:par>
+                            </p:childTnLst>
+                          </p:cTn>
+                        </p:par>
+                      </p:childTnLst>
+                    </p:cTn>
+                  </p:par>
+                  <p:par>
+                    <p:cTn id="27" fill="hold">
+                      <p:stCondLst>
+                        <p:cond delay="indefinite"/>
+                      </p:stCondLst>
+                      <p:childTnLst>
+                        <p:par>
+                          <p:cTn id="28" fill="hold">
+                            <p:stCondLst>
+                              <p:cond delay="0"/>
+                            </p:stCondLst>
+                            <p:childTnLst>
                               <p:par>
-                                <p:cTn id="21" presetID="1" presetClass="entr" presetSubtype="0" fill="hold" grpId="0" nodeType="withEffect">
+                                <p:cTn id="29" presetID="1" presetClass="entr" presetSubtype="0" fill="hold" grpId="0" nodeType="clickEffect">
                                   <p:stCondLst>
                                     <p:cond delay="0"/>
                                   </p:stCondLst>
                                   <p:childTnLst>
                                     <p:set>
                                       <p:cBhvr>
-                                        <p:cTn id="22" dur="1" fill="hold">
+                                        <p:cTn id="30" dur="1" fill="hold">
                                           <p:stCondLst>
                                             <p:cond delay="0"/>
                                           </p:stCondLst>
@@ -10309,15 +10390,33 @@
                                   </p:childTnLst>
                                 </p:cTn>
                               </p:par>
+                            </p:childTnLst>
+                          </p:cTn>
+                        </p:par>
+                      </p:childTnLst>
+                    </p:cTn>
+                  </p:par>
+                  <p:par>
+                    <p:cTn id="31" fill="hold">
+                      <p:stCondLst>
+                        <p:cond delay="indefinite"/>
+                      </p:stCondLst>
+                      <p:childTnLst>
+                        <p:par>
+                          <p:cTn id="32" fill="hold">
+                            <p:stCondLst>
+                              <p:cond delay="0"/>
+                            </p:stCondLst>
+                            <p:childTnLst>
                               <p:par>
-                                <p:cTn id="23" presetID="1" presetClass="entr" presetSubtype="0" fill="hold" grpId="0" nodeType="withEffect">
+                                <p:cTn id="33" presetID="1" presetClass="entr" presetSubtype="0" fill="hold" grpId="0" nodeType="clickEffect">
                                   <p:stCondLst>
                                     <p:cond delay="0"/>
                                   </p:stCondLst>
                                   <p:childTnLst>
                                     <p:set>
                                       <p:cBhvr>
-                                        <p:cTn id="24" dur="1" fill="hold">
+                                        <p:cTn id="34" dur="1" fill="hold">
                                           <p:stCondLst>
                                             <p:cond delay="0"/>
                                           </p:stCondLst>
@@ -10326,55 +10425,6 @@
                                           <p:spTgt spid="3">
                                             <p:txEl>
                                               <p:pRg st="7" end="7"/>
-                                            </p:txEl>
-                                          </p:spTgt>
-                                        </p:tgtEl>
-                                        <p:attrNameLst>
-                                          <p:attrName>style.visibility</p:attrName>
-                                        </p:attrNameLst>
-                                      </p:cBhvr>
-                                      <p:to>
-                                        <p:strVal val="visible"/>
-                                      </p:to>
-                                    </p:set>
-                                  </p:childTnLst>
-                                </p:cTn>
-                              </p:par>
-                            </p:childTnLst>
-                          </p:cTn>
-                        </p:par>
-                      </p:childTnLst>
-                    </p:cTn>
-                  </p:par>
-                  <p:par>
-                    <p:cTn id="25" fill="hold">
-                      <p:stCondLst>
-                        <p:cond delay="indefinite"/>
-                      </p:stCondLst>
-                      <p:childTnLst>
-                        <p:par>
-                          <p:cTn id="26" fill="hold">
-                            <p:stCondLst>
-                              <p:cond delay="0"/>
-                            </p:stCondLst>
-                            <p:childTnLst>
-                              <p:par>
-                                <p:cTn id="27" presetID="1" presetClass="entr" presetSubtype="0" fill="hold" grpId="0" nodeType="clickEffect">
-                                  <p:stCondLst>
-                                    <p:cond delay="0"/>
-                                  </p:stCondLst>
-                                  <p:childTnLst>
-                                    <p:set>
-                                      <p:cBhvr>
-                                        <p:cTn id="28" dur="1" fill="hold">
-                                          <p:stCondLst>
-                                            <p:cond delay="0"/>
-                                          </p:stCondLst>
-                                        </p:cTn>
-                                        <p:tgtEl>
-                                          <p:spTgt spid="3">
-                                            <p:txEl>
-                                              <p:pRg st="8" end="8"/>
                                             </p:txEl>
                                           </p:spTgt>
                                         </p:tgtEl>
@@ -10418,6 +10468,1177 @@
     </p:tnLst>
     <p:bldLst>
       <p:bldP spid="3" grpId="0" build="p"/>
+    </p:bldLst>
+  </p:timing>
+</p:sld>
+</file>
+
+<file path=ppt/slides/slide7.xml><?xml version="1.0" encoding="utf-8"?>
+<p:sld xmlns:a="http://schemas.openxmlformats.org/drawingml/2006/main" xmlns:r="http://schemas.openxmlformats.org/officeDocument/2006/relationships" xmlns:p="http://schemas.openxmlformats.org/presentationml/2006/main">
+  <p:cSld>
+    <p:spTree>
+      <p:nvGrpSpPr>
+        <p:cNvPr id="1" name=""/>
+        <p:cNvGrpSpPr/>
+        <p:nvPr/>
+      </p:nvGrpSpPr>
+      <p:grpSpPr>
+        <a:xfrm>
+          <a:off x="0" y="0"/>
+          <a:ext cx="0" cy="0"/>
+          <a:chOff x="0" y="0"/>
+          <a:chExt cx="0" cy="0"/>
+        </a:xfrm>
+      </p:grpSpPr>
+      <p:sp>
+        <p:nvSpPr>
+          <p:cNvPr id="2" name="Title 1">
+            <a:extLst>
+              <a:ext uri="{FF2B5EF4-FFF2-40B4-BE49-F238E27FC236}">
+                <a16:creationId xmlns:a16="http://schemas.microsoft.com/office/drawing/2014/main" id="{73542280-7564-2C77-9B6B-826C4FA40F18}"/>
+              </a:ext>
+            </a:extLst>
+          </p:cNvPr>
+          <p:cNvSpPr>
+            <a:spLocks noGrp="1"/>
+          </p:cNvSpPr>
+          <p:nvPr>
+            <p:ph type="title"/>
+          </p:nvPr>
+        </p:nvSpPr>
+        <p:spPr/>
+        <p:txBody>
+          <a:bodyPr>
+            <a:normAutofit fontScale="90000"/>
+          </a:bodyPr>
+          <a:lstStyle/>
+          <a:p>
+            <a:r>
+              <a:rPr lang="en-US" dirty="0"/>
+              <a:t>Solving Impulse Momentum Problems</a:t>
+            </a:r>
+          </a:p>
+        </p:txBody>
+      </p:sp>
+      <p:sp>
+        <p:nvSpPr>
+          <p:cNvPr id="3" name="Content Placeholder 2">
+            <a:extLst>
+              <a:ext uri="{FF2B5EF4-FFF2-40B4-BE49-F238E27FC236}">
+                <a16:creationId xmlns:a16="http://schemas.microsoft.com/office/drawing/2014/main" id="{FDA782A6-637C-A25C-1794-8CA9E6AF3903}"/>
+              </a:ext>
+            </a:extLst>
+          </p:cNvPr>
+          <p:cNvSpPr>
+            <a:spLocks noGrp="1"/>
+          </p:cNvSpPr>
+          <p:nvPr>
+            <p:ph idx="1"/>
+          </p:nvPr>
+        </p:nvSpPr>
+        <p:spPr/>
+        <p:txBody>
+          <a:bodyPr/>
+          <a:lstStyle/>
+          <a:p>
+            <a:r>
+              <a:rPr lang="en-US" dirty="0"/>
+              <a:t>Finally, the last step is to solve your equations for any unknowns.</a:t>
+            </a:r>
+          </a:p>
+          <a:p>
+            <a:pPr lvl="1"/>
+            <a:r>
+              <a:rPr lang="en-US" dirty="0"/>
+              <a:t>Make sure you have at least as many equations as unknowns</a:t>
+            </a:r>
+          </a:p>
+          <a:p>
+            <a:pPr lvl="1"/>
+            <a:r>
+              <a:rPr lang="en-US" dirty="0"/>
+              <a:t>You may need relate linear and angular values with kinematics</a:t>
+            </a:r>
+          </a:p>
+          <a:p>
+            <a:r>
+              <a:rPr lang="en-US" dirty="0"/>
+              <a:t>The equations should not be too complicated but use equation solvers if necessary.</a:t>
+            </a:r>
+          </a:p>
+        </p:txBody>
+      </p:sp>
+      <p:sp>
+        <p:nvSpPr>
+          <p:cNvPr id="4" name="Slide Number Placeholder 3">
+            <a:extLst>
+              <a:ext uri="{FF2B5EF4-FFF2-40B4-BE49-F238E27FC236}">
+                <a16:creationId xmlns:a16="http://schemas.microsoft.com/office/drawing/2014/main" id="{2470D783-080C-11AF-C1FC-0D6297D098BD}"/>
+              </a:ext>
+            </a:extLst>
+          </p:cNvPr>
+          <p:cNvSpPr>
+            <a:spLocks noGrp="1"/>
+          </p:cNvSpPr>
+          <p:nvPr>
+            <p:ph type="sldNum" sz="quarter" idx="12"/>
+          </p:nvPr>
+        </p:nvSpPr>
+        <p:spPr/>
+        <p:txBody>
+          <a:bodyPr/>
+          <a:lstStyle/>
+          <a:p>
+            <a:fld id="{929262FE-7F58-4A1E-8AF3-5A510A86DEBD}" type="slidenum">
+              <a:rPr lang="en-US" smtClean="0"/>
+              <a:t>7</a:t>
+            </a:fld>
+            <a:endParaRPr lang="en-US" dirty="0"/>
+          </a:p>
+        </p:txBody>
+      </p:sp>
+    </p:spTree>
+    <p:extLst>
+      <p:ext uri="{BB962C8B-B14F-4D97-AF65-F5344CB8AC3E}">
+        <p14:creationId xmlns:p14="http://schemas.microsoft.com/office/powerpoint/2010/main" val="2639960772"/>
+      </p:ext>
+    </p:extLst>
+  </p:cSld>
+  <p:clrMapOvr>
+    <a:masterClrMapping/>
+  </p:clrMapOvr>
+  <p:timing>
+    <p:tnLst>
+      <p:par>
+        <p:cTn id="1" dur="indefinite" restart="never" nodeType="tmRoot">
+          <p:childTnLst>
+            <p:seq concurrent="1" nextAc="seek">
+              <p:cTn id="2" dur="indefinite" nodeType="mainSeq">
+                <p:childTnLst>
+                  <p:par>
+                    <p:cTn id="3" fill="hold">
+                      <p:stCondLst>
+                        <p:cond delay="indefinite"/>
+                      </p:stCondLst>
+                      <p:childTnLst>
+                        <p:par>
+                          <p:cTn id="4" fill="hold">
+                            <p:stCondLst>
+                              <p:cond delay="0"/>
+                            </p:stCondLst>
+                            <p:childTnLst>
+                              <p:par>
+                                <p:cTn id="5" presetID="1" presetClass="entr" presetSubtype="0" fill="hold" grpId="0" nodeType="clickEffect">
+                                  <p:stCondLst>
+                                    <p:cond delay="0"/>
+                                  </p:stCondLst>
+                                  <p:childTnLst>
+                                    <p:set>
+                                      <p:cBhvr>
+                                        <p:cTn id="6" dur="1" fill="hold">
+                                          <p:stCondLst>
+                                            <p:cond delay="0"/>
+                                          </p:stCondLst>
+                                        </p:cTn>
+                                        <p:tgtEl>
+                                          <p:spTgt spid="3">
+                                            <p:txEl>
+                                              <p:pRg st="0" end="0"/>
+                                            </p:txEl>
+                                          </p:spTgt>
+                                        </p:tgtEl>
+                                        <p:attrNameLst>
+                                          <p:attrName>style.visibility</p:attrName>
+                                        </p:attrNameLst>
+                                      </p:cBhvr>
+                                      <p:to>
+                                        <p:strVal val="visible"/>
+                                      </p:to>
+                                    </p:set>
+                                  </p:childTnLst>
+                                </p:cTn>
+                              </p:par>
+                            </p:childTnLst>
+                          </p:cTn>
+                        </p:par>
+                      </p:childTnLst>
+                    </p:cTn>
+                  </p:par>
+                  <p:par>
+                    <p:cTn id="7" fill="hold">
+                      <p:stCondLst>
+                        <p:cond delay="indefinite"/>
+                      </p:stCondLst>
+                      <p:childTnLst>
+                        <p:par>
+                          <p:cTn id="8" fill="hold">
+                            <p:stCondLst>
+                              <p:cond delay="0"/>
+                            </p:stCondLst>
+                            <p:childTnLst>
+                              <p:par>
+                                <p:cTn id="9" presetID="1" presetClass="entr" presetSubtype="0" fill="hold" grpId="0" nodeType="clickEffect">
+                                  <p:stCondLst>
+                                    <p:cond delay="0"/>
+                                  </p:stCondLst>
+                                  <p:childTnLst>
+                                    <p:set>
+                                      <p:cBhvr>
+                                        <p:cTn id="10" dur="1" fill="hold">
+                                          <p:stCondLst>
+                                            <p:cond delay="0"/>
+                                          </p:stCondLst>
+                                        </p:cTn>
+                                        <p:tgtEl>
+                                          <p:spTgt spid="3">
+                                            <p:txEl>
+                                              <p:pRg st="1" end="1"/>
+                                            </p:txEl>
+                                          </p:spTgt>
+                                        </p:tgtEl>
+                                        <p:attrNameLst>
+                                          <p:attrName>style.visibility</p:attrName>
+                                        </p:attrNameLst>
+                                      </p:cBhvr>
+                                      <p:to>
+                                        <p:strVal val="visible"/>
+                                      </p:to>
+                                    </p:set>
+                                  </p:childTnLst>
+                                </p:cTn>
+                              </p:par>
+                            </p:childTnLst>
+                          </p:cTn>
+                        </p:par>
+                      </p:childTnLst>
+                    </p:cTn>
+                  </p:par>
+                  <p:par>
+                    <p:cTn id="11" fill="hold">
+                      <p:stCondLst>
+                        <p:cond delay="indefinite"/>
+                      </p:stCondLst>
+                      <p:childTnLst>
+                        <p:par>
+                          <p:cTn id="12" fill="hold">
+                            <p:stCondLst>
+                              <p:cond delay="0"/>
+                            </p:stCondLst>
+                            <p:childTnLst>
+                              <p:par>
+                                <p:cTn id="13" presetID="1" presetClass="entr" presetSubtype="0" fill="hold" grpId="0" nodeType="clickEffect">
+                                  <p:stCondLst>
+                                    <p:cond delay="0"/>
+                                  </p:stCondLst>
+                                  <p:childTnLst>
+                                    <p:set>
+                                      <p:cBhvr>
+                                        <p:cTn id="14" dur="1" fill="hold">
+                                          <p:stCondLst>
+                                            <p:cond delay="0"/>
+                                          </p:stCondLst>
+                                        </p:cTn>
+                                        <p:tgtEl>
+                                          <p:spTgt spid="3">
+                                            <p:txEl>
+                                              <p:pRg st="2" end="2"/>
+                                            </p:txEl>
+                                          </p:spTgt>
+                                        </p:tgtEl>
+                                        <p:attrNameLst>
+                                          <p:attrName>style.visibility</p:attrName>
+                                        </p:attrNameLst>
+                                      </p:cBhvr>
+                                      <p:to>
+                                        <p:strVal val="visible"/>
+                                      </p:to>
+                                    </p:set>
+                                  </p:childTnLst>
+                                </p:cTn>
+                              </p:par>
+                            </p:childTnLst>
+                          </p:cTn>
+                        </p:par>
+                      </p:childTnLst>
+                    </p:cTn>
+                  </p:par>
+                  <p:par>
+                    <p:cTn id="15" fill="hold">
+                      <p:stCondLst>
+                        <p:cond delay="indefinite"/>
+                      </p:stCondLst>
+                      <p:childTnLst>
+                        <p:par>
+                          <p:cTn id="16" fill="hold">
+                            <p:stCondLst>
+                              <p:cond delay="0"/>
+                            </p:stCondLst>
+                            <p:childTnLst>
+                              <p:par>
+                                <p:cTn id="17" presetID="1" presetClass="entr" presetSubtype="0" fill="hold" grpId="0" nodeType="clickEffect">
+                                  <p:stCondLst>
+                                    <p:cond delay="0"/>
+                                  </p:stCondLst>
+                                  <p:childTnLst>
+                                    <p:set>
+                                      <p:cBhvr>
+                                        <p:cTn id="18" dur="1" fill="hold">
+                                          <p:stCondLst>
+                                            <p:cond delay="0"/>
+                                          </p:stCondLst>
+                                        </p:cTn>
+                                        <p:tgtEl>
+                                          <p:spTgt spid="3">
+                                            <p:txEl>
+                                              <p:pRg st="3" end="3"/>
+                                            </p:txEl>
+                                          </p:spTgt>
+                                        </p:tgtEl>
+                                        <p:attrNameLst>
+                                          <p:attrName>style.visibility</p:attrName>
+                                        </p:attrNameLst>
+                                      </p:cBhvr>
+                                      <p:to>
+                                        <p:strVal val="visible"/>
+                                      </p:to>
+                                    </p:set>
+                                  </p:childTnLst>
+                                </p:cTn>
+                              </p:par>
+                            </p:childTnLst>
+                          </p:cTn>
+                        </p:par>
+                      </p:childTnLst>
+                    </p:cTn>
+                  </p:par>
+                </p:childTnLst>
+              </p:cTn>
+              <p:prevCondLst>
+                <p:cond evt="onPrev" delay="0">
+                  <p:tgtEl>
+                    <p:sldTgt/>
+                  </p:tgtEl>
+                </p:cond>
+              </p:prevCondLst>
+              <p:nextCondLst>
+                <p:cond evt="onNext" delay="0">
+                  <p:tgtEl>
+                    <p:sldTgt/>
+                  </p:tgtEl>
+                </p:cond>
+              </p:nextCondLst>
+            </p:seq>
+          </p:childTnLst>
+        </p:cTn>
+      </p:par>
+    </p:tnLst>
+    <p:bldLst>
+      <p:bldP spid="3" grpId="0" build="p"/>
+    </p:bldLst>
+  </p:timing>
+</p:sld>
+</file>
+
+<file path=ppt/slides/slide8.xml><?xml version="1.0" encoding="utf-8"?>
+<p:sld xmlns:a="http://schemas.openxmlformats.org/drawingml/2006/main" xmlns:r="http://schemas.openxmlformats.org/officeDocument/2006/relationships" xmlns:p="http://schemas.openxmlformats.org/presentationml/2006/main">
+  <p:cSld>
+    <p:spTree>
+      <p:nvGrpSpPr>
+        <p:cNvPr id="1" name=""/>
+        <p:cNvGrpSpPr/>
+        <p:nvPr/>
+      </p:nvGrpSpPr>
+      <p:grpSpPr>
+        <a:xfrm>
+          <a:off x="0" y="0"/>
+          <a:ext cx="0" cy="0"/>
+          <a:chOff x="0" y="0"/>
+          <a:chExt cx="0" cy="0"/>
+        </a:xfrm>
+      </p:grpSpPr>
+      <p:sp>
+        <p:nvSpPr>
+          <p:cNvPr id="2" name="Title 1">
+            <a:extLst>
+              <a:ext uri="{FF2B5EF4-FFF2-40B4-BE49-F238E27FC236}">
+                <a16:creationId xmlns:a16="http://schemas.microsoft.com/office/drawing/2014/main" id="{430E0545-8749-8516-8570-9E921DCE2E79}"/>
+              </a:ext>
+            </a:extLst>
+          </p:cNvPr>
+          <p:cNvSpPr>
+            <a:spLocks noGrp="1"/>
+          </p:cNvSpPr>
+          <p:nvPr>
+            <p:ph type="title"/>
+          </p:nvPr>
+        </p:nvSpPr>
+        <p:spPr/>
+        <p:txBody>
+          <a:bodyPr>
+            <a:normAutofit fontScale="90000"/>
+          </a:bodyPr>
+          <a:lstStyle/>
+          <a:p>
+            <a:r>
+              <a:rPr lang="en-US" dirty="0"/>
+              <a:t>The Conservation of Angular Momentum</a:t>
+            </a:r>
+          </a:p>
+        </p:txBody>
+      </p:sp>
+      <mc:AlternateContent xmlns:mc="http://schemas.openxmlformats.org/markup-compatibility/2006">
+        <mc:Choice xmlns:a14="http://schemas.microsoft.com/office/drawing/2010/main" Requires="a14">
+          <p:sp>
+            <p:nvSpPr>
+              <p:cNvPr id="3" name="Content Placeholder 2">
+                <a:extLst>
+                  <a:ext uri="{FF2B5EF4-FFF2-40B4-BE49-F238E27FC236}">
+                    <a16:creationId xmlns:a16="http://schemas.microsoft.com/office/drawing/2014/main" id="{8D4FCD04-207F-0C05-ACEE-284A7BAA7D12}"/>
+                  </a:ext>
+                </a:extLst>
+              </p:cNvPr>
+              <p:cNvSpPr>
+                <a:spLocks noGrp="1"/>
+              </p:cNvSpPr>
+              <p:nvPr>
+                <p:ph idx="1"/>
+              </p:nvPr>
+            </p:nvSpPr>
+            <p:spPr>
+              <a:xfrm>
+                <a:off x="457199" y="1600200"/>
+                <a:ext cx="5381625" cy="4876800"/>
+              </a:xfrm>
+            </p:spPr>
+            <p:txBody>
+              <a:bodyPr>
+                <a:normAutofit fontScale="77500" lnSpcReduction="20000"/>
+              </a:bodyPr>
+              <a:lstStyle/>
+              <a:p>
+                <a:r>
+                  <a:rPr lang="en-US" dirty="0"/>
+                  <a:t>We can see that in instances where there is no </a:t>
+                </a:r>
+                <a:r>
+                  <a:rPr lang="en-US" b="1" dirty="0"/>
+                  <a:t>external moment </a:t>
+                </a:r>
+                <a:r>
+                  <a:rPr lang="en-US" dirty="0"/>
+                  <a:t>(and thus no external angular impulse) on a body then the angular momentum will remain unchanged.</a:t>
+                </a:r>
+              </a:p>
+              <a:p>
+                <a:pPr marL="0" indent="0">
+                  <a:buNone/>
+                </a:pPr>
+                <a14:m>
+                  <m:oMathPara xmlns:m="http://schemas.openxmlformats.org/officeDocument/2006/math">
+                    <m:oMathParaPr>
+                      <m:jc m:val="centerGroup"/>
+                    </m:oMathParaPr>
+                    <m:oMath xmlns:m="http://schemas.openxmlformats.org/officeDocument/2006/math">
+                      <m:acc>
+                        <m:accPr>
+                          <m:chr m:val="⃑"/>
+                          <m:ctrlPr>
+                            <a:rPr lang="en-US" i="1">
+                              <a:latin typeface="Cambria Math" panose="02040503050406030204" pitchFamily="18" charset="0"/>
+                            </a:rPr>
+                          </m:ctrlPr>
+                        </m:accPr>
+                        <m:e>
+                          <m:r>
+                            <m:rPr>
+                              <m:sty m:val="p"/>
+                            </m:rPr>
+                            <a:rPr lang="en-US">
+                              <a:latin typeface="Cambria Math" panose="02040503050406030204" pitchFamily="18" charset="0"/>
+                            </a:rPr>
+                            <m:t>K</m:t>
+                          </m:r>
+                        </m:e>
+                      </m:acc>
+                      <m:r>
+                        <a:rPr lang="en-US" i="1">
+                          <a:latin typeface="Cambria Math"/>
+                        </a:rPr>
+                        <m:t>=</m:t>
+                      </m:r>
+                      <m:r>
+                        <a:rPr lang="en-US" b="0" i="1" smtClean="0">
+                          <a:latin typeface="Cambria Math" panose="02040503050406030204" pitchFamily="18" charset="0"/>
+                        </a:rPr>
+                        <m:t>0=</m:t>
+                      </m:r>
+                      <m:r>
+                        <a:rPr lang="en-US" i="1">
+                          <a:latin typeface="Cambria Math" panose="02040503050406030204" pitchFamily="18" charset="0"/>
+                        </a:rPr>
+                        <m:t>𝐼</m:t>
+                      </m:r>
+                      <m:acc>
+                        <m:accPr>
+                          <m:chr m:val="⃑"/>
+                          <m:ctrlPr>
+                            <a:rPr lang="en-US" i="1">
+                              <a:latin typeface="Cambria Math" panose="02040503050406030204" pitchFamily="18" charset="0"/>
+                            </a:rPr>
+                          </m:ctrlPr>
+                        </m:accPr>
+                        <m:e>
+                          <m:sSub>
+                            <m:sSubPr>
+                              <m:ctrlPr>
+                                <a:rPr lang="en-US" i="1">
+                                  <a:latin typeface="Cambria Math" panose="02040503050406030204" pitchFamily="18" charset="0"/>
+                                </a:rPr>
+                              </m:ctrlPr>
+                            </m:sSubPr>
+                            <m:e>
+                              <m:r>
+                                <m:rPr>
+                                  <m:sty m:val="p"/>
+                                </m:rPr>
+                                <a:rPr lang="en-US">
+                                  <a:latin typeface="Cambria Math"/>
+                                  <a:ea typeface="Cambria Math" panose="02040503050406030204" pitchFamily="18" charset="0"/>
+                                </a:rPr>
+                                <m:t>ω</m:t>
+                              </m:r>
+                            </m:e>
+                            <m:sub>
+                              <m:r>
+                                <m:rPr>
+                                  <m:sty m:val="p"/>
+                                </m:rPr>
+                                <a:rPr lang="en-US">
+                                  <a:latin typeface="Cambria Math"/>
+                                </a:rPr>
+                                <m:t>f</m:t>
+                              </m:r>
+                            </m:sub>
+                          </m:sSub>
+                        </m:e>
+                      </m:acc>
+                      <m:r>
+                        <a:rPr lang="en-US" i="1">
+                          <a:latin typeface="Cambria Math"/>
+                        </a:rPr>
+                        <m:t>−</m:t>
+                      </m:r>
+                      <m:r>
+                        <a:rPr lang="en-US" i="1">
+                          <a:latin typeface="Cambria Math" panose="02040503050406030204" pitchFamily="18" charset="0"/>
+                        </a:rPr>
+                        <m:t>𝐼</m:t>
+                      </m:r>
+                      <m:acc>
+                        <m:accPr>
+                          <m:chr m:val="⃑"/>
+                          <m:ctrlPr>
+                            <a:rPr lang="en-US" i="1">
+                              <a:latin typeface="Cambria Math" panose="02040503050406030204" pitchFamily="18" charset="0"/>
+                            </a:rPr>
+                          </m:ctrlPr>
+                        </m:accPr>
+                        <m:e>
+                          <m:sSub>
+                            <m:sSubPr>
+                              <m:ctrlPr>
+                                <a:rPr lang="en-US" i="1">
+                                  <a:latin typeface="Cambria Math" panose="02040503050406030204" pitchFamily="18" charset="0"/>
+                                </a:rPr>
+                              </m:ctrlPr>
+                            </m:sSubPr>
+                            <m:e>
+                              <m:r>
+                                <m:rPr>
+                                  <m:sty m:val="p"/>
+                                </m:rPr>
+                                <a:rPr lang="en-US">
+                                  <a:latin typeface="Cambria Math"/>
+                                  <a:ea typeface="Cambria Math" panose="02040503050406030204" pitchFamily="18" charset="0"/>
+                                </a:rPr>
+                                <m:t>ω</m:t>
+                              </m:r>
+                            </m:e>
+                            <m:sub>
+                              <m:r>
+                                <m:rPr>
+                                  <m:sty m:val="p"/>
+                                </m:rPr>
+                                <a:rPr lang="en-US">
+                                  <a:latin typeface="Cambria Math" panose="02040503050406030204" pitchFamily="18" charset="0"/>
+                                </a:rPr>
+                                <m:t>i</m:t>
+                              </m:r>
+                            </m:sub>
+                          </m:sSub>
+                        </m:e>
+                      </m:acc>
+                    </m:oMath>
+                  </m:oMathPara>
+                </a14:m>
+                <a:endParaRPr lang="en-US" dirty="0"/>
+              </a:p>
+              <a:p>
+                <a:r>
+                  <a:rPr lang="en-US" dirty="0"/>
+                  <a:t>This is known as the conservation of angular momentum.</a:t>
+                </a:r>
+              </a:p>
+              <a:p>
+                <a:r>
+                  <a:rPr lang="en-US" dirty="0"/>
+                  <a:t>This can be useful in instances where a body changes shape (and thus it’s mass moment of inertia).</a:t>
+                </a:r>
+              </a:p>
+              <a:p>
+                <a:r>
+                  <a:rPr lang="en-US" dirty="0"/>
+                  <a:t>This will also be useful in the analysis of rigid body collisions</a:t>
+                </a:r>
+              </a:p>
+            </p:txBody>
+          </p:sp>
+        </mc:Choice>
+        <mc:Fallback>
+          <p:sp>
+            <p:nvSpPr>
+              <p:cNvPr id="3" name="Content Placeholder 2">
+                <a:extLst>
+                  <a:ext uri="{FF2B5EF4-FFF2-40B4-BE49-F238E27FC236}">
+                    <a16:creationId xmlns:a16="http://schemas.microsoft.com/office/drawing/2014/main" id="{8D4FCD04-207F-0C05-ACEE-284A7BAA7D12}"/>
+                  </a:ext>
+                </a:extLst>
+              </p:cNvPr>
+              <p:cNvSpPr>
+                <a:spLocks noGrp="1" noRot="1" noChangeAspect="1" noMove="1" noResize="1" noEditPoints="1" noAdjustHandles="1" noChangeArrowheads="1" noChangeShapeType="1" noTextEdit="1"/>
+              </p:cNvSpPr>
+              <p:nvPr>
+                <p:ph idx="1"/>
+              </p:nvPr>
+            </p:nvSpPr>
+            <p:spPr>
+              <a:xfrm>
+                <a:off x="457199" y="1600200"/>
+                <a:ext cx="5381625" cy="4876800"/>
+              </a:xfrm>
+              <a:blipFill>
+                <a:blip r:embed="rId2"/>
+                <a:stretch>
+                  <a:fillRect l="-1586" t="-2375" r="-1472"/>
+                </a:stretch>
+              </a:blipFill>
+            </p:spPr>
+            <p:txBody>
+              <a:bodyPr/>
+              <a:lstStyle/>
+              <a:p>
+                <a:r>
+                  <a:rPr lang="en-US">
+                    <a:noFill/>
+                  </a:rPr>
+                  <a:t> </a:t>
+                </a:r>
+              </a:p>
+            </p:txBody>
+          </p:sp>
+        </mc:Fallback>
+      </mc:AlternateContent>
+      <p:sp>
+        <p:nvSpPr>
+          <p:cNvPr id="4" name="Slide Number Placeholder 3">
+            <a:extLst>
+              <a:ext uri="{FF2B5EF4-FFF2-40B4-BE49-F238E27FC236}">
+                <a16:creationId xmlns:a16="http://schemas.microsoft.com/office/drawing/2014/main" id="{8791D873-8F93-045E-2F22-12C70150AEC7}"/>
+              </a:ext>
+            </a:extLst>
+          </p:cNvPr>
+          <p:cNvSpPr>
+            <a:spLocks noGrp="1"/>
+          </p:cNvSpPr>
+          <p:nvPr>
+            <p:ph type="sldNum" sz="quarter" idx="12"/>
+          </p:nvPr>
+        </p:nvSpPr>
+        <p:spPr/>
+        <p:txBody>
+          <a:bodyPr/>
+          <a:lstStyle/>
+          <a:p>
+            <a:fld id="{929262FE-7F58-4A1E-8AF3-5A510A86DEBD}" type="slidenum">
+              <a:rPr lang="en-US" smtClean="0"/>
+              <a:t>8</a:t>
+            </a:fld>
+            <a:endParaRPr lang="en-US" dirty="0"/>
+          </a:p>
+        </p:txBody>
+      </p:sp>
+      <p:pic>
+        <p:nvPicPr>
+          <p:cNvPr id="5" name="Picture 2" descr="A figure skater in a spin">
+            <a:extLst>
+              <a:ext uri="{FF2B5EF4-FFF2-40B4-BE49-F238E27FC236}">
+                <a16:creationId xmlns:a16="http://schemas.microsoft.com/office/drawing/2014/main" id="{4955A623-6CC9-F9E0-8DA1-87DDECB960A4}"/>
+              </a:ext>
+            </a:extLst>
+          </p:cNvPr>
+          <p:cNvPicPr>
+            <a:picLocks noChangeAspect="1" noChangeArrowheads="1"/>
+          </p:cNvPicPr>
+          <p:nvPr/>
+        </p:nvPicPr>
+        <p:blipFill>
+          <a:blip r:embed="rId3">
+            <a:extLst>
+              <a:ext uri="{28A0092B-C50C-407E-A947-70E740481C1C}">
+                <a14:useLocalDpi xmlns:a14="http://schemas.microsoft.com/office/drawing/2010/main" val="0"/>
+              </a:ext>
+            </a:extLst>
+          </a:blip>
+          <a:srcRect/>
+          <a:stretch>
+            <a:fillRect/>
+          </a:stretch>
+        </p:blipFill>
+        <p:spPr bwMode="auto">
+          <a:xfrm>
+            <a:off x="6311155" y="1870074"/>
+            <a:ext cx="2381250" cy="3876675"/>
+          </a:xfrm>
+          <a:prstGeom prst="rect">
+            <a:avLst/>
+          </a:prstGeom>
+          <a:noFill/>
+          <a:extLst>
+            <a:ext uri="{909E8E84-426E-40DD-AFC4-6F175D3DCCD1}">
+              <a14:hiddenFill xmlns:a14="http://schemas.microsoft.com/office/drawing/2010/main">
+                <a:solidFill>
+                  <a:srgbClr val="FFFFFF"/>
+                </a:solidFill>
+              </a14:hiddenFill>
+            </a:ext>
+          </a:extLst>
+        </p:spPr>
+      </p:pic>
+      <p:sp>
+        <p:nvSpPr>
+          <p:cNvPr id="6" name="TextBox 5">
+            <a:extLst>
+              <a:ext uri="{FF2B5EF4-FFF2-40B4-BE49-F238E27FC236}">
+                <a16:creationId xmlns:a16="http://schemas.microsoft.com/office/drawing/2014/main" id="{CFB35E66-BEAC-3F73-72E0-A92EDDF3DB3D}"/>
+              </a:ext>
+            </a:extLst>
+          </p:cNvPr>
+          <p:cNvSpPr txBox="1"/>
+          <p:nvPr/>
+        </p:nvSpPr>
+        <p:spPr>
+          <a:xfrm>
+            <a:off x="5838825" y="5802868"/>
+            <a:ext cx="3325910" cy="369332"/>
+          </a:xfrm>
+          <a:prstGeom prst="rect">
+            <a:avLst/>
+          </a:prstGeom>
+          <a:noFill/>
+        </p:spPr>
+        <p:txBody>
+          <a:bodyPr wrap="none" rtlCol="0">
+            <a:spAutoFit/>
+          </a:bodyPr>
+          <a:lstStyle/>
+          <a:p>
+            <a:r>
+              <a:rPr lang="en-US" dirty="0"/>
+              <a:t>Public Domain image by </a:t>
+            </a:r>
+            <a:r>
+              <a:rPr lang="en-US" dirty="0" err="1"/>
+              <a:t>deerstop</a:t>
+            </a:r>
+            <a:endParaRPr lang="en-US" dirty="0"/>
+          </a:p>
+        </p:txBody>
+      </p:sp>
+    </p:spTree>
+    <p:extLst>
+      <p:ext uri="{BB962C8B-B14F-4D97-AF65-F5344CB8AC3E}">
+        <p14:creationId xmlns:p14="http://schemas.microsoft.com/office/powerpoint/2010/main" val="240032331"/>
+      </p:ext>
+    </p:extLst>
+  </p:cSld>
+  <p:clrMapOvr>
+    <a:masterClrMapping/>
+  </p:clrMapOvr>
+  <p:timing>
+    <p:tnLst>
+      <p:par>
+        <p:cTn id="1" dur="indefinite" restart="never" nodeType="tmRoot">
+          <p:childTnLst>
+            <p:seq concurrent="1" nextAc="seek">
+              <p:cTn id="2" dur="indefinite" nodeType="mainSeq">
+                <p:childTnLst>
+                  <p:par>
+                    <p:cTn id="3" fill="hold">
+                      <p:stCondLst>
+                        <p:cond delay="indefinite"/>
+                      </p:stCondLst>
+                      <p:childTnLst>
+                        <p:par>
+                          <p:cTn id="4" fill="hold">
+                            <p:stCondLst>
+                              <p:cond delay="0"/>
+                            </p:stCondLst>
+                            <p:childTnLst>
+                              <p:par>
+                                <p:cTn id="5" presetID="1" presetClass="entr" presetSubtype="0" fill="hold" grpId="0" nodeType="clickEffect">
+                                  <p:stCondLst>
+                                    <p:cond delay="0"/>
+                                  </p:stCondLst>
+                                  <p:childTnLst>
+                                    <p:set>
+                                      <p:cBhvr>
+                                        <p:cTn id="6" dur="1" fill="hold">
+                                          <p:stCondLst>
+                                            <p:cond delay="0"/>
+                                          </p:stCondLst>
+                                        </p:cTn>
+                                        <p:tgtEl>
+                                          <p:spTgt spid="3">
+                                            <p:txEl>
+                                              <p:pRg st="0" end="0"/>
+                                            </p:txEl>
+                                          </p:spTgt>
+                                        </p:tgtEl>
+                                        <p:attrNameLst>
+                                          <p:attrName>style.visibility</p:attrName>
+                                        </p:attrNameLst>
+                                      </p:cBhvr>
+                                      <p:to>
+                                        <p:strVal val="visible"/>
+                                      </p:to>
+                                    </p:set>
+                                  </p:childTnLst>
+                                </p:cTn>
+                              </p:par>
+                            </p:childTnLst>
+                          </p:cTn>
+                        </p:par>
+                      </p:childTnLst>
+                    </p:cTn>
+                  </p:par>
+                  <p:par>
+                    <p:cTn id="7" fill="hold">
+                      <p:stCondLst>
+                        <p:cond delay="indefinite"/>
+                      </p:stCondLst>
+                      <p:childTnLst>
+                        <p:par>
+                          <p:cTn id="8" fill="hold">
+                            <p:stCondLst>
+                              <p:cond delay="0"/>
+                            </p:stCondLst>
+                            <p:childTnLst>
+                              <p:par>
+                                <p:cTn id="9" presetID="1" presetClass="entr" presetSubtype="0" fill="hold" grpId="0" nodeType="clickEffect">
+                                  <p:stCondLst>
+                                    <p:cond delay="0"/>
+                                  </p:stCondLst>
+                                  <p:childTnLst>
+                                    <p:set>
+                                      <p:cBhvr>
+                                        <p:cTn id="10" dur="1" fill="hold">
+                                          <p:stCondLst>
+                                            <p:cond delay="0"/>
+                                          </p:stCondLst>
+                                        </p:cTn>
+                                        <p:tgtEl>
+                                          <p:spTgt spid="3">
+                                            <p:txEl>
+                                              <p:pRg st="1" end="1"/>
+                                            </p:txEl>
+                                          </p:spTgt>
+                                        </p:tgtEl>
+                                        <p:attrNameLst>
+                                          <p:attrName>style.visibility</p:attrName>
+                                        </p:attrNameLst>
+                                      </p:cBhvr>
+                                      <p:to>
+                                        <p:strVal val="visible"/>
+                                      </p:to>
+                                    </p:set>
+                                  </p:childTnLst>
+                                </p:cTn>
+                              </p:par>
+                            </p:childTnLst>
+                          </p:cTn>
+                        </p:par>
+                      </p:childTnLst>
+                    </p:cTn>
+                  </p:par>
+                  <p:par>
+                    <p:cTn id="11" fill="hold">
+                      <p:stCondLst>
+                        <p:cond delay="indefinite"/>
+                      </p:stCondLst>
+                      <p:childTnLst>
+                        <p:par>
+                          <p:cTn id="12" fill="hold">
+                            <p:stCondLst>
+                              <p:cond delay="0"/>
+                            </p:stCondLst>
+                            <p:childTnLst>
+                              <p:par>
+                                <p:cTn id="13" presetID="1" presetClass="entr" presetSubtype="0" fill="hold" grpId="0" nodeType="clickEffect">
+                                  <p:stCondLst>
+                                    <p:cond delay="0"/>
+                                  </p:stCondLst>
+                                  <p:childTnLst>
+                                    <p:set>
+                                      <p:cBhvr>
+                                        <p:cTn id="14" dur="1" fill="hold">
+                                          <p:stCondLst>
+                                            <p:cond delay="0"/>
+                                          </p:stCondLst>
+                                        </p:cTn>
+                                        <p:tgtEl>
+                                          <p:spTgt spid="3">
+                                            <p:txEl>
+                                              <p:pRg st="2" end="2"/>
+                                            </p:txEl>
+                                          </p:spTgt>
+                                        </p:tgtEl>
+                                        <p:attrNameLst>
+                                          <p:attrName>style.visibility</p:attrName>
+                                        </p:attrNameLst>
+                                      </p:cBhvr>
+                                      <p:to>
+                                        <p:strVal val="visible"/>
+                                      </p:to>
+                                    </p:set>
+                                  </p:childTnLst>
+                                </p:cTn>
+                              </p:par>
+                            </p:childTnLst>
+                          </p:cTn>
+                        </p:par>
+                      </p:childTnLst>
+                    </p:cTn>
+                  </p:par>
+                  <p:par>
+                    <p:cTn id="15" fill="hold">
+                      <p:stCondLst>
+                        <p:cond delay="indefinite"/>
+                      </p:stCondLst>
+                      <p:childTnLst>
+                        <p:par>
+                          <p:cTn id="16" fill="hold">
+                            <p:stCondLst>
+                              <p:cond delay="0"/>
+                            </p:stCondLst>
+                            <p:childTnLst>
+                              <p:par>
+                                <p:cTn id="17" presetID="1" presetClass="entr" presetSubtype="0" fill="hold" grpId="0" nodeType="clickEffect">
+                                  <p:stCondLst>
+                                    <p:cond delay="0"/>
+                                  </p:stCondLst>
+                                  <p:childTnLst>
+                                    <p:set>
+                                      <p:cBhvr>
+                                        <p:cTn id="18" dur="1" fill="hold">
+                                          <p:stCondLst>
+                                            <p:cond delay="0"/>
+                                          </p:stCondLst>
+                                        </p:cTn>
+                                        <p:tgtEl>
+                                          <p:spTgt spid="3">
+                                            <p:txEl>
+                                              <p:pRg st="3" end="3"/>
+                                            </p:txEl>
+                                          </p:spTgt>
+                                        </p:tgtEl>
+                                        <p:attrNameLst>
+                                          <p:attrName>style.visibility</p:attrName>
+                                        </p:attrNameLst>
+                                      </p:cBhvr>
+                                      <p:to>
+                                        <p:strVal val="visible"/>
+                                      </p:to>
+                                    </p:set>
+                                  </p:childTnLst>
+                                </p:cTn>
+                              </p:par>
+                            </p:childTnLst>
+                          </p:cTn>
+                        </p:par>
+                      </p:childTnLst>
+                    </p:cTn>
+                  </p:par>
+                  <p:par>
+                    <p:cTn id="19" fill="hold">
+                      <p:stCondLst>
+                        <p:cond delay="indefinite"/>
+                      </p:stCondLst>
+                      <p:childTnLst>
+                        <p:par>
+                          <p:cTn id="20" fill="hold">
+                            <p:stCondLst>
+                              <p:cond delay="0"/>
+                            </p:stCondLst>
+                            <p:childTnLst>
+                              <p:par>
+                                <p:cTn id="21" presetID="10" presetClass="entr" presetSubtype="0" fill="hold" nodeType="clickEffect">
+                                  <p:stCondLst>
+                                    <p:cond delay="0"/>
+                                  </p:stCondLst>
+                                  <p:childTnLst>
+                                    <p:set>
+                                      <p:cBhvr>
+                                        <p:cTn id="22" dur="1" fill="hold">
+                                          <p:stCondLst>
+                                            <p:cond delay="0"/>
+                                          </p:stCondLst>
+                                        </p:cTn>
+                                        <p:tgtEl>
+                                          <p:spTgt spid="5"/>
+                                        </p:tgtEl>
+                                        <p:attrNameLst>
+                                          <p:attrName>style.visibility</p:attrName>
+                                        </p:attrNameLst>
+                                      </p:cBhvr>
+                                      <p:to>
+                                        <p:strVal val="visible"/>
+                                      </p:to>
+                                    </p:set>
+                                    <p:animEffect transition="in" filter="fade">
+                                      <p:cBhvr>
+                                        <p:cTn id="23" dur="500"/>
+                                        <p:tgtEl>
+                                          <p:spTgt spid="5"/>
+                                        </p:tgtEl>
+                                      </p:cBhvr>
+                                    </p:animEffect>
+                                  </p:childTnLst>
+                                </p:cTn>
+                              </p:par>
+                              <p:par>
+                                <p:cTn id="24" presetID="10" presetClass="entr" presetSubtype="0" fill="hold" grpId="0" nodeType="withEffect">
+                                  <p:stCondLst>
+                                    <p:cond delay="0"/>
+                                  </p:stCondLst>
+                                  <p:childTnLst>
+                                    <p:set>
+                                      <p:cBhvr>
+                                        <p:cTn id="25" dur="1" fill="hold">
+                                          <p:stCondLst>
+                                            <p:cond delay="0"/>
+                                          </p:stCondLst>
+                                        </p:cTn>
+                                        <p:tgtEl>
+                                          <p:spTgt spid="6"/>
+                                        </p:tgtEl>
+                                        <p:attrNameLst>
+                                          <p:attrName>style.visibility</p:attrName>
+                                        </p:attrNameLst>
+                                      </p:cBhvr>
+                                      <p:to>
+                                        <p:strVal val="visible"/>
+                                      </p:to>
+                                    </p:set>
+                                    <p:animEffect transition="in" filter="fade">
+                                      <p:cBhvr>
+                                        <p:cTn id="26" dur="500"/>
+                                        <p:tgtEl>
+                                          <p:spTgt spid="6"/>
+                                        </p:tgtEl>
+                                      </p:cBhvr>
+                                    </p:animEffect>
+                                  </p:childTnLst>
+                                </p:cTn>
+                              </p:par>
+                            </p:childTnLst>
+                          </p:cTn>
+                        </p:par>
+                      </p:childTnLst>
+                    </p:cTn>
+                  </p:par>
+                  <p:par>
+                    <p:cTn id="27" fill="hold">
+                      <p:stCondLst>
+                        <p:cond delay="indefinite"/>
+                      </p:stCondLst>
+                      <p:childTnLst>
+                        <p:par>
+                          <p:cTn id="28" fill="hold">
+                            <p:stCondLst>
+                              <p:cond delay="0"/>
+                            </p:stCondLst>
+                            <p:childTnLst>
+                              <p:par>
+                                <p:cTn id="29" presetID="1" presetClass="entr" presetSubtype="0" fill="hold" grpId="0" nodeType="clickEffect">
+                                  <p:stCondLst>
+                                    <p:cond delay="0"/>
+                                  </p:stCondLst>
+                                  <p:childTnLst>
+                                    <p:set>
+                                      <p:cBhvr>
+                                        <p:cTn id="30" dur="1" fill="hold">
+                                          <p:stCondLst>
+                                            <p:cond delay="0"/>
+                                          </p:stCondLst>
+                                        </p:cTn>
+                                        <p:tgtEl>
+                                          <p:spTgt spid="3">
+                                            <p:txEl>
+                                              <p:pRg st="4" end="4"/>
+                                            </p:txEl>
+                                          </p:spTgt>
+                                        </p:tgtEl>
+                                        <p:attrNameLst>
+                                          <p:attrName>style.visibility</p:attrName>
+                                        </p:attrNameLst>
+                                      </p:cBhvr>
+                                      <p:to>
+                                        <p:strVal val="visible"/>
+                                      </p:to>
+                                    </p:set>
+                                  </p:childTnLst>
+                                </p:cTn>
+                              </p:par>
+                            </p:childTnLst>
+                          </p:cTn>
+                        </p:par>
+                      </p:childTnLst>
+                    </p:cTn>
+                  </p:par>
+                </p:childTnLst>
+              </p:cTn>
+              <p:prevCondLst>
+                <p:cond evt="onPrev" delay="0">
+                  <p:tgtEl>
+                    <p:sldTgt/>
+                  </p:tgtEl>
+                </p:cond>
+              </p:prevCondLst>
+              <p:nextCondLst>
+                <p:cond evt="onNext" delay="0">
+                  <p:tgtEl>
+                    <p:sldTgt/>
+                  </p:tgtEl>
+                </p:cond>
+              </p:nextCondLst>
+            </p:seq>
+          </p:childTnLst>
+        </p:cTn>
+      </p:par>
+    </p:tnLst>
+    <p:bldLst>
+      <p:bldP spid="3" grpId="0" uiExpand="1" build="p"/>
+      <p:bldP spid="6" grpId="0"/>
     </p:bldLst>
   </p:timing>
 </p:sld>
@@ -11068,21 +12289,6 @@
 </file>
 
 <file path=customXml/item1.xml><?xml version="1.0" encoding="utf-8"?>
-<?mso-contentType ?>
-<FormTemplates xmlns="http://schemas.microsoft.com/sharepoint/v3/contenttype/forms">
-  <Display>DocumentLibraryForm</Display>
-  <Edit>DocumentLibraryForm</Edit>
-  <New>DocumentLibraryForm</New>
-</FormTemplates>
-</file>
-
-<file path=customXml/item2.xml><?xml version="1.0" encoding="utf-8"?>
-<p:properties xmlns:p="http://schemas.microsoft.com/office/2006/metadata/properties" xmlns:xsi="http://www.w3.org/2001/XMLSchema-instance" xmlns:pc="http://schemas.microsoft.com/office/infopath/2007/PartnerControls">
-  <documentManagement/>
-</p:properties>
-</file>
-
-<file path=customXml/item3.xml><?xml version="1.0" encoding="utf-8"?>
 <ct:contentTypeSchema xmlns:ct="http://schemas.microsoft.com/office/2006/metadata/contentType" xmlns:ma="http://schemas.microsoft.com/office/2006/metadata/properties/metaAttributes" ct:_="" ma:_="" ma:contentTypeName="Document" ma:contentTypeID="0x010100A06DF21F5BB2734A800ED30F3F452129" ma:contentTypeVersion="12" ma:contentTypeDescription="Create a new document." ma:contentTypeScope="" ma:versionID="544d96a5fbac5de9d5d902b535c73fb2">
   <xsd:schema xmlns:xsd="http://www.w3.org/2001/XMLSchema" xmlns:xs="http://www.w3.org/2001/XMLSchema" xmlns:p="http://schemas.microsoft.com/office/2006/metadata/properties" xmlns:ns3="90d05cb5-950f-4f68-bc2c-e17794455b92" xmlns:ns4="b4eab9fa-dbb0-4082-8491-8bd54207a265" targetNamespace="http://schemas.microsoft.com/office/2006/metadata/properties" ma:root="true" ma:fieldsID="7a710efc71c2169bf9c05e5a40dddf12" ns3:_="" ns4:_="">
     <xsd:import namespace="90d05cb5-950f-4f68-bc2c-e17794455b92"/>
@@ -11299,10 +12505,36 @@
 </ct:contentTypeSchema>
 </file>
 
+<file path=customXml/item2.xml><?xml version="1.0" encoding="utf-8"?>
+<p:properties xmlns:p="http://schemas.microsoft.com/office/2006/metadata/properties" xmlns:xsi="http://www.w3.org/2001/XMLSchema-instance" xmlns:pc="http://schemas.microsoft.com/office/infopath/2007/PartnerControls">
+  <documentManagement/>
+</p:properties>
+</file>
+
+<file path=customXml/item3.xml><?xml version="1.0" encoding="utf-8"?>
+<?mso-contentType ?>
+<FormTemplates xmlns="http://schemas.microsoft.com/sharepoint/v3/contenttype/forms">
+  <Display>DocumentLibraryForm</Display>
+  <Edit>DocumentLibraryForm</Edit>
+  <New>DocumentLibraryForm</New>
+</FormTemplates>
+</file>
+
 <file path=customXml/itemProps1.xml><?xml version="1.0" encoding="utf-8"?>
-<ds:datastoreItem xmlns:ds="http://schemas.openxmlformats.org/officeDocument/2006/customXml" ds:itemID="{F5CF5F32-56DC-4068-8B04-457CF34A96F3}">
+<ds:datastoreItem xmlns:ds="http://schemas.openxmlformats.org/officeDocument/2006/customXml" ds:itemID="{A43B8A4B-79FE-4529-931C-D64224FA70E3}">
   <ds:schemaRefs>
-    <ds:schemaRef ds:uri="http://schemas.microsoft.com/sharepoint/v3/contenttype/forms"/>
+    <ds:schemaRef ds:uri="http://schemas.microsoft.com/office/2006/metadata/contentType"/>
+    <ds:schemaRef ds:uri="http://schemas.microsoft.com/office/2006/metadata/properties/metaAttributes"/>
+    <ds:schemaRef ds:uri="http://www.w3.org/2001/XMLSchema"/>
+    <ds:schemaRef ds:uri="http://schemas.microsoft.com/office/2006/metadata/properties"/>
+    <ds:schemaRef ds:uri="90d05cb5-950f-4f68-bc2c-e17794455b92"/>
+    <ds:schemaRef ds:uri="b4eab9fa-dbb0-4082-8491-8bd54207a265"/>
+    <ds:schemaRef ds:uri="http://schemas.microsoft.com/office/2006/documentManagement/types"/>
+    <ds:schemaRef ds:uri="http://schemas.microsoft.com/office/infopath/2007/PartnerControls"/>
+    <ds:schemaRef ds:uri="http://schemas.openxmlformats.org/package/2006/metadata/core-properties"/>
+    <ds:schemaRef ds:uri="http://purl.org/dc/elements/1.1/"/>
+    <ds:schemaRef ds:uri="http://purl.org/dc/terms/"/>
+    <ds:schemaRef ds:uri="http://schemas.microsoft.com/internal/obd"/>
   </ds:schemaRefs>
 </ds:datastoreItem>
 </file>
@@ -11325,20 +12557,9 @@
 </file>
 
 <file path=customXml/itemProps3.xml><?xml version="1.0" encoding="utf-8"?>
-<ds:datastoreItem xmlns:ds="http://schemas.openxmlformats.org/officeDocument/2006/customXml" ds:itemID="{A43B8A4B-79FE-4529-931C-D64224FA70E3}">
+<ds:datastoreItem xmlns:ds="http://schemas.openxmlformats.org/officeDocument/2006/customXml" ds:itemID="{F5CF5F32-56DC-4068-8B04-457CF34A96F3}">
   <ds:schemaRefs>
-    <ds:schemaRef ds:uri="http://schemas.microsoft.com/office/2006/metadata/contentType"/>
-    <ds:schemaRef ds:uri="http://schemas.microsoft.com/office/2006/metadata/properties/metaAttributes"/>
-    <ds:schemaRef ds:uri="http://www.w3.org/2001/XMLSchema"/>
-    <ds:schemaRef ds:uri="http://schemas.microsoft.com/office/2006/metadata/properties"/>
-    <ds:schemaRef ds:uri="90d05cb5-950f-4f68-bc2c-e17794455b92"/>
-    <ds:schemaRef ds:uri="b4eab9fa-dbb0-4082-8491-8bd54207a265"/>
-    <ds:schemaRef ds:uri="http://schemas.microsoft.com/office/2006/documentManagement/types"/>
-    <ds:schemaRef ds:uri="http://schemas.microsoft.com/office/infopath/2007/PartnerControls"/>
-    <ds:schemaRef ds:uri="http://schemas.openxmlformats.org/package/2006/metadata/core-properties"/>
-    <ds:schemaRef ds:uri="http://purl.org/dc/elements/1.1/"/>
-    <ds:schemaRef ds:uri="http://purl.org/dc/terms/"/>
-    <ds:schemaRef ds:uri="http://schemas.microsoft.com/internal/obd"/>
+    <ds:schemaRef ds:uri="http://schemas.microsoft.com/sharepoint/v3/contenttype/forms"/>
   </ds:schemaRefs>
 </ds:datastoreItem>
 </file>